--- a/잡다한거 폴더/2022_1학기_응실팀플.pptx
+++ b/잡다한거 폴더/2022_1학기_응실팀플.pptx
@@ -19,6 +19,10 @@
     <p:sldId id="267" r:id="rId13"/>
     <p:sldId id="268" r:id="rId14"/>
     <p:sldId id="269" r:id="rId15"/>
+    <p:sldId id="270" r:id="rId16"/>
+    <p:sldId id="271" r:id="rId17"/>
+    <p:sldId id="272" r:id="rId18"/>
+    <p:sldId id="273" r:id="rId19"/>
   </p:sldIdLst>
   <p:sldSz cx="18288000" cy="10287000" type="screen4x3"/>
   <p:notesSz cx="10287000" cy="18288000"/>
@@ -306,7 +310,7 @@
           <a:p>
             <a:fld id="{F8166F1F-CE9B-4651-A6AA-CD717754106B}" type="datetimeFigureOut">
               <a:rPr lang="en-US" smtClean="0"/>
-              <a:t>6/14/2022</a:t>
+              <a:t>6/15/2022</a:t>
             </a:fld>
             <a:endParaRPr lang="en-US"/>
           </a:p>
@@ -813,7 +817,7 @@
           <a:p>
             <a:fld id="{A76116CE-C4A3-4A05-B2D7-7C2E9A889C0F}" type="datetimeFigureOut">
               <a:rPr lang="en-US" smtClean="0"/>
-              <a:t>6/14/2022</a:t>
+              <a:t>6/15/2022</a:t>
             </a:fld>
             <a:endParaRPr lang="en-US"/>
           </a:p>
@@ -1054,7 +1058,7 @@
           <a:p>
             <a:fld id="{A76116CE-C4A3-4A05-B2D7-7C2E9A889C0F}" type="datetimeFigureOut">
               <a:rPr lang="en-US" smtClean="0"/>
-              <a:t>6/14/2022</a:t>
+              <a:t>6/15/2022</a:t>
             </a:fld>
             <a:endParaRPr lang="en-US"/>
           </a:p>
@@ -3379,8 +3383,8 @@
         </p:blipFill>
         <p:spPr>
           <a:xfrm>
-            <a:off x="11340344" y="3002592"/>
-            <a:ext cx="6668356" cy="5985747"/>
+            <a:off x="11340345" y="3002596"/>
+            <a:ext cx="6551461" cy="5985747"/>
           </a:xfrm>
           <a:prstGeom prst="rect">
             <a:avLst/>
@@ -3443,7 +3447,7 @@
         <p:spPr>
           <a:xfrm>
             <a:off x="1790045" y="3774235"/>
-            <a:ext cx="5830726" cy="2171574"/>
+            <a:ext cx="5439840" cy="3643498"/>
           </a:xfrm>
           <a:prstGeom prst="rect">
             <a:avLst/>
@@ -3458,10 +3462,10 @@
         </p:nvGrpSpPr>
         <p:grpSpPr>
           <a:xfrm>
-            <a:off x="1381758" y="3723520"/>
-            <a:ext cx="6437504" cy="2290764"/>
-            <a:chOff x="1381758" y="3723520"/>
-            <a:chExt cx="6437504" cy="2290764"/>
+            <a:off x="1139588" y="5407868"/>
+            <a:ext cx="6174740" cy="2139977"/>
+            <a:chOff x="1139588" y="5407868"/>
+            <a:chExt cx="6174740" cy="2139977"/>
           </a:xfrm>
         </p:grpSpPr>
         <p:pic>
@@ -3480,8 +3484,8 @@
           </p:blipFill>
           <p:spPr>
             <a:xfrm rot="-300000">
-              <a:off x="1381758" y="3723520"/>
-              <a:ext cx="6437504" cy="2290764"/>
+              <a:off x="1139588" y="5407868"/>
+              <a:ext cx="6174740" cy="2139977"/>
             </a:xfrm>
             <a:prstGeom prst="rect">
               <a:avLst/>
@@ -3600,345 +3604,315 @@
           </p:spPr>
         </p:pic>
       </p:grpSp>
+      <p:grpSp>
+        <p:nvGrpSpPr>
+          <p:cNvPr id="1002" name="그룹 1002"/>
+          <p:cNvGrpSpPr/>
+          <p:nvPr/>
+        </p:nvGrpSpPr>
+        <p:grpSpPr>
+          <a:xfrm>
+            <a:off x="4308860" y="3399515"/>
+            <a:ext cx="2893581" cy="3486685"/>
+            <a:chOff x="4308860" y="3399515"/>
+            <a:chExt cx="2893581" cy="3486685"/>
+          </a:xfrm>
+        </p:grpSpPr>
+        <p:pic>
+          <p:nvPicPr>
+            <p:cNvPr id="6" name="Object 5"/>
+            <p:cNvPicPr>
+              <a:picLocks noChangeAspect="1"/>
+            </p:cNvPicPr>
+            <p:nvPr/>
+          </p:nvPicPr>
+          <p:blipFill>
+            <a:blip r:embed="rId3" cstate="print"/>
+            <a:stretch>
+              <a:fillRect/>
+            </a:stretch>
+          </p:blipFill>
+          <p:spPr>
+            <a:xfrm>
+              <a:off x="4308860" y="3399515"/>
+              <a:ext cx="2893581" cy="3486685"/>
+            </a:xfrm>
+            <a:prstGeom prst="rect">
+              <a:avLst/>
+            </a:prstGeom>
+          </p:spPr>
+        </p:pic>
+      </p:grpSp>
+      <p:grpSp>
+        <p:nvGrpSpPr>
+          <p:cNvPr id="1003" name="그룹 1003"/>
+          <p:cNvGrpSpPr/>
+          <p:nvPr/>
+        </p:nvGrpSpPr>
+        <p:grpSpPr>
+          <a:xfrm>
+            <a:off x="7652940" y="3408466"/>
+            <a:ext cx="2893581" cy="3468781"/>
+            <a:chOff x="7652940" y="3408466"/>
+            <a:chExt cx="2893581" cy="3468781"/>
+          </a:xfrm>
+        </p:grpSpPr>
+        <p:pic>
+          <p:nvPicPr>
+            <p:cNvPr id="9" name="Object 8"/>
+            <p:cNvPicPr>
+              <a:picLocks noChangeAspect="1"/>
+            </p:cNvPicPr>
+            <p:nvPr/>
+          </p:nvPicPr>
+          <p:blipFill>
+            <a:blip r:embed="rId4" cstate="print"/>
+            <a:stretch>
+              <a:fillRect/>
+            </a:stretch>
+          </p:blipFill>
+          <p:spPr>
+            <a:xfrm>
+              <a:off x="7652940" y="3408466"/>
+              <a:ext cx="2893581" cy="3468781"/>
+            </a:xfrm>
+            <a:prstGeom prst="rect">
+              <a:avLst/>
+            </a:prstGeom>
+          </p:spPr>
+        </p:pic>
+      </p:grpSp>
       <p:pic>
         <p:nvPicPr>
-          <p:cNvPr id="5" name="Object 4"/>
+          <p:cNvPr id="11" name="Object 10"/>
           <p:cNvPicPr>
             <a:picLocks noChangeAspect="1"/>
           </p:cNvPicPr>
           <p:nvPr/>
         </p:nvPicPr>
         <p:blipFill>
-          <a:blip r:embed="rId3" cstate="print"/>
+          <a:blip r:embed="rId5" cstate="print"/>
           <a:stretch>
             <a:fillRect/>
           </a:stretch>
         </p:blipFill>
         <p:spPr>
           <a:xfrm>
-            <a:off x="5357022" y="2296375"/>
-            <a:ext cx="5344730" cy="1027054"/>
+            <a:off x="851611" y="7302883"/>
+            <a:ext cx="2357616" cy="711397"/>
           </a:xfrm>
           <a:prstGeom prst="rect">
             <a:avLst/>
           </a:prstGeom>
         </p:spPr>
       </p:pic>
-      <p:grpSp>
-        <p:nvGrpSpPr>
-          <p:cNvPr id="1002" name="그룹 1002"/>
-          <p:cNvGrpSpPr/>
-          <p:nvPr/>
-        </p:nvGrpSpPr>
-        <p:grpSpPr>
-          <a:xfrm>
-            <a:off x="2148829" y="5414297"/>
-            <a:ext cx="1412776" cy="1412776"/>
-            <a:chOff x="2148829" y="5414297"/>
-            <a:chExt cx="1412776" cy="1412776"/>
-          </a:xfrm>
-        </p:grpSpPr>
-        <p:pic>
-          <p:nvPicPr>
-            <p:cNvPr id="7" name="Object 6"/>
-            <p:cNvPicPr>
-              <a:picLocks noChangeAspect="1"/>
-            </p:cNvPicPr>
-            <p:nvPr/>
-          </p:nvPicPr>
-          <p:blipFill>
-            <a:blip r:embed="rId4" cstate="print"/>
-            <a:stretch>
-              <a:fillRect/>
-            </a:stretch>
-          </p:blipFill>
-          <p:spPr>
-            <a:xfrm>
-              <a:off x="2148829" y="5414297"/>
-              <a:ext cx="1412776" cy="1412776"/>
-            </a:xfrm>
-            <a:prstGeom prst="rect">
-              <a:avLst/>
-            </a:prstGeom>
-          </p:spPr>
-        </p:pic>
-      </p:grpSp>
-      <p:grpSp>
-        <p:nvGrpSpPr>
-          <p:cNvPr id="1003" name="그룹 1003"/>
-          <p:cNvGrpSpPr/>
-          <p:nvPr/>
-        </p:nvGrpSpPr>
-        <p:grpSpPr>
-          <a:xfrm>
-            <a:off x="6271476" y="5414297"/>
-            <a:ext cx="1412776" cy="1412776"/>
-            <a:chOff x="6271476" y="5414297"/>
-            <a:chExt cx="1412776" cy="1412776"/>
-          </a:xfrm>
-        </p:grpSpPr>
-        <p:pic>
-          <p:nvPicPr>
-            <p:cNvPr id="10" name="Object 9"/>
-            <p:cNvPicPr>
-              <a:picLocks noChangeAspect="1"/>
-            </p:cNvPicPr>
-            <p:nvPr/>
-          </p:nvPicPr>
-          <p:blipFill>
-            <a:blip r:embed="rId5" cstate="print"/>
-            <a:stretch>
-              <a:fillRect/>
-            </a:stretch>
-          </p:blipFill>
-          <p:spPr>
-            <a:xfrm>
-              <a:off x="6271476" y="5414297"/>
-              <a:ext cx="1412776" cy="1412776"/>
-            </a:xfrm>
-            <a:prstGeom prst="rect">
-              <a:avLst/>
-            </a:prstGeom>
-          </p:spPr>
-        </p:pic>
-      </p:grpSp>
-      <p:grpSp>
-        <p:nvGrpSpPr>
-          <p:cNvPr id="1004" name="그룹 1004"/>
-          <p:cNvGrpSpPr/>
-          <p:nvPr/>
-        </p:nvGrpSpPr>
-        <p:grpSpPr>
-          <a:xfrm>
-            <a:off x="10568300" y="5503737"/>
-            <a:ext cx="1412776" cy="1412776"/>
-            <a:chOff x="10568300" y="5503737"/>
-            <a:chExt cx="1412776" cy="1412776"/>
-          </a:xfrm>
-        </p:grpSpPr>
-        <p:pic>
-          <p:nvPicPr>
-            <p:cNvPr id="13" name="Object 12"/>
-            <p:cNvPicPr>
-              <a:picLocks noChangeAspect="1"/>
-            </p:cNvPicPr>
-            <p:nvPr/>
-          </p:nvPicPr>
-          <p:blipFill>
-            <a:blip r:embed="rId6" cstate="print"/>
-            <a:stretch>
-              <a:fillRect/>
-            </a:stretch>
-          </p:blipFill>
-          <p:spPr>
-            <a:xfrm>
-              <a:off x="10568300" y="5503737"/>
-              <a:ext cx="1412776" cy="1412776"/>
-            </a:xfrm>
-            <a:prstGeom prst="rect">
-              <a:avLst/>
-            </a:prstGeom>
-          </p:spPr>
-        </p:pic>
-      </p:grpSp>
-      <p:grpSp>
-        <p:nvGrpSpPr>
-          <p:cNvPr id="1005" name="그룹 1005"/>
-          <p:cNvGrpSpPr/>
-          <p:nvPr/>
-        </p:nvGrpSpPr>
-        <p:grpSpPr>
-          <a:xfrm>
-            <a:off x="14632526" y="5503737"/>
-            <a:ext cx="1412776" cy="1412776"/>
-            <a:chOff x="14632526" y="5503737"/>
-            <a:chExt cx="1412776" cy="1412776"/>
-          </a:xfrm>
-        </p:grpSpPr>
-        <p:pic>
-          <p:nvPicPr>
-            <p:cNvPr id="16" name="Object 15"/>
-            <p:cNvPicPr>
-              <a:picLocks noChangeAspect="1"/>
-            </p:cNvPicPr>
-            <p:nvPr/>
-          </p:nvPicPr>
-          <p:blipFill>
-            <a:blip r:embed="rId7" cstate="print"/>
-            <a:stretch>
-              <a:fillRect/>
-            </a:stretch>
-          </p:blipFill>
-          <p:spPr>
-            <a:xfrm>
-              <a:off x="14632526" y="5503737"/>
-              <a:ext cx="1412776" cy="1412776"/>
-            </a:xfrm>
-            <a:prstGeom prst="rect">
-              <a:avLst/>
-            </a:prstGeom>
-          </p:spPr>
-        </p:pic>
-      </p:grpSp>
-      <p:grpSp>
-        <p:nvGrpSpPr>
-          <p:cNvPr id="1006" name="그룹 1006"/>
-          <p:cNvGrpSpPr/>
-          <p:nvPr/>
-        </p:nvGrpSpPr>
-        <p:grpSpPr>
-          <a:xfrm>
-            <a:off x="10911108" y="5816997"/>
-            <a:ext cx="694019" cy="786255"/>
-            <a:chOff x="10911108" y="5816997"/>
-            <a:chExt cx="694019" cy="786255"/>
-          </a:xfrm>
-        </p:grpSpPr>
-        <p:pic>
-          <p:nvPicPr>
-            <p:cNvPr id="19" name="Object 18"/>
-            <p:cNvPicPr>
-              <a:picLocks noChangeAspect="1"/>
-            </p:cNvPicPr>
-            <p:nvPr/>
-          </p:nvPicPr>
-          <p:blipFill>
-            <a:blip r:embed="rId8" cstate="print"/>
-            <a:stretch>
-              <a:fillRect/>
-            </a:stretch>
-          </p:blipFill>
-          <p:spPr>
-            <a:xfrm>
-              <a:off x="10911108" y="5816997"/>
-              <a:ext cx="694019" cy="786255"/>
-            </a:xfrm>
-            <a:prstGeom prst="rect">
-              <a:avLst/>
-            </a:prstGeom>
-          </p:spPr>
-        </p:pic>
-      </p:grpSp>
-      <p:grpSp>
-        <p:nvGrpSpPr>
-          <p:cNvPr id="1007" name="그룹 1007"/>
-          <p:cNvGrpSpPr/>
-          <p:nvPr/>
-        </p:nvGrpSpPr>
-        <p:grpSpPr>
-          <a:xfrm>
-            <a:off x="6584736" y="5731539"/>
-            <a:ext cx="786255" cy="778293"/>
-            <a:chOff x="6584736" y="5731539"/>
-            <a:chExt cx="786255" cy="778293"/>
-          </a:xfrm>
-        </p:grpSpPr>
-        <p:pic>
-          <p:nvPicPr>
-            <p:cNvPr id="22" name="Object 21"/>
-            <p:cNvPicPr>
-              <a:picLocks noChangeAspect="1"/>
-            </p:cNvPicPr>
-            <p:nvPr/>
-          </p:nvPicPr>
-          <p:blipFill>
-            <a:blip r:embed="rId9" cstate="print"/>
-            <a:stretch>
-              <a:fillRect/>
-            </a:stretch>
-          </p:blipFill>
-          <p:spPr>
-            <a:xfrm>
-              <a:off x="6584736" y="5731539"/>
-              <a:ext cx="786255" cy="778293"/>
-            </a:xfrm>
-            <a:prstGeom prst="rect">
-              <a:avLst/>
-            </a:prstGeom>
-          </p:spPr>
-        </p:pic>
-      </p:grpSp>
-      <p:grpSp>
-        <p:nvGrpSpPr>
-          <p:cNvPr id="1008" name="그룹 1008"/>
-          <p:cNvGrpSpPr/>
-          <p:nvPr/>
-        </p:nvGrpSpPr>
-        <p:grpSpPr>
-          <a:xfrm>
-            <a:off x="2540648" y="5727558"/>
-            <a:ext cx="629137" cy="786255"/>
-            <a:chOff x="2540648" y="5727558"/>
-            <a:chExt cx="629137" cy="786255"/>
-          </a:xfrm>
-        </p:grpSpPr>
-        <p:pic>
-          <p:nvPicPr>
-            <p:cNvPr id="25" name="Object 24"/>
-            <p:cNvPicPr>
-              <a:picLocks noChangeAspect="1"/>
-            </p:cNvPicPr>
-            <p:nvPr/>
-          </p:nvPicPr>
-          <p:blipFill>
-            <a:blip r:embed="rId10" cstate="print"/>
-            <a:stretch>
-              <a:fillRect/>
-            </a:stretch>
-          </p:blipFill>
-          <p:spPr>
-            <a:xfrm>
-              <a:off x="2540648" y="5727558"/>
-              <a:ext cx="629137" cy="786255"/>
-            </a:xfrm>
-            <a:prstGeom prst="rect">
-              <a:avLst/>
-            </a:prstGeom>
-          </p:spPr>
-        </p:pic>
-      </p:grpSp>
-      <p:grpSp>
-        <p:nvGrpSpPr>
-          <p:cNvPr id="1009" name="그룹 1009"/>
-          <p:cNvGrpSpPr/>
-          <p:nvPr/>
-        </p:nvGrpSpPr>
-        <p:grpSpPr>
-          <a:xfrm>
-            <a:off x="14998218" y="5816816"/>
-            <a:ext cx="681392" cy="786255"/>
-            <a:chOff x="14998218" y="5816816"/>
-            <a:chExt cx="681392" cy="786255"/>
-          </a:xfrm>
-        </p:grpSpPr>
-        <p:pic>
-          <p:nvPicPr>
-            <p:cNvPr id="28" name="Object 27"/>
-            <p:cNvPicPr>
-              <a:picLocks noChangeAspect="1"/>
-            </p:cNvPicPr>
-            <p:nvPr/>
-          </p:nvPicPr>
-          <p:blipFill>
-            <a:blip r:embed="rId11" cstate="print"/>
-            <a:stretch>
-              <a:fillRect/>
-            </a:stretch>
-          </p:blipFill>
-          <p:spPr>
-            <a:xfrm>
-              <a:off x="14998218" y="5816816"/>
-              <a:ext cx="681392" cy="786255"/>
-            </a:xfrm>
-            <a:prstGeom prst="rect">
-              <a:avLst/>
-            </a:prstGeom>
-          </p:spPr>
-        </p:pic>
-      </p:grpSp>
       <p:pic>
         <p:nvPicPr>
-          <p:cNvPr id="30" name="Object 29"/>
+          <p:cNvPr id="12" name="Object 11"/>
+          <p:cNvPicPr>
+            <a:picLocks noChangeAspect="1"/>
+          </p:cNvPicPr>
+          <p:nvPr/>
+        </p:nvPicPr>
+        <p:blipFill>
+          <a:blip r:embed="rId6" cstate="print"/>
+          <a:stretch>
+            <a:fillRect/>
+          </a:stretch>
+        </p:blipFill>
+        <p:spPr>
+          <a:xfrm>
+            <a:off x="14334570" y="7302883"/>
+            <a:ext cx="2357616" cy="711397"/>
+          </a:xfrm>
+          <a:prstGeom prst="rect">
+            <a:avLst/>
+          </a:prstGeom>
+        </p:spPr>
+      </p:pic>
+      <p:grpSp>
+        <p:nvGrpSpPr>
+          <p:cNvPr id="1004" name="그룹 1004"/>
+          <p:cNvGrpSpPr/>
+          <p:nvPr/>
+        </p:nvGrpSpPr>
+        <p:grpSpPr>
+          <a:xfrm>
+            <a:off x="969058" y="3404792"/>
+            <a:ext cx="2884822" cy="3476131"/>
+            <a:chOff x="969058" y="3404792"/>
+            <a:chExt cx="2884822" cy="3476131"/>
+          </a:xfrm>
+        </p:grpSpPr>
+        <p:pic>
+          <p:nvPicPr>
+            <p:cNvPr id="14" name="Object 13"/>
+            <p:cNvPicPr>
+              <a:picLocks noChangeAspect="1"/>
+            </p:cNvPicPr>
+            <p:nvPr/>
+          </p:nvPicPr>
+          <p:blipFill>
+            <a:blip r:embed="rId7" cstate="print"/>
+            <a:stretch>
+              <a:fillRect/>
+            </a:stretch>
+          </p:blipFill>
+          <p:spPr>
+            <a:xfrm>
+              <a:off x="969058" y="3404792"/>
+              <a:ext cx="2884822" cy="3476131"/>
+            </a:xfrm>
+            <a:prstGeom prst="rect">
+              <a:avLst/>
+            </a:prstGeom>
+          </p:spPr>
+        </p:pic>
+      </p:grpSp>
+      <p:grpSp>
+        <p:nvGrpSpPr>
+          <p:cNvPr id="1005" name="그룹 1005"/>
+          <p:cNvGrpSpPr/>
+          <p:nvPr/>
+        </p:nvGrpSpPr>
+        <p:grpSpPr>
+          <a:xfrm>
+            <a:off x="11136208" y="3395982"/>
+            <a:ext cx="2899443" cy="3493750"/>
+            <a:chOff x="11136208" y="3395982"/>
+            <a:chExt cx="2899443" cy="3493750"/>
+          </a:xfrm>
+        </p:grpSpPr>
+        <p:pic>
+          <p:nvPicPr>
+            <p:cNvPr id="17" name="Object 16"/>
+            <p:cNvPicPr>
+              <a:picLocks noChangeAspect="1"/>
+            </p:cNvPicPr>
+            <p:nvPr/>
+          </p:nvPicPr>
+          <p:blipFill>
+            <a:blip r:embed="rId8" cstate="print"/>
+            <a:stretch>
+              <a:fillRect/>
+            </a:stretch>
+          </p:blipFill>
+          <p:spPr>
+            <a:xfrm>
+              <a:off x="11136208" y="3395982"/>
+              <a:ext cx="2899443" cy="3493750"/>
+            </a:xfrm>
+            <a:prstGeom prst="rect">
+              <a:avLst/>
+            </a:prstGeom>
+          </p:spPr>
+        </p:pic>
+      </p:grpSp>
+      <p:grpSp>
+        <p:nvGrpSpPr>
+          <p:cNvPr id="1006" name="그룹 1006"/>
+          <p:cNvGrpSpPr/>
+          <p:nvPr/>
+        </p:nvGrpSpPr>
+        <p:grpSpPr>
+          <a:xfrm>
+            <a:off x="14394514" y="3399515"/>
+            <a:ext cx="2893581" cy="3486685"/>
+            <a:chOff x="14394514" y="3399515"/>
+            <a:chExt cx="2893581" cy="3486685"/>
+          </a:xfrm>
+        </p:grpSpPr>
+        <p:pic>
+          <p:nvPicPr>
+            <p:cNvPr id="20" name="Object 19"/>
+            <p:cNvPicPr>
+              <a:picLocks noChangeAspect="1"/>
+            </p:cNvPicPr>
+            <p:nvPr/>
+          </p:nvPicPr>
+          <p:blipFill>
+            <a:blip r:embed="rId9" cstate="print"/>
+            <a:stretch>
+              <a:fillRect/>
+            </a:stretch>
+          </p:blipFill>
+          <p:spPr>
+            <a:xfrm>
+              <a:off x="14394514" y="3399515"/>
+              <a:ext cx="2893581" cy="3486685"/>
+            </a:xfrm>
+            <a:prstGeom prst="rect">
+              <a:avLst/>
+            </a:prstGeom>
+          </p:spPr>
+        </p:pic>
+      </p:grpSp>
+      <p:grpSp>
+        <p:nvGrpSpPr>
+          <p:cNvPr id="1007" name="그룹 1007"/>
+          <p:cNvGrpSpPr/>
+          <p:nvPr/>
+        </p:nvGrpSpPr>
+        <p:grpSpPr>
+          <a:xfrm>
+            <a:off x="12600306" y="2066599"/>
+            <a:ext cx="1456126" cy="1332915"/>
+            <a:chOff x="12600306" y="2066599"/>
+            <a:chExt cx="1456126" cy="1332915"/>
+          </a:xfrm>
+        </p:grpSpPr>
+        <p:pic>
+          <p:nvPicPr>
+            <p:cNvPr id="23" name="Object 22"/>
+            <p:cNvPicPr>
+              <a:picLocks noChangeAspect="1"/>
+            </p:cNvPicPr>
+            <p:nvPr/>
+          </p:nvPicPr>
+          <p:blipFill>
+            <a:blip r:embed="rId10" cstate="print"/>
+            <a:stretch>
+              <a:fillRect/>
+            </a:stretch>
+          </p:blipFill>
+          <p:spPr>
+            <a:xfrm>
+              <a:off x="12600306" y="2066599"/>
+              <a:ext cx="1456126" cy="1332915"/>
+            </a:xfrm>
+            <a:prstGeom prst="rect">
+              <a:avLst/>
+            </a:prstGeom>
+          </p:spPr>
+        </p:pic>
+      </p:grpSp>
+      <p:pic>
+        <p:nvPicPr>
+          <p:cNvPr id="25" name="Object 24"/>
+          <p:cNvPicPr>
+            <a:picLocks noChangeAspect="1"/>
+          </p:cNvPicPr>
+          <p:nvPr/>
+        </p:nvPicPr>
+        <p:blipFill>
+          <a:blip r:embed="rId11" cstate="print"/>
+          <a:stretch>
+            <a:fillRect/>
+          </a:stretch>
+        </p:blipFill>
+        <p:spPr>
+          <a:xfrm>
+            <a:off x="4162373" y="7302883"/>
+            <a:ext cx="2365568" cy="713025"/>
+          </a:xfrm>
+          <a:prstGeom prst="rect">
+            <a:avLst/>
+          </a:prstGeom>
+        </p:spPr>
+      </p:pic>
+      <p:pic>
+        <p:nvPicPr>
+          <p:cNvPr id="26" name="Object 25"/>
           <p:cNvPicPr>
             <a:picLocks noChangeAspect="1"/>
           </p:cNvPicPr>
@@ -3952,8 +3926,8 @@
         </p:blipFill>
         <p:spPr>
           <a:xfrm>
-            <a:off x="5752544" y="6841563"/>
-            <a:ext cx="2259159" cy="997902"/>
+            <a:off x="11076264" y="7302883"/>
+            <a:ext cx="2357616" cy="711397"/>
           </a:xfrm>
           <a:prstGeom prst="rect">
             <a:avLst/>
@@ -3962,7 +3936,7 @@
       </p:pic>
       <p:pic>
         <p:nvPicPr>
-          <p:cNvPr id="31" name="Object 30"/>
+          <p:cNvPr id="27" name="Object 26"/>
           <p:cNvPicPr>
             <a:picLocks noChangeAspect="1"/>
           </p:cNvPicPr>
@@ -3976,8 +3950,8 @@
         </p:blipFill>
         <p:spPr>
           <a:xfrm>
-            <a:off x="1656144" y="6841563"/>
-            <a:ext cx="2259235" cy="992664"/>
+            <a:off x="11146220" y="3013091"/>
+            <a:ext cx="1302383" cy="395164"/>
           </a:xfrm>
           <a:prstGeom prst="rect">
             <a:avLst/>
@@ -3986,7 +3960,7 @@
       </p:pic>
       <p:pic>
         <p:nvPicPr>
-          <p:cNvPr id="32" name="Object 31"/>
+          <p:cNvPr id="28" name="Object 27"/>
           <p:cNvPicPr>
             <a:picLocks noChangeAspect="1"/>
           </p:cNvPicPr>
@@ -4000,446 +3974,14 @@
         </p:blipFill>
         <p:spPr>
           <a:xfrm>
-            <a:off x="10057696" y="6931001"/>
-            <a:ext cx="2215283" cy="975749"/>
+            <a:off x="7549579" y="7302883"/>
+            <a:ext cx="2356044" cy="713025"/>
           </a:xfrm>
           <a:prstGeom prst="rect">
             <a:avLst/>
           </a:prstGeom>
         </p:spPr>
       </p:pic>
-      <p:pic>
-        <p:nvPicPr>
-          <p:cNvPr id="33" name="Object 32"/>
-          <p:cNvPicPr>
-            <a:picLocks noChangeAspect="1"/>
-          </p:cNvPicPr>
-          <p:nvPr/>
-        </p:nvPicPr>
-        <p:blipFill>
-          <a:blip r:embed="rId15" cstate="print"/>
-          <a:stretch>
-            <a:fillRect/>
-          </a:stretch>
-        </p:blipFill>
-        <p:spPr>
-          <a:xfrm>
-            <a:off x="14121982" y="6931001"/>
-            <a:ext cx="2215283" cy="975749"/>
-          </a:xfrm>
-          <a:prstGeom prst="rect">
-            <a:avLst/>
-          </a:prstGeom>
-        </p:spPr>
-      </p:pic>
-      <p:pic>
-        <p:nvPicPr>
-          <p:cNvPr id="34" name="Object 33"/>
-          <p:cNvPicPr>
-            <a:picLocks noChangeAspect="1"/>
-          </p:cNvPicPr>
-          <p:nvPr/>
-        </p:nvPicPr>
-        <p:blipFill>
-          <a:blip r:embed="rId16" cstate="print"/>
-          <a:stretch>
-            <a:fillRect/>
-          </a:stretch>
-        </p:blipFill>
-        <p:spPr>
-          <a:xfrm>
-            <a:off x="5590760" y="7673907"/>
-            <a:ext cx="2740088" cy="1258846"/>
-          </a:xfrm>
-          <a:prstGeom prst="rect">
-            <a:avLst/>
-          </a:prstGeom>
-        </p:spPr>
-      </p:pic>
-      <p:pic>
-        <p:nvPicPr>
-          <p:cNvPr id="35" name="Object 34"/>
-          <p:cNvPicPr>
-            <a:picLocks noChangeAspect="1"/>
-          </p:cNvPicPr>
-          <p:nvPr/>
-        </p:nvPicPr>
-        <p:blipFill>
-          <a:blip r:embed="rId17" cstate="print"/>
-          <a:stretch>
-            <a:fillRect/>
-          </a:stretch>
-        </p:blipFill>
-        <p:spPr>
-          <a:xfrm>
-            <a:off x="1551502" y="7714596"/>
-            <a:ext cx="2832060" cy="1177693"/>
-          </a:xfrm>
-          <a:prstGeom prst="rect">
-            <a:avLst/>
-          </a:prstGeom>
-        </p:spPr>
-      </p:pic>
-      <p:pic>
-        <p:nvPicPr>
-          <p:cNvPr id="36" name="Object 35"/>
-          <p:cNvPicPr>
-            <a:picLocks noChangeAspect="1"/>
-          </p:cNvPicPr>
-          <p:nvPr/>
-        </p:nvPicPr>
-        <p:blipFill>
-          <a:blip r:embed="rId18" cstate="print"/>
-          <a:stretch>
-            <a:fillRect/>
-          </a:stretch>
-        </p:blipFill>
-        <p:spPr>
-          <a:xfrm>
-            <a:off x="9926339" y="8083567"/>
-            <a:ext cx="2223955" cy="469465"/>
-          </a:xfrm>
-          <a:prstGeom prst="rect">
-            <a:avLst/>
-          </a:prstGeom>
-        </p:spPr>
-      </p:pic>
-      <p:pic>
-        <p:nvPicPr>
-          <p:cNvPr id="37" name="Object 36"/>
-          <p:cNvPicPr>
-            <a:picLocks noChangeAspect="1"/>
-          </p:cNvPicPr>
-          <p:nvPr/>
-        </p:nvPicPr>
-        <p:blipFill>
-          <a:blip r:embed="rId19" cstate="print"/>
-          <a:stretch>
-            <a:fillRect/>
-          </a:stretch>
-        </p:blipFill>
-        <p:spPr>
-          <a:xfrm>
-            <a:off x="14118863" y="8152939"/>
-            <a:ext cx="2599783" cy="388312"/>
-          </a:xfrm>
-          <a:prstGeom prst="rect">
-            <a:avLst/>
-          </a:prstGeom>
-        </p:spPr>
-      </p:pic>
-      <p:grpSp>
-        <p:nvGrpSpPr>
-          <p:cNvPr id="1010" name="그룹 1010"/>
-          <p:cNvGrpSpPr/>
-          <p:nvPr/>
-        </p:nvGrpSpPr>
-        <p:grpSpPr>
-          <a:xfrm>
-            <a:off x="715476" y="4163364"/>
-            <a:ext cx="16854762" cy="121855"/>
-            <a:chOff x="715476" y="4163364"/>
-            <a:chExt cx="16854762" cy="121855"/>
-          </a:xfrm>
-        </p:grpSpPr>
-        <p:pic>
-          <p:nvPicPr>
-            <p:cNvPr id="39" name="Object 38"/>
-            <p:cNvPicPr>
-              <a:picLocks noChangeAspect="1"/>
-            </p:cNvPicPr>
-            <p:nvPr/>
-          </p:nvPicPr>
-          <p:blipFill>
-            <a:blip r:embed="rId20" cstate="print"/>
-            <a:stretch>
-              <a:fillRect/>
-            </a:stretch>
-          </p:blipFill>
-          <p:spPr>
-            <a:xfrm rot="-10800000">
-              <a:off x="715476" y="4163364"/>
-              <a:ext cx="16854762" cy="121855"/>
-            </a:xfrm>
-            <a:prstGeom prst="rect">
-              <a:avLst/>
-            </a:prstGeom>
-          </p:spPr>
-        </p:pic>
-      </p:grpSp>
-      <p:grpSp>
-        <p:nvGrpSpPr>
-          <p:cNvPr id="1011" name="그룹 1011"/>
-          <p:cNvGrpSpPr/>
-          <p:nvPr/>
-        </p:nvGrpSpPr>
-        <p:grpSpPr>
-          <a:xfrm>
-            <a:off x="2253402" y="6855475"/>
-            <a:ext cx="5367196" cy="121855"/>
-            <a:chOff x="2253402" y="6855475"/>
-            <a:chExt cx="5367196" cy="121855"/>
-          </a:xfrm>
-        </p:grpSpPr>
-        <p:pic>
-          <p:nvPicPr>
-            <p:cNvPr id="42" name="Object 41"/>
-            <p:cNvPicPr>
-              <a:picLocks noChangeAspect="1"/>
-            </p:cNvPicPr>
-            <p:nvPr/>
-          </p:nvPicPr>
-          <p:blipFill>
-            <a:blip r:embed="rId21" cstate="print"/>
-            <a:stretch>
-              <a:fillRect/>
-            </a:stretch>
-          </p:blipFill>
-          <p:spPr>
-            <a:xfrm rot="-5400000">
-              <a:off x="2253402" y="6855475"/>
-              <a:ext cx="5367196" cy="121855"/>
-            </a:xfrm>
-            <a:prstGeom prst="rect">
-              <a:avLst/>
-            </a:prstGeom>
-          </p:spPr>
-        </p:pic>
-      </p:grpSp>
-      <p:grpSp>
-        <p:nvGrpSpPr>
-          <p:cNvPr id="1012" name="그룹 1012"/>
-          <p:cNvGrpSpPr/>
-          <p:nvPr/>
-        </p:nvGrpSpPr>
-        <p:grpSpPr>
-          <a:xfrm>
-            <a:off x="6448677" y="6844893"/>
-            <a:ext cx="5388360" cy="121855"/>
-            <a:chOff x="6448677" y="6844893"/>
-            <a:chExt cx="5388360" cy="121855"/>
-          </a:xfrm>
-        </p:grpSpPr>
-        <p:pic>
-          <p:nvPicPr>
-            <p:cNvPr id="45" name="Object 44"/>
-            <p:cNvPicPr>
-              <a:picLocks noChangeAspect="1"/>
-            </p:cNvPicPr>
-            <p:nvPr/>
-          </p:nvPicPr>
-          <p:blipFill>
-            <a:blip r:embed="rId22" cstate="print"/>
-            <a:stretch>
-              <a:fillRect/>
-            </a:stretch>
-          </p:blipFill>
-          <p:spPr>
-            <a:xfrm rot="-5400000">
-              <a:off x="6448677" y="6844893"/>
-              <a:ext cx="5388360" cy="121855"/>
-            </a:xfrm>
-            <a:prstGeom prst="rect">
-              <a:avLst/>
-            </a:prstGeom>
-          </p:spPr>
-        </p:pic>
-      </p:grpSp>
-      <p:grpSp>
-        <p:nvGrpSpPr>
-          <p:cNvPr id="1013" name="그룹 1013"/>
-          <p:cNvGrpSpPr/>
-          <p:nvPr/>
-        </p:nvGrpSpPr>
-        <p:grpSpPr>
-          <a:xfrm>
-            <a:off x="10659825" y="6850184"/>
-            <a:ext cx="5377778" cy="121855"/>
-            <a:chOff x="10659825" y="6850184"/>
-            <a:chExt cx="5377778" cy="121855"/>
-          </a:xfrm>
-        </p:grpSpPr>
-        <p:pic>
-          <p:nvPicPr>
-            <p:cNvPr id="48" name="Object 47"/>
-            <p:cNvPicPr>
-              <a:picLocks noChangeAspect="1"/>
-            </p:cNvPicPr>
-            <p:nvPr/>
-          </p:nvPicPr>
-          <p:blipFill>
-            <a:blip r:embed="rId23" cstate="print"/>
-            <a:stretch>
-              <a:fillRect/>
-            </a:stretch>
-          </p:blipFill>
-          <p:spPr>
-            <a:xfrm rot="-5400000">
-              <a:off x="10659825" y="6850184"/>
-              <a:ext cx="5377778" cy="121855"/>
-            </a:xfrm>
-            <a:prstGeom prst="rect">
-              <a:avLst/>
-            </a:prstGeom>
-          </p:spPr>
-        </p:pic>
-      </p:grpSp>
-      <p:grpSp>
-        <p:nvGrpSpPr>
-          <p:cNvPr id="1014" name="그룹 1014"/>
-          <p:cNvGrpSpPr/>
-          <p:nvPr/>
-        </p:nvGrpSpPr>
-        <p:grpSpPr>
-          <a:xfrm>
-            <a:off x="2614581" y="4743650"/>
-            <a:ext cx="433038" cy="346182"/>
-            <a:chOff x="2614581" y="4743650"/>
-            <a:chExt cx="433038" cy="346182"/>
-          </a:xfrm>
-        </p:grpSpPr>
-        <p:pic>
-          <p:nvPicPr>
-            <p:cNvPr id="51" name="Object 50"/>
-            <p:cNvPicPr>
-              <a:picLocks noChangeAspect="1"/>
-            </p:cNvPicPr>
-            <p:nvPr/>
-          </p:nvPicPr>
-          <p:blipFill>
-            <a:blip r:embed="rId24" cstate="print"/>
-            <a:stretch>
-              <a:fillRect/>
-            </a:stretch>
-          </p:blipFill>
-          <p:spPr>
-            <a:xfrm>
-              <a:off x="2614581" y="4743650"/>
-              <a:ext cx="433038" cy="346182"/>
-            </a:xfrm>
-            <a:prstGeom prst="rect">
-              <a:avLst/>
-            </a:prstGeom>
-          </p:spPr>
-        </p:pic>
-      </p:grpSp>
-      <p:grpSp>
-        <p:nvGrpSpPr>
-          <p:cNvPr id="1015" name="그룹 1015"/>
-          <p:cNvGrpSpPr/>
-          <p:nvPr/>
-        </p:nvGrpSpPr>
-        <p:grpSpPr>
-          <a:xfrm>
-            <a:off x="6770868" y="4743650"/>
-            <a:ext cx="433038" cy="346182"/>
-            <a:chOff x="6770868" y="4743650"/>
-            <a:chExt cx="433038" cy="346182"/>
-          </a:xfrm>
-        </p:grpSpPr>
-        <p:pic>
-          <p:nvPicPr>
-            <p:cNvPr id="54" name="Object 53"/>
-            <p:cNvPicPr>
-              <a:picLocks noChangeAspect="1"/>
-            </p:cNvPicPr>
-            <p:nvPr/>
-          </p:nvPicPr>
-          <p:blipFill>
-            <a:blip r:embed="rId25" cstate="print"/>
-            <a:stretch>
-              <a:fillRect/>
-            </a:stretch>
-          </p:blipFill>
-          <p:spPr>
-            <a:xfrm>
-              <a:off x="6770868" y="4743650"/>
-              <a:ext cx="433038" cy="346182"/>
-            </a:xfrm>
-            <a:prstGeom prst="rect">
-              <a:avLst/>
-            </a:prstGeom>
-          </p:spPr>
-        </p:pic>
-      </p:grpSp>
-      <p:grpSp>
-        <p:nvGrpSpPr>
-          <p:cNvPr id="1016" name="그룹 1016"/>
-          <p:cNvGrpSpPr/>
-          <p:nvPr/>
-        </p:nvGrpSpPr>
-        <p:grpSpPr>
-          <a:xfrm>
-            <a:off x="10984791" y="4743650"/>
-            <a:ext cx="433038" cy="346182"/>
-            <a:chOff x="10984791" y="4743650"/>
-            <a:chExt cx="433038" cy="346182"/>
-          </a:xfrm>
-        </p:grpSpPr>
-        <p:pic>
-          <p:nvPicPr>
-            <p:cNvPr id="57" name="Object 56"/>
-            <p:cNvPicPr>
-              <a:picLocks noChangeAspect="1"/>
-            </p:cNvPicPr>
-            <p:nvPr/>
-          </p:nvPicPr>
-          <p:blipFill>
-            <a:blip r:embed="rId26" cstate="print"/>
-            <a:stretch>
-              <a:fillRect/>
-            </a:stretch>
-          </p:blipFill>
-          <p:spPr>
-            <a:xfrm>
-              <a:off x="10984791" y="4743650"/>
-              <a:ext cx="433038" cy="346182"/>
-            </a:xfrm>
-            <a:prstGeom prst="rect">
-              <a:avLst/>
-            </a:prstGeom>
-          </p:spPr>
-        </p:pic>
-      </p:grpSp>
-      <p:grpSp>
-        <p:nvGrpSpPr>
-          <p:cNvPr id="1017" name="그룹 1017"/>
-          <p:cNvGrpSpPr/>
-          <p:nvPr/>
-        </p:nvGrpSpPr>
-        <p:grpSpPr>
-          <a:xfrm>
-            <a:off x="15131555" y="4743650"/>
-            <a:ext cx="433038" cy="346182"/>
-            <a:chOff x="15131555" y="4743650"/>
-            <a:chExt cx="433038" cy="346182"/>
-          </a:xfrm>
-        </p:grpSpPr>
-        <p:pic>
-          <p:nvPicPr>
-            <p:cNvPr id="60" name="Object 59"/>
-            <p:cNvPicPr>
-              <a:picLocks noChangeAspect="1"/>
-            </p:cNvPicPr>
-            <p:nvPr/>
-          </p:nvPicPr>
-          <p:blipFill>
-            <a:blip r:embed="rId27" cstate="print"/>
-            <a:stretch>
-              <a:fillRect/>
-            </a:stretch>
-          </p:blipFill>
-          <p:spPr>
-            <a:xfrm>
-              <a:off x="15131555" y="4743650"/>
-              <a:ext cx="433038" cy="346182"/>
-            </a:xfrm>
-            <a:prstGeom prst="rect">
-              <a:avLst/>
-            </a:prstGeom>
-          </p:spPr>
-        </p:pic>
-      </p:grpSp>
     </p:spTree>
   </p:cSld>
   <p:clrMapOvr>
@@ -4529,7 +4071,7 @@
         <p:spPr>
           <a:xfrm>
             <a:off x="11340344" y="3002592"/>
-            <a:ext cx="6551461" cy="5985747"/>
+            <a:ext cx="6668356" cy="5985747"/>
           </a:xfrm>
           <a:prstGeom prst="rect">
             <a:avLst/>
@@ -4592,7 +4134,7 @@
         <p:spPr>
           <a:xfrm>
             <a:off x="1790045" y="3774235"/>
-            <a:ext cx="3152155" cy="2171574"/>
+            <a:ext cx="5745012" cy="2115412"/>
           </a:xfrm>
           <a:prstGeom prst="rect">
             <a:avLst/>
@@ -4607,10 +4149,10 @@
         </p:nvGrpSpPr>
         <p:grpSpPr>
           <a:xfrm>
-            <a:off x="1199271" y="4009524"/>
-            <a:ext cx="4924539" cy="1752381"/>
-            <a:chOff x="1199271" y="4009524"/>
-            <a:chExt cx="4924539" cy="1752381"/>
+            <a:off x="1381758" y="3723520"/>
+            <a:ext cx="6437504" cy="2290764"/>
+            <a:chOff x="1381758" y="3723520"/>
+            <a:chExt cx="6437504" cy="2290764"/>
           </a:xfrm>
         </p:grpSpPr>
         <p:pic>
@@ -4629,8 +4171,8 @@
           </p:blipFill>
           <p:spPr>
             <a:xfrm rot="-300000">
-              <a:off x="1199271" y="4009524"/>
-              <a:ext cx="4924539" cy="1752381"/>
+              <a:off x="1381758" y="3723520"/>
+              <a:ext cx="6437504" cy="2290764"/>
             </a:xfrm>
             <a:prstGeom prst="rect">
               <a:avLst/>
@@ -4843,8 +4385,8 @@
         </p:blipFill>
         <p:spPr>
           <a:xfrm>
-            <a:off x="2114202" y="5886487"/>
-            <a:ext cx="2140489" cy="1291317"/>
+            <a:off x="1390493" y="5633494"/>
+            <a:ext cx="3130850" cy="1902354"/>
           </a:xfrm>
           <a:prstGeom prst="rect">
             <a:avLst/>
@@ -4867,56 +4409,41 @@
         </p:blipFill>
         <p:spPr>
           <a:xfrm>
-            <a:off x="2231659" y="7905459"/>
-            <a:ext cx="1661136" cy="821479"/>
+            <a:off x="1339569" y="3645718"/>
+            <a:ext cx="3395811" cy="1432526"/>
           </a:xfrm>
           <a:prstGeom prst="rect">
             <a:avLst/>
           </a:prstGeom>
         </p:spPr>
       </p:pic>
-      <p:grpSp>
-        <p:nvGrpSpPr>
-          <p:cNvPr id="1004" name="그룹 1004"/>
-          <p:cNvGrpSpPr/>
-          <p:nvPr/>
-        </p:nvGrpSpPr>
-        <p:grpSpPr>
-          <a:xfrm>
-            <a:off x="1579915" y="7962990"/>
-            <a:ext cx="476833" cy="525649"/>
-            <a:chOff x="1579915" y="7962990"/>
-            <a:chExt cx="476833" cy="525649"/>
-          </a:xfrm>
-        </p:grpSpPr>
-        <p:pic>
-          <p:nvPicPr>
-            <p:cNvPr id="14" name="Object 13"/>
-            <p:cNvPicPr>
-              <a:picLocks noChangeAspect="1"/>
-            </p:cNvPicPr>
-            <p:nvPr/>
-          </p:nvPicPr>
-          <p:blipFill>
-            <a:blip r:embed="rId7" cstate="print"/>
-            <a:stretch>
-              <a:fillRect/>
-            </a:stretch>
-          </p:blipFill>
-          <p:spPr>
-            <a:xfrm>
-              <a:off x="1579915" y="7962990"/>
-              <a:ext cx="476833" cy="525649"/>
-            </a:xfrm>
-            <a:prstGeom prst="rect">
-              <a:avLst/>
-            </a:prstGeom>
-          </p:spPr>
-        </p:pic>
-      </p:grpSp>
       <p:pic>
         <p:nvPicPr>
-          <p:cNvPr id="16" name="Object 15"/>
+          <p:cNvPr id="13" name="Object 12"/>
+          <p:cNvPicPr>
+            <a:picLocks noChangeAspect="1"/>
+          </p:cNvPicPr>
+          <p:nvPr/>
+        </p:nvPicPr>
+        <p:blipFill>
+          <a:blip r:embed="rId7" cstate="print"/>
+          <a:stretch>
+            <a:fillRect/>
+          </a:stretch>
+        </p:blipFill>
+        <p:spPr>
+          <a:xfrm>
+            <a:off x="5684754" y="5907144"/>
+            <a:ext cx="11472890" cy="1127957"/>
+          </a:xfrm>
+          <a:prstGeom prst="rect">
+            <a:avLst/>
+          </a:prstGeom>
+        </p:spPr>
+      </p:pic>
+      <p:pic>
+        <p:nvPicPr>
+          <p:cNvPr id="14" name="Object 13"/>
           <p:cNvPicPr>
             <a:picLocks noChangeAspect="1"/>
           </p:cNvPicPr>
@@ -4930,80 +4457,80 @@
         </p:blipFill>
         <p:spPr>
           <a:xfrm>
-            <a:off x="6305019" y="6179013"/>
-            <a:ext cx="6579509" cy="568757"/>
+            <a:off x="5684754" y="7566335"/>
+            <a:ext cx="11510157" cy="1686414"/>
           </a:xfrm>
           <a:prstGeom prst="rect">
             <a:avLst/>
           </a:prstGeom>
         </p:spPr>
       </p:pic>
+      <p:grpSp>
+        <p:nvGrpSpPr>
+          <p:cNvPr id="1004" name="그룹 1004"/>
+          <p:cNvGrpSpPr/>
+          <p:nvPr/>
+        </p:nvGrpSpPr>
+        <p:grpSpPr>
+          <a:xfrm>
+            <a:off x="715476" y="3382412"/>
+            <a:ext cx="16854762" cy="121855"/>
+            <a:chOff x="715476" y="3382412"/>
+            <a:chExt cx="16854762" cy="121855"/>
+          </a:xfrm>
+        </p:grpSpPr>
+        <p:pic>
+          <p:nvPicPr>
+            <p:cNvPr id="16" name="Object 15"/>
+            <p:cNvPicPr>
+              <a:picLocks noChangeAspect="1"/>
+            </p:cNvPicPr>
+            <p:nvPr/>
+          </p:nvPicPr>
+          <p:blipFill>
+            <a:blip r:embed="rId9" cstate="print"/>
+            <a:stretch>
+              <a:fillRect/>
+            </a:stretch>
+          </p:blipFill>
+          <p:spPr>
+            <a:xfrm rot="-10800000">
+              <a:off x="715476" y="3382412"/>
+              <a:ext cx="16854762" cy="121855"/>
+            </a:xfrm>
+            <a:prstGeom prst="rect">
+              <a:avLst/>
+            </a:prstGeom>
+          </p:spPr>
+        </p:pic>
+      </p:grpSp>
       <p:pic>
         <p:nvPicPr>
-          <p:cNvPr id="17" name="Object 16"/>
+          <p:cNvPr id="18" name="Object 17"/>
           <p:cNvPicPr>
             <a:picLocks noChangeAspect="1"/>
           </p:cNvPicPr>
           <p:nvPr/>
         </p:nvPicPr>
         <p:blipFill>
-          <a:blip r:embed="rId9" cstate="print"/>
+          <a:blip r:embed="rId10" cstate="print"/>
           <a:stretch>
             <a:fillRect/>
           </a:stretch>
         </p:blipFill>
         <p:spPr>
           <a:xfrm>
-            <a:off x="6305019" y="7842062"/>
-            <a:ext cx="11069071" cy="1126929"/>
+            <a:off x="1507950" y="7999972"/>
+            <a:ext cx="2230173" cy="817135"/>
           </a:xfrm>
           <a:prstGeom prst="rect">
             <a:avLst/>
           </a:prstGeom>
         </p:spPr>
       </p:pic>
-      <p:grpSp>
-        <p:nvGrpSpPr>
-          <p:cNvPr id="1005" name="그룹 1005"/>
-          <p:cNvGrpSpPr/>
-          <p:nvPr/>
-        </p:nvGrpSpPr>
-        <p:grpSpPr>
-          <a:xfrm>
-            <a:off x="715476" y="3382412"/>
-            <a:ext cx="16854762" cy="121855"/>
-            <a:chOff x="715476" y="3382412"/>
-            <a:chExt cx="16854762" cy="121855"/>
-          </a:xfrm>
-        </p:grpSpPr>
-        <p:pic>
-          <p:nvPicPr>
-            <p:cNvPr id="19" name="Object 18"/>
-            <p:cNvPicPr>
-              <a:picLocks noChangeAspect="1"/>
-            </p:cNvPicPr>
-            <p:nvPr/>
-          </p:nvPicPr>
-          <p:blipFill>
-            <a:blip r:embed="rId10" cstate="print"/>
-            <a:stretch>
-              <a:fillRect/>
-            </a:stretch>
-          </p:blipFill>
-          <p:spPr>
-            <a:xfrm rot="-10800000">
-              <a:off x="715476" y="3382412"/>
-              <a:ext cx="16854762" cy="121855"/>
-            </a:xfrm>
-            <a:prstGeom prst="rect">
-              <a:avLst/>
-            </a:prstGeom>
-          </p:spPr>
-        </p:pic>
-      </p:grpSp>
       <p:pic>
         <p:nvPicPr>
-          <p:cNvPr id="21" name="Object 20"/>
+          <p:cNvPr id="19" name="Object 18"/>
           <p:cNvPicPr>
             <a:picLocks noChangeAspect="1"/>
           </p:cNvPicPr>
@@ -5017,8 +4544,8 @@
         </p:blipFill>
         <p:spPr>
           <a:xfrm>
-            <a:off x="2231659" y="2022701"/>
-            <a:ext cx="1670659" cy="821488"/>
+            <a:off x="5684754" y="1598268"/>
+            <a:ext cx="11472890" cy="1686414"/>
           </a:xfrm>
           <a:prstGeom prst="rect">
             <a:avLst/>
@@ -5027,7 +4554,7 @@
       </p:pic>
       <p:pic>
         <p:nvPicPr>
-          <p:cNvPr id="22" name="Object 21"/>
+          <p:cNvPr id="20" name="Object 19"/>
           <p:cNvPicPr>
             <a:picLocks noChangeAspect="1"/>
           </p:cNvPicPr>
@@ -5041,8 +4568,8 @@
         </p:blipFill>
         <p:spPr>
           <a:xfrm>
-            <a:off x="6305019" y="2154642"/>
-            <a:ext cx="10636167" cy="568757"/>
+            <a:off x="950390" y="1609124"/>
+            <a:ext cx="4368211" cy="1902354"/>
           </a:xfrm>
           <a:prstGeom prst="rect">
             <a:avLst/>
@@ -5051,7 +4578,7 @@
       </p:pic>
       <p:pic>
         <p:nvPicPr>
-          <p:cNvPr id="23" name="Object 22"/>
+          <p:cNvPr id="21" name="Object 20"/>
           <p:cNvPicPr>
             <a:picLocks noChangeAspect="1"/>
           </p:cNvPicPr>
@@ -5065,41 +4592,17 @@
         </p:blipFill>
         <p:spPr>
           <a:xfrm>
-            <a:off x="2114202" y="3810005"/>
-            <a:ext cx="2134927" cy="1416574"/>
+            <a:off x="5684754" y="3612639"/>
+            <a:ext cx="11532747" cy="1686414"/>
           </a:xfrm>
           <a:prstGeom prst="rect">
             <a:avLst/>
           </a:prstGeom>
         </p:spPr>
       </p:pic>
-      <p:pic>
-        <p:nvPicPr>
-          <p:cNvPr id="24" name="Object 23"/>
-          <p:cNvPicPr>
-            <a:picLocks noChangeAspect="1"/>
-          </p:cNvPicPr>
-          <p:nvPr/>
-        </p:nvPicPr>
-        <p:blipFill>
-          <a:blip r:embed="rId14" cstate="print"/>
-          <a:stretch>
-            <a:fillRect/>
-          </a:stretch>
-        </p:blipFill>
-        <p:spPr>
-          <a:xfrm>
-            <a:off x="6305019" y="3793456"/>
-            <a:ext cx="10887490" cy="1126929"/>
-          </a:xfrm>
-          <a:prstGeom prst="rect">
-            <a:avLst/>
-          </a:prstGeom>
-        </p:spPr>
-      </p:pic>
-      <p:grpSp>
-        <p:nvGrpSpPr>
-          <p:cNvPr id="1006" name="그룹 1006"/>
+      <p:grpSp>
+        <p:nvGrpSpPr>
+          <p:cNvPr id="1005" name="그룹 1005"/>
           <p:cNvGrpSpPr/>
           <p:nvPr/>
         </p:nvGrpSpPr>
@@ -5113,14 +4616,14 @@
         </p:grpSpPr>
         <p:pic>
           <p:nvPicPr>
-            <p:cNvPr id="26" name="Object 25"/>
-            <p:cNvPicPr>
-              <a:picLocks noChangeAspect="1"/>
-            </p:cNvPicPr>
-            <p:nvPr/>
-          </p:nvPicPr>
-          <p:blipFill>
-            <a:blip r:embed="rId15" cstate="print"/>
+            <p:cNvPr id="23" name="Object 22"/>
+            <p:cNvPicPr>
+              <a:picLocks noChangeAspect="1"/>
+            </p:cNvPicPr>
+            <p:nvPr/>
+          </p:nvPicPr>
+          <p:blipFill>
+            <a:blip r:embed="rId14" cstate="print"/>
             <a:stretch>
               <a:fillRect/>
             </a:stretch>
@@ -5138,153 +4641,36 @@
       </p:grpSp>
       <p:grpSp>
         <p:nvGrpSpPr>
-          <p:cNvPr id="1007" name="그룹 1007"/>
-          <p:cNvGrpSpPr/>
-          <p:nvPr/>
-        </p:nvGrpSpPr>
-        <p:grpSpPr>
-          <a:xfrm>
-            <a:off x="1854964" y="5416868"/>
+          <p:cNvPr id="1006" name="그룹 1006"/>
+          <p:cNvGrpSpPr/>
+          <p:nvPr/>
+        </p:nvGrpSpPr>
+        <p:grpSpPr>
+          <a:xfrm>
+            <a:off x="1259024" y="5390290"/>
             <a:ext cx="8053932" cy="121855"/>
-            <a:chOff x="1854964" y="5416868"/>
+            <a:chOff x="1259024" y="5390290"/>
             <a:chExt cx="8053932" cy="121855"/>
           </a:xfrm>
         </p:grpSpPr>
         <p:pic>
           <p:nvPicPr>
-            <p:cNvPr id="29" name="Object 28"/>
-            <p:cNvPicPr>
-              <a:picLocks noChangeAspect="1"/>
-            </p:cNvPicPr>
-            <p:nvPr/>
-          </p:nvPicPr>
-          <p:blipFill>
-            <a:blip r:embed="rId16" cstate="print"/>
+            <p:cNvPr id="26" name="Object 25"/>
+            <p:cNvPicPr>
+              <a:picLocks noChangeAspect="1"/>
+            </p:cNvPicPr>
+            <p:nvPr/>
+          </p:nvPicPr>
+          <p:blipFill>
+            <a:blip r:embed="rId15" cstate="print"/>
             <a:stretch>
               <a:fillRect/>
             </a:stretch>
           </p:blipFill>
           <p:spPr>
             <a:xfrm rot="-5400000">
-              <a:off x="1854964" y="5416868"/>
+              <a:off x="1259024" y="5390290"/>
               <a:ext cx="8053932" cy="121855"/>
-            </a:xfrm>
-            <a:prstGeom prst="rect">
-              <a:avLst/>
-            </a:prstGeom>
-          </p:spPr>
-        </p:pic>
-      </p:grpSp>
-      <p:grpSp>
-        <p:nvGrpSpPr>
-          <p:cNvPr id="1008" name="그룹 1008"/>
-          <p:cNvGrpSpPr/>
-          <p:nvPr/>
-        </p:nvGrpSpPr>
-        <p:grpSpPr>
-          <a:xfrm>
-            <a:off x="1589439" y="6076516"/>
-            <a:ext cx="476833" cy="525649"/>
-            <a:chOff x="1589439" y="6076516"/>
-            <a:chExt cx="476833" cy="525649"/>
-          </a:xfrm>
-        </p:grpSpPr>
-        <p:pic>
-          <p:nvPicPr>
-            <p:cNvPr id="32" name="Object 31"/>
-            <p:cNvPicPr>
-              <a:picLocks noChangeAspect="1"/>
-            </p:cNvPicPr>
-            <p:nvPr/>
-          </p:nvPicPr>
-          <p:blipFill>
-            <a:blip r:embed="rId17" cstate="print"/>
-            <a:stretch>
-              <a:fillRect/>
-            </a:stretch>
-          </p:blipFill>
-          <p:spPr>
-            <a:xfrm>
-              <a:off x="1589439" y="6076516"/>
-              <a:ext cx="476833" cy="525649"/>
-            </a:xfrm>
-            <a:prstGeom prst="rect">
-              <a:avLst/>
-            </a:prstGeom>
-          </p:spPr>
-        </p:pic>
-      </p:grpSp>
-      <p:grpSp>
-        <p:nvGrpSpPr>
-          <p:cNvPr id="1009" name="그룹 1009"/>
-          <p:cNvGrpSpPr/>
-          <p:nvPr/>
-        </p:nvGrpSpPr>
-        <p:grpSpPr>
-          <a:xfrm>
-            <a:off x="1579915" y="4061237"/>
-            <a:ext cx="476833" cy="525649"/>
-            <a:chOff x="1579915" y="4061237"/>
-            <a:chExt cx="476833" cy="525649"/>
-          </a:xfrm>
-        </p:grpSpPr>
-        <p:pic>
-          <p:nvPicPr>
-            <p:cNvPr id="35" name="Object 34"/>
-            <p:cNvPicPr>
-              <a:picLocks noChangeAspect="1"/>
-            </p:cNvPicPr>
-            <p:nvPr/>
-          </p:nvPicPr>
-          <p:blipFill>
-            <a:blip r:embed="rId18" cstate="print"/>
-            <a:stretch>
-              <a:fillRect/>
-            </a:stretch>
-          </p:blipFill>
-          <p:spPr>
-            <a:xfrm>
-              <a:off x="1579915" y="4061237"/>
-              <a:ext cx="476833" cy="525649"/>
-            </a:xfrm>
-            <a:prstGeom prst="rect">
-              <a:avLst/>
-            </a:prstGeom>
-          </p:spPr>
-        </p:pic>
-      </p:grpSp>
-      <p:grpSp>
-        <p:nvGrpSpPr>
-          <p:cNvPr id="1010" name="그룹 1010"/>
-          <p:cNvGrpSpPr/>
-          <p:nvPr/>
-        </p:nvGrpSpPr>
-        <p:grpSpPr>
-          <a:xfrm>
-            <a:off x="1589439" y="2165239"/>
-            <a:ext cx="476833" cy="525649"/>
-            <a:chOff x="1589439" y="2165239"/>
-            <a:chExt cx="476833" cy="525649"/>
-          </a:xfrm>
-        </p:grpSpPr>
-        <p:pic>
-          <p:nvPicPr>
-            <p:cNvPr id="38" name="Object 37"/>
-            <p:cNvPicPr>
-              <a:picLocks noChangeAspect="1"/>
-            </p:cNvPicPr>
-            <p:nvPr/>
-          </p:nvPicPr>
-          <p:blipFill>
-            <a:blip r:embed="rId19" cstate="print"/>
-            <a:stretch>
-              <a:fillRect/>
-            </a:stretch>
-          </p:blipFill>
-          <p:spPr>
-            <a:xfrm>
-              <a:off x="1589439" y="2165239"/>
-              <a:ext cx="476833" cy="525649"/>
             </a:xfrm>
             <a:prstGeom prst="rect">
               <a:avLst/>
@@ -5364,6 +4750,2007 @@
           </p:spPr>
         </p:pic>
       </p:grpSp>
+      <p:pic>
+        <p:nvPicPr>
+          <p:cNvPr id="5" name="Object 4"/>
+          <p:cNvPicPr>
+            <a:picLocks noChangeAspect="1"/>
+          </p:cNvPicPr>
+          <p:nvPr/>
+        </p:nvPicPr>
+        <p:blipFill>
+          <a:blip r:embed="rId3" cstate="print"/>
+          <a:stretch>
+            <a:fillRect/>
+          </a:stretch>
+        </p:blipFill>
+        <p:spPr>
+          <a:xfrm>
+            <a:off x="11340344" y="3002592"/>
+            <a:ext cx="6551461" cy="5985747"/>
+          </a:xfrm>
+          <a:prstGeom prst="rect">
+            <a:avLst/>
+          </a:prstGeom>
+        </p:spPr>
+      </p:pic>
+      <p:grpSp>
+        <p:nvGrpSpPr>
+          <p:cNvPr id="1002" name="그룹 1002"/>
+          <p:cNvGrpSpPr/>
+          <p:nvPr/>
+        </p:nvGrpSpPr>
+        <p:grpSpPr>
+          <a:xfrm>
+            <a:off x="742857" y="9352381"/>
+            <a:ext cx="16800000" cy="247619"/>
+            <a:chOff x="742857" y="9352381"/>
+            <a:chExt cx="16800000" cy="247619"/>
+          </a:xfrm>
+        </p:grpSpPr>
+        <p:pic>
+          <p:nvPicPr>
+            <p:cNvPr id="7" name="Object 6"/>
+            <p:cNvPicPr>
+              <a:picLocks noChangeAspect="1"/>
+            </p:cNvPicPr>
+            <p:nvPr/>
+          </p:nvPicPr>
+          <p:blipFill>
+            <a:blip r:embed="rId4" cstate="print"/>
+            <a:stretch>
+              <a:fillRect/>
+            </a:stretch>
+          </p:blipFill>
+          <p:spPr>
+            <a:xfrm>
+              <a:off x="742857" y="9352381"/>
+              <a:ext cx="16800000" cy="247619"/>
+            </a:xfrm>
+            <a:prstGeom prst="rect">
+              <a:avLst/>
+            </a:prstGeom>
+          </p:spPr>
+        </p:pic>
+      </p:grpSp>
+      <p:pic>
+        <p:nvPicPr>
+          <p:cNvPr id="9" name="Object 8"/>
+          <p:cNvPicPr>
+            <a:picLocks noChangeAspect="1"/>
+          </p:cNvPicPr>
+          <p:nvPr/>
+        </p:nvPicPr>
+        <p:blipFill>
+          <a:blip r:embed="rId5" cstate="print"/>
+          <a:stretch>
+            <a:fillRect/>
+          </a:stretch>
+        </p:blipFill>
+        <p:spPr>
+          <a:xfrm>
+            <a:off x="1790045" y="3774235"/>
+            <a:ext cx="5830726" cy="2114069"/>
+          </a:xfrm>
+          <a:prstGeom prst="rect">
+            <a:avLst/>
+          </a:prstGeom>
+        </p:spPr>
+      </p:pic>
+      <p:grpSp>
+        <p:nvGrpSpPr>
+          <p:cNvPr id="1003" name="그룹 1003"/>
+          <p:cNvGrpSpPr/>
+          <p:nvPr/>
+        </p:nvGrpSpPr>
+        <p:grpSpPr>
+          <a:xfrm>
+            <a:off x="1381758" y="3723520"/>
+            <a:ext cx="6437504" cy="2290764"/>
+            <a:chOff x="1381758" y="3723520"/>
+            <a:chExt cx="6437504" cy="2290764"/>
+          </a:xfrm>
+        </p:grpSpPr>
+        <p:pic>
+          <p:nvPicPr>
+            <p:cNvPr id="11" name="Object 10"/>
+            <p:cNvPicPr>
+              <a:picLocks noChangeAspect="1"/>
+            </p:cNvPicPr>
+            <p:nvPr/>
+          </p:nvPicPr>
+          <p:blipFill>
+            <a:blip r:embed="rId6" cstate="print"/>
+            <a:stretch>
+              <a:fillRect/>
+            </a:stretch>
+          </p:blipFill>
+          <p:spPr>
+            <a:xfrm rot="-300000">
+              <a:off x="1381758" y="3723520"/>
+              <a:ext cx="6437504" cy="2290764"/>
+            </a:xfrm>
+            <a:prstGeom prst="rect">
+              <a:avLst/>
+            </a:prstGeom>
+          </p:spPr>
+        </p:pic>
+      </p:grpSp>
+      <p:grpSp>
+        <p:nvGrpSpPr>
+          <p:cNvPr id="1004" name="그룹 1004"/>
+          <p:cNvGrpSpPr/>
+          <p:nvPr/>
+        </p:nvGrpSpPr>
+        <p:grpSpPr>
+          <a:xfrm>
+            <a:off x="15808888" y="2271402"/>
+            <a:ext cx="708876" cy="566693"/>
+            <a:chOff x="15808888" y="2271402"/>
+            <a:chExt cx="708876" cy="566693"/>
+          </a:xfrm>
+        </p:grpSpPr>
+        <p:pic>
+          <p:nvPicPr>
+            <p:cNvPr id="14" name="Object 13"/>
+            <p:cNvPicPr>
+              <a:picLocks noChangeAspect="1"/>
+            </p:cNvPicPr>
+            <p:nvPr/>
+          </p:nvPicPr>
+          <p:blipFill>
+            <a:blip r:embed="rId7" cstate="print"/>
+            <a:stretch>
+              <a:fillRect/>
+            </a:stretch>
+          </p:blipFill>
+          <p:spPr>
+            <a:xfrm rot="-10800000">
+              <a:off x="15808888" y="2271402"/>
+              <a:ext cx="708876" cy="566693"/>
+            </a:xfrm>
+            <a:prstGeom prst="rect">
+              <a:avLst/>
+            </a:prstGeom>
+          </p:spPr>
+        </p:pic>
+      </p:grpSp>
+    </p:spTree>
+  </p:cSld>
+  <p:clrMapOvr>
+    <a:masterClrMapping/>
+  </p:clrMapOvr>
+</p:sld>
+</file>
+
+<file path=ppt/slides/slide15.xml><?xml version="1.0" encoding="utf-8"?>
+<p:sld xmlns:a="http://schemas.openxmlformats.org/drawingml/2006/main" xmlns:r="http://schemas.openxmlformats.org/officeDocument/2006/relationships" xmlns:p="http://schemas.openxmlformats.org/presentationml/2006/main">
+  <p:cSld name="Slide 15">
+    <p:bg>
+      <p:bgPr>
+        <a:solidFill>
+          <a:srgbClr val="FFFFFF"/>
+        </a:solidFill>
+        <a:effectLst/>
+      </p:bgPr>
+    </p:bg>
+    <p:spTree>
+      <p:nvGrpSpPr>
+        <p:cNvPr id="1" name=""/>
+        <p:cNvGrpSpPr/>
+        <p:nvPr/>
+      </p:nvGrpSpPr>
+      <p:grpSpPr>
+        <a:xfrm>
+          <a:off x="0" y="0"/>
+          <a:ext cx="0" cy="0"/>
+          <a:chOff x="0" y="0"/>
+          <a:chExt cx="0" cy="0"/>
+        </a:xfrm>
+      </p:grpSpPr>
+      <p:grpSp>
+        <p:nvGrpSpPr>
+          <p:cNvPr id="1001" name="그룹 1001"/>
+          <p:cNvGrpSpPr/>
+          <p:nvPr/>
+        </p:nvGrpSpPr>
+        <p:grpSpPr>
+          <a:xfrm>
+            <a:off x="705274" y="686772"/>
+            <a:ext cx="16875166" cy="8912169"/>
+            <a:chOff x="705274" y="686772"/>
+            <a:chExt cx="16875166" cy="8912169"/>
+          </a:xfrm>
+        </p:grpSpPr>
+        <p:pic>
+          <p:nvPicPr>
+            <p:cNvPr id="3" name="Object 2"/>
+            <p:cNvPicPr>
+              <a:picLocks noChangeAspect="1"/>
+            </p:cNvPicPr>
+            <p:nvPr/>
+          </p:nvPicPr>
+          <p:blipFill>
+            <a:blip r:embed="rId2" cstate="print"/>
+            <a:stretch>
+              <a:fillRect/>
+            </a:stretch>
+          </p:blipFill>
+          <p:spPr>
+            <a:xfrm>
+              <a:off x="705274" y="686772"/>
+              <a:ext cx="16875166" cy="8912169"/>
+            </a:xfrm>
+            <a:prstGeom prst="rect">
+              <a:avLst/>
+            </a:prstGeom>
+          </p:spPr>
+        </p:pic>
+      </p:grpSp>
+      <p:pic>
+        <p:nvPicPr>
+          <p:cNvPr id="5" name="Object 4"/>
+          <p:cNvPicPr>
+            <a:picLocks noChangeAspect="1"/>
+          </p:cNvPicPr>
+          <p:nvPr/>
+        </p:nvPicPr>
+        <p:blipFill>
+          <a:blip r:embed="rId3" cstate="print"/>
+          <a:stretch>
+            <a:fillRect/>
+          </a:stretch>
+        </p:blipFill>
+        <p:spPr>
+          <a:xfrm>
+            <a:off x="5357022" y="2296375"/>
+            <a:ext cx="5345083" cy="1045778"/>
+          </a:xfrm>
+          <a:prstGeom prst="rect">
+            <a:avLst/>
+          </a:prstGeom>
+        </p:spPr>
+      </p:pic>
+      <p:grpSp>
+        <p:nvGrpSpPr>
+          <p:cNvPr id="1002" name="그룹 1002"/>
+          <p:cNvGrpSpPr/>
+          <p:nvPr/>
+        </p:nvGrpSpPr>
+        <p:grpSpPr>
+          <a:xfrm>
+            <a:off x="2148829" y="5414297"/>
+            <a:ext cx="1412776" cy="1412776"/>
+            <a:chOff x="2148829" y="5414297"/>
+            <a:chExt cx="1412776" cy="1412776"/>
+          </a:xfrm>
+        </p:grpSpPr>
+        <p:pic>
+          <p:nvPicPr>
+            <p:cNvPr id="7" name="Object 6"/>
+            <p:cNvPicPr>
+              <a:picLocks noChangeAspect="1"/>
+            </p:cNvPicPr>
+            <p:nvPr/>
+          </p:nvPicPr>
+          <p:blipFill>
+            <a:blip r:embed="rId4" cstate="print"/>
+            <a:stretch>
+              <a:fillRect/>
+            </a:stretch>
+          </p:blipFill>
+          <p:spPr>
+            <a:xfrm>
+              <a:off x="2148829" y="5414297"/>
+              <a:ext cx="1412776" cy="1412776"/>
+            </a:xfrm>
+            <a:prstGeom prst="rect">
+              <a:avLst/>
+            </a:prstGeom>
+          </p:spPr>
+        </p:pic>
+      </p:grpSp>
+      <p:grpSp>
+        <p:nvGrpSpPr>
+          <p:cNvPr id="1003" name="그룹 1003"/>
+          <p:cNvGrpSpPr/>
+          <p:nvPr/>
+        </p:nvGrpSpPr>
+        <p:grpSpPr>
+          <a:xfrm>
+            <a:off x="6271476" y="5414297"/>
+            <a:ext cx="1412776" cy="1412776"/>
+            <a:chOff x="6271476" y="5414297"/>
+            <a:chExt cx="1412776" cy="1412776"/>
+          </a:xfrm>
+        </p:grpSpPr>
+        <p:pic>
+          <p:nvPicPr>
+            <p:cNvPr id="10" name="Object 9"/>
+            <p:cNvPicPr>
+              <a:picLocks noChangeAspect="1"/>
+            </p:cNvPicPr>
+            <p:nvPr/>
+          </p:nvPicPr>
+          <p:blipFill>
+            <a:blip r:embed="rId5" cstate="print"/>
+            <a:stretch>
+              <a:fillRect/>
+            </a:stretch>
+          </p:blipFill>
+          <p:spPr>
+            <a:xfrm>
+              <a:off x="6271476" y="5414297"/>
+              <a:ext cx="1412776" cy="1412776"/>
+            </a:xfrm>
+            <a:prstGeom prst="rect">
+              <a:avLst/>
+            </a:prstGeom>
+          </p:spPr>
+        </p:pic>
+      </p:grpSp>
+      <p:grpSp>
+        <p:nvGrpSpPr>
+          <p:cNvPr id="1004" name="그룹 1004"/>
+          <p:cNvGrpSpPr/>
+          <p:nvPr/>
+        </p:nvGrpSpPr>
+        <p:grpSpPr>
+          <a:xfrm>
+            <a:off x="10568300" y="5503737"/>
+            <a:ext cx="1412776" cy="1412776"/>
+            <a:chOff x="10568300" y="5503737"/>
+            <a:chExt cx="1412776" cy="1412776"/>
+          </a:xfrm>
+        </p:grpSpPr>
+        <p:pic>
+          <p:nvPicPr>
+            <p:cNvPr id="13" name="Object 12"/>
+            <p:cNvPicPr>
+              <a:picLocks noChangeAspect="1"/>
+            </p:cNvPicPr>
+            <p:nvPr/>
+          </p:nvPicPr>
+          <p:blipFill>
+            <a:blip r:embed="rId6" cstate="print"/>
+            <a:stretch>
+              <a:fillRect/>
+            </a:stretch>
+          </p:blipFill>
+          <p:spPr>
+            <a:xfrm>
+              <a:off x="10568300" y="5503737"/>
+              <a:ext cx="1412776" cy="1412776"/>
+            </a:xfrm>
+            <a:prstGeom prst="rect">
+              <a:avLst/>
+            </a:prstGeom>
+          </p:spPr>
+        </p:pic>
+      </p:grpSp>
+      <p:grpSp>
+        <p:nvGrpSpPr>
+          <p:cNvPr id="1005" name="그룹 1005"/>
+          <p:cNvGrpSpPr/>
+          <p:nvPr/>
+        </p:nvGrpSpPr>
+        <p:grpSpPr>
+          <a:xfrm>
+            <a:off x="14632526" y="5503737"/>
+            <a:ext cx="1412776" cy="1412776"/>
+            <a:chOff x="14632526" y="5503737"/>
+            <a:chExt cx="1412776" cy="1412776"/>
+          </a:xfrm>
+        </p:grpSpPr>
+        <p:pic>
+          <p:nvPicPr>
+            <p:cNvPr id="16" name="Object 15"/>
+            <p:cNvPicPr>
+              <a:picLocks noChangeAspect="1"/>
+            </p:cNvPicPr>
+            <p:nvPr/>
+          </p:nvPicPr>
+          <p:blipFill>
+            <a:blip r:embed="rId7" cstate="print"/>
+            <a:stretch>
+              <a:fillRect/>
+            </a:stretch>
+          </p:blipFill>
+          <p:spPr>
+            <a:xfrm>
+              <a:off x="14632526" y="5503737"/>
+              <a:ext cx="1412776" cy="1412776"/>
+            </a:xfrm>
+            <a:prstGeom prst="rect">
+              <a:avLst/>
+            </a:prstGeom>
+          </p:spPr>
+        </p:pic>
+      </p:grpSp>
+      <p:grpSp>
+        <p:nvGrpSpPr>
+          <p:cNvPr id="1006" name="그룹 1006"/>
+          <p:cNvGrpSpPr/>
+          <p:nvPr/>
+        </p:nvGrpSpPr>
+        <p:grpSpPr>
+          <a:xfrm>
+            <a:off x="10911108" y="5816997"/>
+            <a:ext cx="694019" cy="786255"/>
+            <a:chOff x="10911108" y="5816997"/>
+            <a:chExt cx="694019" cy="786255"/>
+          </a:xfrm>
+        </p:grpSpPr>
+        <p:pic>
+          <p:nvPicPr>
+            <p:cNvPr id="19" name="Object 18"/>
+            <p:cNvPicPr>
+              <a:picLocks noChangeAspect="1"/>
+            </p:cNvPicPr>
+            <p:nvPr/>
+          </p:nvPicPr>
+          <p:blipFill>
+            <a:blip r:embed="rId8" cstate="print"/>
+            <a:stretch>
+              <a:fillRect/>
+            </a:stretch>
+          </p:blipFill>
+          <p:spPr>
+            <a:xfrm>
+              <a:off x="10911108" y="5816997"/>
+              <a:ext cx="694019" cy="786255"/>
+            </a:xfrm>
+            <a:prstGeom prst="rect">
+              <a:avLst/>
+            </a:prstGeom>
+          </p:spPr>
+        </p:pic>
+      </p:grpSp>
+      <p:grpSp>
+        <p:nvGrpSpPr>
+          <p:cNvPr id="1007" name="그룹 1007"/>
+          <p:cNvGrpSpPr/>
+          <p:nvPr/>
+        </p:nvGrpSpPr>
+        <p:grpSpPr>
+          <a:xfrm>
+            <a:off x="6584736" y="5731539"/>
+            <a:ext cx="786255" cy="778293"/>
+            <a:chOff x="6584736" y="5731539"/>
+            <a:chExt cx="786255" cy="778293"/>
+          </a:xfrm>
+        </p:grpSpPr>
+        <p:pic>
+          <p:nvPicPr>
+            <p:cNvPr id="22" name="Object 21"/>
+            <p:cNvPicPr>
+              <a:picLocks noChangeAspect="1"/>
+            </p:cNvPicPr>
+            <p:nvPr/>
+          </p:nvPicPr>
+          <p:blipFill>
+            <a:blip r:embed="rId9" cstate="print"/>
+            <a:stretch>
+              <a:fillRect/>
+            </a:stretch>
+          </p:blipFill>
+          <p:spPr>
+            <a:xfrm>
+              <a:off x="6584736" y="5731539"/>
+              <a:ext cx="786255" cy="778293"/>
+            </a:xfrm>
+            <a:prstGeom prst="rect">
+              <a:avLst/>
+            </a:prstGeom>
+          </p:spPr>
+        </p:pic>
+      </p:grpSp>
+      <p:grpSp>
+        <p:nvGrpSpPr>
+          <p:cNvPr id="1008" name="그룹 1008"/>
+          <p:cNvGrpSpPr/>
+          <p:nvPr/>
+        </p:nvGrpSpPr>
+        <p:grpSpPr>
+          <a:xfrm>
+            <a:off x="2540648" y="5727558"/>
+            <a:ext cx="629137" cy="786255"/>
+            <a:chOff x="2540648" y="5727558"/>
+            <a:chExt cx="629137" cy="786255"/>
+          </a:xfrm>
+        </p:grpSpPr>
+        <p:pic>
+          <p:nvPicPr>
+            <p:cNvPr id="25" name="Object 24"/>
+            <p:cNvPicPr>
+              <a:picLocks noChangeAspect="1"/>
+            </p:cNvPicPr>
+            <p:nvPr/>
+          </p:nvPicPr>
+          <p:blipFill>
+            <a:blip r:embed="rId10" cstate="print"/>
+            <a:stretch>
+              <a:fillRect/>
+            </a:stretch>
+          </p:blipFill>
+          <p:spPr>
+            <a:xfrm>
+              <a:off x="2540648" y="5727558"/>
+              <a:ext cx="629137" cy="786255"/>
+            </a:xfrm>
+            <a:prstGeom prst="rect">
+              <a:avLst/>
+            </a:prstGeom>
+          </p:spPr>
+        </p:pic>
+      </p:grpSp>
+      <p:grpSp>
+        <p:nvGrpSpPr>
+          <p:cNvPr id="1009" name="그룹 1009"/>
+          <p:cNvGrpSpPr/>
+          <p:nvPr/>
+        </p:nvGrpSpPr>
+        <p:grpSpPr>
+          <a:xfrm>
+            <a:off x="14998218" y="5816816"/>
+            <a:ext cx="681392" cy="786255"/>
+            <a:chOff x="14998218" y="5816816"/>
+            <a:chExt cx="681392" cy="786255"/>
+          </a:xfrm>
+        </p:grpSpPr>
+        <p:pic>
+          <p:nvPicPr>
+            <p:cNvPr id="28" name="Object 27"/>
+            <p:cNvPicPr>
+              <a:picLocks noChangeAspect="1"/>
+            </p:cNvPicPr>
+            <p:nvPr/>
+          </p:nvPicPr>
+          <p:blipFill>
+            <a:blip r:embed="rId11" cstate="print"/>
+            <a:stretch>
+              <a:fillRect/>
+            </a:stretch>
+          </p:blipFill>
+          <p:spPr>
+            <a:xfrm>
+              <a:off x="14998218" y="5816816"/>
+              <a:ext cx="681392" cy="786255"/>
+            </a:xfrm>
+            <a:prstGeom prst="rect">
+              <a:avLst/>
+            </a:prstGeom>
+          </p:spPr>
+        </p:pic>
+      </p:grpSp>
+      <p:pic>
+        <p:nvPicPr>
+          <p:cNvPr id="30" name="Object 29"/>
+          <p:cNvPicPr>
+            <a:picLocks noChangeAspect="1"/>
+          </p:cNvPicPr>
+          <p:nvPr/>
+        </p:nvPicPr>
+        <p:blipFill>
+          <a:blip r:embed="rId12" cstate="print"/>
+          <a:stretch>
+            <a:fillRect/>
+          </a:stretch>
+        </p:blipFill>
+        <p:spPr>
+          <a:xfrm>
+            <a:off x="5752544" y="6841563"/>
+            <a:ext cx="2259235" cy="992664"/>
+          </a:xfrm>
+          <a:prstGeom prst="rect">
+            <a:avLst/>
+          </a:prstGeom>
+        </p:spPr>
+      </p:pic>
+      <p:pic>
+        <p:nvPicPr>
+          <p:cNvPr id="31" name="Object 30"/>
+          <p:cNvPicPr>
+            <a:picLocks noChangeAspect="1"/>
+          </p:cNvPicPr>
+          <p:nvPr/>
+        </p:nvPicPr>
+        <p:blipFill>
+          <a:blip r:embed="rId13" cstate="print"/>
+          <a:stretch>
+            <a:fillRect/>
+          </a:stretch>
+        </p:blipFill>
+        <p:spPr>
+          <a:xfrm>
+            <a:off x="1656144" y="6841563"/>
+            <a:ext cx="2259235" cy="992664"/>
+          </a:xfrm>
+          <a:prstGeom prst="rect">
+            <a:avLst/>
+          </a:prstGeom>
+        </p:spPr>
+      </p:pic>
+      <p:pic>
+        <p:nvPicPr>
+          <p:cNvPr id="32" name="Object 31"/>
+          <p:cNvPicPr>
+            <a:picLocks noChangeAspect="1"/>
+          </p:cNvPicPr>
+          <p:nvPr/>
+        </p:nvPicPr>
+        <p:blipFill>
+          <a:blip r:embed="rId14" cstate="print"/>
+          <a:stretch>
+            <a:fillRect/>
+          </a:stretch>
+        </p:blipFill>
+        <p:spPr>
+          <a:xfrm>
+            <a:off x="10057696" y="6931001"/>
+            <a:ext cx="2215283" cy="975749"/>
+          </a:xfrm>
+          <a:prstGeom prst="rect">
+            <a:avLst/>
+          </a:prstGeom>
+        </p:spPr>
+      </p:pic>
+      <p:pic>
+        <p:nvPicPr>
+          <p:cNvPr id="33" name="Object 32"/>
+          <p:cNvPicPr>
+            <a:picLocks noChangeAspect="1"/>
+          </p:cNvPicPr>
+          <p:nvPr/>
+        </p:nvPicPr>
+        <p:blipFill>
+          <a:blip r:embed="rId15" cstate="print"/>
+          <a:stretch>
+            <a:fillRect/>
+          </a:stretch>
+        </p:blipFill>
+        <p:spPr>
+          <a:xfrm>
+            <a:off x="14121982" y="6931001"/>
+            <a:ext cx="2215283" cy="975749"/>
+          </a:xfrm>
+          <a:prstGeom prst="rect">
+            <a:avLst/>
+          </a:prstGeom>
+        </p:spPr>
+      </p:pic>
+      <p:pic>
+        <p:nvPicPr>
+          <p:cNvPr id="34" name="Object 33"/>
+          <p:cNvPicPr>
+            <a:picLocks noChangeAspect="1"/>
+          </p:cNvPicPr>
+          <p:nvPr/>
+        </p:nvPicPr>
+        <p:blipFill>
+          <a:blip r:embed="rId16" cstate="print"/>
+          <a:stretch>
+            <a:fillRect/>
+          </a:stretch>
+        </p:blipFill>
+        <p:spPr>
+          <a:xfrm>
+            <a:off x="5590760" y="7673907"/>
+            <a:ext cx="2740088" cy="1258836"/>
+          </a:xfrm>
+          <a:prstGeom prst="rect">
+            <a:avLst/>
+          </a:prstGeom>
+        </p:spPr>
+      </p:pic>
+      <p:pic>
+        <p:nvPicPr>
+          <p:cNvPr id="35" name="Object 34"/>
+          <p:cNvPicPr>
+            <a:picLocks noChangeAspect="1"/>
+          </p:cNvPicPr>
+          <p:nvPr/>
+        </p:nvPicPr>
+        <p:blipFill>
+          <a:blip r:embed="rId17" cstate="print"/>
+          <a:stretch>
+            <a:fillRect/>
+          </a:stretch>
+        </p:blipFill>
+        <p:spPr>
+          <a:xfrm>
+            <a:off x="1551502" y="7714596"/>
+            <a:ext cx="2832060" cy="1177693"/>
+          </a:xfrm>
+          <a:prstGeom prst="rect">
+            <a:avLst/>
+          </a:prstGeom>
+        </p:spPr>
+      </p:pic>
+      <p:pic>
+        <p:nvPicPr>
+          <p:cNvPr id="36" name="Object 35"/>
+          <p:cNvPicPr>
+            <a:picLocks noChangeAspect="1"/>
+          </p:cNvPicPr>
+          <p:nvPr/>
+        </p:nvPicPr>
+        <p:blipFill>
+          <a:blip r:embed="rId18" cstate="print"/>
+          <a:stretch>
+            <a:fillRect/>
+          </a:stretch>
+        </p:blipFill>
+        <p:spPr>
+          <a:xfrm>
+            <a:off x="9926339" y="8083567"/>
+            <a:ext cx="2223955" cy="469465"/>
+          </a:xfrm>
+          <a:prstGeom prst="rect">
+            <a:avLst/>
+          </a:prstGeom>
+        </p:spPr>
+      </p:pic>
+      <p:pic>
+        <p:nvPicPr>
+          <p:cNvPr id="37" name="Object 36"/>
+          <p:cNvPicPr>
+            <a:picLocks noChangeAspect="1"/>
+          </p:cNvPicPr>
+          <p:nvPr/>
+        </p:nvPicPr>
+        <p:blipFill>
+          <a:blip r:embed="rId19" cstate="print"/>
+          <a:stretch>
+            <a:fillRect/>
+          </a:stretch>
+        </p:blipFill>
+        <p:spPr>
+          <a:xfrm>
+            <a:off x="14118863" y="8152939"/>
+            <a:ext cx="2599783" cy="388312"/>
+          </a:xfrm>
+          <a:prstGeom prst="rect">
+            <a:avLst/>
+          </a:prstGeom>
+        </p:spPr>
+      </p:pic>
+      <p:grpSp>
+        <p:nvGrpSpPr>
+          <p:cNvPr id="1010" name="그룹 1010"/>
+          <p:cNvGrpSpPr/>
+          <p:nvPr/>
+        </p:nvGrpSpPr>
+        <p:grpSpPr>
+          <a:xfrm>
+            <a:off x="715476" y="4163364"/>
+            <a:ext cx="16854762" cy="121855"/>
+            <a:chOff x="715476" y="4163364"/>
+            <a:chExt cx="16854762" cy="121855"/>
+          </a:xfrm>
+        </p:grpSpPr>
+        <p:pic>
+          <p:nvPicPr>
+            <p:cNvPr id="39" name="Object 38"/>
+            <p:cNvPicPr>
+              <a:picLocks noChangeAspect="1"/>
+            </p:cNvPicPr>
+            <p:nvPr/>
+          </p:nvPicPr>
+          <p:blipFill>
+            <a:blip r:embed="rId20" cstate="print"/>
+            <a:stretch>
+              <a:fillRect/>
+            </a:stretch>
+          </p:blipFill>
+          <p:spPr>
+            <a:xfrm rot="-10800000">
+              <a:off x="715476" y="4163364"/>
+              <a:ext cx="16854762" cy="121855"/>
+            </a:xfrm>
+            <a:prstGeom prst="rect">
+              <a:avLst/>
+            </a:prstGeom>
+          </p:spPr>
+        </p:pic>
+      </p:grpSp>
+      <p:grpSp>
+        <p:nvGrpSpPr>
+          <p:cNvPr id="1011" name="그룹 1011"/>
+          <p:cNvGrpSpPr/>
+          <p:nvPr/>
+        </p:nvGrpSpPr>
+        <p:grpSpPr>
+          <a:xfrm>
+            <a:off x="2253402" y="6855475"/>
+            <a:ext cx="5367196" cy="121855"/>
+            <a:chOff x="2253402" y="6855475"/>
+            <a:chExt cx="5367196" cy="121855"/>
+          </a:xfrm>
+        </p:grpSpPr>
+        <p:pic>
+          <p:nvPicPr>
+            <p:cNvPr id="42" name="Object 41"/>
+            <p:cNvPicPr>
+              <a:picLocks noChangeAspect="1"/>
+            </p:cNvPicPr>
+            <p:nvPr/>
+          </p:nvPicPr>
+          <p:blipFill>
+            <a:blip r:embed="rId21" cstate="print"/>
+            <a:stretch>
+              <a:fillRect/>
+            </a:stretch>
+          </p:blipFill>
+          <p:spPr>
+            <a:xfrm rot="-5400000">
+              <a:off x="2253402" y="6855475"/>
+              <a:ext cx="5367196" cy="121855"/>
+            </a:xfrm>
+            <a:prstGeom prst="rect">
+              <a:avLst/>
+            </a:prstGeom>
+          </p:spPr>
+        </p:pic>
+      </p:grpSp>
+      <p:grpSp>
+        <p:nvGrpSpPr>
+          <p:cNvPr id="1012" name="그룹 1012"/>
+          <p:cNvGrpSpPr/>
+          <p:nvPr/>
+        </p:nvGrpSpPr>
+        <p:grpSpPr>
+          <a:xfrm>
+            <a:off x="6448677" y="6844893"/>
+            <a:ext cx="5388360" cy="121855"/>
+            <a:chOff x="6448677" y="6844893"/>
+            <a:chExt cx="5388360" cy="121855"/>
+          </a:xfrm>
+        </p:grpSpPr>
+        <p:pic>
+          <p:nvPicPr>
+            <p:cNvPr id="45" name="Object 44"/>
+            <p:cNvPicPr>
+              <a:picLocks noChangeAspect="1"/>
+            </p:cNvPicPr>
+            <p:nvPr/>
+          </p:nvPicPr>
+          <p:blipFill>
+            <a:blip r:embed="rId22" cstate="print"/>
+            <a:stretch>
+              <a:fillRect/>
+            </a:stretch>
+          </p:blipFill>
+          <p:spPr>
+            <a:xfrm rot="-5400000">
+              <a:off x="6448677" y="6844893"/>
+              <a:ext cx="5388360" cy="121855"/>
+            </a:xfrm>
+            <a:prstGeom prst="rect">
+              <a:avLst/>
+            </a:prstGeom>
+          </p:spPr>
+        </p:pic>
+      </p:grpSp>
+      <p:grpSp>
+        <p:nvGrpSpPr>
+          <p:cNvPr id="1013" name="그룹 1013"/>
+          <p:cNvGrpSpPr/>
+          <p:nvPr/>
+        </p:nvGrpSpPr>
+        <p:grpSpPr>
+          <a:xfrm>
+            <a:off x="10659825" y="6850184"/>
+            <a:ext cx="5377778" cy="121855"/>
+            <a:chOff x="10659825" y="6850184"/>
+            <a:chExt cx="5377778" cy="121855"/>
+          </a:xfrm>
+        </p:grpSpPr>
+        <p:pic>
+          <p:nvPicPr>
+            <p:cNvPr id="48" name="Object 47"/>
+            <p:cNvPicPr>
+              <a:picLocks noChangeAspect="1"/>
+            </p:cNvPicPr>
+            <p:nvPr/>
+          </p:nvPicPr>
+          <p:blipFill>
+            <a:blip r:embed="rId23" cstate="print"/>
+            <a:stretch>
+              <a:fillRect/>
+            </a:stretch>
+          </p:blipFill>
+          <p:spPr>
+            <a:xfrm rot="-5400000">
+              <a:off x="10659825" y="6850184"/>
+              <a:ext cx="5377778" cy="121855"/>
+            </a:xfrm>
+            <a:prstGeom prst="rect">
+              <a:avLst/>
+            </a:prstGeom>
+          </p:spPr>
+        </p:pic>
+      </p:grpSp>
+      <p:grpSp>
+        <p:nvGrpSpPr>
+          <p:cNvPr id="1014" name="그룹 1014"/>
+          <p:cNvGrpSpPr/>
+          <p:nvPr/>
+        </p:nvGrpSpPr>
+        <p:grpSpPr>
+          <a:xfrm>
+            <a:off x="2614581" y="4743650"/>
+            <a:ext cx="433038" cy="346182"/>
+            <a:chOff x="2614581" y="4743650"/>
+            <a:chExt cx="433038" cy="346182"/>
+          </a:xfrm>
+        </p:grpSpPr>
+        <p:pic>
+          <p:nvPicPr>
+            <p:cNvPr id="51" name="Object 50"/>
+            <p:cNvPicPr>
+              <a:picLocks noChangeAspect="1"/>
+            </p:cNvPicPr>
+            <p:nvPr/>
+          </p:nvPicPr>
+          <p:blipFill>
+            <a:blip r:embed="rId24" cstate="print"/>
+            <a:stretch>
+              <a:fillRect/>
+            </a:stretch>
+          </p:blipFill>
+          <p:spPr>
+            <a:xfrm>
+              <a:off x="2614581" y="4743650"/>
+              <a:ext cx="433038" cy="346182"/>
+            </a:xfrm>
+            <a:prstGeom prst="rect">
+              <a:avLst/>
+            </a:prstGeom>
+          </p:spPr>
+        </p:pic>
+      </p:grpSp>
+      <p:grpSp>
+        <p:nvGrpSpPr>
+          <p:cNvPr id="1015" name="그룹 1015"/>
+          <p:cNvGrpSpPr/>
+          <p:nvPr/>
+        </p:nvGrpSpPr>
+        <p:grpSpPr>
+          <a:xfrm>
+            <a:off x="6770868" y="4743650"/>
+            <a:ext cx="433038" cy="346182"/>
+            <a:chOff x="6770868" y="4743650"/>
+            <a:chExt cx="433038" cy="346182"/>
+          </a:xfrm>
+        </p:grpSpPr>
+        <p:pic>
+          <p:nvPicPr>
+            <p:cNvPr id="54" name="Object 53"/>
+            <p:cNvPicPr>
+              <a:picLocks noChangeAspect="1"/>
+            </p:cNvPicPr>
+            <p:nvPr/>
+          </p:nvPicPr>
+          <p:blipFill>
+            <a:blip r:embed="rId25" cstate="print"/>
+            <a:stretch>
+              <a:fillRect/>
+            </a:stretch>
+          </p:blipFill>
+          <p:spPr>
+            <a:xfrm>
+              <a:off x="6770868" y="4743650"/>
+              <a:ext cx="433038" cy="346182"/>
+            </a:xfrm>
+            <a:prstGeom prst="rect">
+              <a:avLst/>
+            </a:prstGeom>
+          </p:spPr>
+        </p:pic>
+      </p:grpSp>
+      <p:grpSp>
+        <p:nvGrpSpPr>
+          <p:cNvPr id="1016" name="그룹 1016"/>
+          <p:cNvGrpSpPr/>
+          <p:nvPr/>
+        </p:nvGrpSpPr>
+        <p:grpSpPr>
+          <a:xfrm>
+            <a:off x="10984791" y="4743650"/>
+            <a:ext cx="433038" cy="346182"/>
+            <a:chOff x="10984791" y="4743650"/>
+            <a:chExt cx="433038" cy="346182"/>
+          </a:xfrm>
+        </p:grpSpPr>
+        <p:pic>
+          <p:nvPicPr>
+            <p:cNvPr id="57" name="Object 56"/>
+            <p:cNvPicPr>
+              <a:picLocks noChangeAspect="1"/>
+            </p:cNvPicPr>
+            <p:nvPr/>
+          </p:nvPicPr>
+          <p:blipFill>
+            <a:blip r:embed="rId26" cstate="print"/>
+            <a:stretch>
+              <a:fillRect/>
+            </a:stretch>
+          </p:blipFill>
+          <p:spPr>
+            <a:xfrm>
+              <a:off x="10984791" y="4743650"/>
+              <a:ext cx="433038" cy="346182"/>
+            </a:xfrm>
+            <a:prstGeom prst="rect">
+              <a:avLst/>
+            </a:prstGeom>
+          </p:spPr>
+        </p:pic>
+      </p:grpSp>
+      <p:grpSp>
+        <p:nvGrpSpPr>
+          <p:cNvPr id="1017" name="그룹 1017"/>
+          <p:cNvGrpSpPr/>
+          <p:nvPr/>
+        </p:nvGrpSpPr>
+        <p:grpSpPr>
+          <a:xfrm>
+            <a:off x="15131555" y="4743650"/>
+            <a:ext cx="433038" cy="346182"/>
+            <a:chOff x="15131555" y="4743650"/>
+            <a:chExt cx="433038" cy="346182"/>
+          </a:xfrm>
+        </p:grpSpPr>
+        <p:pic>
+          <p:nvPicPr>
+            <p:cNvPr id="60" name="Object 59"/>
+            <p:cNvPicPr>
+              <a:picLocks noChangeAspect="1"/>
+            </p:cNvPicPr>
+            <p:nvPr/>
+          </p:nvPicPr>
+          <p:blipFill>
+            <a:blip r:embed="rId27" cstate="print"/>
+            <a:stretch>
+              <a:fillRect/>
+            </a:stretch>
+          </p:blipFill>
+          <p:spPr>
+            <a:xfrm>
+              <a:off x="15131555" y="4743650"/>
+              <a:ext cx="433038" cy="346182"/>
+            </a:xfrm>
+            <a:prstGeom prst="rect">
+              <a:avLst/>
+            </a:prstGeom>
+          </p:spPr>
+        </p:pic>
+      </p:grpSp>
+    </p:spTree>
+  </p:cSld>
+  <p:clrMapOvr>
+    <a:masterClrMapping/>
+  </p:clrMapOvr>
+</p:sld>
+</file>
+
+<file path=ppt/slides/slide16.xml><?xml version="1.0" encoding="utf-8"?>
+<p:sld xmlns:a="http://schemas.openxmlformats.org/drawingml/2006/main" xmlns:r="http://schemas.openxmlformats.org/officeDocument/2006/relationships" xmlns:p="http://schemas.openxmlformats.org/presentationml/2006/main">
+  <p:cSld name="Slide 16">
+    <p:bg>
+      <p:bgPr>
+        <a:solidFill>
+          <a:srgbClr val="FFFFFF"/>
+        </a:solidFill>
+        <a:effectLst/>
+      </p:bgPr>
+    </p:bg>
+    <p:spTree>
+      <p:nvGrpSpPr>
+        <p:cNvPr id="1" name=""/>
+        <p:cNvGrpSpPr/>
+        <p:nvPr/>
+      </p:nvGrpSpPr>
+      <p:grpSpPr>
+        <a:xfrm>
+          <a:off x="0" y="0"/>
+          <a:ext cx="0" cy="0"/>
+          <a:chOff x="0" y="0"/>
+          <a:chExt cx="0" cy="0"/>
+        </a:xfrm>
+      </p:grpSpPr>
+      <p:grpSp>
+        <p:nvGrpSpPr>
+          <p:cNvPr id="1001" name="그룹 1001"/>
+          <p:cNvGrpSpPr/>
+          <p:nvPr/>
+        </p:nvGrpSpPr>
+        <p:grpSpPr>
+          <a:xfrm>
+            <a:off x="705274" y="686772"/>
+            <a:ext cx="16875166" cy="8912169"/>
+            <a:chOff x="705274" y="686772"/>
+            <a:chExt cx="16875166" cy="8912169"/>
+          </a:xfrm>
+        </p:grpSpPr>
+        <p:pic>
+          <p:nvPicPr>
+            <p:cNvPr id="3" name="Object 2"/>
+            <p:cNvPicPr>
+              <a:picLocks noChangeAspect="1"/>
+            </p:cNvPicPr>
+            <p:nvPr/>
+          </p:nvPicPr>
+          <p:blipFill>
+            <a:blip r:embed="rId2" cstate="print"/>
+            <a:stretch>
+              <a:fillRect/>
+            </a:stretch>
+          </p:blipFill>
+          <p:spPr>
+            <a:xfrm>
+              <a:off x="705274" y="686772"/>
+              <a:ext cx="16875166" cy="8912169"/>
+            </a:xfrm>
+            <a:prstGeom prst="rect">
+              <a:avLst/>
+            </a:prstGeom>
+          </p:spPr>
+        </p:pic>
+      </p:grpSp>
+      <p:pic>
+        <p:nvPicPr>
+          <p:cNvPr id="5" name="Object 4"/>
+          <p:cNvPicPr>
+            <a:picLocks noChangeAspect="1"/>
+          </p:cNvPicPr>
+          <p:nvPr/>
+        </p:nvPicPr>
+        <p:blipFill>
+          <a:blip r:embed="rId3" cstate="print"/>
+          <a:stretch>
+            <a:fillRect/>
+          </a:stretch>
+        </p:blipFill>
+        <p:spPr>
+          <a:xfrm>
+            <a:off x="11340344" y="3002592"/>
+            <a:ext cx="6547861" cy="5985747"/>
+          </a:xfrm>
+          <a:prstGeom prst="rect">
+            <a:avLst/>
+          </a:prstGeom>
+        </p:spPr>
+      </p:pic>
+      <p:grpSp>
+        <p:nvGrpSpPr>
+          <p:cNvPr id="1002" name="그룹 1002"/>
+          <p:cNvGrpSpPr/>
+          <p:nvPr/>
+        </p:nvGrpSpPr>
+        <p:grpSpPr>
+          <a:xfrm>
+            <a:off x="742857" y="9352381"/>
+            <a:ext cx="16800000" cy="247619"/>
+            <a:chOff x="742857" y="9352381"/>
+            <a:chExt cx="16800000" cy="247619"/>
+          </a:xfrm>
+        </p:grpSpPr>
+        <p:pic>
+          <p:nvPicPr>
+            <p:cNvPr id="7" name="Object 6"/>
+            <p:cNvPicPr>
+              <a:picLocks noChangeAspect="1"/>
+            </p:cNvPicPr>
+            <p:nvPr/>
+          </p:nvPicPr>
+          <p:blipFill>
+            <a:blip r:embed="rId4" cstate="print"/>
+            <a:stretch>
+              <a:fillRect/>
+            </a:stretch>
+          </p:blipFill>
+          <p:spPr>
+            <a:xfrm>
+              <a:off x="742857" y="9352381"/>
+              <a:ext cx="16800000" cy="247619"/>
+            </a:xfrm>
+            <a:prstGeom prst="rect">
+              <a:avLst/>
+            </a:prstGeom>
+          </p:spPr>
+        </p:pic>
+      </p:grpSp>
+      <p:pic>
+        <p:nvPicPr>
+          <p:cNvPr id="9" name="Object 8"/>
+          <p:cNvPicPr>
+            <a:picLocks noChangeAspect="1"/>
+          </p:cNvPicPr>
+          <p:nvPr/>
+        </p:nvPicPr>
+        <p:blipFill>
+          <a:blip r:embed="rId5" cstate="print"/>
+          <a:stretch>
+            <a:fillRect/>
+          </a:stretch>
+        </p:blipFill>
+        <p:spPr>
+          <a:xfrm>
+            <a:off x="1790045" y="3774235"/>
+            <a:ext cx="3152155" cy="2114069"/>
+          </a:xfrm>
+          <a:prstGeom prst="rect">
+            <a:avLst/>
+          </a:prstGeom>
+        </p:spPr>
+      </p:pic>
+      <p:grpSp>
+        <p:nvGrpSpPr>
+          <p:cNvPr id="1003" name="그룹 1003"/>
+          <p:cNvGrpSpPr/>
+          <p:nvPr/>
+        </p:nvGrpSpPr>
+        <p:grpSpPr>
+          <a:xfrm>
+            <a:off x="1199271" y="4009524"/>
+            <a:ext cx="4924539" cy="1752381"/>
+            <a:chOff x="1199271" y="4009524"/>
+            <a:chExt cx="4924539" cy="1752381"/>
+          </a:xfrm>
+        </p:grpSpPr>
+        <p:pic>
+          <p:nvPicPr>
+            <p:cNvPr id="11" name="Object 10"/>
+            <p:cNvPicPr>
+              <a:picLocks noChangeAspect="1"/>
+            </p:cNvPicPr>
+            <p:nvPr/>
+          </p:nvPicPr>
+          <p:blipFill>
+            <a:blip r:embed="rId6" cstate="print"/>
+            <a:stretch>
+              <a:fillRect/>
+            </a:stretch>
+          </p:blipFill>
+          <p:spPr>
+            <a:xfrm rot="-300000">
+              <a:off x="1199271" y="4009524"/>
+              <a:ext cx="4924539" cy="1752381"/>
+            </a:xfrm>
+            <a:prstGeom prst="rect">
+              <a:avLst/>
+            </a:prstGeom>
+          </p:spPr>
+        </p:pic>
+      </p:grpSp>
+      <p:grpSp>
+        <p:nvGrpSpPr>
+          <p:cNvPr id="1004" name="그룹 1004"/>
+          <p:cNvGrpSpPr/>
+          <p:nvPr/>
+        </p:nvGrpSpPr>
+        <p:grpSpPr>
+          <a:xfrm>
+            <a:off x="15808888" y="2271402"/>
+            <a:ext cx="708876" cy="566693"/>
+            <a:chOff x="15808888" y="2271402"/>
+            <a:chExt cx="708876" cy="566693"/>
+          </a:xfrm>
+        </p:grpSpPr>
+        <p:pic>
+          <p:nvPicPr>
+            <p:cNvPr id="14" name="Object 13"/>
+            <p:cNvPicPr>
+              <a:picLocks noChangeAspect="1"/>
+            </p:cNvPicPr>
+            <p:nvPr/>
+          </p:nvPicPr>
+          <p:blipFill>
+            <a:blip r:embed="rId7" cstate="print"/>
+            <a:stretch>
+              <a:fillRect/>
+            </a:stretch>
+          </p:blipFill>
+          <p:spPr>
+            <a:xfrm rot="-10800000">
+              <a:off x="15808888" y="2271402"/>
+              <a:ext cx="708876" cy="566693"/>
+            </a:xfrm>
+            <a:prstGeom prst="rect">
+              <a:avLst/>
+            </a:prstGeom>
+          </p:spPr>
+        </p:pic>
+      </p:grpSp>
+    </p:spTree>
+  </p:cSld>
+  <p:clrMapOvr>
+    <a:masterClrMapping/>
+  </p:clrMapOvr>
+</p:sld>
+</file>
+
+<file path=ppt/slides/slide17.xml><?xml version="1.0" encoding="utf-8"?>
+<p:sld xmlns:a="http://schemas.openxmlformats.org/drawingml/2006/main" xmlns:r="http://schemas.openxmlformats.org/officeDocument/2006/relationships" xmlns:p="http://schemas.openxmlformats.org/presentationml/2006/main">
+  <p:cSld name="Slide 17">
+    <p:bg>
+      <p:bgPr>
+        <a:solidFill>
+          <a:srgbClr val="FFFFFF"/>
+        </a:solidFill>
+        <a:effectLst/>
+      </p:bgPr>
+    </p:bg>
+    <p:spTree>
+      <p:nvGrpSpPr>
+        <p:cNvPr id="1" name=""/>
+        <p:cNvGrpSpPr/>
+        <p:nvPr/>
+      </p:nvGrpSpPr>
+      <p:grpSpPr>
+        <a:xfrm>
+          <a:off x="0" y="0"/>
+          <a:ext cx="0" cy="0"/>
+          <a:chOff x="0" y="0"/>
+          <a:chExt cx="0" cy="0"/>
+        </a:xfrm>
+      </p:grpSpPr>
+      <p:grpSp>
+        <p:nvGrpSpPr>
+          <p:cNvPr id="1001" name="그룹 1001"/>
+          <p:cNvGrpSpPr/>
+          <p:nvPr/>
+        </p:nvGrpSpPr>
+        <p:grpSpPr>
+          <a:xfrm>
+            <a:off x="705274" y="686772"/>
+            <a:ext cx="16875166" cy="8912169"/>
+            <a:chOff x="705274" y="686772"/>
+            <a:chExt cx="16875166" cy="8912169"/>
+          </a:xfrm>
+        </p:grpSpPr>
+        <p:pic>
+          <p:nvPicPr>
+            <p:cNvPr id="3" name="Object 2"/>
+            <p:cNvPicPr>
+              <a:picLocks noChangeAspect="1"/>
+            </p:cNvPicPr>
+            <p:nvPr/>
+          </p:nvPicPr>
+          <p:blipFill>
+            <a:blip r:embed="rId2" cstate="print"/>
+            <a:stretch>
+              <a:fillRect/>
+            </a:stretch>
+          </p:blipFill>
+          <p:spPr>
+            <a:xfrm>
+              <a:off x="705274" y="686772"/>
+              <a:ext cx="16875166" cy="8912169"/>
+            </a:xfrm>
+            <a:prstGeom prst="rect">
+              <a:avLst/>
+            </a:prstGeom>
+          </p:spPr>
+        </p:pic>
+      </p:grpSp>
+      <p:grpSp>
+        <p:nvGrpSpPr>
+          <p:cNvPr id="1002" name="그룹 1002"/>
+          <p:cNvGrpSpPr/>
+          <p:nvPr/>
+        </p:nvGrpSpPr>
+        <p:grpSpPr>
+          <a:xfrm>
+            <a:off x="726190" y="7319250"/>
+            <a:ext cx="16854762" cy="121855"/>
+            <a:chOff x="726190" y="7319250"/>
+            <a:chExt cx="16854762" cy="121855"/>
+          </a:xfrm>
+        </p:grpSpPr>
+        <p:pic>
+          <p:nvPicPr>
+            <p:cNvPr id="6" name="Object 5"/>
+            <p:cNvPicPr>
+              <a:picLocks noChangeAspect="1"/>
+            </p:cNvPicPr>
+            <p:nvPr/>
+          </p:nvPicPr>
+          <p:blipFill>
+            <a:blip r:embed="rId3" cstate="print"/>
+            <a:stretch>
+              <a:fillRect/>
+            </a:stretch>
+          </p:blipFill>
+          <p:spPr>
+            <a:xfrm rot="-10800000">
+              <a:off x="726190" y="7319250"/>
+              <a:ext cx="16854762" cy="121855"/>
+            </a:xfrm>
+            <a:prstGeom prst="rect">
+              <a:avLst/>
+            </a:prstGeom>
+          </p:spPr>
+        </p:pic>
+      </p:grpSp>
+      <p:grpSp>
+        <p:nvGrpSpPr>
+          <p:cNvPr id="1003" name="그룹 1003"/>
+          <p:cNvGrpSpPr/>
+          <p:nvPr/>
+        </p:nvGrpSpPr>
+        <p:grpSpPr>
+          <a:xfrm>
+            <a:off x="715476" y="5350831"/>
+            <a:ext cx="16854762" cy="121855"/>
+            <a:chOff x="715476" y="5350831"/>
+            <a:chExt cx="16854762" cy="121855"/>
+          </a:xfrm>
+        </p:grpSpPr>
+        <p:pic>
+          <p:nvPicPr>
+            <p:cNvPr id="9" name="Object 8"/>
+            <p:cNvPicPr>
+              <a:picLocks noChangeAspect="1"/>
+            </p:cNvPicPr>
+            <p:nvPr/>
+          </p:nvPicPr>
+          <p:blipFill>
+            <a:blip r:embed="rId4" cstate="print"/>
+            <a:stretch>
+              <a:fillRect/>
+            </a:stretch>
+          </p:blipFill>
+          <p:spPr>
+            <a:xfrm rot="-10800000">
+              <a:off x="715476" y="5350831"/>
+              <a:ext cx="16854762" cy="121855"/>
+            </a:xfrm>
+            <a:prstGeom prst="rect">
+              <a:avLst/>
+            </a:prstGeom>
+          </p:spPr>
+        </p:pic>
+      </p:grpSp>
+      <p:pic>
+        <p:nvPicPr>
+          <p:cNvPr id="11" name="Object 10"/>
+          <p:cNvPicPr>
+            <a:picLocks noChangeAspect="1"/>
+          </p:cNvPicPr>
+          <p:nvPr/>
+        </p:nvPicPr>
+        <p:blipFill>
+          <a:blip r:embed="rId5" cstate="print"/>
+          <a:stretch>
+            <a:fillRect/>
+          </a:stretch>
+        </p:blipFill>
+        <p:spPr>
+          <a:xfrm>
+            <a:off x="2114202" y="5886487"/>
+            <a:ext cx="2940098" cy="1286965"/>
+          </a:xfrm>
+          <a:prstGeom prst="rect">
+            <a:avLst/>
+          </a:prstGeom>
+        </p:spPr>
+      </p:pic>
+      <p:pic>
+        <p:nvPicPr>
+          <p:cNvPr id="12" name="Object 11"/>
+          <p:cNvPicPr>
+            <a:picLocks noChangeAspect="1"/>
+          </p:cNvPicPr>
+          <p:nvPr/>
+        </p:nvPicPr>
+        <p:blipFill>
+          <a:blip r:embed="rId6" cstate="print"/>
+          <a:stretch>
+            <a:fillRect/>
+          </a:stretch>
+        </p:blipFill>
+        <p:spPr>
+          <a:xfrm>
+            <a:off x="2063278" y="7905459"/>
+            <a:ext cx="2629345" cy="817136"/>
+          </a:xfrm>
+          <a:prstGeom prst="rect">
+            <a:avLst/>
+          </a:prstGeom>
+        </p:spPr>
+      </p:pic>
+      <p:grpSp>
+        <p:nvGrpSpPr>
+          <p:cNvPr id="1004" name="그룹 1004"/>
+          <p:cNvGrpSpPr/>
+          <p:nvPr/>
+        </p:nvGrpSpPr>
+        <p:grpSpPr>
+          <a:xfrm>
+            <a:off x="1579915" y="7962990"/>
+            <a:ext cx="476833" cy="525649"/>
+            <a:chOff x="1579915" y="7962990"/>
+            <a:chExt cx="476833" cy="525649"/>
+          </a:xfrm>
+        </p:grpSpPr>
+        <p:pic>
+          <p:nvPicPr>
+            <p:cNvPr id="14" name="Object 13"/>
+            <p:cNvPicPr>
+              <a:picLocks noChangeAspect="1"/>
+            </p:cNvPicPr>
+            <p:nvPr/>
+          </p:nvPicPr>
+          <p:blipFill>
+            <a:blip r:embed="rId7" cstate="print"/>
+            <a:stretch>
+              <a:fillRect/>
+            </a:stretch>
+          </p:blipFill>
+          <p:spPr>
+            <a:xfrm>
+              <a:off x="1579915" y="7962990"/>
+              <a:ext cx="476833" cy="525649"/>
+            </a:xfrm>
+            <a:prstGeom prst="rect">
+              <a:avLst/>
+            </a:prstGeom>
+          </p:spPr>
+        </p:pic>
+      </p:grpSp>
+      <p:pic>
+        <p:nvPicPr>
+          <p:cNvPr id="16" name="Object 15"/>
+          <p:cNvPicPr>
+            <a:picLocks noChangeAspect="1"/>
+          </p:cNvPicPr>
+          <p:nvPr/>
+        </p:nvPicPr>
+        <p:blipFill>
+          <a:blip r:embed="rId8" cstate="print"/>
+          <a:stretch>
+            <a:fillRect/>
+          </a:stretch>
+        </p:blipFill>
+        <p:spPr>
+          <a:xfrm>
+            <a:off x="6305019" y="6074251"/>
+            <a:ext cx="8253119" cy="550938"/>
+          </a:xfrm>
+          <a:prstGeom prst="rect">
+            <a:avLst/>
+          </a:prstGeom>
+        </p:spPr>
+      </p:pic>
+      <p:pic>
+        <p:nvPicPr>
+          <p:cNvPr id="17" name="Object 16"/>
+          <p:cNvPicPr>
+            <a:picLocks noChangeAspect="1"/>
+          </p:cNvPicPr>
+          <p:nvPr/>
+        </p:nvPicPr>
+        <p:blipFill>
+          <a:blip r:embed="rId9" cstate="print"/>
+          <a:stretch>
+            <a:fillRect/>
+          </a:stretch>
+        </p:blipFill>
+        <p:spPr>
+          <a:xfrm>
+            <a:off x="6305019" y="7766411"/>
+            <a:ext cx="11108728" cy="1109271"/>
+          </a:xfrm>
+          <a:prstGeom prst="rect">
+            <a:avLst/>
+          </a:prstGeom>
+        </p:spPr>
+      </p:pic>
+      <p:grpSp>
+        <p:nvGrpSpPr>
+          <p:cNvPr id="1005" name="그룹 1005"/>
+          <p:cNvGrpSpPr/>
+          <p:nvPr/>
+        </p:nvGrpSpPr>
+        <p:grpSpPr>
+          <a:xfrm>
+            <a:off x="715476" y="3382412"/>
+            <a:ext cx="16854762" cy="121855"/>
+            <a:chOff x="715476" y="3382412"/>
+            <a:chExt cx="16854762" cy="121855"/>
+          </a:xfrm>
+        </p:grpSpPr>
+        <p:pic>
+          <p:nvPicPr>
+            <p:cNvPr id="19" name="Object 18"/>
+            <p:cNvPicPr>
+              <a:picLocks noChangeAspect="1"/>
+            </p:cNvPicPr>
+            <p:nvPr/>
+          </p:nvPicPr>
+          <p:blipFill>
+            <a:blip r:embed="rId10" cstate="print"/>
+            <a:stretch>
+              <a:fillRect/>
+            </a:stretch>
+          </p:blipFill>
+          <p:spPr>
+            <a:xfrm rot="-10800000">
+              <a:off x="715476" y="3382412"/>
+              <a:ext cx="16854762" cy="121855"/>
+            </a:xfrm>
+            <a:prstGeom prst="rect">
+              <a:avLst/>
+            </a:prstGeom>
+          </p:spPr>
+        </p:pic>
+      </p:grpSp>
+      <p:pic>
+        <p:nvPicPr>
+          <p:cNvPr id="21" name="Object 20"/>
+          <p:cNvPicPr>
+            <a:picLocks noChangeAspect="1"/>
+          </p:cNvPicPr>
+          <p:nvPr/>
+        </p:nvPicPr>
+        <p:blipFill>
+          <a:blip r:embed="rId11" cstate="print"/>
+          <a:stretch>
+            <a:fillRect/>
+          </a:stretch>
+        </p:blipFill>
+        <p:spPr>
+          <a:xfrm>
+            <a:off x="2231659" y="2022701"/>
+            <a:ext cx="2470269" cy="817136"/>
+          </a:xfrm>
+          <a:prstGeom prst="rect">
+            <a:avLst/>
+          </a:prstGeom>
+        </p:spPr>
+      </p:pic>
+      <p:pic>
+        <p:nvPicPr>
+          <p:cNvPr id="22" name="Object 21"/>
+          <p:cNvPicPr>
+            <a:picLocks noChangeAspect="1"/>
+          </p:cNvPicPr>
+          <p:nvPr/>
+        </p:nvPicPr>
+        <p:blipFill>
+          <a:blip r:embed="rId12" cstate="print"/>
+          <a:stretch>
+            <a:fillRect/>
+          </a:stretch>
+        </p:blipFill>
+        <p:spPr>
+          <a:xfrm>
+            <a:off x="6305019" y="2145118"/>
+            <a:ext cx="10785233" cy="550938"/>
+          </a:xfrm>
+          <a:prstGeom prst="rect">
+            <a:avLst/>
+          </a:prstGeom>
+        </p:spPr>
+      </p:pic>
+      <p:pic>
+        <p:nvPicPr>
+          <p:cNvPr id="23" name="Object 22"/>
+          <p:cNvPicPr>
+            <a:picLocks noChangeAspect="1"/>
+          </p:cNvPicPr>
+          <p:nvPr/>
+        </p:nvPicPr>
+        <p:blipFill>
+          <a:blip r:embed="rId13" cstate="print"/>
+          <a:stretch>
+            <a:fillRect/>
+          </a:stretch>
+        </p:blipFill>
+        <p:spPr>
+          <a:xfrm>
+            <a:off x="2114202" y="3810005"/>
+            <a:ext cx="2934222" cy="1313832"/>
+          </a:xfrm>
+          <a:prstGeom prst="rect">
+            <a:avLst/>
+          </a:prstGeom>
+        </p:spPr>
+      </p:pic>
+      <p:pic>
+        <p:nvPicPr>
+          <p:cNvPr id="24" name="Object 23"/>
+          <p:cNvPicPr>
+            <a:picLocks noChangeAspect="1"/>
+          </p:cNvPicPr>
+          <p:nvPr/>
+        </p:nvPicPr>
+        <p:blipFill>
+          <a:blip r:embed="rId14" cstate="print"/>
+          <a:stretch>
+            <a:fillRect/>
+          </a:stretch>
+        </p:blipFill>
+        <p:spPr>
+          <a:xfrm>
+            <a:off x="6305019" y="3783932"/>
+            <a:ext cx="10979148" cy="1109271"/>
+          </a:xfrm>
+          <a:prstGeom prst="rect">
+            <a:avLst/>
+          </a:prstGeom>
+        </p:spPr>
+      </p:pic>
+      <p:grpSp>
+        <p:nvGrpSpPr>
+          <p:cNvPr id="1006" name="그룹 1006"/>
+          <p:cNvGrpSpPr/>
+          <p:nvPr/>
+        </p:nvGrpSpPr>
+        <p:grpSpPr>
+          <a:xfrm>
+            <a:off x="729776" y="9352381"/>
+            <a:ext cx="16813081" cy="247619"/>
+            <a:chOff x="729776" y="9352381"/>
+            <a:chExt cx="16813081" cy="247619"/>
+          </a:xfrm>
+        </p:grpSpPr>
+        <p:pic>
+          <p:nvPicPr>
+            <p:cNvPr id="26" name="Object 25"/>
+            <p:cNvPicPr>
+              <a:picLocks noChangeAspect="1"/>
+            </p:cNvPicPr>
+            <p:nvPr/>
+          </p:nvPicPr>
+          <p:blipFill>
+            <a:blip r:embed="rId15" cstate="print"/>
+            <a:stretch>
+              <a:fillRect/>
+            </a:stretch>
+          </p:blipFill>
+          <p:spPr>
+            <a:xfrm>
+              <a:off x="729776" y="9352381"/>
+              <a:ext cx="16813081" cy="247619"/>
+            </a:xfrm>
+            <a:prstGeom prst="rect">
+              <a:avLst/>
+            </a:prstGeom>
+          </p:spPr>
+        </p:pic>
+      </p:grpSp>
+      <p:grpSp>
+        <p:nvGrpSpPr>
+          <p:cNvPr id="1007" name="그룹 1007"/>
+          <p:cNvGrpSpPr/>
+          <p:nvPr/>
+        </p:nvGrpSpPr>
+        <p:grpSpPr>
+          <a:xfrm>
+            <a:off x="1854964" y="5416868"/>
+            <a:ext cx="8053932" cy="121855"/>
+            <a:chOff x="1854964" y="5416868"/>
+            <a:chExt cx="8053932" cy="121855"/>
+          </a:xfrm>
+        </p:grpSpPr>
+        <p:pic>
+          <p:nvPicPr>
+            <p:cNvPr id="29" name="Object 28"/>
+            <p:cNvPicPr>
+              <a:picLocks noChangeAspect="1"/>
+            </p:cNvPicPr>
+            <p:nvPr/>
+          </p:nvPicPr>
+          <p:blipFill>
+            <a:blip r:embed="rId16" cstate="print"/>
+            <a:stretch>
+              <a:fillRect/>
+            </a:stretch>
+          </p:blipFill>
+          <p:spPr>
+            <a:xfrm rot="-5400000">
+              <a:off x="1854964" y="5416868"/>
+              <a:ext cx="8053932" cy="121855"/>
+            </a:xfrm>
+            <a:prstGeom prst="rect">
+              <a:avLst/>
+            </a:prstGeom>
+          </p:spPr>
+        </p:pic>
+      </p:grpSp>
+      <p:grpSp>
+        <p:nvGrpSpPr>
+          <p:cNvPr id="1008" name="그룹 1008"/>
+          <p:cNvGrpSpPr/>
+          <p:nvPr/>
+        </p:nvGrpSpPr>
+        <p:grpSpPr>
+          <a:xfrm>
+            <a:off x="1589439" y="6076516"/>
+            <a:ext cx="476833" cy="525649"/>
+            <a:chOff x="1589439" y="6076516"/>
+            <a:chExt cx="476833" cy="525649"/>
+          </a:xfrm>
+        </p:grpSpPr>
+        <p:pic>
+          <p:nvPicPr>
+            <p:cNvPr id="32" name="Object 31"/>
+            <p:cNvPicPr>
+              <a:picLocks noChangeAspect="1"/>
+            </p:cNvPicPr>
+            <p:nvPr/>
+          </p:nvPicPr>
+          <p:blipFill>
+            <a:blip r:embed="rId17" cstate="print"/>
+            <a:stretch>
+              <a:fillRect/>
+            </a:stretch>
+          </p:blipFill>
+          <p:spPr>
+            <a:xfrm>
+              <a:off x="1589439" y="6076516"/>
+              <a:ext cx="476833" cy="525649"/>
+            </a:xfrm>
+            <a:prstGeom prst="rect">
+              <a:avLst/>
+            </a:prstGeom>
+          </p:spPr>
+        </p:pic>
+      </p:grpSp>
+      <p:grpSp>
+        <p:nvGrpSpPr>
+          <p:cNvPr id="1009" name="그룹 1009"/>
+          <p:cNvGrpSpPr/>
+          <p:nvPr/>
+        </p:nvGrpSpPr>
+        <p:grpSpPr>
+          <a:xfrm>
+            <a:off x="1579915" y="4061237"/>
+            <a:ext cx="476833" cy="525649"/>
+            <a:chOff x="1579915" y="4061237"/>
+            <a:chExt cx="476833" cy="525649"/>
+          </a:xfrm>
+        </p:grpSpPr>
+        <p:pic>
+          <p:nvPicPr>
+            <p:cNvPr id="35" name="Object 34"/>
+            <p:cNvPicPr>
+              <a:picLocks noChangeAspect="1"/>
+            </p:cNvPicPr>
+            <p:nvPr/>
+          </p:nvPicPr>
+          <p:blipFill>
+            <a:blip r:embed="rId18" cstate="print"/>
+            <a:stretch>
+              <a:fillRect/>
+            </a:stretch>
+          </p:blipFill>
+          <p:spPr>
+            <a:xfrm>
+              <a:off x="1579915" y="4061237"/>
+              <a:ext cx="476833" cy="525649"/>
+            </a:xfrm>
+            <a:prstGeom prst="rect">
+              <a:avLst/>
+            </a:prstGeom>
+          </p:spPr>
+        </p:pic>
+      </p:grpSp>
+      <p:grpSp>
+        <p:nvGrpSpPr>
+          <p:cNvPr id="1010" name="그룹 1010"/>
+          <p:cNvGrpSpPr/>
+          <p:nvPr/>
+        </p:nvGrpSpPr>
+        <p:grpSpPr>
+          <a:xfrm>
+            <a:off x="1589439" y="2165239"/>
+            <a:ext cx="476833" cy="525649"/>
+            <a:chOff x="1589439" y="2165239"/>
+            <a:chExt cx="476833" cy="525649"/>
+          </a:xfrm>
+        </p:grpSpPr>
+        <p:pic>
+          <p:nvPicPr>
+            <p:cNvPr id="38" name="Object 37"/>
+            <p:cNvPicPr>
+              <a:picLocks noChangeAspect="1"/>
+            </p:cNvPicPr>
+            <p:nvPr/>
+          </p:nvPicPr>
+          <p:blipFill>
+            <a:blip r:embed="rId19" cstate="print"/>
+            <a:stretch>
+              <a:fillRect/>
+            </a:stretch>
+          </p:blipFill>
+          <p:spPr>
+            <a:xfrm>
+              <a:off x="1589439" y="2165239"/>
+              <a:ext cx="476833" cy="525649"/>
+            </a:xfrm>
+            <a:prstGeom prst="rect">
+              <a:avLst/>
+            </a:prstGeom>
+          </p:spPr>
+        </p:pic>
+      </p:grpSp>
+    </p:spTree>
+  </p:cSld>
+  <p:clrMapOvr>
+    <a:masterClrMapping/>
+  </p:clrMapOvr>
+</p:sld>
+</file>
+
+<file path=ppt/slides/slide18.xml><?xml version="1.0" encoding="utf-8"?>
+<p:sld xmlns:a="http://schemas.openxmlformats.org/drawingml/2006/main" xmlns:r="http://schemas.openxmlformats.org/officeDocument/2006/relationships" xmlns:p="http://schemas.openxmlformats.org/presentationml/2006/main">
+  <p:cSld name="Slide 18">
+    <p:bg>
+      <p:bgPr>
+        <a:solidFill>
+          <a:srgbClr val="FFFFFF"/>
+        </a:solidFill>
+        <a:effectLst/>
+      </p:bgPr>
+    </p:bg>
+    <p:spTree>
+      <p:nvGrpSpPr>
+        <p:cNvPr id="1" name=""/>
+        <p:cNvGrpSpPr/>
+        <p:nvPr/>
+      </p:nvGrpSpPr>
+      <p:grpSpPr>
+        <a:xfrm>
+          <a:off x="0" y="0"/>
+          <a:ext cx="0" cy="0"/>
+          <a:chOff x="0" y="0"/>
+          <a:chExt cx="0" cy="0"/>
+        </a:xfrm>
+      </p:grpSpPr>
+      <p:grpSp>
+        <p:nvGrpSpPr>
+          <p:cNvPr id="1001" name="그룹 1001"/>
+          <p:cNvGrpSpPr/>
+          <p:nvPr/>
+        </p:nvGrpSpPr>
+        <p:grpSpPr>
+          <a:xfrm>
+            <a:off x="705274" y="686772"/>
+            <a:ext cx="16875166" cy="8912169"/>
+            <a:chOff x="705274" y="686772"/>
+            <a:chExt cx="16875166" cy="8912169"/>
+          </a:xfrm>
+        </p:grpSpPr>
+        <p:pic>
+          <p:nvPicPr>
+            <p:cNvPr id="3" name="Object 2"/>
+            <p:cNvPicPr>
+              <a:picLocks noChangeAspect="1"/>
+            </p:cNvPicPr>
+            <p:nvPr/>
+          </p:nvPicPr>
+          <p:blipFill>
+            <a:blip r:embed="rId2" cstate="print"/>
+            <a:stretch>
+              <a:fillRect/>
+            </a:stretch>
+          </p:blipFill>
+          <p:spPr>
+            <a:xfrm>
+              <a:off x="705274" y="686772"/>
+              <a:ext cx="16875166" cy="8912169"/>
+            </a:xfrm>
+            <a:prstGeom prst="rect">
+              <a:avLst/>
+            </a:prstGeom>
+          </p:spPr>
+        </p:pic>
+      </p:grpSp>
       <p:grpSp>
         <p:nvGrpSpPr>
           <p:cNvPr id="1002" name="그룹 1002"/>
@@ -5492,7 +6879,7 @@
         <p:spPr>
           <a:xfrm>
             <a:off x="13087603" y="6729713"/>
-            <a:ext cx="2668598" cy="881312"/>
+            <a:ext cx="2668598" cy="881322"/>
           </a:xfrm>
           <a:prstGeom prst="rect">
             <a:avLst/>
@@ -5855,7 +7242,7 @@
         <p:spPr>
           <a:xfrm>
             <a:off x="8266172" y="4954926"/>
-            <a:ext cx="2976354" cy="1303916"/>
+            <a:ext cx="2976097" cy="1293564"/>
           </a:xfrm>
           <a:prstGeom prst="rect">
             <a:avLst/>
@@ -5942,7 +7329,7 @@
         <p:spPr>
           <a:xfrm>
             <a:off x="11236972" y="4954926"/>
-            <a:ext cx="2920621" cy="1281069"/>
+            <a:ext cx="2920669" cy="1266697"/>
           </a:xfrm>
           <a:prstGeom prst="rect">
             <a:avLst/>
@@ -6140,7 +7527,7 @@
         <p:spPr>
           <a:xfrm>
             <a:off x="11073574" y="6075107"/>
-            <a:ext cx="792431" cy="889641"/>
+            <a:ext cx="792212" cy="880612"/>
           </a:xfrm>
           <a:prstGeom prst="rect">
             <a:avLst/>
@@ -6203,7 +7590,7 @@
         <p:spPr>
           <a:xfrm>
             <a:off x="14029446" y="3726350"/>
-            <a:ext cx="836907" cy="889641"/>
+            <a:ext cx="837060" cy="880612"/>
           </a:xfrm>
           <a:prstGeom prst="rect">
             <a:avLst/>
@@ -6440,7 +7827,7 @@
         <p:spPr>
           <a:xfrm>
             <a:off x="14220477" y="7475201"/>
-            <a:ext cx="1827301" cy="479301"/>
+            <a:ext cx="1827292" cy="479301"/>
           </a:xfrm>
           <a:prstGeom prst="rect">
             <a:avLst/>
@@ -6503,7 +7890,7 @@
         <p:spPr>
           <a:xfrm>
             <a:off x="16726275" y="6116733"/>
-            <a:ext cx="841393" cy="889641"/>
+            <a:ext cx="841213" cy="880613"/>
           </a:xfrm>
           <a:prstGeom prst="rect">
             <a:avLst/>
@@ -6662,7 +8049,7 @@
         <p:spPr>
           <a:xfrm>
             <a:off x="3182192" y="5090612"/>
-            <a:ext cx="1593796" cy="659996"/>
+            <a:ext cx="1594358" cy="659387"/>
           </a:xfrm>
           <a:prstGeom prst="rect">
             <a:avLst/>
@@ -7001,7 +8388,7 @@
         <p:spPr>
           <a:xfrm>
             <a:off x="3297846" y="7591065"/>
-            <a:ext cx="1594358" cy="596111"/>
+            <a:ext cx="1593796" cy="659996"/>
           </a:xfrm>
           <a:prstGeom prst="rect">
             <a:avLst/>
@@ -7048,8 +8435,8 @@
         </p:blipFill>
         <p:spPr>
           <a:xfrm>
-            <a:off x="9092903" y="7591069"/>
-            <a:ext cx="853454" cy="659996"/>
+            <a:off x="8905408" y="7569686"/>
+            <a:ext cx="1593796" cy="595225"/>
           </a:xfrm>
           <a:prstGeom prst="rect">
             <a:avLst/>
@@ -7113,6 +8500,54 @@
           <a:xfrm>
             <a:off x="1841195" y="1958443"/>
             <a:ext cx="4527272" cy="1728758"/>
+          </a:xfrm>
+          <a:prstGeom prst="rect">
+            <a:avLst/>
+          </a:prstGeom>
+        </p:spPr>
+      </p:pic>
+      <p:pic>
+        <p:nvPicPr>
+          <p:cNvPr id="37" name="Object 36"/>
+          <p:cNvPicPr>
+            <a:picLocks noChangeAspect="1"/>
+          </p:cNvPicPr>
+          <p:nvPr/>
+        </p:nvPicPr>
+        <p:blipFill>
+          <a:blip r:embed="rId21" cstate="print"/>
+          <a:stretch>
+            <a:fillRect/>
+          </a:stretch>
+        </p:blipFill>
+        <p:spPr>
+          <a:xfrm>
+            <a:off x="12469781" y="7068648"/>
+            <a:ext cx="1683971" cy="1570133"/>
+          </a:xfrm>
+          <a:prstGeom prst="rect">
+            <a:avLst/>
+          </a:prstGeom>
+        </p:spPr>
+      </p:pic>
+      <p:pic>
+        <p:nvPicPr>
+          <p:cNvPr id="38" name="Object 37"/>
+          <p:cNvPicPr>
+            <a:picLocks noChangeAspect="1"/>
+          </p:cNvPicPr>
+          <p:nvPr/>
+        </p:nvPicPr>
+        <p:blipFill>
+          <a:blip r:embed="rId22" cstate="print"/>
+          <a:stretch>
+            <a:fillRect/>
+          </a:stretch>
+        </p:blipFill>
+        <p:spPr>
+          <a:xfrm>
+            <a:off x="14465858" y="7569686"/>
+            <a:ext cx="853454" cy="659996"/>
           </a:xfrm>
           <a:prstGeom prst="rect">
             <a:avLst/>
@@ -7208,7 +8643,7 @@
         <p:spPr>
           <a:xfrm>
             <a:off x="10464093" y="2126344"/>
-            <a:ext cx="9613878" cy="9487754"/>
+            <a:ext cx="9613944" cy="9490754"/>
           </a:xfrm>
           <a:prstGeom prst="rect">
             <a:avLst/>
@@ -7231,8 +8666,8 @@
         </p:blipFill>
         <p:spPr>
           <a:xfrm>
-            <a:off x="2021113" y="7207741"/>
-            <a:ext cx="4055331" cy="884426"/>
+            <a:off x="1845172" y="7049610"/>
+            <a:ext cx="4408612" cy="1675226"/>
           </a:xfrm>
           <a:prstGeom prst="rect">
             <a:avLst/>
@@ -7295,7 +8730,7 @@
         <p:spPr>
           <a:xfrm>
             <a:off x="1790045" y="3774235"/>
-            <a:ext cx="5745012" cy="2168564"/>
+            <a:ext cx="5745012" cy="2114069"/>
           </a:xfrm>
           <a:prstGeom prst="rect">
             <a:avLst/>
@@ -7532,7 +8967,7 @@
         <p:spPr>
           <a:xfrm>
             <a:off x="4011431" y="4613202"/>
-            <a:ext cx="10336782" cy="3058725"/>
+            <a:ext cx="10336563" cy="3063744"/>
           </a:xfrm>
           <a:prstGeom prst="rect">
             <a:avLst/>
@@ -7682,6 +9117,45 @@
         </p:nvGrpSpPr>
         <p:grpSpPr>
           <a:xfrm>
+            <a:off x="9142857" y="1985265"/>
+            <a:ext cx="8424079" cy="6959492"/>
+            <a:chOff x="9142857" y="1985265"/>
+            <a:chExt cx="8424079" cy="6959492"/>
+          </a:xfrm>
+        </p:grpSpPr>
+        <p:pic>
+          <p:nvPicPr>
+            <p:cNvPr id="3" name="Object 2"/>
+            <p:cNvPicPr>
+              <a:picLocks noChangeAspect="1"/>
+            </p:cNvPicPr>
+            <p:nvPr/>
+          </p:nvPicPr>
+          <p:blipFill>
+            <a:blip r:embed="rId2" cstate="print"/>
+            <a:stretch>
+              <a:fillRect/>
+            </a:stretch>
+          </p:blipFill>
+          <p:spPr>
+            <a:xfrm>
+              <a:off x="9142857" y="1985265"/>
+              <a:ext cx="8424079" cy="6959492"/>
+            </a:xfrm>
+            <a:prstGeom prst="rect">
+              <a:avLst/>
+            </a:prstGeom>
+          </p:spPr>
+        </p:pic>
+      </p:grpSp>
+      <p:grpSp>
+        <p:nvGrpSpPr>
+          <p:cNvPr id="1002" name="그룹 1002"/>
+          <p:cNvGrpSpPr/>
+          <p:nvPr/>
+        </p:nvGrpSpPr>
+        <p:grpSpPr>
+          <a:xfrm>
             <a:off x="705274" y="686772"/>
             <a:ext cx="16875166" cy="8912169"/>
             <a:chOff x="705274" y="686772"/>
@@ -7690,14 +9164,14 @@
         </p:grpSpPr>
         <p:pic>
           <p:nvPicPr>
-            <p:cNvPr id="3" name="Object 2"/>
-            <p:cNvPicPr>
-              <a:picLocks noChangeAspect="1"/>
-            </p:cNvPicPr>
-            <p:nvPr/>
-          </p:nvPicPr>
-          <p:blipFill>
-            <a:blip r:embed="rId2" cstate="print"/>
+            <p:cNvPr id="6" name="Object 5"/>
+            <p:cNvPicPr>
+              <a:picLocks noChangeAspect="1"/>
+            </p:cNvPicPr>
+            <p:nvPr/>
+          </p:nvPicPr>
+          <p:blipFill>
+            <a:blip r:embed="rId3" cstate="print"/>
             <a:stretch>
               <a:fillRect/>
             </a:stretch>
@@ -7706,45 +9180,6 @@
             <a:xfrm>
               <a:off x="705274" y="686772"/>
               <a:ext cx="16875166" cy="8912169"/>
-            </a:xfrm>
-            <a:prstGeom prst="rect">
-              <a:avLst/>
-            </a:prstGeom>
-          </p:spPr>
-        </p:pic>
-      </p:grpSp>
-      <p:grpSp>
-        <p:nvGrpSpPr>
-          <p:cNvPr id="1002" name="그룹 1002"/>
-          <p:cNvGrpSpPr/>
-          <p:nvPr/>
-        </p:nvGrpSpPr>
-        <p:grpSpPr>
-          <a:xfrm>
-            <a:off x="1428914" y="3842680"/>
-            <a:ext cx="7006051" cy="2322412"/>
-            <a:chOff x="1428914" y="3842680"/>
-            <a:chExt cx="7006051" cy="2322412"/>
-          </a:xfrm>
-        </p:grpSpPr>
-        <p:pic>
-          <p:nvPicPr>
-            <p:cNvPr id="6" name="Object 5"/>
-            <p:cNvPicPr>
-              <a:picLocks noChangeAspect="1"/>
-            </p:cNvPicPr>
-            <p:nvPr/>
-          </p:nvPicPr>
-          <p:blipFill>
-            <a:blip r:embed="rId3" cstate="print"/>
-            <a:stretch>
-              <a:fillRect/>
-            </a:stretch>
-          </p:blipFill>
-          <p:spPr>
-            <a:xfrm rot="300000">
-              <a:off x="1428914" y="3842680"/>
-              <a:ext cx="7006051" cy="2322412"/>
             </a:xfrm>
             <a:prstGeom prst="rect">
               <a:avLst/>
@@ -7768,8 +9203,8 @@
         </p:blipFill>
         <p:spPr>
           <a:xfrm>
-            <a:off x="11340345" y="3002596"/>
-            <a:ext cx="6551461" cy="5985747"/>
+            <a:off x="7549579" y="746325"/>
+            <a:ext cx="2996358" cy="713025"/>
           </a:xfrm>
           <a:prstGeom prst="rect">
             <a:avLst/>
@@ -7784,10 +9219,10 @@
         </p:nvGrpSpPr>
         <p:grpSpPr>
           <a:xfrm>
-            <a:off x="752389" y="9352381"/>
-            <a:ext cx="16790468" cy="247619"/>
-            <a:chOff x="752389" y="9352381"/>
-            <a:chExt cx="16790468" cy="247619"/>
+            <a:off x="5446771" y="1985265"/>
+            <a:ext cx="4741497" cy="6959492"/>
+            <a:chOff x="5446771" y="1985265"/>
+            <a:chExt cx="4741497" cy="6959492"/>
           </a:xfrm>
         </p:grpSpPr>
         <p:pic>
@@ -7806,39 +9241,15 @@
           </p:blipFill>
           <p:spPr>
             <a:xfrm>
-              <a:off x="752389" y="9352381"/>
-              <a:ext cx="16790468" cy="247619"/>
-            </a:xfrm>
-            <a:prstGeom prst="rect">
-              <a:avLst/>
-            </a:prstGeom>
-          </p:spPr>
-        </p:pic>
-      </p:grpSp>
-      <p:pic>
-        <p:nvPicPr>
-          <p:cNvPr id="12" name="Object 11"/>
-          <p:cNvPicPr>
-            <a:picLocks noChangeAspect="1"/>
-          </p:cNvPicPr>
-          <p:nvPr/>
-        </p:nvPicPr>
-        <p:blipFill>
-          <a:blip r:embed="rId6" cstate="print"/>
-          <a:stretch>
-            <a:fillRect/>
-          </a:stretch>
-        </p:blipFill>
-        <p:spPr>
-          <a:xfrm>
-            <a:off x="1488960" y="3473151"/>
-            <a:ext cx="6969387" cy="3607311"/>
-          </a:xfrm>
-          <a:prstGeom prst="rect">
-            <a:avLst/>
-          </a:prstGeom>
-        </p:spPr>
-      </p:pic>
+              <a:off x="5446771" y="1985265"/>
+              <a:ext cx="4741497" cy="6959492"/>
+            </a:xfrm>
+            <a:prstGeom prst="rect">
+              <a:avLst/>
+            </a:prstGeom>
+          </p:spPr>
+        </p:pic>
+      </p:grpSp>
       <p:grpSp>
         <p:nvGrpSpPr>
           <p:cNvPr id="1004" name="그룹 1004"/>
@@ -7847,61 +9258,37 @@
         </p:nvGrpSpPr>
         <p:grpSpPr>
           <a:xfrm>
-            <a:off x="15808888" y="2271402"/>
-            <a:ext cx="708876" cy="566693"/>
-            <a:chOff x="15808888" y="2271402"/>
-            <a:chExt cx="708876" cy="566693"/>
-          </a:xfrm>
-        </p:grpSpPr>
-        <p:pic>
-          <p:nvPicPr>
-            <p:cNvPr id="14" name="Object 13"/>
-            <p:cNvPicPr>
-              <a:picLocks noChangeAspect="1"/>
-            </p:cNvPicPr>
-            <p:nvPr/>
-          </p:nvPicPr>
-          <p:blipFill>
-            <a:blip r:embed="rId7" cstate="print"/>
-            <a:stretch>
-              <a:fillRect/>
-            </a:stretch>
-          </p:blipFill>
-          <p:spPr>
-            <a:xfrm rot="-10800000">
-              <a:off x="15808888" y="2271402"/>
-              <a:ext cx="708876" cy="566693"/>
-            </a:xfrm>
-            <a:prstGeom prst="rect">
-              <a:avLst/>
-            </a:prstGeom>
-          </p:spPr>
-        </p:pic>
-      </p:grpSp>
-      <p:pic>
-        <p:nvPicPr>
-          <p:cNvPr id="16" name="Object 15"/>
-          <p:cNvPicPr>
-            <a:picLocks noChangeAspect="1"/>
-          </p:cNvPicPr>
-          <p:nvPr/>
-        </p:nvPicPr>
-        <p:blipFill>
-          <a:blip r:embed="rId8" cstate="print"/>
-          <a:stretch>
-            <a:fillRect/>
-          </a:stretch>
-        </p:blipFill>
-        <p:spPr>
-          <a:xfrm>
-            <a:off x="1790045" y="5307883"/>
-            <a:ext cx="3066440" cy="2114069"/>
-          </a:xfrm>
-          <a:prstGeom prst="rect">
-            <a:avLst/>
-          </a:prstGeom>
-        </p:spPr>
-      </p:pic>
+            <a:off x="705274" y="1985265"/>
+            <a:ext cx="4741497" cy="6959492"/>
+            <a:chOff x="705274" y="1985265"/>
+            <a:chExt cx="4741497" cy="6959492"/>
+          </a:xfrm>
+        </p:grpSpPr>
+        <p:pic>
+          <p:nvPicPr>
+            <p:cNvPr id="13" name="Object 12"/>
+            <p:cNvPicPr>
+              <a:picLocks noChangeAspect="1"/>
+            </p:cNvPicPr>
+            <p:nvPr/>
+          </p:nvPicPr>
+          <p:blipFill>
+            <a:blip r:embed="rId6" cstate="print"/>
+            <a:stretch>
+              <a:fillRect/>
+            </a:stretch>
+          </p:blipFill>
+          <p:spPr>
+            <a:xfrm>
+              <a:off x="705274" y="1985265"/>
+              <a:ext cx="4741497" cy="6959492"/>
+            </a:xfrm>
+            <a:prstGeom prst="rect">
+              <a:avLst/>
+            </a:prstGeom>
+          </p:spPr>
+        </p:pic>
+      </p:grpSp>
     </p:spTree>
   </p:cSld>
   <p:clrMapOvr>
@@ -7943,162 +9330,6 @@
         </p:nvGrpSpPr>
         <p:grpSpPr>
           <a:xfrm>
-            <a:off x="7052381" y="5716594"/>
-            <a:ext cx="4180952" cy="3518271"/>
-            <a:chOff x="7052381" y="5716594"/>
-            <a:chExt cx="4180952" cy="3518271"/>
-          </a:xfrm>
-        </p:grpSpPr>
-        <p:pic>
-          <p:nvPicPr>
-            <p:cNvPr id="3" name="Object 2"/>
-            <p:cNvPicPr>
-              <a:picLocks noChangeAspect="1"/>
-            </p:cNvPicPr>
-            <p:nvPr/>
-          </p:nvPicPr>
-          <p:blipFill>
-            <a:blip r:embed="rId2" cstate="print"/>
-            <a:stretch>
-              <a:fillRect/>
-            </a:stretch>
-          </p:blipFill>
-          <p:spPr>
-            <a:xfrm rot="-11160000">
-              <a:off x="7052381" y="5716594"/>
-              <a:ext cx="4180952" cy="3518271"/>
-            </a:xfrm>
-            <a:prstGeom prst="rect">
-              <a:avLst/>
-            </a:prstGeom>
-          </p:spPr>
-        </p:pic>
-      </p:grpSp>
-      <p:grpSp>
-        <p:nvGrpSpPr>
-          <p:cNvPr id="1002" name="그룹 1002"/>
-          <p:cNvGrpSpPr/>
-          <p:nvPr/>
-        </p:nvGrpSpPr>
-        <p:grpSpPr>
-          <a:xfrm>
-            <a:off x="2368864" y="5447009"/>
-            <a:ext cx="8146032" cy="121855"/>
-            <a:chOff x="2368864" y="5447009"/>
-            <a:chExt cx="8146032" cy="121855"/>
-          </a:xfrm>
-        </p:grpSpPr>
-        <p:pic>
-          <p:nvPicPr>
-            <p:cNvPr id="6" name="Object 5"/>
-            <p:cNvPicPr>
-              <a:picLocks noChangeAspect="1"/>
-            </p:cNvPicPr>
-            <p:nvPr/>
-          </p:nvPicPr>
-          <p:blipFill>
-            <a:blip r:embed="rId3" cstate="print"/>
-            <a:stretch>
-              <a:fillRect/>
-            </a:stretch>
-          </p:blipFill>
-          <p:spPr>
-            <a:xfrm rot="16200000">
-              <a:off x="2368864" y="5447009"/>
-              <a:ext cx="8146032" cy="121855"/>
-            </a:xfrm>
-            <a:prstGeom prst="rect">
-              <a:avLst/>
-            </a:prstGeom>
-          </p:spPr>
-        </p:pic>
-      </p:grpSp>
-      <p:grpSp>
-        <p:nvGrpSpPr>
-          <p:cNvPr id="1003" name="그룹 1003"/>
-          <p:cNvGrpSpPr/>
-          <p:nvPr/>
-        </p:nvGrpSpPr>
-        <p:grpSpPr>
-          <a:xfrm>
-            <a:off x="6447619" y="5447009"/>
-            <a:ext cx="11129784" cy="121855"/>
-            <a:chOff x="6447619" y="5447009"/>
-            <a:chExt cx="11129784" cy="121855"/>
-          </a:xfrm>
-        </p:grpSpPr>
-        <p:pic>
-          <p:nvPicPr>
-            <p:cNvPr id="9" name="Object 8"/>
-            <p:cNvPicPr>
-              <a:picLocks noChangeAspect="1"/>
-            </p:cNvPicPr>
-            <p:nvPr/>
-          </p:nvPicPr>
-          <p:blipFill>
-            <a:blip r:embed="rId4" cstate="print"/>
-            <a:stretch>
-              <a:fillRect/>
-            </a:stretch>
-          </p:blipFill>
-          <p:spPr>
-            <a:xfrm>
-              <a:off x="6447619" y="5447009"/>
-              <a:ext cx="11129784" cy="121855"/>
-            </a:xfrm>
-            <a:prstGeom prst="rect">
-              <a:avLst/>
-            </a:prstGeom>
-          </p:spPr>
-        </p:pic>
-      </p:grpSp>
-      <p:grpSp>
-        <p:nvGrpSpPr>
-          <p:cNvPr id="1004" name="그룹 1004"/>
-          <p:cNvGrpSpPr/>
-          <p:nvPr/>
-        </p:nvGrpSpPr>
-        <p:grpSpPr>
-          <a:xfrm>
-            <a:off x="8028994" y="5466057"/>
-            <a:ext cx="8146032" cy="121855"/>
-            <a:chOff x="8028994" y="5466057"/>
-            <a:chExt cx="8146032" cy="121855"/>
-          </a:xfrm>
-        </p:grpSpPr>
-        <p:pic>
-          <p:nvPicPr>
-            <p:cNvPr id="12" name="Object 11"/>
-            <p:cNvPicPr>
-              <a:picLocks noChangeAspect="1"/>
-            </p:cNvPicPr>
-            <p:nvPr/>
-          </p:nvPicPr>
-          <p:blipFill>
-            <a:blip r:embed="rId5" cstate="print"/>
-            <a:stretch>
-              <a:fillRect/>
-            </a:stretch>
-          </p:blipFill>
-          <p:spPr>
-            <a:xfrm rot="16200000">
-              <a:off x="8028994" y="5466057"/>
-              <a:ext cx="8146032" cy="121855"/>
-            </a:xfrm>
-            <a:prstGeom prst="rect">
-              <a:avLst/>
-            </a:prstGeom>
-          </p:spPr>
-        </p:pic>
-      </p:grpSp>
-      <p:grpSp>
-        <p:nvGrpSpPr>
-          <p:cNvPr id="1005" name="그룹 1005"/>
-          <p:cNvGrpSpPr/>
-          <p:nvPr/>
-        </p:nvGrpSpPr>
-        <p:grpSpPr>
-          <a:xfrm>
             <a:off x="705274" y="686772"/>
             <a:ext cx="16875166" cy="8912169"/>
             <a:chOff x="705274" y="686772"/>
@@ -8107,14 +9338,14 @@
         </p:grpSpPr>
         <p:pic>
           <p:nvPicPr>
-            <p:cNvPr id="15" name="Object 14"/>
-            <p:cNvPicPr>
-              <a:picLocks noChangeAspect="1"/>
-            </p:cNvPicPr>
-            <p:nvPr/>
-          </p:nvPicPr>
-          <p:blipFill>
-            <a:blip r:embed="rId6" cstate="print"/>
+            <p:cNvPr id="3" name="Object 2"/>
+            <p:cNvPicPr>
+              <a:picLocks noChangeAspect="1"/>
+            </p:cNvPicPr>
+            <p:nvPr/>
+          </p:nvPicPr>
+          <p:blipFill>
+            <a:blip r:embed="rId2" cstate="print"/>
             <a:stretch>
               <a:fillRect/>
             </a:stretch>
@@ -8132,36 +9363,36 @@
       </p:grpSp>
       <p:grpSp>
         <p:nvGrpSpPr>
-          <p:cNvPr id="1006" name="그룹 1006"/>
-          <p:cNvGrpSpPr/>
-          <p:nvPr/>
-        </p:nvGrpSpPr>
-        <p:grpSpPr>
-          <a:xfrm>
-            <a:off x="12661905" y="1672175"/>
-            <a:ext cx="4180952" cy="3518271"/>
-            <a:chOff x="12661905" y="1672175"/>
-            <a:chExt cx="4180952" cy="3518271"/>
-          </a:xfrm>
-        </p:grpSpPr>
-        <p:pic>
-          <p:nvPicPr>
-            <p:cNvPr id="18" name="Object 17"/>
-            <p:cNvPicPr>
-              <a:picLocks noChangeAspect="1"/>
-            </p:cNvPicPr>
-            <p:nvPr/>
-          </p:nvPicPr>
-          <p:blipFill>
-            <a:blip r:embed="rId7" cstate="print"/>
+          <p:cNvPr id="1002" name="그룹 1002"/>
+          <p:cNvGrpSpPr/>
+          <p:nvPr/>
+        </p:nvGrpSpPr>
+        <p:grpSpPr>
+          <a:xfrm>
+            <a:off x="4961346" y="2256963"/>
+            <a:ext cx="8363022" cy="6570697"/>
+            <a:chOff x="4961346" y="2256963"/>
+            <a:chExt cx="8363022" cy="6570697"/>
+          </a:xfrm>
+        </p:grpSpPr>
+        <p:pic>
+          <p:nvPicPr>
+            <p:cNvPr id="6" name="Object 5"/>
+            <p:cNvPicPr>
+              <a:picLocks noChangeAspect="1"/>
+            </p:cNvPicPr>
+            <p:nvPr/>
+          </p:nvPicPr>
+          <p:blipFill>
+            <a:blip r:embed="rId3" cstate="print"/>
             <a:stretch>
               <a:fillRect/>
             </a:stretch>
           </p:blipFill>
           <p:spPr>
             <a:xfrm>
-              <a:off x="12661905" y="1672175"/>
-              <a:ext cx="4180952" cy="3518271"/>
+              <a:off x="4961346" y="2256963"/>
+              <a:ext cx="8363022" cy="6570697"/>
             </a:xfrm>
             <a:prstGeom prst="rect">
               <a:avLst/>
@@ -8171,238 +9402,22 @@
       </p:grpSp>
       <p:pic>
         <p:nvPicPr>
-          <p:cNvPr id="20" name="Object 19"/>
+          <p:cNvPr id="8" name="Object 7"/>
           <p:cNvPicPr>
             <a:picLocks noChangeAspect="1"/>
           </p:cNvPicPr>
           <p:nvPr/>
         </p:nvPicPr>
         <p:blipFill>
-          <a:blip r:embed="rId8" cstate="print"/>
+          <a:blip r:embed="rId4" cstate="print"/>
           <a:stretch>
             <a:fillRect/>
           </a:stretch>
         </p:blipFill>
         <p:spPr>
           <a:xfrm>
-            <a:off x="1490289" y="2988041"/>
-            <a:ext cx="2869606" cy="2018968"/>
-          </a:xfrm>
-          <a:prstGeom prst="rect">
-            <a:avLst/>
-          </a:prstGeom>
-        </p:spPr>
-      </p:pic>
-      <p:pic>
-        <p:nvPicPr>
-          <p:cNvPr id="21" name="Object 20"/>
-          <p:cNvPicPr>
-            <a:picLocks noChangeAspect="1"/>
-          </p:cNvPicPr>
-          <p:nvPr/>
-        </p:nvPicPr>
-        <p:blipFill>
-          <a:blip r:embed="rId9" cstate="print"/>
-          <a:stretch>
-            <a:fillRect/>
-          </a:stretch>
-        </p:blipFill>
-        <p:spPr>
-          <a:xfrm>
-            <a:off x="1546558" y="6857053"/>
-            <a:ext cx="2481983" cy="388312"/>
-          </a:xfrm>
-          <a:prstGeom prst="rect">
-            <a:avLst/>
-          </a:prstGeom>
-        </p:spPr>
-      </p:pic>
-      <p:pic>
-        <p:nvPicPr>
-          <p:cNvPr id="22" name="Object 21"/>
-          <p:cNvPicPr>
-            <a:picLocks noChangeAspect="1"/>
-          </p:cNvPicPr>
-          <p:nvPr/>
-        </p:nvPicPr>
-        <p:blipFill>
-          <a:blip r:embed="rId10" cstate="print"/>
-          <a:stretch>
-            <a:fillRect/>
-          </a:stretch>
-        </p:blipFill>
-        <p:spPr>
-          <a:xfrm>
-            <a:off x="7506853" y="3586873"/>
-            <a:ext cx="3701329" cy="1341853"/>
-          </a:xfrm>
-          <a:prstGeom prst="rect">
-            <a:avLst/>
-          </a:prstGeom>
-        </p:spPr>
-      </p:pic>
-      <p:pic>
-        <p:nvPicPr>
-          <p:cNvPr id="23" name="Object 22"/>
-          <p:cNvPicPr>
-            <a:picLocks noChangeAspect="1"/>
-          </p:cNvPicPr>
-          <p:nvPr/>
-        </p:nvPicPr>
-        <p:blipFill>
-          <a:blip r:embed="rId11" cstate="print"/>
-          <a:stretch>
-            <a:fillRect/>
-          </a:stretch>
-        </p:blipFill>
-        <p:spPr>
-          <a:xfrm>
-            <a:off x="4584201" y="2005640"/>
-            <a:ext cx="5725286" cy="1073781"/>
-          </a:xfrm>
-          <a:prstGeom prst="rect">
-            <a:avLst/>
-          </a:prstGeom>
-        </p:spPr>
-      </p:pic>
-      <p:pic>
-        <p:nvPicPr>
-          <p:cNvPr id="24" name="Object 23"/>
-          <p:cNvPicPr>
-            <a:picLocks noChangeAspect="1"/>
-          </p:cNvPicPr>
-          <p:nvPr/>
-        </p:nvPicPr>
-        <p:blipFill>
-          <a:blip r:embed="rId12" cstate="print"/>
-          <a:stretch>
-            <a:fillRect/>
-          </a:stretch>
-        </p:blipFill>
-        <p:spPr>
-          <a:xfrm>
-            <a:off x="10193724" y="2005640"/>
-            <a:ext cx="5417267" cy="1073781"/>
-          </a:xfrm>
-          <a:prstGeom prst="rect">
-            <a:avLst/>
-          </a:prstGeom>
-        </p:spPr>
-      </p:pic>
-      <p:pic>
-        <p:nvPicPr>
-          <p:cNvPr id="25" name="Object 24"/>
-          <p:cNvPicPr>
-            <a:picLocks noChangeAspect="1"/>
-          </p:cNvPicPr>
-          <p:nvPr/>
-        </p:nvPicPr>
-        <p:blipFill>
-          <a:blip r:embed="rId13" cstate="print"/>
-          <a:stretch>
-            <a:fillRect/>
-          </a:stretch>
-        </p:blipFill>
-        <p:spPr>
-          <a:xfrm>
-            <a:off x="4584202" y="5877488"/>
-            <a:ext cx="6024010" cy="1707657"/>
-          </a:xfrm>
-          <a:prstGeom prst="rect">
-            <a:avLst/>
-          </a:prstGeom>
-        </p:spPr>
-      </p:pic>
-      <p:pic>
-        <p:nvPicPr>
-          <p:cNvPr id="26" name="Object 25"/>
-          <p:cNvPicPr>
-            <a:picLocks noChangeAspect="1"/>
-          </p:cNvPicPr>
-          <p:nvPr/>
-        </p:nvPicPr>
-        <p:blipFill>
-          <a:blip r:embed="rId14" cstate="print"/>
-          <a:stretch>
-            <a:fillRect/>
-          </a:stretch>
-        </p:blipFill>
-        <p:spPr>
-          <a:xfrm>
-            <a:off x="10193717" y="6013460"/>
-            <a:ext cx="6062171" cy="1073781"/>
-          </a:xfrm>
-          <a:prstGeom prst="rect">
-            <a:avLst/>
-          </a:prstGeom>
-        </p:spPr>
-      </p:pic>
-      <p:pic>
-        <p:nvPicPr>
-          <p:cNvPr id="27" name="Object 26"/>
-          <p:cNvPicPr>
-            <a:picLocks noChangeAspect="1"/>
-          </p:cNvPicPr>
-          <p:nvPr/>
-        </p:nvPicPr>
-        <p:blipFill>
-          <a:blip r:embed="rId15" cstate="print"/>
-          <a:stretch>
-            <a:fillRect/>
-          </a:stretch>
-        </p:blipFill>
-        <p:spPr>
-          <a:xfrm>
-            <a:off x="12912668" y="3501163"/>
-            <a:ext cx="3628120" cy="1341853"/>
-          </a:xfrm>
-          <a:prstGeom prst="rect">
-            <a:avLst/>
-          </a:prstGeom>
-        </p:spPr>
-      </p:pic>
-      <p:pic>
-        <p:nvPicPr>
-          <p:cNvPr id="28" name="Object 27"/>
-          <p:cNvPicPr>
-            <a:picLocks noChangeAspect="1"/>
-          </p:cNvPicPr>
-          <p:nvPr/>
-        </p:nvPicPr>
-        <p:blipFill>
-          <a:blip r:embed="rId16" cstate="print"/>
-          <a:stretch>
-            <a:fillRect/>
-          </a:stretch>
-        </p:blipFill>
-        <p:spPr>
-          <a:xfrm>
-            <a:off x="7174354" y="7638889"/>
-            <a:ext cx="3995510" cy="1341853"/>
-          </a:xfrm>
-          <a:prstGeom prst="rect">
-            <a:avLst/>
-          </a:prstGeom>
-        </p:spPr>
-      </p:pic>
-      <p:pic>
-        <p:nvPicPr>
-          <p:cNvPr id="29" name="Object 28"/>
-          <p:cNvPicPr>
-            <a:picLocks noChangeAspect="1"/>
-          </p:cNvPicPr>
-          <p:nvPr/>
-        </p:nvPicPr>
-        <p:blipFill>
-          <a:blip r:embed="rId17" cstate="print"/>
-          <a:stretch>
-            <a:fillRect/>
-          </a:stretch>
-        </p:blipFill>
-        <p:spPr>
-          <a:xfrm>
-            <a:off x="13045967" y="7591270"/>
-            <a:ext cx="3548920" cy="1341853"/>
+            <a:off x="7549579" y="746325"/>
+            <a:ext cx="2561730" cy="713025"/>
           </a:xfrm>
           <a:prstGeom prst="rect">
             <a:avLst/>
@@ -8481,16 +9496,55 @@
           </p:spPr>
         </p:pic>
       </p:grpSp>
+      <p:grpSp>
+        <p:nvGrpSpPr>
+          <p:cNvPr id="1002" name="그룹 1002"/>
+          <p:cNvGrpSpPr/>
+          <p:nvPr/>
+        </p:nvGrpSpPr>
+        <p:grpSpPr>
+          <a:xfrm>
+            <a:off x="1428914" y="3842680"/>
+            <a:ext cx="7006051" cy="2322412"/>
+            <a:chOff x="1428914" y="3842680"/>
+            <a:chExt cx="7006051" cy="2322412"/>
+          </a:xfrm>
+        </p:grpSpPr>
+        <p:pic>
+          <p:nvPicPr>
+            <p:cNvPr id="6" name="Object 5"/>
+            <p:cNvPicPr>
+              <a:picLocks noChangeAspect="1"/>
+            </p:cNvPicPr>
+            <p:nvPr/>
+          </p:nvPicPr>
+          <p:blipFill>
+            <a:blip r:embed="rId3" cstate="print"/>
+            <a:stretch>
+              <a:fillRect/>
+            </a:stretch>
+          </p:blipFill>
+          <p:spPr>
+            <a:xfrm rot="300000">
+              <a:off x="1428914" y="3842680"/>
+              <a:ext cx="7006051" cy="2322412"/>
+            </a:xfrm>
+            <a:prstGeom prst="rect">
+              <a:avLst/>
+            </a:prstGeom>
+          </p:spPr>
+        </p:pic>
+      </p:grpSp>
       <p:pic>
         <p:nvPicPr>
-          <p:cNvPr id="5" name="Object 4"/>
+          <p:cNvPr id="8" name="Object 7"/>
           <p:cNvPicPr>
             <a:picLocks noChangeAspect="1"/>
           </p:cNvPicPr>
           <p:nvPr/>
         </p:nvPicPr>
         <p:blipFill>
-          <a:blip r:embed="rId3" cstate="print"/>
+          <a:blip r:embed="rId4" cstate="print"/>
           <a:stretch>
             <a:fillRect/>
           </a:stretch>
@@ -8507,36 +9561,36 @@
       </p:pic>
       <p:grpSp>
         <p:nvGrpSpPr>
-          <p:cNvPr id="1002" name="그룹 1002"/>
-          <p:cNvGrpSpPr/>
-          <p:nvPr/>
-        </p:nvGrpSpPr>
-        <p:grpSpPr>
-          <a:xfrm>
-            <a:off x="742857" y="9352381"/>
-            <a:ext cx="16800000" cy="247619"/>
-            <a:chOff x="742857" y="9352381"/>
-            <a:chExt cx="16800000" cy="247619"/>
-          </a:xfrm>
-        </p:grpSpPr>
-        <p:pic>
-          <p:nvPicPr>
-            <p:cNvPr id="7" name="Object 6"/>
-            <p:cNvPicPr>
-              <a:picLocks noChangeAspect="1"/>
-            </p:cNvPicPr>
-            <p:nvPr/>
-          </p:nvPicPr>
-          <p:blipFill>
-            <a:blip r:embed="rId4" cstate="print"/>
+          <p:cNvPr id="1003" name="그룹 1003"/>
+          <p:cNvGrpSpPr/>
+          <p:nvPr/>
+        </p:nvGrpSpPr>
+        <p:grpSpPr>
+          <a:xfrm>
+            <a:off x="752389" y="9352381"/>
+            <a:ext cx="16790468" cy="247619"/>
+            <a:chOff x="752389" y="9352381"/>
+            <a:chExt cx="16790468" cy="247619"/>
+          </a:xfrm>
+        </p:grpSpPr>
+        <p:pic>
+          <p:nvPicPr>
+            <p:cNvPr id="10" name="Object 9"/>
+            <p:cNvPicPr>
+              <a:picLocks noChangeAspect="1"/>
+            </p:cNvPicPr>
+            <p:nvPr/>
+          </p:nvPicPr>
+          <p:blipFill>
+            <a:blip r:embed="rId5" cstate="print"/>
             <a:stretch>
               <a:fillRect/>
             </a:stretch>
           </p:blipFill>
           <p:spPr>
             <a:xfrm>
-              <a:off x="742857" y="9352381"/>
-              <a:ext cx="16800000" cy="247619"/>
+              <a:off x="752389" y="9352381"/>
+              <a:ext cx="16790468" cy="247619"/>
             </a:xfrm>
             <a:prstGeom prst="rect">
               <a:avLst/>
@@ -8546,67 +9600,28 @@
       </p:grpSp>
       <p:pic>
         <p:nvPicPr>
-          <p:cNvPr id="9" name="Object 8"/>
+          <p:cNvPr id="12" name="Object 11"/>
           <p:cNvPicPr>
             <a:picLocks noChangeAspect="1"/>
           </p:cNvPicPr>
           <p:nvPr/>
         </p:nvPicPr>
         <p:blipFill>
-          <a:blip r:embed="rId5" cstate="print"/>
+          <a:blip r:embed="rId6" cstate="print"/>
           <a:stretch>
             <a:fillRect/>
           </a:stretch>
         </p:blipFill>
         <p:spPr>
           <a:xfrm>
-            <a:off x="1790045" y="3774235"/>
-            <a:ext cx="5439840" cy="3758498"/>
+            <a:off x="1488960" y="3473151"/>
+            <a:ext cx="6969387" cy="3607311"/>
           </a:xfrm>
           <a:prstGeom prst="rect">
             <a:avLst/>
           </a:prstGeom>
         </p:spPr>
       </p:pic>
-      <p:grpSp>
-        <p:nvGrpSpPr>
-          <p:cNvPr id="1003" name="그룹 1003"/>
-          <p:cNvGrpSpPr/>
-          <p:nvPr/>
-        </p:nvGrpSpPr>
-        <p:grpSpPr>
-          <a:xfrm>
-            <a:off x="1139588" y="5407868"/>
-            <a:ext cx="6174740" cy="2139977"/>
-            <a:chOff x="1139588" y="5407868"/>
-            <a:chExt cx="6174740" cy="2139977"/>
-          </a:xfrm>
-        </p:grpSpPr>
-        <p:pic>
-          <p:nvPicPr>
-            <p:cNvPr id="11" name="Object 10"/>
-            <p:cNvPicPr>
-              <a:picLocks noChangeAspect="1"/>
-            </p:cNvPicPr>
-            <p:nvPr/>
-          </p:nvPicPr>
-          <p:blipFill>
-            <a:blip r:embed="rId6" cstate="print"/>
-            <a:stretch>
-              <a:fillRect/>
-            </a:stretch>
-          </p:blipFill>
-          <p:spPr>
-            <a:xfrm rot="-300000">
-              <a:off x="1139588" y="5407868"/>
-              <a:ext cx="6174740" cy="2139977"/>
-            </a:xfrm>
-            <a:prstGeom prst="rect">
-              <a:avLst/>
-            </a:prstGeom>
-          </p:spPr>
-        </p:pic>
-      </p:grpSp>
       <p:grpSp>
         <p:nvGrpSpPr>
           <p:cNvPr id="1004" name="그룹 1004"/>
@@ -8646,6 +9661,30 @@
           </p:spPr>
         </p:pic>
       </p:grpSp>
+      <p:pic>
+        <p:nvPicPr>
+          <p:cNvPr id="16" name="Object 15"/>
+          <p:cNvPicPr>
+            <a:picLocks noChangeAspect="1"/>
+          </p:cNvPicPr>
+          <p:nvPr/>
+        </p:nvPicPr>
+        <p:blipFill>
+          <a:blip r:embed="rId8" cstate="print"/>
+          <a:stretch>
+            <a:fillRect/>
+          </a:stretch>
+        </p:blipFill>
+        <p:spPr>
+          <a:xfrm>
+            <a:off x="1790045" y="5307883"/>
+            <a:ext cx="3066440" cy="2114069"/>
+          </a:xfrm>
+          <a:prstGeom prst="rect">
+            <a:avLst/>
+          </a:prstGeom>
+        </p:spPr>
+      </p:pic>
     </p:spTree>
   </p:cSld>
   <p:clrMapOvr>
@@ -8687,6 +9726,162 @@
         </p:nvGrpSpPr>
         <p:grpSpPr>
           <a:xfrm>
+            <a:off x="7052381" y="5716594"/>
+            <a:ext cx="4180952" cy="3518271"/>
+            <a:chOff x="7052381" y="5716594"/>
+            <a:chExt cx="4180952" cy="3518271"/>
+          </a:xfrm>
+        </p:grpSpPr>
+        <p:pic>
+          <p:nvPicPr>
+            <p:cNvPr id="3" name="Object 2"/>
+            <p:cNvPicPr>
+              <a:picLocks noChangeAspect="1"/>
+            </p:cNvPicPr>
+            <p:nvPr/>
+          </p:nvPicPr>
+          <p:blipFill>
+            <a:blip r:embed="rId2" cstate="print"/>
+            <a:stretch>
+              <a:fillRect/>
+            </a:stretch>
+          </p:blipFill>
+          <p:spPr>
+            <a:xfrm rot="-11160000">
+              <a:off x="7052381" y="5716594"/>
+              <a:ext cx="4180952" cy="3518271"/>
+            </a:xfrm>
+            <a:prstGeom prst="rect">
+              <a:avLst/>
+            </a:prstGeom>
+          </p:spPr>
+        </p:pic>
+      </p:grpSp>
+      <p:grpSp>
+        <p:nvGrpSpPr>
+          <p:cNvPr id="1002" name="그룹 1002"/>
+          <p:cNvGrpSpPr/>
+          <p:nvPr/>
+        </p:nvGrpSpPr>
+        <p:grpSpPr>
+          <a:xfrm>
+            <a:off x="2368864" y="5447009"/>
+            <a:ext cx="8146032" cy="121855"/>
+            <a:chOff x="2368864" y="5447009"/>
+            <a:chExt cx="8146032" cy="121855"/>
+          </a:xfrm>
+        </p:grpSpPr>
+        <p:pic>
+          <p:nvPicPr>
+            <p:cNvPr id="6" name="Object 5"/>
+            <p:cNvPicPr>
+              <a:picLocks noChangeAspect="1"/>
+            </p:cNvPicPr>
+            <p:nvPr/>
+          </p:nvPicPr>
+          <p:blipFill>
+            <a:blip r:embed="rId3" cstate="print"/>
+            <a:stretch>
+              <a:fillRect/>
+            </a:stretch>
+          </p:blipFill>
+          <p:spPr>
+            <a:xfrm rot="16200000">
+              <a:off x="2368864" y="5447009"/>
+              <a:ext cx="8146032" cy="121855"/>
+            </a:xfrm>
+            <a:prstGeom prst="rect">
+              <a:avLst/>
+            </a:prstGeom>
+          </p:spPr>
+        </p:pic>
+      </p:grpSp>
+      <p:grpSp>
+        <p:nvGrpSpPr>
+          <p:cNvPr id="1003" name="그룹 1003"/>
+          <p:cNvGrpSpPr/>
+          <p:nvPr/>
+        </p:nvGrpSpPr>
+        <p:grpSpPr>
+          <a:xfrm>
+            <a:off x="6447619" y="5447009"/>
+            <a:ext cx="11129784" cy="121855"/>
+            <a:chOff x="6447619" y="5447009"/>
+            <a:chExt cx="11129784" cy="121855"/>
+          </a:xfrm>
+        </p:grpSpPr>
+        <p:pic>
+          <p:nvPicPr>
+            <p:cNvPr id="9" name="Object 8"/>
+            <p:cNvPicPr>
+              <a:picLocks noChangeAspect="1"/>
+            </p:cNvPicPr>
+            <p:nvPr/>
+          </p:nvPicPr>
+          <p:blipFill>
+            <a:blip r:embed="rId4" cstate="print"/>
+            <a:stretch>
+              <a:fillRect/>
+            </a:stretch>
+          </p:blipFill>
+          <p:spPr>
+            <a:xfrm>
+              <a:off x="6447619" y="5447009"/>
+              <a:ext cx="11129784" cy="121855"/>
+            </a:xfrm>
+            <a:prstGeom prst="rect">
+              <a:avLst/>
+            </a:prstGeom>
+          </p:spPr>
+        </p:pic>
+      </p:grpSp>
+      <p:grpSp>
+        <p:nvGrpSpPr>
+          <p:cNvPr id="1004" name="그룹 1004"/>
+          <p:cNvGrpSpPr/>
+          <p:nvPr/>
+        </p:nvGrpSpPr>
+        <p:grpSpPr>
+          <a:xfrm>
+            <a:off x="8028994" y="5466057"/>
+            <a:ext cx="8146032" cy="121855"/>
+            <a:chOff x="8028994" y="5466057"/>
+            <a:chExt cx="8146032" cy="121855"/>
+          </a:xfrm>
+        </p:grpSpPr>
+        <p:pic>
+          <p:nvPicPr>
+            <p:cNvPr id="12" name="Object 11"/>
+            <p:cNvPicPr>
+              <a:picLocks noChangeAspect="1"/>
+            </p:cNvPicPr>
+            <p:nvPr/>
+          </p:nvPicPr>
+          <p:blipFill>
+            <a:blip r:embed="rId5" cstate="print"/>
+            <a:stretch>
+              <a:fillRect/>
+            </a:stretch>
+          </p:blipFill>
+          <p:spPr>
+            <a:xfrm rot="16200000">
+              <a:off x="8028994" y="5466057"/>
+              <a:ext cx="8146032" cy="121855"/>
+            </a:xfrm>
+            <a:prstGeom prst="rect">
+              <a:avLst/>
+            </a:prstGeom>
+          </p:spPr>
+        </p:pic>
+      </p:grpSp>
+      <p:grpSp>
+        <p:nvGrpSpPr>
+          <p:cNvPr id="1005" name="그룹 1005"/>
+          <p:cNvGrpSpPr/>
+          <p:nvPr/>
+        </p:nvGrpSpPr>
+        <p:grpSpPr>
+          <a:xfrm>
             <a:off x="705274" y="686772"/>
             <a:ext cx="16875166" cy="8912169"/>
             <a:chOff x="705274" y="686772"/>
@@ -8695,14 +9890,14 @@
         </p:grpSpPr>
         <p:pic>
           <p:nvPicPr>
-            <p:cNvPr id="3" name="Object 2"/>
-            <p:cNvPicPr>
-              <a:picLocks noChangeAspect="1"/>
-            </p:cNvPicPr>
-            <p:nvPr/>
-          </p:nvPicPr>
-          <p:blipFill>
-            <a:blip r:embed="rId2" cstate="print"/>
+            <p:cNvPr id="15" name="Object 14"/>
+            <p:cNvPicPr>
+              <a:picLocks noChangeAspect="1"/>
+            </p:cNvPicPr>
+            <p:nvPr/>
+          </p:nvPicPr>
+          <p:blipFill>
+            <a:blip r:embed="rId6" cstate="print"/>
             <a:stretch>
               <a:fillRect/>
             </a:stretch>
@@ -8720,75 +9915,36 @@
       </p:grpSp>
       <p:grpSp>
         <p:nvGrpSpPr>
-          <p:cNvPr id="1002" name="그룹 1002"/>
-          <p:cNvGrpSpPr/>
-          <p:nvPr/>
-        </p:nvGrpSpPr>
-        <p:grpSpPr>
-          <a:xfrm>
-            <a:off x="4308860" y="3399515"/>
-            <a:ext cx="2893581" cy="3486685"/>
-            <a:chOff x="4308860" y="3399515"/>
-            <a:chExt cx="2893581" cy="3486685"/>
-          </a:xfrm>
-        </p:grpSpPr>
-        <p:pic>
-          <p:nvPicPr>
-            <p:cNvPr id="6" name="Object 5"/>
-            <p:cNvPicPr>
-              <a:picLocks noChangeAspect="1"/>
-            </p:cNvPicPr>
-            <p:nvPr/>
-          </p:nvPicPr>
-          <p:blipFill>
-            <a:blip r:embed="rId3" cstate="print"/>
+          <p:cNvPr id="1006" name="그룹 1006"/>
+          <p:cNvGrpSpPr/>
+          <p:nvPr/>
+        </p:nvGrpSpPr>
+        <p:grpSpPr>
+          <a:xfrm>
+            <a:off x="12661905" y="1672175"/>
+            <a:ext cx="4180952" cy="3518271"/>
+            <a:chOff x="12661905" y="1672175"/>
+            <a:chExt cx="4180952" cy="3518271"/>
+          </a:xfrm>
+        </p:grpSpPr>
+        <p:pic>
+          <p:nvPicPr>
+            <p:cNvPr id="18" name="Object 17"/>
+            <p:cNvPicPr>
+              <a:picLocks noChangeAspect="1"/>
+            </p:cNvPicPr>
+            <p:nvPr/>
+          </p:nvPicPr>
+          <p:blipFill>
+            <a:blip r:embed="rId7" cstate="print"/>
             <a:stretch>
               <a:fillRect/>
             </a:stretch>
           </p:blipFill>
           <p:spPr>
             <a:xfrm>
-              <a:off x="4308860" y="3399515"/>
-              <a:ext cx="2893581" cy="3486685"/>
-            </a:xfrm>
-            <a:prstGeom prst="rect">
-              <a:avLst/>
-            </a:prstGeom>
-          </p:spPr>
-        </p:pic>
-      </p:grpSp>
-      <p:grpSp>
-        <p:nvGrpSpPr>
-          <p:cNvPr id="1003" name="그룹 1003"/>
-          <p:cNvGrpSpPr/>
-          <p:nvPr/>
-        </p:nvGrpSpPr>
-        <p:grpSpPr>
-          <a:xfrm>
-            <a:off x="7652940" y="3408466"/>
-            <a:ext cx="2893581" cy="3468781"/>
-            <a:chOff x="7652940" y="3408466"/>
-            <a:chExt cx="2893581" cy="3468781"/>
-          </a:xfrm>
-        </p:grpSpPr>
-        <p:pic>
-          <p:nvPicPr>
-            <p:cNvPr id="9" name="Object 8"/>
-            <p:cNvPicPr>
-              <a:picLocks noChangeAspect="1"/>
-            </p:cNvPicPr>
-            <p:nvPr/>
-          </p:nvPicPr>
-          <p:blipFill>
-            <a:blip r:embed="rId4" cstate="print"/>
-            <a:stretch>
-              <a:fillRect/>
-            </a:stretch>
-          </p:blipFill>
-          <p:spPr>
-            <a:xfrm>
-              <a:off x="7652940" y="3408466"/>
-              <a:ext cx="2893581" cy="3468781"/>
+              <a:off x="12661905" y="1672175"/>
+              <a:ext cx="4180952" cy="3518271"/>
             </a:xfrm>
             <a:prstGeom prst="rect">
               <a:avLst/>
@@ -8798,22 +9954,22 @@
       </p:grpSp>
       <p:pic>
         <p:nvPicPr>
-          <p:cNvPr id="11" name="Object 10"/>
+          <p:cNvPr id="20" name="Object 19"/>
           <p:cNvPicPr>
             <a:picLocks noChangeAspect="1"/>
           </p:cNvPicPr>
           <p:nvPr/>
         </p:nvPicPr>
         <p:blipFill>
-          <a:blip r:embed="rId5" cstate="print"/>
+          <a:blip r:embed="rId8" cstate="print"/>
           <a:stretch>
             <a:fillRect/>
           </a:stretch>
         </p:blipFill>
         <p:spPr>
           <a:xfrm>
-            <a:off x="851611" y="7302883"/>
-            <a:ext cx="2357616" cy="711397"/>
+            <a:off x="1490289" y="2988041"/>
+            <a:ext cx="2869606" cy="1961473"/>
           </a:xfrm>
           <a:prstGeom prst="rect">
             <a:avLst/>
@@ -8822,187 +9978,55 @@
       </p:pic>
       <p:pic>
         <p:nvPicPr>
-          <p:cNvPr id="12" name="Object 11"/>
+          <p:cNvPr id="21" name="Object 20"/>
           <p:cNvPicPr>
             <a:picLocks noChangeAspect="1"/>
           </p:cNvPicPr>
           <p:nvPr/>
         </p:nvPicPr>
         <p:blipFill>
-          <a:blip r:embed="rId6" cstate="print"/>
+          <a:blip r:embed="rId9" cstate="print"/>
           <a:stretch>
             <a:fillRect/>
           </a:stretch>
         </p:blipFill>
         <p:spPr>
           <a:xfrm>
-            <a:off x="14334570" y="7302883"/>
-            <a:ext cx="2357616" cy="711397"/>
+            <a:off x="1546558" y="6857053"/>
+            <a:ext cx="2481983" cy="388312"/>
           </a:xfrm>
           <a:prstGeom prst="rect">
             <a:avLst/>
           </a:prstGeom>
         </p:spPr>
       </p:pic>
-      <p:grpSp>
-        <p:nvGrpSpPr>
-          <p:cNvPr id="1004" name="그룹 1004"/>
-          <p:cNvGrpSpPr/>
-          <p:nvPr/>
-        </p:nvGrpSpPr>
-        <p:grpSpPr>
-          <a:xfrm>
-            <a:off x="969058" y="3404792"/>
-            <a:ext cx="2884822" cy="3476131"/>
-            <a:chOff x="969058" y="3404792"/>
-            <a:chExt cx="2884822" cy="3476131"/>
-          </a:xfrm>
-        </p:grpSpPr>
-        <p:pic>
-          <p:nvPicPr>
-            <p:cNvPr id="14" name="Object 13"/>
-            <p:cNvPicPr>
-              <a:picLocks noChangeAspect="1"/>
-            </p:cNvPicPr>
-            <p:nvPr/>
-          </p:nvPicPr>
-          <p:blipFill>
-            <a:blip r:embed="rId7" cstate="print"/>
-            <a:stretch>
-              <a:fillRect/>
-            </a:stretch>
-          </p:blipFill>
-          <p:spPr>
-            <a:xfrm>
-              <a:off x="969058" y="3404792"/>
-              <a:ext cx="2884822" cy="3476131"/>
-            </a:xfrm>
-            <a:prstGeom prst="rect">
-              <a:avLst/>
-            </a:prstGeom>
-          </p:spPr>
-        </p:pic>
-      </p:grpSp>
-      <p:grpSp>
-        <p:nvGrpSpPr>
-          <p:cNvPr id="1005" name="그룹 1005"/>
-          <p:cNvGrpSpPr/>
-          <p:nvPr/>
-        </p:nvGrpSpPr>
-        <p:grpSpPr>
-          <a:xfrm>
-            <a:off x="11136208" y="3395982"/>
-            <a:ext cx="2899443" cy="3493750"/>
-            <a:chOff x="11136208" y="3395982"/>
-            <a:chExt cx="2899443" cy="3493750"/>
-          </a:xfrm>
-        </p:grpSpPr>
-        <p:pic>
-          <p:nvPicPr>
-            <p:cNvPr id="17" name="Object 16"/>
-            <p:cNvPicPr>
-              <a:picLocks noChangeAspect="1"/>
-            </p:cNvPicPr>
-            <p:nvPr/>
-          </p:nvPicPr>
-          <p:blipFill>
-            <a:blip r:embed="rId8" cstate="print"/>
-            <a:stretch>
-              <a:fillRect/>
-            </a:stretch>
-          </p:blipFill>
-          <p:spPr>
-            <a:xfrm>
-              <a:off x="11136208" y="3395982"/>
-              <a:ext cx="2899443" cy="3493750"/>
-            </a:xfrm>
-            <a:prstGeom prst="rect">
-              <a:avLst/>
-            </a:prstGeom>
-          </p:spPr>
-        </p:pic>
-      </p:grpSp>
-      <p:grpSp>
-        <p:nvGrpSpPr>
-          <p:cNvPr id="1006" name="그룹 1006"/>
-          <p:cNvGrpSpPr/>
-          <p:nvPr/>
-        </p:nvGrpSpPr>
-        <p:grpSpPr>
-          <a:xfrm>
-            <a:off x="14394514" y="3399515"/>
-            <a:ext cx="2893581" cy="3486685"/>
-            <a:chOff x="14394514" y="3399515"/>
-            <a:chExt cx="2893581" cy="3486685"/>
-          </a:xfrm>
-        </p:grpSpPr>
-        <p:pic>
-          <p:nvPicPr>
-            <p:cNvPr id="20" name="Object 19"/>
-            <p:cNvPicPr>
-              <a:picLocks noChangeAspect="1"/>
-            </p:cNvPicPr>
-            <p:nvPr/>
-          </p:nvPicPr>
-          <p:blipFill>
-            <a:blip r:embed="rId9" cstate="print"/>
-            <a:stretch>
-              <a:fillRect/>
-            </a:stretch>
-          </p:blipFill>
-          <p:spPr>
-            <a:xfrm>
-              <a:off x="14394514" y="3399515"/>
-              <a:ext cx="2893581" cy="3486685"/>
-            </a:xfrm>
-            <a:prstGeom prst="rect">
-              <a:avLst/>
-            </a:prstGeom>
-          </p:spPr>
-        </p:pic>
-      </p:grpSp>
-      <p:grpSp>
-        <p:nvGrpSpPr>
-          <p:cNvPr id="1007" name="그룹 1007"/>
-          <p:cNvGrpSpPr/>
-          <p:nvPr/>
-        </p:nvGrpSpPr>
-        <p:grpSpPr>
-          <a:xfrm>
-            <a:off x="12600306" y="2066599"/>
-            <a:ext cx="1456126" cy="1332915"/>
-            <a:chOff x="12600306" y="2066599"/>
-            <a:chExt cx="1456126" cy="1332915"/>
-          </a:xfrm>
-        </p:grpSpPr>
-        <p:pic>
-          <p:nvPicPr>
-            <p:cNvPr id="23" name="Object 22"/>
-            <p:cNvPicPr>
-              <a:picLocks noChangeAspect="1"/>
-            </p:cNvPicPr>
-            <p:nvPr/>
-          </p:nvPicPr>
-          <p:blipFill>
-            <a:blip r:embed="rId10" cstate="print"/>
-            <a:stretch>
-              <a:fillRect/>
-            </a:stretch>
-          </p:blipFill>
-          <p:spPr>
-            <a:xfrm>
-              <a:off x="12600306" y="2066599"/>
-              <a:ext cx="1456126" cy="1332915"/>
-            </a:xfrm>
-            <a:prstGeom prst="rect">
-              <a:avLst/>
-            </a:prstGeom>
-          </p:spPr>
-        </p:pic>
-      </p:grpSp>
       <p:pic>
         <p:nvPicPr>
-          <p:cNvPr id="25" name="Object 24"/>
+          <p:cNvPr id="22" name="Object 21"/>
+          <p:cNvPicPr>
+            <a:picLocks noChangeAspect="1"/>
+          </p:cNvPicPr>
+          <p:nvPr/>
+        </p:nvPicPr>
+        <p:blipFill>
+          <a:blip r:embed="rId10" cstate="print"/>
+          <a:stretch>
+            <a:fillRect/>
+          </a:stretch>
+        </p:blipFill>
+        <p:spPr>
+          <a:xfrm>
+            <a:off x="7506853" y="3586873"/>
+            <a:ext cx="3701329" cy="1341853"/>
+          </a:xfrm>
+          <a:prstGeom prst="rect">
+            <a:avLst/>
+          </a:prstGeom>
+        </p:spPr>
+      </p:pic>
+      <p:pic>
+        <p:nvPicPr>
+          <p:cNvPr id="23" name="Object 22"/>
           <p:cNvPicPr>
             <a:picLocks noChangeAspect="1"/>
           </p:cNvPicPr>
@@ -9016,8 +10040,56 @@
         </p:blipFill>
         <p:spPr>
           <a:xfrm>
-            <a:off x="4162373" y="7302883"/>
-            <a:ext cx="2365568" cy="713025"/>
+            <a:off x="4584201" y="2005640"/>
+            <a:ext cx="5725286" cy="1073781"/>
+          </a:xfrm>
+          <a:prstGeom prst="rect">
+            <a:avLst/>
+          </a:prstGeom>
+        </p:spPr>
+      </p:pic>
+      <p:pic>
+        <p:nvPicPr>
+          <p:cNvPr id="24" name="Object 23"/>
+          <p:cNvPicPr>
+            <a:picLocks noChangeAspect="1"/>
+          </p:cNvPicPr>
+          <p:nvPr/>
+        </p:nvPicPr>
+        <p:blipFill>
+          <a:blip r:embed="rId12" cstate="print"/>
+          <a:stretch>
+            <a:fillRect/>
+          </a:stretch>
+        </p:blipFill>
+        <p:spPr>
+          <a:xfrm>
+            <a:off x="10193724" y="2005640"/>
+            <a:ext cx="5417267" cy="1073781"/>
+          </a:xfrm>
+          <a:prstGeom prst="rect">
+            <a:avLst/>
+          </a:prstGeom>
+        </p:spPr>
+      </p:pic>
+      <p:pic>
+        <p:nvPicPr>
+          <p:cNvPr id="25" name="Object 24"/>
+          <p:cNvPicPr>
+            <a:picLocks noChangeAspect="1"/>
+          </p:cNvPicPr>
+          <p:nvPr/>
+        </p:nvPicPr>
+        <p:blipFill>
+          <a:blip r:embed="rId13" cstate="print"/>
+          <a:stretch>
+            <a:fillRect/>
+          </a:stretch>
+        </p:blipFill>
+        <p:spPr>
+          <a:xfrm>
+            <a:off x="4584202" y="5877488"/>
+            <a:ext cx="6024010" cy="1707657"/>
           </a:xfrm>
           <a:prstGeom prst="rect">
             <a:avLst/>
@@ -9033,15 +10105,15 @@
           <p:nvPr/>
         </p:nvPicPr>
         <p:blipFill>
-          <a:blip r:embed="rId12" cstate="print"/>
+          <a:blip r:embed="rId14" cstate="print"/>
           <a:stretch>
             <a:fillRect/>
           </a:stretch>
         </p:blipFill>
         <p:spPr>
           <a:xfrm>
-            <a:off x="11076264" y="7302883"/>
-            <a:ext cx="2357616" cy="711397"/>
+            <a:off x="10193717" y="6013460"/>
+            <a:ext cx="6062171" cy="1073781"/>
           </a:xfrm>
           <a:prstGeom prst="rect">
             <a:avLst/>
@@ -9057,15 +10129,15 @@
           <p:nvPr/>
         </p:nvPicPr>
         <p:blipFill>
-          <a:blip r:embed="rId13" cstate="print"/>
+          <a:blip r:embed="rId15" cstate="print"/>
           <a:stretch>
             <a:fillRect/>
           </a:stretch>
         </p:blipFill>
         <p:spPr>
           <a:xfrm>
-            <a:off x="11146220" y="3013091"/>
-            <a:ext cx="1302383" cy="395164"/>
+            <a:off x="12912668" y="3501163"/>
+            <a:ext cx="3628120" cy="1341853"/>
           </a:xfrm>
           <a:prstGeom prst="rect">
             <a:avLst/>
@@ -9081,15 +10153,39 @@
           <p:nvPr/>
         </p:nvPicPr>
         <p:blipFill>
-          <a:blip r:embed="rId14" cstate="print"/>
+          <a:blip r:embed="rId16" cstate="print"/>
           <a:stretch>
             <a:fillRect/>
           </a:stretch>
         </p:blipFill>
         <p:spPr>
           <a:xfrm>
-            <a:off x="7549579" y="7302883"/>
-            <a:ext cx="2356044" cy="713025"/>
+            <a:off x="7174354" y="7638889"/>
+            <a:ext cx="3995510" cy="1341853"/>
+          </a:xfrm>
+          <a:prstGeom prst="rect">
+            <a:avLst/>
+          </a:prstGeom>
+        </p:spPr>
+      </p:pic>
+      <p:pic>
+        <p:nvPicPr>
+          <p:cNvPr id="29" name="Object 28"/>
+          <p:cNvPicPr>
+            <a:picLocks noChangeAspect="1"/>
+          </p:cNvPicPr>
+          <p:nvPr/>
+        </p:nvPicPr>
+        <p:blipFill>
+          <a:blip r:embed="rId17" cstate="print"/>
+          <a:stretch>
+            <a:fillRect/>
+          </a:stretch>
+        </p:blipFill>
+        <p:spPr>
+          <a:xfrm>
+            <a:off x="13045967" y="7591270"/>
+            <a:ext cx="3548920" cy="1341853"/>
           </a:xfrm>
           <a:prstGeom prst="rect">
             <a:avLst/>

--- a/잡다한거 폴더/2022_1학기_응실팀플.pptx
+++ b/잡다한거 폴더/2022_1학기_응실팀플.pptx
@@ -23,6 +23,8 @@
     <p:sldId id="271" r:id="rId17"/>
     <p:sldId id="272" r:id="rId18"/>
     <p:sldId id="273" r:id="rId19"/>
+    <p:sldId id="274" r:id="rId20"/>
+    <p:sldId id="275" r:id="rId21"/>
   </p:sldIdLst>
   <p:sldSz cx="18288000" cy="10287000" type="screen4x3"/>
   <p:notesSz cx="10287000" cy="18288000"/>
@@ -3383,56 +3385,41 @@
         </p:blipFill>
         <p:spPr>
           <a:xfrm>
-            <a:off x="11340345" y="3002596"/>
-            <a:ext cx="6551461" cy="5985747"/>
+            <a:off x="7549579" y="746325"/>
+            <a:ext cx="2604073" cy="715330"/>
           </a:xfrm>
           <a:prstGeom prst="rect">
             <a:avLst/>
           </a:prstGeom>
         </p:spPr>
       </p:pic>
-      <p:grpSp>
-        <p:nvGrpSpPr>
-          <p:cNvPr id="1002" name="그룹 1002"/>
-          <p:cNvGrpSpPr/>
-          <p:nvPr/>
-        </p:nvGrpSpPr>
-        <p:grpSpPr>
-          <a:xfrm>
-            <a:off x="742857" y="9352381"/>
-            <a:ext cx="16800000" cy="247619"/>
-            <a:chOff x="742857" y="9352381"/>
-            <a:chExt cx="16800000" cy="247619"/>
-          </a:xfrm>
-        </p:grpSpPr>
-        <p:pic>
-          <p:nvPicPr>
-            <p:cNvPr id="7" name="Object 6"/>
-            <p:cNvPicPr>
-              <a:picLocks noChangeAspect="1"/>
-            </p:cNvPicPr>
-            <p:nvPr/>
-          </p:nvPicPr>
-          <p:blipFill>
-            <a:blip r:embed="rId4" cstate="print"/>
-            <a:stretch>
-              <a:fillRect/>
-            </a:stretch>
-          </p:blipFill>
-          <p:spPr>
-            <a:xfrm>
-              <a:off x="742857" y="9352381"/>
-              <a:ext cx="16800000" cy="247619"/>
-            </a:xfrm>
-            <a:prstGeom prst="rect">
-              <a:avLst/>
-            </a:prstGeom>
-          </p:spPr>
-        </p:pic>
-      </p:grpSp>
       <p:pic>
         <p:nvPicPr>
-          <p:cNvPr id="9" name="Object 8"/>
+          <p:cNvPr id="6" name="Object 5"/>
+          <p:cNvPicPr>
+            <a:picLocks noChangeAspect="1"/>
+          </p:cNvPicPr>
+          <p:nvPr/>
+        </p:nvPicPr>
+        <p:blipFill>
+          <a:blip r:embed="rId4" cstate="print"/>
+          <a:stretch>
+            <a:fillRect/>
+          </a:stretch>
+        </p:blipFill>
+        <p:spPr>
+          <a:xfrm>
+            <a:off x="6217694" y="1732758"/>
+            <a:ext cx="5946823" cy="1190518"/>
+          </a:xfrm>
+          <a:prstGeom prst="rect">
+            <a:avLst/>
+          </a:prstGeom>
+        </p:spPr>
+      </p:pic>
+      <p:pic>
+        <p:nvPicPr>
+          <p:cNvPr id="7" name="Object 6"/>
           <p:cNvPicPr>
             <a:picLocks noChangeAspect="1"/>
           </p:cNvPicPr>
@@ -3446,92 +3433,110 @@
         </p:blipFill>
         <p:spPr>
           <a:xfrm>
-            <a:off x="1790045" y="3774235"/>
-            <a:ext cx="5439840" cy="3643498"/>
+            <a:off x="5765884" y="3003297"/>
+            <a:ext cx="6818547" cy="1190518"/>
           </a:xfrm>
           <a:prstGeom prst="rect">
             <a:avLst/>
           </a:prstGeom>
         </p:spPr>
       </p:pic>
-      <p:grpSp>
-        <p:nvGrpSpPr>
-          <p:cNvPr id="1003" name="그룹 1003"/>
-          <p:cNvGrpSpPr/>
-          <p:nvPr/>
-        </p:nvGrpSpPr>
-        <p:grpSpPr>
-          <a:xfrm>
-            <a:off x="1139588" y="5407868"/>
-            <a:ext cx="6174740" cy="2139977"/>
-            <a:chOff x="1139588" y="5407868"/>
-            <a:chExt cx="6174740" cy="2139977"/>
-          </a:xfrm>
-        </p:grpSpPr>
-        <p:pic>
-          <p:nvPicPr>
-            <p:cNvPr id="11" name="Object 10"/>
-            <p:cNvPicPr>
-              <a:picLocks noChangeAspect="1"/>
-            </p:cNvPicPr>
-            <p:nvPr/>
-          </p:nvPicPr>
-          <p:blipFill>
-            <a:blip r:embed="rId6" cstate="print"/>
-            <a:stretch>
-              <a:fillRect/>
-            </a:stretch>
-          </p:blipFill>
-          <p:spPr>
-            <a:xfrm rot="-300000">
-              <a:off x="1139588" y="5407868"/>
-              <a:ext cx="6174740" cy="2139977"/>
-            </a:xfrm>
-            <a:prstGeom prst="rect">
-              <a:avLst/>
-            </a:prstGeom>
-          </p:spPr>
-        </p:pic>
-      </p:grpSp>
-      <p:grpSp>
-        <p:nvGrpSpPr>
-          <p:cNvPr id="1004" name="그룹 1004"/>
-          <p:cNvGrpSpPr/>
-          <p:nvPr/>
-        </p:nvGrpSpPr>
-        <p:grpSpPr>
-          <a:xfrm>
-            <a:off x="15808888" y="2271402"/>
-            <a:ext cx="708876" cy="566693"/>
-            <a:chOff x="15808888" y="2271402"/>
-            <a:chExt cx="708876" cy="566693"/>
-          </a:xfrm>
-        </p:grpSpPr>
-        <p:pic>
-          <p:nvPicPr>
-            <p:cNvPr id="14" name="Object 13"/>
-            <p:cNvPicPr>
-              <a:picLocks noChangeAspect="1"/>
-            </p:cNvPicPr>
-            <p:nvPr/>
-          </p:nvPicPr>
-          <p:blipFill>
-            <a:blip r:embed="rId7" cstate="print"/>
-            <a:stretch>
-              <a:fillRect/>
-            </a:stretch>
-          </p:blipFill>
-          <p:spPr>
-            <a:xfrm rot="-10800000">
-              <a:off x="15808888" y="2271402"/>
-              <a:ext cx="708876" cy="566693"/>
-            </a:xfrm>
-            <a:prstGeom prst="rect">
-              <a:avLst/>
-            </a:prstGeom>
-          </p:spPr>
-        </p:pic>
-      </p:grpSp>
+      <p:pic>
+        <p:nvPicPr>
+          <p:cNvPr id="8" name="Object 7"/>
+          <p:cNvPicPr>
+            <a:picLocks noChangeAspect="1"/>
+          </p:cNvPicPr>
+          <p:nvPr/>
+        </p:nvPicPr>
+        <p:blipFill>
+          <a:blip r:embed="rId6" cstate="print"/>
+          <a:stretch>
+            <a:fillRect/>
+          </a:stretch>
+        </p:blipFill>
+        <p:spPr>
+          <a:xfrm>
+            <a:off x="4374617" y="4235084"/>
+            <a:ext cx="9168214" cy="1190518"/>
+          </a:xfrm>
+          <a:prstGeom prst="rect">
+            <a:avLst/>
+          </a:prstGeom>
+        </p:spPr>
+      </p:pic>
+      <p:pic>
+        <p:nvPicPr>
+          <p:cNvPr id="9" name="Object 8"/>
+          <p:cNvPicPr>
+            <a:picLocks noChangeAspect="1"/>
+          </p:cNvPicPr>
+          <p:nvPr/>
+        </p:nvPicPr>
+        <p:blipFill>
+          <a:blip r:embed="rId7" cstate="print"/>
+          <a:stretch>
+            <a:fillRect/>
+          </a:stretch>
+        </p:blipFill>
+        <p:spPr>
+          <a:xfrm>
+            <a:off x="4268303" y="5514752"/>
+            <a:ext cx="9854652" cy="1378452"/>
+          </a:xfrm>
+          <a:prstGeom prst="rect">
+            <a:avLst/>
+          </a:prstGeom>
+        </p:spPr>
+      </p:pic>
+      <p:pic>
+        <p:nvPicPr>
+          <p:cNvPr id="10" name="Object 9"/>
+          <p:cNvPicPr>
+            <a:picLocks noChangeAspect="1"/>
+          </p:cNvPicPr>
+          <p:nvPr/>
+        </p:nvPicPr>
+        <p:blipFill>
+          <a:blip r:embed="rId8" cstate="print"/>
+          <a:stretch>
+            <a:fillRect/>
+          </a:stretch>
+        </p:blipFill>
+        <p:spPr>
+          <a:xfrm>
+            <a:off x="4120077" y="6879698"/>
+            <a:ext cx="10002518" cy="1190518"/>
+          </a:xfrm>
+          <a:prstGeom prst="rect">
+            <a:avLst/>
+          </a:prstGeom>
+        </p:spPr>
+      </p:pic>
+      <p:pic>
+        <p:nvPicPr>
+          <p:cNvPr id="11" name="Object 10"/>
+          <p:cNvPicPr>
+            <a:picLocks noChangeAspect="1"/>
+          </p:cNvPicPr>
+          <p:nvPr/>
+        </p:nvPicPr>
+        <p:blipFill>
+          <a:blip r:embed="rId9" cstate="print"/>
+          <a:stretch>
+            <a:fillRect/>
+          </a:stretch>
+        </p:blipFill>
+        <p:spPr>
+          <a:xfrm>
+            <a:off x="6217694" y="8213363"/>
+            <a:ext cx="5787004" cy="1190518"/>
+          </a:xfrm>
+          <a:prstGeom prst="rect">
+            <a:avLst/>
+          </a:prstGeom>
+        </p:spPr>
+      </p:pic>
     </p:spTree>
   </p:cSld>
   <p:clrMapOvr>
@@ -3604,87 +3609,72 @@
           </p:spPr>
         </p:pic>
       </p:grpSp>
-      <p:grpSp>
-        <p:nvGrpSpPr>
-          <p:cNvPr id="1002" name="그룹 1002"/>
-          <p:cNvGrpSpPr/>
-          <p:nvPr/>
-        </p:nvGrpSpPr>
-        <p:grpSpPr>
-          <a:xfrm>
-            <a:off x="4308860" y="3399515"/>
-            <a:ext cx="2893581" cy="3486685"/>
-            <a:chOff x="4308860" y="3399515"/>
-            <a:chExt cx="2893581" cy="3486685"/>
-          </a:xfrm>
-        </p:grpSpPr>
-        <p:pic>
-          <p:nvPicPr>
-            <p:cNvPr id="6" name="Object 5"/>
-            <p:cNvPicPr>
-              <a:picLocks noChangeAspect="1"/>
-            </p:cNvPicPr>
-            <p:nvPr/>
-          </p:nvPicPr>
-          <p:blipFill>
-            <a:blip r:embed="rId3" cstate="print"/>
-            <a:stretch>
-              <a:fillRect/>
-            </a:stretch>
-          </p:blipFill>
-          <p:spPr>
-            <a:xfrm>
-              <a:off x="4308860" y="3399515"/>
-              <a:ext cx="2893581" cy="3486685"/>
-            </a:xfrm>
-            <a:prstGeom prst="rect">
-              <a:avLst/>
-            </a:prstGeom>
-          </p:spPr>
-        </p:pic>
-      </p:grpSp>
-      <p:grpSp>
-        <p:nvGrpSpPr>
-          <p:cNvPr id="1003" name="그룹 1003"/>
-          <p:cNvGrpSpPr/>
-          <p:nvPr/>
-        </p:nvGrpSpPr>
-        <p:grpSpPr>
-          <a:xfrm>
-            <a:off x="7652940" y="3408466"/>
-            <a:ext cx="2893581" cy="3468781"/>
-            <a:chOff x="7652940" y="3408466"/>
-            <a:chExt cx="2893581" cy="3468781"/>
-          </a:xfrm>
-        </p:grpSpPr>
-        <p:pic>
-          <p:nvPicPr>
-            <p:cNvPr id="9" name="Object 8"/>
-            <p:cNvPicPr>
-              <a:picLocks noChangeAspect="1"/>
-            </p:cNvPicPr>
-            <p:nvPr/>
-          </p:nvPicPr>
-          <p:blipFill>
-            <a:blip r:embed="rId4" cstate="print"/>
-            <a:stretch>
-              <a:fillRect/>
-            </a:stretch>
-          </p:blipFill>
-          <p:spPr>
-            <a:xfrm>
-              <a:off x="7652940" y="3408466"/>
-              <a:ext cx="2893581" cy="3468781"/>
-            </a:xfrm>
-            <a:prstGeom prst="rect">
-              <a:avLst/>
-            </a:prstGeom>
-          </p:spPr>
-        </p:pic>
-      </p:grpSp>
       <p:pic>
         <p:nvPicPr>
-          <p:cNvPr id="11" name="Object 10"/>
+          <p:cNvPr id="5" name="Object 4"/>
+          <p:cNvPicPr>
+            <a:picLocks noChangeAspect="1"/>
+          </p:cNvPicPr>
+          <p:nvPr/>
+        </p:nvPicPr>
+        <p:blipFill>
+          <a:blip r:embed="rId3" cstate="print"/>
+          <a:stretch>
+            <a:fillRect/>
+          </a:stretch>
+        </p:blipFill>
+        <p:spPr>
+          <a:xfrm>
+            <a:off x="11340345" y="3002596"/>
+            <a:ext cx="6551452" cy="5982747"/>
+          </a:xfrm>
+          <a:prstGeom prst="rect">
+            <a:avLst/>
+          </a:prstGeom>
+        </p:spPr>
+      </p:pic>
+      <p:grpSp>
+        <p:nvGrpSpPr>
+          <p:cNvPr id="1002" name="그룹 1002"/>
+          <p:cNvGrpSpPr/>
+          <p:nvPr/>
+        </p:nvGrpSpPr>
+        <p:grpSpPr>
+          <a:xfrm>
+            <a:off x="742857" y="9352381"/>
+            <a:ext cx="16800000" cy="247619"/>
+            <a:chOff x="742857" y="9352381"/>
+            <a:chExt cx="16800000" cy="247619"/>
+          </a:xfrm>
+        </p:grpSpPr>
+        <p:pic>
+          <p:nvPicPr>
+            <p:cNvPr id="7" name="Object 6"/>
+            <p:cNvPicPr>
+              <a:picLocks noChangeAspect="1"/>
+            </p:cNvPicPr>
+            <p:nvPr/>
+          </p:nvPicPr>
+          <p:blipFill>
+            <a:blip r:embed="rId4" cstate="print"/>
+            <a:stretch>
+              <a:fillRect/>
+            </a:stretch>
+          </p:blipFill>
+          <p:spPr>
+            <a:xfrm>
+              <a:off x="742857" y="9352381"/>
+              <a:ext cx="16800000" cy="247619"/>
+            </a:xfrm>
+            <a:prstGeom prst="rect">
+              <a:avLst/>
+            </a:prstGeom>
+          </p:spPr>
+        </p:pic>
+      </p:grpSp>
+      <p:pic>
+        <p:nvPicPr>
+          <p:cNvPr id="9" name="Object 8"/>
           <p:cNvPicPr>
             <a:picLocks noChangeAspect="1"/>
           </p:cNvPicPr>
@@ -3698,38 +3688,53 @@
         </p:blipFill>
         <p:spPr>
           <a:xfrm>
-            <a:off x="851611" y="7302883"/>
-            <a:ext cx="2357616" cy="711397"/>
+            <a:off x="1790045" y="3774235"/>
+            <a:ext cx="5439840" cy="3644898"/>
           </a:xfrm>
           <a:prstGeom prst="rect">
             <a:avLst/>
           </a:prstGeom>
         </p:spPr>
       </p:pic>
-      <p:pic>
-        <p:nvPicPr>
-          <p:cNvPr id="12" name="Object 11"/>
-          <p:cNvPicPr>
-            <a:picLocks noChangeAspect="1"/>
-          </p:cNvPicPr>
-          <p:nvPr/>
-        </p:nvPicPr>
-        <p:blipFill>
-          <a:blip r:embed="rId6" cstate="print"/>
-          <a:stretch>
-            <a:fillRect/>
-          </a:stretch>
-        </p:blipFill>
-        <p:spPr>
-          <a:xfrm>
-            <a:off x="14334570" y="7302883"/>
-            <a:ext cx="2357616" cy="711397"/>
-          </a:xfrm>
-          <a:prstGeom prst="rect">
-            <a:avLst/>
-          </a:prstGeom>
-        </p:spPr>
-      </p:pic>
+      <p:grpSp>
+        <p:nvGrpSpPr>
+          <p:cNvPr id="1003" name="그룹 1003"/>
+          <p:cNvGrpSpPr/>
+          <p:nvPr/>
+        </p:nvGrpSpPr>
+        <p:grpSpPr>
+          <a:xfrm>
+            <a:off x="1139588" y="5407868"/>
+            <a:ext cx="6174740" cy="2139977"/>
+            <a:chOff x="1139588" y="5407868"/>
+            <a:chExt cx="6174740" cy="2139977"/>
+          </a:xfrm>
+        </p:grpSpPr>
+        <p:pic>
+          <p:nvPicPr>
+            <p:cNvPr id="11" name="Object 10"/>
+            <p:cNvPicPr>
+              <a:picLocks noChangeAspect="1"/>
+            </p:cNvPicPr>
+            <p:nvPr/>
+          </p:nvPicPr>
+          <p:blipFill>
+            <a:blip r:embed="rId6" cstate="print"/>
+            <a:stretch>
+              <a:fillRect/>
+            </a:stretch>
+          </p:blipFill>
+          <p:spPr>
+            <a:xfrm rot="-300000">
+              <a:off x="1139588" y="5407868"/>
+              <a:ext cx="6174740" cy="2139977"/>
+            </a:xfrm>
+            <a:prstGeom prst="rect">
+              <a:avLst/>
+            </a:prstGeom>
+          </p:spPr>
+        </p:pic>
+      </p:grpSp>
       <p:grpSp>
         <p:nvGrpSpPr>
           <p:cNvPr id="1004" name="그룹 1004"/>
@@ -3738,10 +3743,10 @@
         </p:nvGrpSpPr>
         <p:grpSpPr>
           <a:xfrm>
-            <a:off x="969058" y="3404792"/>
-            <a:ext cx="2884822" cy="3476131"/>
-            <a:chOff x="969058" y="3404792"/>
-            <a:chExt cx="2884822" cy="3476131"/>
+            <a:off x="15808888" y="2271402"/>
+            <a:ext cx="708876" cy="566693"/>
+            <a:chOff x="15808888" y="2271402"/>
+            <a:chExt cx="708876" cy="566693"/>
           </a:xfrm>
         </p:grpSpPr>
         <p:pic>
@@ -3759,229 +3764,16 @@
             </a:stretch>
           </p:blipFill>
           <p:spPr>
-            <a:xfrm>
-              <a:off x="969058" y="3404792"/>
-              <a:ext cx="2884822" cy="3476131"/>
-            </a:xfrm>
-            <a:prstGeom prst="rect">
-              <a:avLst/>
-            </a:prstGeom>
-          </p:spPr>
-        </p:pic>
-      </p:grpSp>
-      <p:grpSp>
-        <p:nvGrpSpPr>
-          <p:cNvPr id="1005" name="그룹 1005"/>
-          <p:cNvGrpSpPr/>
-          <p:nvPr/>
-        </p:nvGrpSpPr>
-        <p:grpSpPr>
-          <a:xfrm>
-            <a:off x="11136208" y="3395982"/>
-            <a:ext cx="2899443" cy="3493750"/>
-            <a:chOff x="11136208" y="3395982"/>
-            <a:chExt cx="2899443" cy="3493750"/>
-          </a:xfrm>
-        </p:grpSpPr>
-        <p:pic>
-          <p:nvPicPr>
-            <p:cNvPr id="17" name="Object 16"/>
-            <p:cNvPicPr>
-              <a:picLocks noChangeAspect="1"/>
-            </p:cNvPicPr>
-            <p:nvPr/>
-          </p:nvPicPr>
-          <p:blipFill>
-            <a:blip r:embed="rId8" cstate="print"/>
-            <a:stretch>
-              <a:fillRect/>
-            </a:stretch>
-          </p:blipFill>
-          <p:spPr>
-            <a:xfrm>
-              <a:off x="11136208" y="3395982"/>
-              <a:ext cx="2899443" cy="3493750"/>
-            </a:xfrm>
-            <a:prstGeom prst="rect">
-              <a:avLst/>
-            </a:prstGeom>
-          </p:spPr>
-        </p:pic>
-      </p:grpSp>
-      <p:grpSp>
-        <p:nvGrpSpPr>
-          <p:cNvPr id="1006" name="그룹 1006"/>
-          <p:cNvGrpSpPr/>
-          <p:nvPr/>
-        </p:nvGrpSpPr>
-        <p:grpSpPr>
-          <a:xfrm>
-            <a:off x="14394514" y="3399515"/>
-            <a:ext cx="2893581" cy="3486685"/>
-            <a:chOff x="14394514" y="3399515"/>
-            <a:chExt cx="2893581" cy="3486685"/>
-          </a:xfrm>
-        </p:grpSpPr>
-        <p:pic>
-          <p:nvPicPr>
-            <p:cNvPr id="20" name="Object 19"/>
-            <p:cNvPicPr>
-              <a:picLocks noChangeAspect="1"/>
-            </p:cNvPicPr>
-            <p:nvPr/>
-          </p:nvPicPr>
-          <p:blipFill>
-            <a:blip r:embed="rId9" cstate="print"/>
-            <a:stretch>
-              <a:fillRect/>
-            </a:stretch>
-          </p:blipFill>
-          <p:spPr>
-            <a:xfrm>
-              <a:off x="14394514" y="3399515"/>
-              <a:ext cx="2893581" cy="3486685"/>
-            </a:xfrm>
-            <a:prstGeom prst="rect">
-              <a:avLst/>
-            </a:prstGeom>
-          </p:spPr>
-        </p:pic>
-      </p:grpSp>
-      <p:grpSp>
-        <p:nvGrpSpPr>
-          <p:cNvPr id="1007" name="그룹 1007"/>
-          <p:cNvGrpSpPr/>
-          <p:nvPr/>
-        </p:nvGrpSpPr>
-        <p:grpSpPr>
-          <a:xfrm>
-            <a:off x="12600306" y="2066599"/>
-            <a:ext cx="1456126" cy="1332915"/>
-            <a:chOff x="12600306" y="2066599"/>
-            <a:chExt cx="1456126" cy="1332915"/>
-          </a:xfrm>
-        </p:grpSpPr>
-        <p:pic>
-          <p:nvPicPr>
-            <p:cNvPr id="23" name="Object 22"/>
-            <p:cNvPicPr>
-              <a:picLocks noChangeAspect="1"/>
-            </p:cNvPicPr>
-            <p:nvPr/>
-          </p:nvPicPr>
-          <p:blipFill>
-            <a:blip r:embed="rId10" cstate="print"/>
-            <a:stretch>
-              <a:fillRect/>
-            </a:stretch>
-          </p:blipFill>
-          <p:spPr>
-            <a:xfrm>
-              <a:off x="12600306" y="2066599"/>
-              <a:ext cx="1456126" cy="1332915"/>
-            </a:xfrm>
-            <a:prstGeom prst="rect">
-              <a:avLst/>
-            </a:prstGeom>
-          </p:spPr>
-        </p:pic>
-      </p:grpSp>
-      <p:pic>
-        <p:nvPicPr>
-          <p:cNvPr id="25" name="Object 24"/>
-          <p:cNvPicPr>
-            <a:picLocks noChangeAspect="1"/>
-          </p:cNvPicPr>
-          <p:nvPr/>
-        </p:nvPicPr>
-        <p:blipFill>
-          <a:blip r:embed="rId11" cstate="print"/>
-          <a:stretch>
-            <a:fillRect/>
-          </a:stretch>
-        </p:blipFill>
-        <p:spPr>
-          <a:xfrm>
-            <a:off x="4162373" y="7302883"/>
-            <a:ext cx="2365568" cy="713025"/>
-          </a:xfrm>
-          <a:prstGeom prst="rect">
-            <a:avLst/>
-          </a:prstGeom>
-        </p:spPr>
-      </p:pic>
-      <p:pic>
-        <p:nvPicPr>
-          <p:cNvPr id="26" name="Object 25"/>
-          <p:cNvPicPr>
-            <a:picLocks noChangeAspect="1"/>
-          </p:cNvPicPr>
-          <p:nvPr/>
-        </p:nvPicPr>
-        <p:blipFill>
-          <a:blip r:embed="rId12" cstate="print"/>
-          <a:stretch>
-            <a:fillRect/>
-          </a:stretch>
-        </p:blipFill>
-        <p:spPr>
-          <a:xfrm>
-            <a:off x="11076264" y="7302883"/>
-            <a:ext cx="2357616" cy="711397"/>
-          </a:xfrm>
-          <a:prstGeom prst="rect">
-            <a:avLst/>
-          </a:prstGeom>
-        </p:spPr>
-      </p:pic>
-      <p:pic>
-        <p:nvPicPr>
-          <p:cNvPr id="27" name="Object 26"/>
-          <p:cNvPicPr>
-            <a:picLocks noChangeAspect="1"/>
-          </p:cNvPicPr>
-          <p:nvPr/>
-        </p:nvPicPr>
-        <p:blipFill>
-          <a:blip r:embed="rId13" cstate="print"/>
-          <a:stretch>
-            <a:fillRect/>
-          </a:stretch>
-        </p:blipFill>
-        <p:spPr>
-          <a:xfrm>
-            <a:off x="11146220" y="3013091"/>
-            <a:ext cx="1302383" cy="395164"/>
-          </a:xfrm>
-          <a:prstGeom prst="rect">
-            <a:avLst/>
-          </a:prstGeom>
-        </p:spPr>
-      </p:pic>
-      <p:pic>
-        <p:nvPicPr>
-          <p:cNvPr id="28" name="Object 27"/>
-          <p:cNvPicPr>
-            <a:picLocks noChangeAspect="1"/>
-          </p:cNvPicPr>
-          <p:nvPr/>
-        </p:nvPicPr>
-        <p:blipFill>
-          <a:blip r:embed="rId14" cstate="print"/>
-          <a:stretch>
-            <a:fillRect/>
-          </a:stretch>
-        </p:blipFill>
-        <p:spPr>
-          <a:xfrm>
-            <a:off x="7549579" y="7302883"/>
-            <a:ext cx="2356044" cy="713025"/>
-          </a:xfrm>
-          <a:prstGeom prst="rect">
-            <a:avLst/>
-          </a:prstGeom>
-        </p:spPr>
-      </p:pic>
+            <a:xfrm rot="-10800000">
+              <a:off x="15808888" y="2271402"/>
+              <a:ext cx="708876" cy="566693"/>
+            </a:xfrm>
+            <a:prstGeom prst="rect">
+              <a:avLst/>
+            </a:prstGeom>
+          </p:spPr>
+        </p:pic>
+      </p:grpSp>
     </p:spTree>
   </p:cSld>
   <p:clrMapOvr>
@@ -4054,72 +3846,87 @@
           </p:spPr>
         </p:pic>
       </p:grpSp>
+      <p:grpSp>
+        <p:nvGrpSpPr>
+          <p:cNvPr id="1002" name="그룹 1002"/>
+          <p:cNvGrpSpPr/>
+          <p:nvPr/>
+        </p:nvGrpSpPr>
+        <p:grpSpPr>
+          <a:xfrm>
+            <a:off x="4308860" y="3399515"/>
+            <a:ext cx="2893581" cy="3486685"/>
+            <a:chOff x="4308860" y="3399515"/>
+            <a:chExt cx="2893581" cy="3486685"/>
+          </a:xfrm>
+        </p:grpSpPr>
+        <p:pic>
+          <p:nvPicPr>
+            <p:cNvPr id="6" name="Object 5"/>
+            <p:cNvPicPr>
+              <a:picLocks noChangeAspect="1"/>
+            </p:cNvPicPr>
+            <p:nvPr/>
+          </p:nvPicPr>
+          <p:blipFill>
+            <a:blip r:embed="rId3" cstate="print"/>
+            <a:stretch>
+              <a:fillRect/>
+            </a:stretch>
+          </p:blipFill>
+          <p:spPr>
+            <a:xfrm>
+              <a:off x="4308860" y="3399515"/>
+              <a:ext cx="2893581" cy="3486685"/>
+            </a:xfrm>
+            <a:prstGeom prst="rect">
+              <a:avLst/>
+            </a:prstGeom>
+          </p:spPr>
+        </p:pic>
+      </p:grpSp>
+      <p:grpSp>
+        <p:nvGrpSpPr>
+          <p:cNvPr id="1003" name="그룹 1003"/>
+          <p:cNvGrpSpPr/>
+          <p:nvPr/>
+        </p:nvGrpSpPr>
+        <p:grpSpPr>
+          <a:xfrm>
+            <a:off x="7652940" y="3408466"/>
+            <a:ext cx="2893581" cy="3468781"/>
+            <a:chOff x="7652940" y="3408466"/>
+            <a:chExt cx="2893581" cy="3468781"/>
+          </a:xfrm>
+        </p:grpSpPr>
+        <p:pic>
+          <p:nvPicPr>
+            <p:cNvPr id="9" name="Object 8"/>
+            <p:cNvPicPr>
+              <a:picLocks noChangeAspect="1"/>
+            </p:cNvPicPr>
+            <p:nvPr/>
+          </p:nvPicPr>
+          <p:blipFill>
+            <a:blip r:embed="rId4" cstate="print"/>
+            <a:stretch>
+              <a:fillRect/>
+            </a:stretch>
+          </p:blipFill>
+          <p:spPr>
+            <a:xfrm>
+              <a:off x="7652940" y="3408466"/>
+              <a:ext cx="2893581" cy="3468781"/>
+            </a:xfrm>
+            <a:prstGeom prst="rect">
+              <a:avLst/>
+            </a:prstGeom>
+          </p:spPr>
+        </p:pic>
+      </p:grpSp>
       <p:pic>
         <p:nvPicPr>
-          <p:cNvPr id="5" name="Object 4"/>
-          <p:cNvPicPr>
-            <a:picLocks noChangeAspect="1"/>
-          </p:cNvPicPr>
-          <p:nvPr/>
-        </p:nvPicPr>
-        <p:blipFill>
-          <a:blip r:embed="rId3" cstate="print"/>
-          <a:stretch>
-            <a:fillRect/>
-          </a:stretch>
-        </p:blipFill>
-        <p:spPr>
-          <a:xfrm>
-            <a:off x="11340344" y="3002592"/>
-            <a:ext cx="6668356" cy="5985747"/>
-          </a:xfrm>
-          <a:prstGeom prst="rect">
-            <a:avLst/>
-          </a:prstGeom>
-        </p:spPr>
-      </p:pic>
-      <p:grpSp>
-        <p:nvGrpSpPr>
-          <p:cNvPr id="1002" name="그룹 1002"/>
-          <p:cNvGrpSpPr/>
-          <p:nvPr/>
-        </p:nvGrpSpPr>
-        <p:grpSpPr>
-          <a:xfrm>
-            <a:off x="742857" y="9352381"/>
-            <a:ext cx="16800000" cy="247619"/>
-            <a:chOff x="742857" y="9352381"/>
-            <a:chExt cx="16800000" cy="247619"/>
-          </a:xfrm>
-        </p:grpSpPr>
-        <p:pic>
-          <p:nvPicPr>
-            <p:cNvPr id="7" name="Object 6"/>
-            <p:cNvPicPr>
-              <a:picLocks noChangeAspect="1"/>
-            </p:cNvPicPr>
-            <p:nvPr/>
-          </p:nvPicPr>
-          <p:blipFill>
-            <a:blip r:embed="rId4" cstate="print"/>
-            <a:stretch>
-              <a:fillRect/>
-            </a:stretch>
-          </p:blipFill>
-          <p:spPr>
-            <a:xfrm>
-              <a:off x="742857" y="9352381"/>
-              <a:ext cx="16800000" cy="247619"/>
-            </a:xfrm>
-            <a:prstGeom prst="rect">
-              <a:avLst/>
-            </a:prstGeom>
-          </p:spPr>
-        </p:pic>
-      </p:grpSp>
-      <p:pic>
-        <p:nvPicPr>
-          <p:cNvPr id="9" name="Object 8"/>
+          <p:cNvPr id="11" name="Object 10"/>
           <p:cNvPicPr>
             <a:picLocks noChangeAspect="1"/>
           </p:cNvPicPr>
@@ -4133,53 +3940,38 @@
         </p:blipFill>
         <p:spPr>
           <a:xfrm>
-            <a:off x="1790045" y="3774235"/>
-            <a:ext cx="5745012" cy="2115412"/>
+            <a:off x="851611" y="7302883"/>
+            <a:ext cx="2357568" cy="715330"/>
           </a:xfrm>
           <a:prstGeom prst="rect">
             <a:avLst/>
           </a:prstGeom>
         </p:spPr>
       </p:pic>
-      <p:grpSp>
-        <p:nvGrpSpPr>
-          <p:cNvPr id="1003" name="그룹 1003"/>
-          <p:cNvGrpSpPr/>
-          <p:nvPr/>
-        </p:nvGrpSpPr>
-        <p:grpSpPr>
-          <a:xfrm>
-            <a:off x="1381758" y="3723520"/>
-            <a:ext cx="6437504" cy="2290764"/>
-            <a:chOff x="1381758" y="3723520"/>
-            <a:chExt cx="6437504" cy="2290764"/>
-          </a:xfrm>
-        </p:grpSpPr>
-        <p:pic>
-          <p:nvPicPr>
-            <p:cNvPr id="11" name="Object 10"/>
-            <p:cNvPicPr>
-              <a:picLocks noChangeAspect="1"/>
-            </p:cNvPicPr>
-            <p:nvPr/>
-          </p:nvPicPr>
-          <p:blipFill>
-            <a:blip r:embed="rId6" cstate="print"/>
-            <a:stretch>
-              <a:fillRect/>
-            </a:stretch>
-          </p:blipFill>
-          <p:spPr>
-            <a:xfrm rot="-300000">
-              <a:off x="1381758" y="3723520"/>
-              <a:ext cx="6437504" cy="2290764"/>
-            </a:xfrm>
-            <a:prstGeom prst="rect">
-              <a:avLst/>
-            </a:prstGeom>
-          </p:spPr>
-        </p:pic>
-      </p:grpSp>
+      <p:pic>
+        <p:nvPicPr>
+          <p:cNvPr id="12" name="Object 11"/>
+          <p:cNvPicPr>
+            <a:picLocks noChangeAspect="1"/>
+          </p:cNvPicPr>
+          <p:nvPr/>
+        </p:nvPicPr>
+        <p:blipFill>
+          <a:blip r:embed="rId6" cstate="print"/>
+          <a:stretch>
+            <a:fillRect/>
+          </a:stretch>
+        </p:blipFill>
+        <p:spPr>
+          <a:xfrm>
+            <a:off x="14334570" y="7302883"/>
+            <a:ext cx="2357568" cy="715330"/>
+          </a:xfrm>
+          <a:prstGeom prst="rect">
+            <a:avLst/>
+          </a:prstGeom>
+        </p:spPr>
+      </p:pic>
       <p:grpSp>
         <p:nvGrpSpPr>
           <p:cNvPr id="1004" name="그룹 1004"/>
@@ -4188,10 +3980,10 @@
         </p:nvGrpSpPr>
         <p:grpSpPr>
           <a:xfrm>
-            <a:off x="15808888" y="2271402"/>
-            <a:ext cx="708876" cy="566693"/>
-            <a:chOff x="15808888" y="2271402"/>
-            <a:chExt cx="708876" cy="566693"/>
+            <a:off x="969058" y="3404792"/>
+            <a:ext cx="2884822" cy="3476131"/>
+            <a:chOff x="969058" y="3404792"/>
+            <a:chExt cx="2884822" cy="3476131"/>
           </a:xfrm>
         </p:grpSpPr>
         <p:pic>
@@ -4209,16 +4001,229 @@
             </a:stretch>
           </p:blipFill>
           <p:spPr>
-            <a:xfrm rot="-10800000">
-              <a:off x="15808888" y="2271402"/>
-              <a:ext cx="708876" cy="566693"/>
-            </a:xfrm>
-            <a:prstGeom prst="rect">
-              <a:avLst/>
-            </a:prstGeom>
-          </p:spPr>
-        </p:pic>
-      </p:grpSp>
+            <a:xfrm>
+              <a:off x="969058" y="3404792"/>
+              <a:ext cx="2884822" cy="3476131"/>
+            </a:xfrm>
+            <a:prstGeom prst="rect">
+              <a:avLst/>
+            </a:prstGeom>
+          </p:spPr>
+        </p:pic>
+      </p:grpSp>
+      <p:grpSp>
+        <p:nvGrpSpPr>
+          <p:cNvPr id="1005" name="그룹 1005"/>
+          <p:cNvGrpSpPr/>
+          <p:nvPr/>
+        </p:nvGrpSpPr>
+        <p:grpSpPr>
+          <a:xfrm>
+            <a:off x="11136208" y="3395982"/>
+            <a:ext cx="2899443" cy="3493750"/>
+            <a:chOff x="11136208" y="3395982"/>
+            <a:chExt cx="2899443" cy="3493750"/>
+          </a:xfrm>
+        </p:grpSpPr>
+        <p:pic>
+          <p:nvPicPr>
+            <p:cNvPr id="17" name="Object 16"/>
+            <p:cNvPicPr>
+              <a:picLocks noChangeAspect="1"/>
+            </p:cNvPicPr>
+            <p:nvPr/>
+          </p:nvPicPr>
+          <p:blipFill>
+            <a:blip r:embed="rId8" cstate="print"/>
+            <a:stretch>
+              <a:fillRect/>
+            </a:stretch>
+          </p:blipFill>
+          <p:spPr>
+            <a:xfrm>
+              <a:off x="11136208" y="3395982"/>
+              <a:ext cx="2899443" cy="3493750"/>
+            </a:xfrm>
+            <a:prstGeom prst="rect">
+              <a:avLst/>
+            </a:prstGeom>
+          </p:spPr>
+        </p:pic>
+      </p:grpSp>
+      <p:grpSp>
+        <p:nvGrpSpPr>
+          <p:cNvPr id="1006" name="그룹 1006"/>
+          <p:cNvGrpSpPr/>
+          <p:nvPr/>
+        </p:nvGrpSpPr>
+        <p:grpSpPr>
+          <a:xfrm>
+            <a:off x="14394514" y="3399515"/>
+            <a:ext cx="2893581" cy="3486685"/>
+            <a:chOff x="14394514" y="3399515"/>
+            <a:chExt cx="2893581" cy="3486685"/>
+          </a:xfrm>
+        </p:grpSpPr>
+        <p:pic>
+          <p:nvPicPr>
+            <p:cNvPr id="20" name="Object 19"/>
+            <p:cNvPicPr>
+              <a:picLocks noChangeAspect="1"/>
+            </p:cNvPicPr>
+            <p:nvPr/>
+          </p:nvPicPr>
+          <p:blipFill>
+            <a:blip r:embed="rId9" cstate="print"/>
+            <a:stretch>
+              <a:fillRect/>
+            </a:stretch>
+          </p:blipFill>
+          <p:spPr>
+            <a:xfrm>
+              <a:off x="14394514" y="3399515"/>
+              <a:ext cx="2893581" cy="3486685"/>
+            </a:xfrm>
+            <a:prstGeom prst="rect">
+              <a:avLst/>
+            </a:prstGeom>
+          </p:spPr>
+        </p:pic>
+      </p:grpSp>
+      <p:grpSp>
+        <p:nvGrpSpPr>
+          <p:cNvPr id="1007" name="그룹 1007"/>
+          <p:cNvGrpSpPr/>
+          <p:nvPr/>
+        </p:nvGrpSpPr>
+        <p:grpSpPr>
+          <a:xfrm>
+            <a:off x="12600306" y="2066599"/>
+            <a:ext cx="1456126" cy="1332915"/>
+            <a:chOff x="12600306" y="2066599"/>
+            <a:chExt cx="1456126" cy="1332915"/>
+          </a:xfrm>
+        </p:grpSpPr>
+        <p:pic>
+          <p:nvPicPr>
+            <p:cNvPr id="23" name="Object 22"/>
+            <p:cNvPicPr>
+              <a:picLocks noChangeAspect="1"/>
+            </p:cNvPicPr>
+            <p:nvPr/>
+          </p:nvPicPr>
+          <p:blipFill>
+            <a:blip r:embed="rId10" cstate="print"/>
+            <a:stretch>
+              <a:fillRect/>
+            </a:stretch>
+          </p:blipFill>
+          <p:spPr>
+            <a:xfrm>
+              <a:off x="12600306" y="2066599"/>
+              <a:ext cx="1456126" cy="1332915"/>
+            </a:xfrm>
+            <a:prstGeom prst="rect">
+              <a:avLst/>
+            </a:prstGeom>
+          </p:spPr>
+        </p:pic>
+      </p:grpSp>
+      <p:pic>
+        <p:nvPicPr>
+          <p:cNvPr id="25" name="Object 24"/>
+          <p:cNvPicPr>
+            <a:picLocks noChangeAspect="1"/>
+          </p:cNvPicPr>
+          <p:nvPr/>
+        </p:nvPicPr>
+        <p:blipFill>
+          <a:blip r:embed="rId11" cstate="print"/>
+          <a:stretch>
+            <a:fillRect/>
+          </a:stretch>
+        </p:blipFill>
+        <p:spPr>
+          <a:xfrm>
+            <a:off x="4162373" y="7302883"/>
+            <a:ext cx="2365035" cy="705473"/>
+          </a:xfrm>
+          <a:prstGeom prst="rect">
+            <a:avLst/>
+          </a:prstGeom>
+        </p:spPr>
+      </p:pic>
+      <p:pic>
+        <p:nvPicPr>
+          <p:cNvPr id="26" name="Object 25"/>
+          <p:cNvPicPr>
+            <a:picLocks noChangeAspect="1"/>
+          </p:cNvPicPr>
+          <p:nvPr/>
+        </p:nvPicPr>
+        <p:blipFill>
+          <a:blip r:embed="rId12" cstate="print"/>
+          <a:stretch>
+            <a:fillRect/>
+          </a:stretch>
+        </p:blipFill>
+        <p:spPr>
+          <a:xfrm>
+            <a:off x="11076264" y="7302883"/>
+            <a:ext cx="2357558" cy="715330"/>
+          </a:xfrm>
+          <a:prstGeom prst="rect">
+            <a:avLst/>
+          </a:prstGeom>
+        </p:spPr>
+      </p:pic>
+      <p:pic>
+        <p:nvPicPr>
+          <p:cNvPr id="27" name="Object 26"/>
+          <p:cNvPicPr>
+            <a:picLocks noChangeAspect="1"/>
+          </p:cNvPicPr>
+          <p:nvPr/>
+        </p:nvPicPr>
+        <p:blipFill>
+          <a:blip r:embed="rId13" cstate="print"/>
+          <a:stretch>
+            <a:fillRect/>
+          </a:stretch>
+        </p:blipFill>
+        <p:spPr>
+          <a:xfrm>
+            <a:off x="11146220" y="3013091"/>
+            <a:ext cx="1302383" cy="395164"/>
+          </a:xfrm>
+          <a:prstGeom prst="rect">
+            <a:avLst/>
+          </a:prstGeom>
+        </p:spPr>
+      </p:pic>
+      <p:pic>
+        <p:nvPicPr>
+          <p:cNvPr id="28" name="Object 27"/>
+          <p:cNvPicPr>
+            <a:picLocks noChangeAspect="1"/>
+          </p:cNvPicPr>
+          <p:nvPr/>
+        </p:nvPicPr>
+        <p:blipFill>
+          <a:blip r:embed="rId14" cstate="print"/>
+          <a:stretch>
+            <a:fillRect/>
+          </a:stretch>
+        </p:blipFill>
+        <p:spPr>
+          <a:xfrm>
+            <a:off x="7549579" y="7302883"/>
+            <a:ext cx="2356044" cy="713025"/>
+          </a:xfrm>
+          <a:prstGeom prst="rect">
+            <a:avLst/>
+          </a:prstGeom>
+        </p:spPr>
+      </p:pic>
     </p:spTree>
   </p:cSld>
   <p:clrMapOvr>
@@ -4291,87 +4296,72 @@
           </p:spPr>
         </p:pic>
       </p:grpSp>
-      <p:grpSp>
-        <p:nvGrpSpPr>
-          <p:cNvPr id="1002" name="그룹 1002"/>
-          <p:cNvGrpSpPr/>
-          <p:nvPr/>
-        </p:nvGrpSpPr>
-        <p:grpSpPr>
-          <a:xfrm>
-            <a:off x="726190" y="7319250"/>
-            <a:ext cx="16854762" cy="121855"/>
-            <a:chOff x="726190" y="7319250"/>
-            <a:chExt cx="16854762" cy="121855"/>
-          </a:xfrm>
-        </p:grpSpPr>
-        <p:pic>
-          <p:nvPicPr>
-            <p:cNvPr id="6" name="Object 5"/>
-            <p:cNvPicPr>
-              <a:picLocks noChangeAspect="1"/>
-            </p:cNvPicPr>
-            <p:nvPr/>
-          </p:nvPicPr>
-          <p:blipFill>
-            <a:blip r:embed="rId3" cstate="print"/>
-            <a:stretch>
-              <a:fillRect/>
-            </a:stretch>
-          </p:blipFill>
-          <p:spPr>
-            <a:xfrm rot="-10800000">
-              <a:off x="726190" y="7319250"/>
-              <a:ext cx="16854762" cy="121855"/>
-            </a:xfrm>
-            <a:prstGeom prst="rect">
-              <a:avLst/>
-            </a:prstGeom>
-          </p:spPr>
-        </p:pic>
-      </p:grpSp>
-      <p:grpSp>
-        <p:nvGrpSpPr>
-          <p:cNvPr id="1003" name="그룹 1003"/>
-          <p:cNvGrpSpPr/>
-          <p:nvPr/>
-        </p:nvGrpSpPr>
-        <p:grpSpPr>
-          <a:xfrm>
-            <a:off x="715476" y="5350831"/>
-            <a:ext cx="16854762" cy="121855"/>
-            <a:chOff x="715476" y="5350831"/>
-            <a:chExt cx="16854762" cy="121855"/>
-          </a:xfrm>
-        </p:grpSpPr>
-        <p:pic>
-          <p:nvPicPr>
-            <p:cNvPr id="9" name="Object 8"/>
-            <p:cNvPicPr>
-              <a:picLocks noChangeAspect="1"/>
-            </p:cNvPicPr>
-            <p:nvPr/>
-          </p:nvPicPr>
-          <p:blipFill>
-            <a:blip r:embed="rId4" cstate="print"/>
-            <a:stretch>
-              <a:fillRect/>
-            </a:stretch>
-          </p:blipFill>
-          <p:spPr>
-            <a:xfrm rot="-10800000">
-              <a:off x="715476" y="5350831"/>
-              <a:ext cx="16854762" cy="121855"/>
-            </a:xfrm>
-            <a:prstGeom prst="rect">
-              <a:avLst/>
-            </a:prstGeom>
-          </p:spPr>
-        </p:pic>
-      </p:grpSp>
       <p:pic>
         <p:nvPicPr>
-          <p:cNvPr id="11" name="Object 10"/>
+          <p:cNvPr id="5" name="Object 4"/>
+          <p:cNvPicPr>
+            <a:picLocks noChangeAspect="1"/>
+          </p:cNvPicPr>
+          <p:nvPr/>
+        </p:nvPicPr>
+        <p:blipFill>
+          <a:blip r:embed="rId3" cstate="print"/>
+          <a:stretch>
+            <a:fillRect/>
+          </a:stretch>
+        </p:blipFill>
+        <p:spPr>
+          <a:xfrm>
+            <a:off x="11340344" y="3002592"/>
+            <a:ext cx="6668404" cy="5982747"/>
+          </a:xfrm>
+          <a:prstGeom prst="rect">
+            <a:avLst/>
+          </a:prstGeom>
+        </p:spPr>
+      </p:pic>
+      <p:grpSp>
+        <p:nvGrpSpPr>
+          <p:cNvPr id="1002" name="그룹 1002"/>
+          <p:cNvGrpSpPr/>
+          <p:nvPr/>
+        </p:nvGrpSpPr>
+        <p:grpSpPr>
+          <a:xfrm>
+            <a:off x="742857" y="9352381"/>
+            <a:ext cx="16800000" cy="247619"/>
+            <a:chOff x="742857" y="9352381"/>
+            <a:chExt cx="16800000" cy="247619"/>
+          </a:xfrm>
+        </p:grpSpPr>
+        <p:pic>
+          <p:nvPicPr>
+            <p:cNvPr id="7" name="Object 6"/>
+            <p:cNvPicPr>
+              <a:picLocks noChangeAspect="1"/>
+            </p:cNvPicPr>
+            <p:nvPr/>
+          </p:nvPicPr>
+          <p:blipFill>
+            <a:blip r:embed="rId4" cstate="print"/>
+            <a:stretch>
+              <a:fillRect/>
+            </a:stretch>
+          </p:blipFill>
+          <p:spPr>
+            <a:xfrm>
+              <a:off x="742857" y="9352381"/>
+              <a:ext cx="16800000" cy="247619"/>
+            </a:xfrm>
+            <a:prstGeom prst="rect">
+              <a:avLst/>
+            </a:prstGeom>
+          </p:spPr>
+        </p:pic>
+      </p:grpSp>
+      <p:pic>
+        <p:nvPicPr>
+          <p:cNvPr id="9" name="Object 8"/>
           <p:cNvPicPr>
             <a:picLocks noChangeAspect="1"/>
           </p:cNvPicPr>
@@ -4385,86 +4375,53 @@
         </p:blipFill>
         <p:spPr>
           <a:xfrm>
-            <a:off x="1390493" y="5633494"/>
-            <a:ext cx="3130850" cy="1902354"/>
+            <a:off x="1790045" y="3774235"/>
+            <a:ext cx="5745012" cy="2115403"/>
           </a:xfrm>
           <a:prstGeom prst="rect">
             <a:avLst/>
           </a:prstGeom>
         </p:spPr>
       </p:pic>
-      <p:pic>
-        <p:nvPicPr>
-          <p:cNvPr id="12" name="Object 11"/>
-          <p:cNvPicPr>
-            <a:picLocks noChangeAspect="1"/>
-          </p:cNvPicPr>
-          <p:nvPr/>
-        </p:nvPicPr>
-        <p:blipFill>
-          <a:blip r:embed="rId6" cstate="print"/>
-          <a:stretch>
-            <a:fillRect/>
-          </a:stretch>
-        </p:blipFill>
-        <p:spPr>
-          <a:xfrm>
-            <a:off x="1339569" y="3645718"/>
-            <a:ext cx="3395811" cy="1432526"/>
-          </a:xfrm>
-          <a:prstGeom prst="rect">
-            <a:avLst/>
-          </a:prstGeom>
-        </p:spPr>
-      </p:pic>
-      <p:pic>
-        <p:nvPicPr>
-          <p:cNvPr id="13" name="Object 12"/>
-          <p:cNvPicPr>
-            <a:picLocks noChangeAspect="1"/>
-          </p:cNvPicPr>
-          <p:nvPr/>
-        </p:nvPicPr>
-        <p:blipFill>
-          <a:blip r:embed="rId7" cstate="print"/>
-          <a:stretch>
-            <a:fillRect/>
-          </a:stretch>
-        </p:blipFill>
-        <p:spPr>
-          <a:xfrm>
-            <a:off x="5684754" y="5907144"/>
-            <a:ext cx="11472890" cy="1127957"/>
-          </a:xfrm>
-          <a:prstGeom prst="rect">
-            <a:avLst/>
-          </a:prstGeom>
-        </p:spPr>
-      </p:pic>
-      <p:pic>
-        <p:nvPicPr>
-          <p:cNvPr id="14" name="Object 13"/>
-          <p:cNvPicPr>
-            <a:picLocks noChangeAspect="1"/>
-          </p:cNvPicPr>
-          <p:nvPr/>
-        </p:nvPicPr>
-        <p:blipFill>
-          <a:blip r:embed="rId8" cstate="print"/>
-          <a:stretch>
-            <a:fillRect/>
-          </a:stretch>
-        </p:blipFill>
-        <p:spPr>
-          <a:xfrm>
-            <a:off x="5684754" y="7566335"/>
-            <a:ext cx="11510157" cy="1686414"/>
-          </a:xfrm>
-          <a:prstGeom prst="rect">
-            <a:avLst/>
-          </a:prstGeom>
-        </p:spPr>
-      </p:pic>
+      <p:grpSp>
+        <p:nvGrpSpPr>
+          <p:cNvPr id="1003" name="그룹 1003"/>
+          <p:cNvGrpSpPr/>
+          <p:nvPr/>
+        </p:nvGrpSpPr>
+        <p:grpSpPr>
+          <a:xfrm>
+            <a:off x="1381758" y="3723520"/>
+            <a:ext cx="6437504" cy="2290764"/>
+            <a:chOff x="1381758" y="3723520"/>
+            <a:chExt cx="6437504" cy="2290764"/>
+          </a:xfrm>
+        </p:grpSpPr>
+        <p:pic>
+          <p:nvPicPr>
+            <p:cNvPr id="11" name="Object 10"/>
+            <p:cNvPicPr>
+              <a:picLocks noChangeAspect="1"/>
+            </p:cNvPicPr>
+            <p:nvPr/>
+          </p:nvPicPr>
+          <p:blipFill>
+            <a:blip r:embed="rId6" cstate="print"/>
+            <a:stretch>
+              <a:fillRect/>
+            </a:stretch>
+          </p:blipFill>
+          <p:spPr>
+            <a:xfrm rot="-300000">
+              <a:off x="1381758" y="3723520"/>
+              <a:ext cx="6437504" cy="2290764"/>
+            </a:xfrm>
+            <a:prstGeom prst="rect">
+              <a:avLst/>
+            </a:prstGeom>
+          </p:spPr>
+        </p:pic>
+      </p:grpSp>
       <p:grpSp>
         <p:nvGrpSpPr>
           <p:cNvPr id="1004" name="그룹 1004"/>
@@ -4473,204 +4430,30 @@
         </p:nvGrpSpPr>
         <p:grpSpPr>
           <a:xfrm>
-            <a:off x="715476" y="3382412"/>
-            <a:ext cx="16854762" cy="121855"/>
-            <a:chOff x="715476" y="3382412"/>
-            <a:chExt cx="16854762" cy="121855"/>
-          </a:xfrm>
-        </p:grpSpPr>
-        <p:pic>
-          <p:nvPicPr>
-            <p:cNvPr id="16" name="Object 15"/>
-            <p:cNvPicPr>
-              <a:picLocks noChangeAspect="1"/>
-            </p:cNvPicPr>
-            <p:nvPr/>
-          </p:nvPicPr>
-          <p:blipFill>
-            <a:blip r:embed="rId9" cstate="print"/>
+            <a:off x="15808888" y="2271402"/>
+            <a:ext cx="708876" cy="566693"/>
+            <a:chOff x="15808888" y="2271402"/>
+            <a:chExt cx="708876" cy="566693"/>
+          </a:xfrm>
+        </p:grpSpPr>
+        <p:pic>
+          <p:nvPicPr>
+            <p:cNvPr id="14" name="Object 13"/>
+            <p:cNvPicPr>
+              <a:picLocks noChangeAspect="1"/>
+            </p:cNvPicPr>
+            <p:nvPr/>
+          </p:nvPicPr>
+          <p:blipFill>
+            <a:blip r:embed="rId7" cstate="print"/>
             <a:stretch>
               <a:fillRect/>
             </a:stretch>
           </p:blipFill>
           <p:spPr>
             <a:xfrm rot="-10800000">
-              <a:off x="715476" y="3382412"/>
-              <a:ext cx="16854762" cy="121855"/>
-            </a:xfrm>
-            <a:prstGeom prst="rect">
-              <a:avLst/>
-            </a:prstGeom>
-          </p:spPr>
-        </p:pic>
-      </p:grpSp>
-      <p:pic>
-        <p:nvPicPr>
-          <p:cNvPr id="18" name="Object 17"/>
-          <p:cNvPicPr>
-            <a:picLocks noChangeAspect="1"/>
-          </p:cNvPicPr>
-          <p:nvPr/>
-        </p:nvPicPr>
-        <p:blipFill>
-          <a:blip r:embed="rId10" cstate="print"/>
-          <a:stretch>
-            <a:fillRect/>
-          </a:stretch>
-        </p:blipFill>
-        <p:spPr>
-          <a:xfrm>
-            <a:off x="1507950" y="7999972"/>
-            <a:ext cx="2230173" cy="817135"/>
-          </a:xfrm>
-          <a:prstGeom prst="rect">
-            <a:avLst/>
-          </a:prstGeom>
-        </p:spPr>
-      </p:pic>
-      <p:pic>
-        <p:nvPicPr>
-          <p:cNvPr id="19" name="Object 18"/>
-          <p:cNvPicPr>
-            <a:picLocks noChangeAspect="1"/>
-          </p:cNvPicPr>
-          <p:nvPr/>
-        </p:nvPicPr>
-        <p:blipFill>
-          <a:blip r:embed="rId11" cstate="print"/>
-          <a:stretch>
-            <a:fillRect/>
-          </a:stretch>
-        </p:blipFill>
-        <p:spPr>
-          <a:xfrm>
-            <a:off x="5684754" y="1598268"/>
-            <a:ext cx="11472890" cy="1686414"/>
-          </a:xfrm>
-          <a:prstGeom prst="rect">
-            <a:avLst/>
-          </a:prstGeom>
-        </p:spPr>
-      </p:pic>
-      <p:pic>
-        <p:nvPicPr>
-          <p:cNvPr id="20" name="Object 19"/>
-          <p:cNvPicPr>
-            <a:picLocks noChangeAspect="1"/>
-          </p:cNvPicPr>
-          <p:nvPr/>
-        </p:nvPicPr>
-        <p:blipFill>
-          <a:blip r:embed="rId12" cstate="print"/>
-          <a:stretch>
-            <a:fillRect/>
-          </a:stretch>
-        </p:blipFill>
-        <p:spPr>
-          <a:xfrm>
-            <a:off x="950390" y="1609124"/>
-            <a:ext cx="4368211" cy="1902354"/>
-          </a:xfrm>
-          <a:prstGeom prst="rect">
-            <a:avLst/>
-          </a:prstGeom>
-        </p:spPr>
-      </p:pic>
-      <p:pic>
-        <p:nvPicPr>
-          <p:cNvPr id="21" name="Object 20"/>
-          <p:cNvPicPr>
-            <a:picLocks noChangeAspect="1"/>
-          </p:cNvPicPr>
-          <p:nvPr/>
-        </p:nvPicPr>
-        <p:blipFill>
-          <a:blip r:embed="rId13" cstate="print"/>
-          <a:stretch>
-            <a:fillRect/>
-          </a:stretch>
-        </p:blipFill>
-        <p:spPr>
-          <a:xfrm>
-            <a:off x="5684754" y="3612639"/>
-            <a:ext cx="11532747" cy="1686414"/>
-          </a:xfrm>
-          <a:prstGeom prst="rect">
-            <a:avLst/>
-          </a:prstGeom>
-        </p:spPr>
-      </p:pic>
-      <p:grpSp>
-        <p:nvGrpSpPr>
-          <p:cNvPr id="1005" name="그룹 1005"/>
-          <p:cNvGrpSpPr/>
-          <p:nvPr/>
-        </p:nvGrpSpPr>
-        <p:grpSpPr>
-          <a:xfrm>
-            <a:off x="729776" y="9352381"/>
-            <a:ext cx="16813081" cy="247619"/>
-            <a:chOff x="729776" y="9352381"/>
-            <a:chExt cx="16813081" cy="247619"/>
-          </a:xfrm>
-        </p:grpSpPr>
-        <p:pic>
-          <p:nvPicPr>
-            <p:cNvPr id="23" name="Object 22"/>
-            <p:cNvPicPr>
-              <a:picLocks noChangeAspect="1"/>
-            </p:cNvPicPr>
-            <p:nvPr/>
-          </p:nvPicPr>
-          <p:blipFill>
-            <a:blip r:embed="rId14" cstate="print"/>
-            <a:stretch>
-              <a:fillRect/>
-            </a:stretch>
-          </p:blipFill>
-          <p:spPr>
-            <a:xfrm>
-              <a:off x="729776" y="9352381"/>
-              <a:ext cx="16813081" cy="247619"/>
-            </a:xfrm>
-            <a:prstGeom prst="rect">
-              <a:avLst/>
-            </a:prstGeom>
-          </p:spPr>
-        </p:pic>
-      </p:grpSp>
-      <p:grpSp>
-        <p:nvGrpSpPr>
-          <p:cNvPr id="1006" name="그룹 1006"/>
-          <p:cNvGrpSpPr/>
-          <p:nvPr/>
-        </p:nvGrpSpPr>
-        <p:grpSpPr>
-          <a:xfrm>
-            <a:off x="1259024" y="5390290"/>
-            <a:ext cx="8053932" cy="121855"/>
-            <a:chOff x="1259024" y="5390290"/>
-            <a:chExt cx="8053932" cy="121855"/>
-          </a:xfrm>
-        </p:grpSpPr>
-        <p:pic>
-          <p:nvPicPr>
-            <p:cNvPr id="26" name="Object 25"/>
-            <p:cNvPicPr>
-              <a:picLocks noChangeAspect="1"/>
-            </p:cNvPicPr>
-            <p:nvPr/>
-          </p:nvPicPr>
-          <p:blipFill>
-            <a:blip r:embed="rId15" cstate="print"/>
-            <a:stretch>
-              <a:fillRect/>
-            </a:stretch>
-          </p:blipFill>
-          <p:spPr>
-            <a:xfrm rot="-5400000">
-              <a:off x="1259024" y="5390290"/>
-              <a:ext cx="8053932" cy="121855"/>
+              <a:off x="15808888" y="2271402"/>
+              <a:ext cx="708876" cy="566693"/>
             </a:xfrm>
             <a:prstGeom prst="rect">
               <a:avLst/>
@@ -4750,24 +4533,63 @@
           </p:spPr>
         </p:pic>
       </p:grpSp>
+      <p:grpSp>
+        <p:nvGrpSpPr>
+          <p:cNvPr id="1002" name="그룹 1002"/>
+          <p:cNvGrpSpPr/>
+          <p:nvPr/>
+        </p:nvGrpSpPr>
+        <p:grpSpPr>
+          <a:xfrm>
+            <a:off x="705274" y="1408638"/>
+            <a:ext cx="8819418" cy="8190304"/>
+            <a:chOff x="705274" y="1408638"/>
+            <a:chExt cx="8819418" cy="8190304"/>
+          </a:xfrm>
+        </p:grpSpPr>
+        <p:pic>
+          <p:nvPicPr>
+            <p:cNvPr id="6" name="Object 5"/>
+            <p:cNvPicPr>
+              <a:picLocks noChangeAspect="1"/>
+            </p:cNvPicPr>
+            <p:nvPr/>
+          </p:nvPicPr>
+          <p:blipFill>
+            <a:blip r:embed="rId3" cstate="print"/>
+            <a:stretch>
+              <a:fillRect/>
+            </a:stretch>
+          </p:blipFill>
+          <p:spPr>
+            <a:xfrm>
+              <a:off x="705274" y="1408638"/>
+              <a:ext cx="8819418" cy="8190304"/>
+            </a:xfrm>
+            <a:prstGeom prst="rect">
+              <a:avLst/>
+            </a:prstGeom>
+          </p:spPr>
+        </p:pic>
+      </p:grpSp>
       <p:pic>
         <p:nvPicPr>
-          <p:cNvPr id="5" name="Object 4"/>
+          <p:cNvPr id="8" name="Object 7"/>
           <p:cNvPicPr>
             <a:picLocks noChangeAspect="1"/>
           </p:cNvPicPr>
           <p:nvPr/>
         </p:nvPicPr>
         <p:blipFill>
-          <a:blip r:embed="rId3" cstate="print"/>
+          <a:blip r:embed="rId4" cstate="print"/>
           <a:stretch>
             <a:fillRect/>
           </a:stretch>
         </p:blipFill>
         <p:spPr>
           <a:xfrm>
-            <a:off x="11340344" y="3002592"/>
-            <a:ext cx="6551461" cy="5985747"/>
+            <a:off x="7549579" y="746325"/>
+            <a:ext cx="2561377" cy="705473"/>
           </a:xfrm>
           <a:prstGeom prst="rect">
             <a:avLst/>
@@ -4776,138 +4598,36 @@
       </p:pic>
       <p:grpSp>
         <p:nvGrpSpPr>
-          <p:cNvPr id="1002" name="그룹 1002"/>
-          <p:cNvGrpSpPr/>
-          <p:nvPr/>
-        </p:nvGrpSpPr>
-        <p:grpSpPr>
-          <a:xfrm>
-            <a:off x="742857" y="9352381"/>
-            <a:ext cx="16800000" cy="247619"/>
-            <a:chOff x="742857" y="9352381"/>
-            <a:chExt cx="16800000" cy="247619"/>
-          </a:xfrm>
-        </p:grpSpPr>
-        <p:pic>
-          <p:nvPicPr>
-            <p:cNvPr id="7" name="Object 6"/>
-            <p:cNvPicPr>
-              <a:picLocks noChangeAspect="1"/>
-            </p:cNvPicPr>
-            <p:nvPr/>
-          </p:nvPicPr>
-          <p:blipFill>
-            <a:blip r:embed="rId4" cstate="print"/>
+          <p:cNvPr id="1003" name="그룹 1003"/>
+          <p:cNvGrpSpPr/>
+          <p:nvPr/>
+        </p:nvGrpSpPr>
+        <p:grpSpPr>
+          <a:xfrm>
+            <a:off x="9453599" y="2073090"/>
+            <a:ext cx="8126841" cy="7233493"/>
+            <a:chOff x="9453599" y="2073090"/>
+            <a:chExt cx="8126841" cy="7233493"/>
+          </a:xfrm>
+        </p:grpSpPr>
+        <p:pic>
+          <p:nvPicPr>
+            <p:cNvPr id="10" name="Object 9"/>
+            <p:cNvPicPr>
+              <a:picLocks noChangeAspect="1"/>
+            </p:cNvPicPr>
+            <p:nvPr/>
+          </p:nvPicPr>
+          <p:blipFill>
+            <a:blip r:embed="rId5" cstate="print"/>
             <a:stretch>
               <a:fillRect/>
             </a:stretch>
           </p:blipFill>
           <p:spPr>
             <a:xfrm>
-              <a:off x="742857" y="9352381"/>
-              <a:ext cx="16800000" cy="247619"/>
-            </a:xfrm>
-            <a:prstGeom prst="rect">
-              <a:avLst/>
-            </a:prstGeom>
-          </p:spPr>
-        </p:pic>
-      </p:grpSp>
-      <p:pic>
-        <p:nvPicPr>
-          <p:cNvPr id="9" name="Object 8"/>
-          <p:cNvPicPr>
-            <a:picLocks noChangeAspect="1"/>
-          </p:cNvPicPr>
-          <p:nvPr/>
-        </p:nvPicPr>
-        <p:blipFill>
-          <a:blip r:embed="rId5" cstate="print"/>
-          <a:stretch>
-            <a:fillRect/>
-          </a:stretch>
-        </p:blipFill>
-        <p:spPr>
-          <a:xfrm>
-            <a:off x="1790045" y="3774235"/>
-            <a:ext cx="5830726" cy="2114069"/>
-          </a:xfrm>
-          <a:prstGeom prst="rect">
-            <a:avLst/>
-          </a:prstGeom>
-        </p:spPr>
-      </p:pic>
-      <p:grpSp>
-        <p:nvGrpSpPr>
-          <p:cNvPr id="1003" name="그룹 1003"/>
-          <p:cNvGrpSpPr/>
-          <p:nvPr/>
-        </p:nvGrpSpPr>
-        <p:grpSpPr>
-          <a:xfrm>
-            <a:off x="1381758" y="3723520"/>
-            <a:ext cx="6437504" cy="2290764"/>
-            <a:chOff x="1381758" y="3723520"/>
-            <a:chExt cx="6437504" cy="2290764"/>
-          </a:xfrm>
-        </p:grpSpPr>
-        <p:pic>
-          <p:nvPicPr>
-            <p:cNvPr id="11" name="Object 10"/>
-            <p:cNvPicPr>
-              <a:picLocks noChangeAspect="1"/>
-            </p:cNvPicPr>
-            <p:nvPr/>
-          </p:nvPicPr>
-          <p:blipFill>
-            <a:blip r:embed="rId6" cstate="print"/>
-            <a:stretch>
-              <a:fillRect/>
-            </a:stretch>
-          </p:blipFill>
-          <p:spPr>
-            <a:xfrm rot="-300000">
-              <a:off x="1381758" y="3723520"/>
-              <a:ext cx="6437504" cy="2290764"/>
-            </a:xfrm>
-            <a:prstGeom prst="rect">
-              <a:avLst/>
-            </a:prstGeom>
-          </p:spPr>
-        </p:pic>
-      </p:grpSp>
-      <p:grpSp>
-        <p:nvGrpSpPr>
-          <p:cNvPr id="1004" name="그룹 1004"/>
-          <p:cNvGrpSpPr/>
-          <p:nvPr/>
-        </p:nvGrpSpPr>
-        <p:grpSpPr>
-          <a:xfrm>
-            <a:off x="15808888" y="2271402"/>
-            <a:ext cx="708876" cy="566693"/>
-            <a:chOff x="15808888" y="2271402"/>
-            <a:chExt cx="708876" cy="566693"/>
-          </a:xfrm>
-        </p:grpSpPr>
-        <p:pic>
-          <p:nvPicPr>
-            <p:cNvPr id="14" name="Object 13"/>
-            <p:cNvPicPr>
-              <a:picLocks noChangeAspect="1"/>
-            </p:cNvPicPr>
-            <p:nvPr/>
-          </p:nvPicPr>
-          <p:blipFill>
-            <a:blip r:embed="rId7" cstate="print"/>
-            <a:stretch>
-              <a:fillRect/>
-            </a:stretch>
-          </p:blipFill>
-          <p:spPr>
-            <a:xfrm rot="-10800000">
-              <a:off x="15808888" y="2271402"/>
-              <a:ext cx="708876" cy="566693"/>
+              <a:off x="9453599" y="2073090"/>
+              <a:ext cx="8126841" cy="7233493"/>
             </a:xfrm>
             <a:prstGeom prst="rect">
               <a:avLst/>
@@ -4978,6 +4698,30 @@
           </p:blipFill>
           <p:spPr>
             <a:xfrm>
+              <a:off x="-7150599" y="-3187602"/>
+              <a:ext cx="33750331" cy="17824339"/>
+            </a:xfrm>
+            <a:prstGeom prst="rect">
+              <a:avLst/>
+            </a:prstGeom>
+          </p:spPr>
+        </p:pic>
+        <p:pic>
+          <p:nvPicPr>
+            <p:cNvPr id="4" name="Object 3"/>
+            <p:cNvPicPr>
+              <a:picLocks noChangeAspect="1"/>
+            </p:cNvPicPr>
+            <p:nvPr/>
+          </p:nvPicPr>
+          <p:blipFill>
+            <a:blip r:embed="rId3" cstate="print"/>
+            <a:stretch>
+              <a:fillRect/>
+            </a:stretch>
+          </p:blipFill>
+          <p:spPr>
+            <a:xfrm>
               <a:off x="705274" y="686772"/>
               <a:ext cx="16875166" cy="8912169"/>
             </a:xfrm>
@@ -4987,345 +4731,246 @@
           </p:spPr>
         </p:pic>
       </p:grpSp>
+      <p:grpSp>
+        <p:nvGrpSpPr>
+          <p:cNvPr id="1002" name="그룹 1002"/>
+          <p:cNvGrpSpPr/>
+          <p:nvPr/>
+        </p:nvGrpSpPr>
+        <p:grpSpPr>
+          <a:xfrm>
+            <a:off x="726190" y="7319250"/>
+            <a:ext cx="16854762" cy="121855"/>
+            <a:chOff x="726190" y="7319250"/>
+            <a:chExt cx="16854762" cy="121855"/>
+          </a:xfrm>
+        </p:grpSpPr>
+        <p:pic>
+          <p:nvPicPr>
+            <p:cNvPr id="7" name="Object 6"/>
+            <p:cNvPicPr>
+              <a:picLocks noChangeAspect="1"/>
+            </p:cNvPicPr>
+            <p:nvPr/>
+          </p:nvPicPr>
+          <p:blipFill>
+            <a:blip r:embed="rId4" cstate="print"/>
+            <a:stretch>
+              <a:fillRect/>
+            </a:stretch>
+          </p:blipFill>
+          <p:spPr>
+            <a:xfrm rot="-10800000">
+              <a:off x="726190" y="7319250"/>
+              <a:ext cx="16854762" cy="121855"/>
+            </a:xfrm>
+            <a:prstGeom prst="rect">
+              <a:avLst/>
+            </a:prstGeom>
+          </p:spPr>
+        </p:pic>
+      </p:grpSp>
+      <p:grpSp>
+        <p:nvGrpSpPr>
+          <p:cNvPr id="1003" name="그룹 1003"/>
+          <p:cNvGrpSpPr/>
+          <p:nvPr/>
+        </p:nvGrpSpPr>
+        <p:grpSpPr>
+          <a:xfrm>
+            <a:off x="715476" y="5350831"/>
+            <a:ext cx="16854762" cy="121855"/>
+            <a:chOff x="715476" y="5350831"/>
+            <a:chExt cx="16854762" cy="121855"/>
+          </a:xfrm>
+        </p:grpSpPr>
+        <p:pic>
+          <p:nvPicPr>
+            <p:cNvPr id="10" name="Object 9"/>
+            <p:cNvPicPr>
+              <a:picLocks noChangeAspect="1"/>
+            </p:cNvPicPr>
+            <p:nvPr/>
+          </p:nvPicPr>
+          <p:blipFill>
+            <a:blip r:embed="rId5" cstate="print"/>
+            <a:stretch>
+              <a:fillRect/>
+            </a:stretch>
+          </p:blipFill>
+          <p:spPr>
+            <a:xfrm rot="-10800000">
+              <a:off x="715476" y="5350831"/>
+              <a:ext cx="16854762" cy="121855"/>
+            </a:xfrm>
+            <a:prstGeom prst="rect">
+              <a:avLst/>
+            </a:prstGeom>
+          </p:spPr>
+        </p:pic>
+      </p:grpSp>
       <p:pic>
         <p:nvPicPr>
-          <p:cNvPr id="5" name="Object 4"/>
+          <p:cNvPr id="12" name="Object 11"/>
           <p:cNvPicPr>
             <a:picLocks noChangeAspect="1"/>
           </p:cNvPicPr>
           <p:nvPr/>
         </p:nvPicPr>
         <p:blipFill>
-          <a:blip r:embed="rId3" cstate="print"/>
+          <a:blip r:embed="rId6" cstate="print"/>
           <a:stretch>
             <a:fillRect/>
           </a:stretch>
         </p:blipFill>
         <p:spPr>
           <a:xfrm>
-            <a:off x="5357022" y="2296375"/>
-            <a:ext cx="5345083" cy="1045778"/>
+            <a:off x="1390493" y="5633494"/>
+            <a:ext cx="3130850" cy="1902354"/>
           </a:xfrm>
           <a:prstGeom prst="rect">
             <a:avLst/>
           </a:prstGeom>
         </p:spPr>
       </p:pic>
-      <p:grpSp>
-        <p:nvGrpSpPr>
-          <p:cNvPr id="1002" name="그룹 1002"/>
-          <p:cNvGrpSpPr/>
-          <p:nvPr/>
-        </p:nvGrpSpPr>
-        <p:grpSpPr>
-          <a:xfrm>
-            <a:off x="2148829" y="5414297"/>
-            <a:ext cx="1412776" cy="1412776"/>
-            <a:chOff x="2148829" y="5414297"/>
-            <a:chExt cx="1412776" cy="1412776"/>
-          </a:xfrm>
-        </p:grpSpPr>
-        <p:pic>
-          <p:nvPicPr>
-            <p:cNvPr id="7" name="Object 6"/>
-            <p:cNvPicPr>
-              <a:picLocks noChangeAspect="1"/>
-            </p:cNvPicPr>
-            <p:nvPr/>
-          </p:nvPicPr>
-          <p:blipFill>
-            <a:blip r:embed="rId4" cstate="print"/>
-            <a:stretch>
-              <a:fillRect/>
-            </a:stretch>
-          </p:blipFill>
-          <p:spPr>
-            <a:xfrm>
-              <a:off x="2148829" y="5414297"/>
-              <a:ext cx="1412776" cy="1412776"/>
-            </a:xfrm>
-            <a:prstGeom prst="rect">
-              <a:avLst/>
-            </a:prstGeom>
-          </p:spPr>
-        </p:pic>
-      </p:grpSp>
-      <p:grpSp>
-        <p:nvGrpSpPr>
-          <p:cNvPr id="1003" name="그룹 1003"/>
-          <p:cNvGrpSpPr/>
-          <p:nvPr/>
-        </p:nvGrpSpPr>
-        <p:grpSpPr>
-          <a:xfrm>
-            <a:off x="6271476" y="5414297"/>
-            <a:ext cx="1412776" cy="1412776"/>
-            <a:chOff x="6271476" y="5414297"/>
-            <a:chExt cx="1412776" cy="1412776"/>
-          </a:xfrm>
-        </p:grpSpPr>
-        <p:pic>
-          <p:nvPicPr>
-            <p:cNvPr id="10" name="Object 9"/>
-            <p:cNvPicPr>
-              <a:picLocks noChangeAspect="1"/>
-            </p:cNvPicPr>
-            <p:nvPr/>
-          </p:nvPicPr>
-          <p:blipFill>
-            <a:blip r:embed="rId5" cstate="print"/>
-            <a:stretch>
-              <a:fillRect/>
-            </a:stretch>
-          </p:blipFill>
-          <p:spPr>
-            <a:xfrm>
-              <a:off x="6271476" y="5414297"/>
-              <a:ext cx="1412776" cy="1412776"/>
-            </a:xfrm>
-            <a:prstGeom prst="rect">
-              <a:avLst/>
-            </a:prstGeom>
-          </p:spPr>
-        </p:pic>
-      </p:grpSp>
-      <p:grpSp>
-        <p:nvGrpSpPr>
-          <p:cNvPr id="1004" name="그룹 1004"/>
-          <p:cNvGrpSpPr/>
-          <p:nvPr/>
-        </p:nvGrpSpPr>
-        <p:grpSpPr>
-          <a:xfrm>
-            <a:off x="10568300" y="5503737"/>
-            <a:ext cx="1412776" cy="1412776"/>
-            <a:chOff x="10568300" y="5503737"/>
-            <a:chExt cx="1412776" cy="1412776"/>
-          </a:xfrm>
-        </p:grpSpPr>
-        <p:pic>
-          <p:nvPicPr>
-            <p:cNvPr id="13" name="Object 12"/>
-            <p:cNvPicPr>
-              <a:picLocks noChangeAspect="1"/>
-            </p:cNvPicPr>
-            <p:nvPr/>
-          </p:nvPicPr>
-          <p:blipFill>
-            <a:blip r:embed="rId6" cstate="print"/>
-            <a:stretch>
-              <a:fillRect/>
-            </a:stretch>
-          </p:blipFill>
-          <p:spPr>
-            <a:xfrm>
-              <a:off x="10568300" y="5503737"/>
-              <a:ext cx="1412776" cy="1412776"/>
-            </a:xfrm>
-            <a:prstGeom prst="rect">
-              <a:avLst/>
-            </a:prstGeom>
-          </p:spPr>
-        </p:pic>
-      </p:grpSp>
-      <p:grpSp>
-        <p:nvGrpSpPr>
-          <p:cNvPr id="1005" name="그룹 1005"/>
-          <p:cNvGrpSpPr/>
-          <p:nvPr/>
-        </p:nvGrpSpPr>
-        <p:grpSpPr>
-          <a:xfrm>
-            <a:off x="14632526" y="5503737"/>
-            <a:ext cx="1412776" cy="1412776"/>
-            <a:chOff x="14632526" y="5503737"/>
-            <a:chExt cx="1412776" cy="1412776"/>
-          </a:xfrm>
-        </p:grpSpPr>
-        <p:pic>
-          <p:nvPicPr>
-            <p:cNvPr id="16" name="Object 15"/>
-            <p:cNvPicPr>
-              <a:picLocks noChangeAspect="1"/>
-            </p:cNvPicPr>
-            <p:nvPr/>
-          </p:nvPicPr>
-          <p:blipFill>
-            <a:blip r:embed="rId7" cstate="print"/>
-            <a:stretch>
-              <a:fillRect/>
-            </a:stretch>
-          </p:blipFill>
-          <p:spPr>
-            <a:xfrm>
-              <a:off x="14632526" y="5503737"/>
-              <a:ext cx="1412776" cy="1412776"/>
-            </a:xfrm>
-            <a:prstGeom prst="rect">
-              <a:avLst/>
-            </a:prstGeom>
-          </p:spPr>
-        </p:pic>
-      </p:grpSp>
-      <p:grpSp>
-        <p:nvGrpSpPr>
-          <p:cNvPr id="1006" name="그룹 1006"/>
-          <p:cNvGrpSpPr/>
-          <p:nvPr/>
-        </p:nvGrpSpPr>
-        <p:grpSpPr>
-          <a:xfrm>
-            <a:off x="10911108" y="5816997"/>
-            <a:ext cx="694019" cy="786255"/>
-            <a:chOff x="10911108" y="5816997"/>
-            <a:chExt cx="694019" cy="786255"/>
-          </a:xfrm>
-        </p:grpSpPr>
-        <p:pic>
-          <p:nvPicPr>
-            <p:cNvPr id="19" name="Object 18"/>
-            <p:cNvPicPr>
-              <a:picLocks noChangeAspect="1"/>
-            </p:cNvPicPr>
-            <p:nvPr/>
-          </p:nvPicPr>
-          <p:blipFill>
-            <a:blip r:embed="rId8" cstate="print"/>
-            <a:stretch>
-              <a:fillRect/>
-            </a:stretch>
-          </p:blipFill>
-          <p:spPr>
-            <a:xfrm>
-              <a:off x="10911108" y="5816997"/>
-              <a:ext cx="694019" cy="786255"/>
-            </a:xfrm>
-            <a:prstGeom prst="rect">
-              <a:avLst/>
-            </a:prstGeom>
-          </p:spPr>
-        </p:pic>
-      </p:grpSp>
-      <p:grpSp>
-        <p:nvGrpSpPr>
-          <p:cNvPr id="1007" name="그룹 1007"/>
-          <p:cNvGrpSpPr/>
-          <p:nvPr/>
-        </p:nvGrpSpPr>
-        <p:grpSpPr>
-          <a:xfrm>
-            <a:off x="6584736" y="5731539"/>
-            <a:ext cx="786255" cy="778293"/>
-            <a:chOff x="6584736" y="5731539"/>
-            <a:chExt cx="786255" cy="778293"/>
-          </a:xfrm>
-        </p:grpSpPr>
-        <p:pic>
-          <p:nvPicPr>
-            <p:cNvPr id="22" name="Object 21"/>
-            <p:cNvPicPr>
-              <a:picLocks noChangeAspect="1"/>
-            </p:cNvPicPr>
-            <p:nvPr/>
-          </p:nvPicPr>
-          <p:blipFill>
-            <a:blip r:embed="rId9" cstate="print"/>
-            <a:stretch>
-              <a:fillRect/>
-            </a:stretch>
-          </p:blipFill>
-          <p:spPr>
-            <a:xfrm>
-              <a:off x="6584736" y="5731539"/>
-              <a:ext cx="786255" cy="778293"/>
-            </a:xfrm>
-            <a:prstGeom prst="rect">
-              <a:avLst/>
-            </a:prstGeom>
-          </p:spPr>
-        </p:pic>
-      </p:grpSp>
-      <p:grpSp>
-        <p:nvGrpSpPr>
-          <p:cNvPr id="1008" name="그룹 1008"/>
-          <p:cNvGrpSpPr/>
-          <p:nvPr/>
-        </p:nvGrpSpPr>
-        <p:grpSpPr>
-          <a:xfrm>
-            <a:off x="2540648" y="5727558"/>
-            <a:ext cx="629137" cy="786255"/>
-            <a:chOff x="2540648" y="5727558"/>
-            <a:chExt cx="629137" cy="786255"/>
-          </a:xfrm>
-        </p:grpSpPr>
-        <p:pic>
-          <p:nvPicPr>
-            <p:cNvPr id="25" name="Object 24"/>
-            <p:cNvPicPr>
-              <a:picLocks noChangeAspect="1"/>
-            </p:cNvPicPr>
-            <p:nvPr/>
-          </p:nvPicPr>
-          <p:blipFill>
-            <a:blip r:embed="rId10" cstate="print"/>
-            <a:stretch>
-              <a:fillRect/>
-            </a:stretch>
-          </p:blipFill>
-          <p:spPr>
-            <a:xfrm>
-              <a:off x="2540648" y="5727558"/>
-              <a:ext cx="629137" cy="786255"/>
-            </a:xfrm>
-            <a:prstGeom prst="rect">
-              <a:avLst/>
-            </a:prstGeom>
-          </p:spPr>
-        </p:pic>
-      </p:grpSp>
-      <p:grpSp>
-        <p:nvGrpSpPr>
-          <p:cNvPr id="1009" name="그룹 1009"/>
-          <p:cNvGrpSpPr/>
-          <p:nvPr/>
-        </p:nvGrpSpPr>
-        <p:grpSpPr>
-          <a:xfrm>
-            <a:off x="14998218" y="5816816"/>
-            <a:ext cx="681392" cy="786255"/>
-            <a:chOff x="14998218" y="5816816"/>
-            <a:chExt cx="681392" cy="786255"/>
-          </a:xfrm>
-        </p:grpSpPr>
-        <p:pic>
-          <p:nvPicPr>
-            <p:cNvPr id="28" name="Object 27"/>
-            <p:cNvPicPr>
-              <a:picLocks noChangeAspect="1"/>
-            </p:cNvPicPr>
-            <p:nvPr/>
-          </p:nvPicPr>
-          <p:blipFill>
-            <a:blip r:embed="rId11" cstate="print"/>
-            <a:stretch>
-              <a:fillRect/>
-            </a:stretch>
-          </p:blipFill>
-          <p:spPr>
-            <a:xfrm>
-              <a:off x="14998218" y="5816816"/>
-              <a:ext cx="681392" cy="786255"/>
-            </a:xfrm>
-            <a:prstGeom prst="rect">
-              <a:avLst/>
-            </a:prstGeom>
-          </p:spPr>
-        </p:pic>
-      </p:grpSp>
       <p:pic>
         <p:nvPicPr>
-          <p:cNvPr id="30" name="Object 29"/>
+          <p:cNvPr id="13" name="Object 12"/>
+          <p:cNvPicPr>
+            <a:picLocks noChangeAspect="1"/>
+          </p:cNvPicPr>
+          <p:nvPr/>
+        </p:nvPicPr>
+        <p:blipFill>
+          <a:blip r:embed="rId7" cstate="print"/>
+          <a:stretch>
+            <a:fillRect/>
+          </a:stretch>
+        </p:blipFill>
+        <p:spPr>
+          <a:xfrm>
+            <a:off x="1339569" y="3645718"/>
+            <a:ext cx="3395811" cy="1432535"/>
+          </a:xfrm>
+          <a:prstGeom prst="rect">
+            <a:avLst/>
+          </a:prstGeom>
+        </p:spPr>
+      </p:pic>
+      <p:pic>
+        <p:nvPicPr>
+          <p:cNvPr id="14" name="Object 13"/>
+          <p:cNvPicPr>
+            <a:picLocks noChangeAspect="1"/>
+          </p:cNvPicPr>
+          <p:nvPr/>
+        </p:nvPicPr>
+        <p:blipFill>
+          <a:blip r:embed="rId8" cstate="print"/>
+          <a:stretch>
+            <a:fillRect/>
+          </a:stretch>
+        </p:blipFill>
+        <p:spPr>
+          <a:xfrm>
+            <a:off x="5684754" y="5907144"/>
+            <a:ext cx="11473766" cy="1109271"/>
+          </a:xfrm>
+          <a:prstGeom prst="rect">
+            <a:avLst/>
+          </a:prstGeom>
+        </p:spPr>
+      </p:pic>
+      <p:pic>
+        <p:nvPicPr>
+          <p:cNvPr id="15" name="Object 14"/>
+          <p:cNvPicPr>
+            <a:picLocks noChangeAspect="1"/>
+          </p:cNvPicPr>
+          <p:nvPr/>
+        </p:nvPicPr>
+        <p:blipFill>
+          <a:blip r:embed="rId9" cstate="print"/>
+          <a:stretch>
+            <a:fillRect/>
+          </a:stretch>
+        </p:blipFill>
+        <p:spPr>
+          <a:xfrm>
+            <a:off x="5684754" y="7566335"/>
+            <a:ext cx="11511214" cy="1667605"/>
+          </a:xfrm>
+          <a:prstGeom prst="rect">
+            <a:avLst/>
+          </a:prstGeom>
+        </p:spPr>
+      </p:pic>
+      <p:grpSp>
+        <p:nvGrpSpPr>
+          <p:cNvPr id="1004" name="그룹 1004"/>
+          <p:cNvGrpSpPr/>
+          <p:nvPr/>
+        </p:nvGrpSpPr>
+        <p:grpSpPr>
+          <a:xfrm>
+            <a:off x="715476" y="3382412"/>
+            <a:ext cx="16854762" cy="121855"/>
+            <a:chOff x="715476" y="3382412"/>
+            <a:chExt cx="16854762" cy="121855"/>
+          </a:xfrm>
+        </p:grpSpPr>
+        <p:pic>
+          <p:nvPicPr>
+            <p:cNvPr id="17" name="Object 16"/>
+            <p:cNvPicPr>
+              <a:picLocks noChangeAspect="1"/>
+            </p:cNvPicPr>
+            <p:nvPr/>
+          </p:nvPicPr>
+          <p:blipFill>
+            <a:blip r:embed="rId10" cstate="print"/>
+            <a:stretch>
+              <a:fillRect/>
+            </a:stretch>
+          </p:blipFill>
+          <p:spPr>
+            <a:xfrm rot="-10800000">
+              <a:off x="715476" y="3382412"/>
+              <a:ext cx="16854762" cy="121855"/>
+            </a:xfrm>
+            <a:prstGeom prst="rect">
+              <a:avLst/>
+            </a:prstGeom>
+          </p:spPr>
+        </p:pic>
+      </p:grpSp>
+      <p:pic>
+        <p:nvPicPr>
+          <p:cNvPr id="19" name="Object 18"/>
+          <p:cNvPicPr>
+            <a:picLocks noChangeAspect="1"/>
+          </p:cNvPicPr>
+          <p:nvPr/>
+        </p:nvPicPr>
+        <p:blipFill>
+          <a:blip r:embed="rId11" cstate="print"/>
+          <a:stretch>
+            <a:fillRect/>
+          </a:stretch>
+        </p:blipFill>
+        <p:spPr>
+          <a:xfrm>
+            <a:off x="1507950" y="7999972"/>
+            <a:ext cx="2230173" cy="817135"/>
+          </a:xfrm>
+          <a:prstGeom prst="rect">
+            <a:avLst/>
+          </a:prstGeom>
+        </p:spPr>
+      </p:pic>
+      <p:pic>
+        <p:nvPicPr>
+          <p:cNvPr id="20" name="Object 19"/>
           <p:cNvPicPr>
             <a:picLocks noChangeAspect="1"/>
           </p:cNvPicPr>
@@ -5339,8 +4984,8 @@
         </p:blipFill>
         <p:spPr>
           <a:xfrm>
-            <a:off x="5752544" y="6841563"/>
-            <a:ext cx="2259235" cy="992664"/>
+            <a:off x="5684754" y="1598268"/>
+            <a:ext cx="11473766" cy="1667605"/>
           </a:xfrm>
           <a:prstGeom prst="rect">
             <a:avLst/>
@@ -5349,7 +4994,7 @@
       </p:pic>
       <p:pic>
         <p:nvPicPr>
-          <p:cNvPr id="31" name="Object 30"/>
+          <p:cNvPr id="21" name="Object 20"/>
           <p:cNvPicPr>
             <a:picLocks noChangeAspect="1"/>
           </p:cNvPicPr>
@@ -5363,8 +5008,8 @@
         </p:blipFill>
         <p:spPr>
           <a:xfrm>
-            <a:off x="1656144" y="6841563"/>
-            <a:ext cx="2259235" cy="992664"/>
+            <a:off x="950390" y="1609124"/>
+            <a:ext cx="4368211" cy="1902354"/>
           </a:xfrm>
           <a:prstGeom prst="rect">
             <a:avLst/>
@@ -5373,7 +5018,7 @@
       </p:pic>
       <p:pic>
         <p:nvPicPr>
-          <p:cNvPr id="32" name="Object 31"/>
+          <p:cNvPr id="22" name="Object 21"/>
           <p:cNvPicPr>
             <a:picLocks noChangeAspect="1"/>
           </p:cNvPicPr>
@@ -5387,439 +5032,85 @@
         </p:blipFill>
         <p:spPr>
           <a:xfrm>
-            <a:off x="10057696" y="6931001"/>
-            <a:ext cx="2215283" cy="975749"/>
+            <a:off x="5684754" y="3612639"/>
+            <a:ext cx="11533909" cy="1667605"/>
           </a:xfrm>
           <a:prstGeom prst="rect">
             <a:avLst/>
           </a:prstGeom>
         </p:spPr>
       </p:pic>
-      <p:pic>
-        <p:nvPicPr>
-          <p:cNvPr id="33" name="Object 32"/>
-          <p:cNvPicPr>
-            <a:picLocks noChangeAspect="1"/>
-          </p:cNvPicPr>
-          <p:nvPr/>
-        </p:nvPicPr>
-        <p:blipFill>
-          <a:blip r:embed="rId15" cstate="print"/>
-          <a:stretch>
-            <a:fillRect/>
-          </a:stretch>
-        </p:blipFill>
-        <p:spPr>
-          <a:xfrm>
-            <a:off x="14121982" y="6931001"/>
-            <a:ext cx="2215283" cy="975749"/>
-          </a:xfrm>
-          <a:prstGeom prst="rect">
-            <a:avLst/>
-          </a:prstGeom>
-        </p:spPr>
-      </p:pic>
-      <p:pic>
-        <p:nvPicPr>
-          <p:cNvPr id="34" name="Object 33"/>
-          <p:cNvPicPr>
-            <a:picLocks noChangeAspect="1"/>
-          </p:cNvPicPr>
-          <p:nvPr/>
-        </p:nvPicPr>
-        <p:blipFill>
-          <a:blip r:embed="rId16" cstate="print"/>
-          <a:stretch>
-            <a:fillRect/>
-          </a:stretch>
-        </p:blipFill>
-        <p:spPr>
-          <a:xfrm>
-            <a:off x="5590760" y="7673907"/>
-            <a:ext cx="2740088" cy="1258836"/>
-          </a:xfrm>
-          <a:prstGeom prst="rect">
-            <a:avLst/>
-          </a:prstGeom>
-        </p:spPr>
-      </p:pic>
-      <p:pic>
-        <p:nvPicPr>
-          <p:cNvPr id="35" name="Object 34"/>
-          <p:cNvPicPr>
-            <a:picLocks noChangeAspect="1"/>
-          </p:cNvPicPr>
-          <p:nvPr/>
-        </p:nvPicPr>
-        <p:blipFill>
-          <a:blip r:embed="rId17" cstate="print"/>
-          <a:stretch>
-            <a:fillRect/>
-          </a:stretch>
-        </p:blipFill>
-        <p:spPr>
-          <a:xfrm>
-            <a:off x="1551502" y="7714596"/>
-            <a:ext cx="2832060" cy="1177693"/>
-          </a:xfrm>
-          <a:prstGeom prst="rect">
-            <a:avLst/>
-          </a:prstGeom>
-        </p:spPr>
-      </p:pic>
-      <p:pic>
-        <p:nvPicPr>
-          <p:cNvPr id="36" name="Object 35"/>
-          <p:cNvPicPr>
-            <a:picLocks noChangeAspect="1"/>
-          </p:cNvPicPr>
-          <p:nvPr/>
-        </p:nvPicPr>
-        <p:blipFill>
-          <a:blip r:embed="rId18" cstate="print"/>
-          <a:stretch>
-            <a:fillRect/>
-          </a:stretch>
-        </p:blipFill>
-        <p:spPr>
-          <a:xfrm>
-            <a:off x="9926339" y="8083567"/>
-            <a:ext cx="2223955" cy="469465"/>
-          </a:xfrm>
-          <a:prstGeom prst="rect">
-            <a:avLst/>
-          </a:prstGeom>
-        </p:spPr>
-      </p:pic>
-      <p:pic>
-        <p:nvPicPr>
-          <p:cNvPr id="37" name="Object 36"/>
-          <p:cNvPicPr>
-            <a:picLocks noChangeAspect="1"/>
-          </p:cNvPicPr>
-          <p:nvPr/>
-        </p:nvPicPr>
-        <p:blipFill>
-          <a:blip r:embed="rId19" cstate="print"/>
-          <a:stretch>
-            <a:fillRect/>
-          </a:stretch>
-        </p:blipFill>
-        <p:spPr>
-          <a:xfrm>
-            <a:off x="14118863" y="8152939"/>
-            <a:ext cx="2599783" cy="388312"/>
-          </a:xfrm>
-          <a:prstGeom prst="rect">
-            <a:avLst/>
-          </a:prstGeom>
-        </p:spPr>
-      </p:pic>
-      <p:grpSp>
-        <p:nvGrpSpPr>
-          <p:cNvPr id="1010" name="그룹 1010"/>
-          <p:cNvGrpSpPr/>
-          <p:nvPr/>
-        </p:nvGrpSpPr>
-        <p:grpSpPr>
-          <a:xfrm>
-            <a:off x="715476" y="4163364"/>
-            <a:ext cx="16854762" cy="121855"/>
-            <a:chOff x="715476" y="4163364"/>
-            <a:chExt cx="16854762" cy="121855"/>
-          </a:xfrm>
-        </p:grpSpPr>
-        <p:pic>
-          <p:nvPicPr>
-            <p:cNvPr id="39" name="Object 38"/>
-            <p:cNvPicPr>
-              <a:picLocks noChangeAspect="1"/>
-            </p:cNvPicPr>
-            <p:nvPr/>
-          </p:nvPicPr>
-          <p:blipFill>
-            <a:blip r:embed="rId20" cstate="print"/>
-            <a:stretch>
-              <a:fillRect/>
-            </a:stretch>
-          </p:blipFill>
-          <p:spPr>
-            <a:xfrm rot="-10800000">
-              <a:off x="715476" y="4163364"/>
-              <a:ext cx="16854762" cy="121855"/>
-            </a:xfrm>
-            <a:prstGeom prst="rect">
-              <a:avLst/>
-            </a:prstGeom>
-          </p:spPr>
-        </p:pic>
-      </p:grpSp>
-      <p:grpSp>
-        <p:nvGrpSpPr>
-          <p:cNvPr id="1011" name="그룹 1011"/>
-          <p:cNvGrpSpPr/>
-          <p:nvPr/>
-        </p:nvGrpSpPr>
-        <p:grpSpPr>
-          <a:xfrm>
-            <a:off x="2253402" y="6855475"/>
-            <a:ext cx="5367196" cy="121855"/>
-            <a:chOff x="2253402" y="6855475"/>
-            <a:chExt cx="5367196" cy="121855"/>
-          </a:xfrm>
-        </p:grpSpPr>
-        <p:pic>
-          <p:nvPicPr>
-            <p:cNvPr id="42" name="Object 41"/>
-            <p:cNvPicPr>
-              <a:picLocks noChangeAspect="1"/>
-            </p:cNvPicPr>
-            <p:nvPr/>
-          </p:nvPicPr>
-          <p:blipFill>
-            <a:blip r:embed="rId21" cstate="print"/>
+      <p:grpSp>
+        <p:nvGrpSpPr>
+          <p:cNvPr id="1005" name="그룹 1005"/>
+          <p:cNvGrpSpPr/>
+          <p:nvPr/>
+        </p:nvGrpSpPr>
+        <p:grpSpPr>
+          <a:xfrm>
+            <a:off x="729776" y="9352381"/>
+            <a:ext cx="16813081" cy="247619"/>
+            <a:chOff x="729776" y="9352381"/>
+            <a:chExt cx="16813081" cy="247619"/>
+          </a:xfrm>
+        </p:grpSpPr>
+        <p:pic>
+          <p:nvPicPr>
+            <p:cNvPr id="24" name="Object 23"/>
+            <p:cNvPicPr>
+              <a:picLocks noChangeAspect="1"/>
+            </p:cNvPicPr>
+            <p:nvPr/>
+          </p:nvPicPr>
+          <p:blipFill>
+            <a:blip r:embed="rId15" cstate="print"/>
+            <a:stretch>
+              <a:fillRect/>
+            </a:stretch>
+          </p:blipFill>
+          <p:spPr>
+            <a:xfrm>
+              <a:off x="729776" y="9352381"/>
+              <a:ext cx="16813081" cy="247619"/>
+            </a:xfrm>
+            <a:prstGeom prst="rect">
+              <a:avLst/>
+            </a:prstGeom>
+          </p:spPr>
+        </p:pic>
+      </p:grpSp>
+      <p:grpSp>
+        <p:nvGrpSpPr>
+          <p:cNvPr id="1006" name="그룹 1006"/>
+          <p:cNvGrpSpPr/>
+          <p:nvPr/>
+        </p:nvGrpSpPr>
+        <p:grpSpPr>
+          <a:xfrm>
+            <a:off x="1259024" y="5390290"/>
+            <a:ext cx="8053932" cy="121855"/>
+            <a:chOff x="1259024" y="5390290"/>
+            <a:chExt cx="8053932" cy="121855"/>
+          </a:xfrm>
+        </p:grpSpPr>
+        <p:pic>
+          <p:nvPicPr>
+            <p:cNvPr id="27" name="Object 26"/>
+            <p:cNvPicPr>
+              <a:picLocks noChangeAspect="1"/>
+            </p:cNvPicPr>
+            <p:nvPr/>
+          </p:nvPicPr>
+          <p:blipFill>
+            <a:blip r:embed="rId16" cstate="print"/>
             <a:stretch>
               <a:fillRect/>
             </a:stretch>
           </p:blipFill>
           <p:spPr>
             <a:xfrm rot="-5400000">
-              <a:off x="2253402" y="6855475"/>
-              <a:ext cx="5367196" cy="121855"/>
-            </a:xfrm>
-            <a:prstGeom prst="rect">
-              <a:avLst/>
-            </a:prstGeom>
-          </p:spPr>
-        </p:pic>
-      </p:grpSp>
-      <p:grpSp>
-        <p:nvGrpSpPr>
-          <p:cNvPr id="1012" name="그룹 1012"/>
-          <p:cNvGrpSpPr/>
-          <p:nvPr/>
-        </p:nvGrpSpPr>
-        <p:grpSpPr>
-          <a:xfrm>
-            <a:off x="6448677" y="6844893"/>
-            <a:ext cx="5388360" cy="121855"/>
-            <a:chOff x="6448677" y="6844893"/>
-            <a:chExt cx="5388360" cy="121855"/>
-          </a:xfrm>
-        </p:grpSpPr>
-        <p:pic>
-          <p:nvPicPr>
-            <p:cNvPr id="45" name="Object 44"/>
-            <p:cNvPicPr>
-              <a:picLocks noChangeAspect="1"/>
-            </p:cNvPicPr>
-            <p:nvPr/>
-          </p:nvPicPr>
-          <p:blipFill>
-            <a:blip r:embed="rId22" cstate="print"/>
-            <a:stretch>
-              <a:fillRect/>
-            </a:stretch>
-          </p:blipFill>
-          <p:spPr>
-            <a:xfrm rot="-5400000">
-              <a:off x="6448677" y="6844893"/>
-              <a:ext cx="5388360" cy="121855"/>
-            </a:xfrm>
-            <a:prstGeom prst="rect">
-              <a:avLst/>
-            </a:prstGeom>
-          </p:spPr>
-        </p:pic>
-      </p:grpSp>
-      <p:grpSp>
-        <p:nvGrpSpPr>
-          <p:cNvPr id="1013" name="그룹 1013"/>
-          <p:cNvGrpSpPr/>
-          <p:nvPr/>
-        </p:nvGrpSpPr>
-        <p:grpSpPr>
-          <a:xfrm>
-            <a:off x="10659825" y="6850184"/>
-            <a:ext cx="5377778" cy="121855"/>
-            <a:chOff x="10659825" y="6850184"/>
-            <a:chExt cx="5377778" cy="121855"/>
-          </a:xfrm>
-        </p:grpSpPr>
-        <p:pic>
-          <p:nvPicPr>
-            <p:cNvPr id="48" name="Object 47"/>
-            <p:cNvPicPr>
-              <a:picLocks noChangeAspect="1"/>
-            </p:cNvPicPr>
-            <p:nvPr/>
-          </p:nvPicPr>
-          <p:blipFill>
-            <a:blip r:embed="rId23" cstate="print"/>
-            <a:stretch>
-              <a:fillRect/>
-            </a:stretch>
-          </p:blipFill>
-          <p:spPr>
-            <a:xfrm rot="-5400000">
-              <a:off x="10659825" y="6850184"/>
-              <a:ext cx="5377778" cy="121855"/>
-            </a:xfrm>
-            <a:prstGeom prst="rect">
-              <a:avLst/>
-            </a:prstGeom>
-          </p:spPr>
-        </p:pic>
-      </p:grpSp>
-      <p:grpSp>
-        <p:nvGrpSpPr>
-          <p:cNvPr id="1014" name="그룹 1014"/>
-          <p:cNvGrpSpPr/>
-          <p:nvPr/>
-        </p:nvGrpSpPr>
-        <p:grpSpPr>
-          <a:xfrm>
-            <a:off x="2614581" y="4743650"/>
-            <a:ext cx="433038" cy="346182"/>
-            <a:chOff x="2614581" y="4743650"/>
-            <a:chExt cx="433038" cy="346182"/>
-          </a:xfrm>
-        </p:grpSpPr>
-        <p:pic>
-          <p:nvPicPr>
-            <p:cNvPr id="51" name="Object 50"/>
-            <p:cNvPicPr>
-              <a:picLocks noChangeAspect="1"/>
-            </p:cNvPicPr>
-            <p:nvPr/>
-          </p:nvPicPr>
-          <p:blipFill>
-            <a:blip r:embed="rId24" cstate="print"/>
-            <a:stretch>
-              <a:fillRect/>
-            </a:stretch>
-          </p:blipFill>
-          <p:spPr>
-            <a:xfrm>
-              <a:off x="2614581" y="4743650"/>
-              <a:ext cx="433038" cy="346182"/>
-            </a:xfrm>
-            <a:prstGeom prst="rect">
-              <a:avLst/>
-            </a:prstGeom>
-          </p:spPr>
-        </p:pic>
-      </p:grpSp>
-      <p:grpSp>
-        <p:nvGrpSpPr>
-          <p:cNvPr id="1015" name="그룹 1015"/>
-          <p:cNvGrpSpPr/>
-          <p:nvPr/>
-        </p:nvGrpSpPr>
-        <p:grpSpPr>
-          <a:xfrm>
-            <a:off x="6770868" y="4743650"/>
-            <a:ext cx="433038" cy="346182"/>
-            <a:chOff x="6770868" y="4743650"/>
-            <a:chExt cx="433038" cy="346182"/>
-          </a:xfrm>
-        </p:grpSpPr>
-        <p:pic>
-          <p:nvPicPr>
-            <p:cNvPr id="54" name="Object 53"/>
-            <p:cNvPicPr>
-              <a:picLocks noChangeAspect="1"/>
-            </p:cNvPicPr>
-            <p:nvPr/>
-          </p:nvPicPr>
-          <p:blipFill>
-            <a:blip r:embed="rId25" cstate="print"/>
-            <a:stretch>
-              <a:fillRect/>
-            </a:stretch>
-          </p:blipFill>
-          <p:spPr>
-            <a:xfrm>
-              <a:off x="6770868" y="4743650"/>
-              <a:ext cx="433038" cy="346182"/>
-            </a:xfrm>
-            <a:prstGeom prst="rect">
-              <a:avLst/>
-            </a:prstGeom>
-          </p:spPr>
-        </p:pic>
-      </p:grpSp>
-      <p:grpSp>
-        <p:nvGrpSpPr>
-          <p:cNvPr id="1016" name="그룹 1016"/>
-          <p:cNvGrpSpPr/>
-          <p:nvPr/>
-        </p:nvGrpSpPr>
-        <p:grpSpPr>
-          <a:xfrm>
-            <a:off x="10984791" y="4743650"/>
-            <a:ext cx="433038" cy="346182"/>
-            <a:chOff x="10984791" y="4743650"/>
-            <a:chExt cx="433038" cy="346182"/>
-          </a:xfrm>
-        </p:grpSpPr>
-        <p:pic>
-          <p:nvPicPr>
-            <p:cNvPr id="57" name="Object 56"/>
-            <p:cNvPicPr>
-              <a:picLocks noChangeAspect="1"/>
-            </p:cNvPicPr>
-            <p:nvPr/>
-          </p:nvPicPr>
-          <p:blipFill>
-            <a:blip r:embed="rId26" cstate="print"/>
-            <a:stretch>
-              <a:fillRect/>
-            </a:stretch>
-          </p:blipFill>
-          <p:spPr>
-            <a:xfrm>
-              <a:off x="10984791" y="4743650"/>
-              <a:ext cx="433038" cy="346182"/>
-            </a:xfrm>
-            <a:prstGeom prst="rect">
-              <a:avLst/>
-            </a:prstGeom>
-          </p:spPr>
-        </p:pic>
-      </p:grpSp>
-      <p:grpSp>
-        <p:nvGrpSpPr>
-          <p:cNvPr id="1017" name="그룹 1017"/>
-          <p:cNvGrpSpPr/>
-          <p:nvPr/>
-        </p:nvGrpSpPr>
-        <p:grpSpPr>
-          <a:xfrm>
-            <a:off x="15131555" y="4743650"/>
-            <a:ext cx="433038" cy="346182"/>
-            <a:chOff x="15131555" y="4743650"/>
-            <a:chExt cx="433038" cy="346182"/>
-          </a:xfrm>
-        </p:grpSpPr>
-        <p:pic>
-          <p:nvPicPr>
-            <p:cNvPr id="60" name="Object 59"/>
-            <p:cNvPicPr>
-              <a:picLocks noChangeAspect="1"/>
-            </p:cNvPicPr>
-            <p:nvPr/>
-          </p:nvPicPr>
-          <p:blipFill>
-            <a:blip r:embed="rId27" cstate="print"/>
-            <a:stretch>
-              <a:fillRect/>
-            </a:stretch>
-          </p:blipFill>
-          <p:spPr>
-            <a:xfrm>
-              <a:off x="15131555" y="4743650"/>
-              <a:ext cx="433038" cy="346182"/>
+              <a:off x="1259024" y="5390290"/>
+              <a:ext cx="8053932" cy="121855"/>
             </a:xfrm>
             <a:prstGeom prst="rect">
               <a:avLst/>
@@ -5916,7 +5207,7 @@
         <p:spPr>
           <a:xfrm>
             <a:off x="11340344" y="3002592"/>
-            <a:ext cx="6547861" cy="5985747"/>
+            <a:ext cx="6551451" cy="5982747"/>
           </a:xfrm>
           <a:prstGeom prst="rect">
             <a:avLst/>
@@ -5979,7 +5270,7 @@
         <p:spPr>
           <a:xfrm>
             <a:off x="1790045" y="3774235"/>
-            <a:ext cx="3152155" cy="2114069"/>
+            <a:ext cx="5830726" cy="2115402"/>
           </a:xfrm>
           <a:prstGeom prst="rect">
             <a:avLst/>
@@ -5994,10 +5285,10 @@
         </p:nvGrpSpPr>
         <p:grpSpPr>
           <a:xfrm>
-            <a:off x="1199271" y="4009524"/>
-            <a:ext cx="4924539" cy="1752381"/>
-            <a:chOff x="1199271" y="4009524"/>
-            <a:chExt cx="4924539" cy="1752381"/>
+            <a:off x="1381758" y="3723520"/>
+            <a:ext cx="6437504" cy="2290764"/>
+            <a:chOff x="1381758" y="3723520"/>
+            <a:chExt cx="6437504" cy="2290764"/>
           </a:xfrm>
         </p:grpSpPr>
         <p:pic>
@@ -6016,8 +5307,8 @@
           </p:blipFill>
           <p:spPr>
             <a:xfrm rot="-300000">
-              <a:off x="1199271" y="4009524"/>
-              <a:ext cx="4924539" cy="1752381"/>
+              <a:off x="1381758" y="3723520"/>
+              <a:ext cx="6437504" cy="2290764"/>
             </a:xfrm>
             <a:prstGeom prst="rect">
               <a:avLst/>
@@ -6136,285 +5427,345 @@
           </p:spPr>
         </p:pic>
       </p:grpSp>
-      <p:grpSp>
-        <p:nvGrpSpPr>
-          <p:cNvPr id="1002" name="그룹 1002"/>
-          <p:cNvGrpSpPr/>
-          <p:nvPr/>
-        </p:nvGrpSpPr>
-        <p:grpSpPr>
-          <a:xfrm>
-            <a:off x="726190" y="7319250"/>
-            <a:ext cx="16854762" cy="121855"/>
-            <a:chOff x="726190" y="7319250"/>
-            <a:chExt cx="16854762" cy="121855"/>
-          </a:xfrm>
-        </p:grpSpPr>
-        <p:pic>
-          <p:nvPicPr>
-            <p:cNvPr id="6" name="Object 5"/>
-            <p:cNvPicPr>
-              <a:picLocks noChangeAspect="1"/>
-            </p:cNvPicPr>
-            <p:nvPr/>
-          </p:nvPicPr>
-          <p:blipFill>
-            <a:blip r:embed="rId3" cstate="print"/>
-            <a:stretch>
-              <a:fillRect/>
-            </a:stretch>
-          </p:blipFill>
-          <p:spPr>
-            <a:xfrm rot="-10800000">
-              <a:off x="726190" y="7319250"/>
-              <a:ext cx="16854762" cy="121855"/>
-            </a:xfrm>
-            <a:prstGeom prst="rect">
-              <a:avLst/>
-            </a:prstGeom>
-          </p:spPr>
-        </p:pic>
-      </p:grpSp>
-      <p:grpSp>
-        <p:nvGrpSpPr>
-          <p:cNvPr id="1003" name="그룹 1003"/>
-          <p:cNvGrpSpPr/>
-          <p:nvPr/>
-        </p:nvGrpSpPr>
-        <p:grpSpPr>
-          <a:xfrm>
-            <a:off x="715476" y="5350831"/>
-            <a:ext cx="16854762" cy="121855"/>
-            <a:chOff x="715476" y="5350831"/>
-            <a:chExt cx="16854762" cy="121855"/>
-          </a:xfrm>
-        </p:grpSpPr>
-        <p:pic>
-          <p:nvPicPr>
-            <p:cNvPr id="9" name="Object 8"/>
-            <p:cNvPicPr>
-              <a:picLocks noChangeAspect="1"/>
-            </p:cNvPicPr>
-            <p:nvPr/>
-          </p:nvPicPr>
-          <p:blipFill>
-            <a:blip r:embed="rId4" cstate="print"/>
-            <a:stretch>
-              <a:fillRect/>
-            </a:stretch>
-          </p:blipFill>
-          <p:spPr>
-            <a:xfrm rot="-10800000">
-              <a:off x="715476" y="5350831"/>
-              <a:ext cx="16854762" cy="121855"/>
-            </a:xfrm>
-            <a:prstGeom prst="rect">
-              <a:avLst/>
-            </a:prstGeom>
-          </p:spPr>
-        </p:pic>
-      </p:grpSp>
       <p:pic>
         <p:nvPicPr>
-          <p:cNvPr id="11" name="Object 10"/>
+          <p:cNvPr id="5" name="Object 4"/>
           <p:cNvPicPr>
             <a:picLocks noChangeAspect="1"/>
           </p:cNvPicPr>
           <p:nvPr/>
         </p:nvPicPr>
         <p:blipFill>
-          <a:blip r:embed="rId5" cstate="print"/>
+          <a:blip r:embed="rId3" cstate="print"/>
           <a:stretch>
             <a:fillRect/>
           </a:stretch>
         </p:blipFill>
         <p:spPr>
           <a:xfrm>
-            <a:off x="2114202" y="5886487"/>
-            <a:ext cx="2940098" cy="1286965"/>
+            <a:off x="5357022" y="2296375"/>
+            <a:ext cx="5344730" cy="1027054"/>
           </a:xfrm>
           <a:prstGeom prst="rect">
             <a:avLst/>
           </a:prstGeom>
         </p:spPr>
       </p:pic>
+      <p:grpSp>
+        <p:nvGrpSpPr>
+          <p:cNvPr id="1002" name="그룹 1002"/>
+          <p:cNvGrpSpPr/>
+          <p:nvPr/>
+        </p:nvGrpSpPr>
+        <p:grpSpPr>
+          <a:xfrm>
+            <a:off x="2148829" y="5414297"/>
+            <a:ext cx="1412776" cy="1412776"/>
+            <a:chOff x="2148829" y="5414297"/>
+            <a:chExt cx="1412776" cy="1412776"/>
+          </a:xfrm>
+        </p:grpSpPr>
+        <p:pic>
+          <p:nvPicPr>
+            <p:cNvPr id="7" name="Object 6"/>
+            <p:cNvPicPr>
+              <a:picLocks noChangeAspect="1"/>
+            </p:cNvPicPr>
+            <p:nvPr/>
+          </p:nvPicPr>
+          <p:blipFill>
+            <a:blip r:embed="rId4" cstate="print"/>
+            <a:stretch>
+              <a:fillRect/>
+            </a:stretch>
+          </p:blipFill>
+          <p:spPr>
+            <a:xfrm>
+              <a:off x="2148829" y="5414297"/>
+              <a:ext cx="1412776" cy="1412776"/>
+            </a:xfrm>
+            <a:prstGeom prst="rect">
+              <a:avLst/>
+            </a:prstGeom>
+          </p:spPr>
+        </p:pic>
+      </p:grpSp>
+      <p:grpSp>
+        <p:nvGrpSpPr>
+          <p:cNvPr id="1003" name="그룹 1003"/>
+          <p:cNvGrpSpPr/>
+          <p:nvPr/>
+        </p:nvGrpSpPr>
+        <p:grpSpPr>
+          <a:xfrm>
+            <a:off x="6271476" y="5414297"/>
+            <a:ext cx="1412776" cy="1412776"/>
+            <a:chOff x="6271476" y="5414297"/>
+            <a:chExt cx="1412776" cy="1412776"/>
+          </a:xfrm>
+        </p:grpSpPr>
+        <p:pic>
+          <p:nvPicPr>
+            <p:cNvPr id="10" name="Object 9"/>
+            <p:cNvPicPr>
+              <a:picLocks noChangeAspect="1"/>
+            </p:cNvPicPr>
+            <p:nvPr/>
+          </p:nvPicPr>
+          <p:blipFill>
+            <a:blip r:embed="rId5" cstate="print"/>
+            <a:stretch>
+              <a:fillRect/>
+            </a:stretch>
+          </p:blipFill>
+          <p:spPr>
+            <a:xfrm>
+              <a:off x="6271476" y="5414297"/>
+              <a:ext cx="1412776" cy="1412776"/>
+            </a:xfrm>
+            <a:prstGeom prst="rect">
+              <a:avLst/>
+            </a:prstGeom>
+          </p:spPr>
+        </p:pic>
+      </p:grpSp>
+      <p:grpSp>
+        <p:nvGrpSpPr>
+          <p:cNvPr id="1004" name="그룹 1004"/>
+          <p:cNvGrpSpPr/>
+          <p:nvPr/>
+        </p:nvGrpSpPr>
+        <p:grpSpPr>
+          <a:xfrm>
+            <a:off x="10568300" y="5503737"/>
+            <a:ext cx="1412776" cy="1412776"/>
+            <a:chOff x="10568300" y="5503737"/>
+            <a:chExt cx="1412776" cy="1412776"/>
+          </a:xfrm>
+        </p:grpSpPr>
+        <p:pic>
+          <p:nvPicPr>
+            <p:cNvPr id="13" name="Object 12"/>
+            <p:cNvPicPr>
+              <a:picLocks noChangeAspect="1"/>
+            </p:cNvPicPr>
+            <p:nvPr/>
+          </p:nvPicPr>
+          <p:blipFill>
+            <a:blip r:embed="rId6" cstate="print"/>
+            <a:stretch>
+              <a:fillRect/>
+            </a:stretch>
+          </p:blipFill>
+          <p:spPr>
+            <a:xfrm>
+              <a:off x="10568300" y="5503737"/>
+              <a:ext cx="1412776" cy="1412776"/>
+            </a:xfrm>
+            <a:prstGeom prst="rect">
+              <a:avLst/>
+            </a:prstGeom>
+          </p:spPr>
+        </p:pic>
+      </p:grpSp>
+      <p:grpSp>
+        <p:nvGrpSpPr>
+          <p:cNvPr id="1005" name="그룹 1005"/>
+          <p:cNvGrpSpPr/>
+          <p:nvPr/>
+        </p:nvGrpSpPr>
+        <p:grpSpPr>
+          <a:xfrm>
+            <a:off x="14632526" y="5503737"/>
+            <a:ext cx="1412776" cy="1412776"/>
+            <a:chOff x="14632526" y="5503737"/>
+            <a:chExt cx="1412776" cy="1412776"/>
+          </a:xfrm>
+        </p:grpSpPr>
+        <p:pic>
+          <p:nvPicPr>
+            <p:cNvPr id="16" name="Object 15"/>
+            <p:cNvPicPr>
+              <a:picLocks noChangeAspect="1"/>
+            </p:cNvPicPr>
+            <p:nvPr/>
+          </p:nvPicPr>
+          <p:blipFill>
+            <a:blip r:embed="rId7" cstate="print"/>
+            <a:stretch>
+              <a:fillRect/>
+            </a:stretch>
+          </p:blipFill>
+          <p:spPr>
+            <a:xfrm>
+              <a:off x="14632526" y="5503737"/>
+              <a:ext cx="1412776" cy="1412776"/>
+            </a:xfrm>
+            <a:prstGeom prst="rect">
+              <a:avLst/>
+            </a:prstGeom>
+          </p:spPr>
+        </p:pic>
+      </p:grpSp>
+      <p:grpSp>
+        <p:nvGrpSpPr>
+          <p:cNvPr id="1006" name="그룹 1006"/>
+          <p:cNvGrpSpPr/>
+          <p:nvPr/>
+        </p:nvGrpSpPr>
+        <p:grpSpPr>
+          <a:xfrm>
+            <a:off x="10911108" y="5816997"/>
+            <a:ext cx="694019" cy="786255"/>
+            <a:chOff x="10911108" y="5816997"/>
+            <a:chExt cx="694019" cy="786255"/>
+          </a:xfrm>
+        </p:grpSpPr>
+        <p:pic>
+          <p:nvPicPr>
+            <p:cNvPr id="19" name="Object 18"/>
+            <p:cNvPicPr>
+              <a:picLocks noChangeAspect="1"/>
+            </p:cNvPicPr>
+            <p:nvPr/>
+          </p:nvPicPr>
+          <p:blipFill>
+            <a:blip r:embed="rId8" cstate="print"/>
+            <a:stretch>
+              <a:fillRect/>
+            </a:stretch>
+          </p:blipFill>
+          <p:spPr>
+            <a:xfrm>
+              <a:off x="10911108" y="5816997"/>
+              <a:ext cx="694019" cy="786255"/>
+            </a:xfrm>
+            <a:prstGeom prst="rect">
+              <a:avLst/>
+            </a:prstGeom>
+          </p:spPr>
+        </p:pic>
+      </p:grpSp>
+      <p:grpSp>
+        <p:nvGrpSpPr>
+          <p:cNvPr id="1007" name="그룹 1007"/>
+          <p:cNvGrpSpPr/>
+          <p:nvPr/>
+        </p:nvGrpSpPr>
+        <p:grpSpPr>
+          <a:xfrm>
+            <a:off x="6584736" y="5731539"/>
+            <a:ext cx="786255" cy="778293"/>
+            <a:chOff x="6584736" y="5731539"/>
+            <a:chExt cx="786255" cy="778293"/>
+          </a:xfrm>
+        </p:grpSpPr>
+        <p:pic>
+          <p:nvPicPr>
+            <p:cNvPr id="22" name="Object 21"/>
+            <p:cNvPicPr>
+              <a:picLocks noChangeAspect="1"/>
+            </p:cNvPicPr>
+            <p:nvPr/>
+          </p:nvPicPr>
+          <p:blipFill>
+            <a:blip r:embed="rId9" cstate="print"/>
+            <a:stretch>
+              <a:fillRect/>
+            </a:stretch>
+          </p:blipFill>
+          <p:spPr>
+            <a:xfrm>
+              <a:off x="6584736" y="5731539"/>
+              <a:ext cx="786255" cy="778293"/>
+            </a:xfrm>
+            <a:prstGeom prst="rect">
+              <a:avLst/>
+            </a:prstGeom>
+          </p:spPr>
+        </p:pic>
+      </p:grpSp>
+      <p:grpSp>
+        <p:nvGrpSpPr>
+          <p:cNvPr id="1008" name="그룹 1008"/>
+          <p:cNvGrpSpPr/>
+          <p:nvPr/>
+        </p:nvGrpSpPr>
+        <p:grpSpPr>
+          <a:xfrm>
+            <a:off x="2540648" y="5727558"/>
+            <a:ext cx="629137" cy="786255"/>
+            <a:chOff x="2540648" y="5727558"/>
+            <a:chExt cx="629137" cy="786255"/>
+          </a:xfrm>
+        </p:grpSpPr>
+        <p:pic>
+          <p:nvPicPr>
+            <p:cNvPr id="25" name="Object 24"/>
+            <p:cNvPicPr>
+              <a:picLocks noChangeAspect="1"/>
+            </p:cNvPicPr>
+            <p:nvPr/>
+          </p:nvPicPr>
+          <p:blipFill>
+            <a:blip r:embed="rId10" cstate="print"/>
+            <a:stretch>
+              <a:fillRect/>
+            </a:stretch>
+          </p:blipFill>
+          <p:spPr>
+            <a:xfrm>
+              <a:off x="2540648" y="5727558"/>
+              <a:ext cx="629137" cy="786255"/>
+            </a:xfrm>
+            <a:prstGeom prst="rect">
+              <a:avLst/>
+            </a:prstGeom>
+          </p:spPr>
+        </p:pic>
+      </p:grpSp>
+      <p:grpSp>
+        <p:nvGrpSpPr>
+          <p:cNvPr id="1009" name="그룹 1009"/>
+          <p:cNvGrpSpPr/>
+          <p:nvPr/>
+        </p:nvGrpSpPr>
+        <p:grpSpPr>
+          <a:xfrm>
+            <a:off x="14998218" y="5816816"/>
+            <a:ext cx="681392" cy="786255"/>
+            <a:chOff x="14998218" y="5816816"/>
+            <a:chExt cx="681392" cy="786255"/>
+          </a:xfrm>
+        </p:grpSpPr>
+        <p:pic>
+          <p:nvPicPr>
+            <p:cNvPr id="28" name="Object 27"/>
+            <p:cNvPicPr>
+              <a:picLocks noChangeAspect="1"/>
+            </p:cNvPicPr>
+            <p:nvPr/>
+          </p:nvPicPr>
+          <p:blipFill>
+            <a:blip r:embed="rId11" cstate="print"/>
+            <a:stretch>
+              <a:fillRect/>
+            </a:stretch>
+          </p:blipFill>
+          <p:spPr>
+            <a:xfrm>
+              <a:off x="14998218" y="5816816"/>
+              <a:ext cx="681392" cy="786255"/>
+            </a:xfrm>
+            <a:prstGeom prst="rect">
+              <a:avLst/>
+            </a:prstGeom>
+          </p:spPr>
+        </p:pic>
+      </p:grpSp>
       <p:pic>
         <p:nvPicPr>
-          <p:cNvPr id="12" name="Object 11"/>
-          <p:cNvPicPr>
-            <a:picLocks noChangeAspect="1"/>
-          </p:cNvPicPr>
-          <p:nvPr/>
-        </p:nvPicPr>
-        <p:blipFill>
-          <a:blip r:embed="rId6" cstate="print"/>
-          <a:stretch>
-            <a:fillRect/>
-          </a:stretch>
-        </p:blipFill>
-        <p:spPr>
-          <a:xfrm>
-            <a:off x="2063278" y="7905459"/>
-            <a:ext cx="2629345" cy="817136"/>
-          </a:xfrm>
-          <a:prstGeom prst="rect">
-            <a:avLst/>
-          </a:prstGeom>
-        </p:spPr>
-      </p:pic>
-      <p:grpSp>
-        <p:nvGrpSpPr>
-          <p:cNvPr id="1004" name="그룹 1004"/>
-          <p:cNvGrpSpPr/>
-          <p:nvPr/>
-        </p:nvGrpSpPr>
-        <p:grpSpPr>
-          <a:xfrm>
-            <a:off x="1579915" y="7962990"/>
-            <a:ext cx="476833" cy="525649"/>
-            <a:chOff x="1579915" y="7962990"/>
-            <a:chExt cx="476833" cy="525649"/>
-          </a:xfrm>
-        </p:grpSpPr>
-        <p:pic>
-          <p:nvPicPr>
-            <p:cNvPr id="14" name="Object 13"/>
-            <p:cNvPicPr>
-              <a:picLocks noChangeAspect="1"/>
-            </p:cNvPicPr>
-            <p:nvPr/>
-          </p:nvPicPr>
-          <p:blipFill>
-            <a:blip r:embed="rId7" cstate="print"/>
-            <a:stretch>
-              <a:fillRect/>
-            </a:stretch>
-          </p:blipFill>
-          <p:spPr>
-            <a:xfrm>
-              <a:off x="1579915" y="7962990"/>
-              <a:ext cx="476833" cy="525649"/>
-            </a:xfrm>
-            <a:prstGeom prst="rect">
-              <a:avLst/>
-            </a:prstGeom>
-          </p:spPr>
-        </p:pic>
-      </p:grpSp>
-      <p:pic>
-        <p:nvPicPr>
-          <p:cNvPr id="16" name="Object 15"/>
-          <p:cNvPicPr>
-            <a:picLocks noChangeAspect="1"/>
-          </p:cNvPicPr>
-          <p:nvPr/>
-        </p:nvPicPr>
-        <p:blipFill>
-          <a:blip r:embed="rId8" cstate="print"/>
-          <a:stretch>
-            <a:fillRect/>
-          </a:stretch>
-        </p:blipFill>
-        <p:spPr>
-          <a:xfrm>
-            <a:off x="6305019" y="6074251"/>
-            <a:ext cx="8253119" cy="550938"/>
-          </a:xfrm>
-          <a:prstGeom prst="rect">
-            <a:avLst/>
-          </a:prstGeom>
-        </p:spPr>
-      </p:pic>
-      <p:pic>
-        <p:nvPicPr>
-          <p:cNvPr id="17" name="Object 16"/>
-          <p:cNvPicPr>
-            <a:picLocks noChangeAspect="1"/>
-          </p:cNvPicPr>
-          <p:nvPr/>
-        </p:nvPicPr>
-        <p:blipFill>
-          <a:blip r:embed="rId9" cstate="print"/>
-          <a:stretch>
-            <a:fillRect/>
-          </a:stretch>
-        </p:blipFill>
-        <p:spPr>
-          <a:xfrm>
-            <a:off x="6305019" y="7766411"/>
-            <a:ext cx="11108728" cy="1109271"/>
-          </a:xfrm>
-          <a:prstGeom prst="rect">
-            <a:avLst/>
-          </a:prstGeom>
-        </p:spPr>
-      </p:pic>
-      <p:grpSp>
-        <p:nvGrpSpPr>
-          <p:cNvPr id="1005" name="그룹 1005"/>
-          <p:cNvGrpSpPr/>
-          <p:nvPr/>
-        </p:nvGrpSpPr>
-        <p:grpSpPr>
-          <a:xfrm>
-            <a:off x="715476" y="3382412"/>
-            <a:ext cx="16854762" cy="121855"/>
-            <a:chOff x="715476" y="3382412"/>
-            <a:chExt cx="16854762" cy="121855"/>
-          </a:xfrm>
-        </p:grpSpPr>
-        <p:pic>
-          <p:nvPicPr>
-            <p:cNvPr id="19" name="Object 18"/>
-            <p:cNvPicPr>
-              <a:picLocks noChangeAspect="1"/>
-            </p:cNvPicPr>
-            <p:nvPr/>
-          </p:nvPicPr>
-          <p:blipFill>
-            <a:blip r:embed="rId10" cstate="print"/>
-            <a:stretch>
-              <a:fillRect/>
-            </a:stretch>
-          </p:blipFill>
-          <p:spPr>
-            <a:xfrm rot="-10800000">
-              <a:off x="715476" y="3382412"/>
-              <a:ext cx="16854762" cy="121855"/>
-            </a:xfrm>
-            <a:prstGeom prst="rect">
-              <a:avLst/>
-            </a:prstGeom>
-          </p:spPr>
-        </p:pic>
-      </p:grpSp>
-      <p:pic>
-        <p:nvPicPr>
-          <p:cNvPr id="21" name="Object 20"/>
-          <p:cNvPicPr>
-            <a:picLocks noChangeAspect="1"/>
-          </p:cNvPicPr>
-          <p:nvPr/>
-        </p:nvPicPr>
-        <p:blipFill>
-          <a:blip r:embed="rId11" cstate="print"/>
-          <a:stretch>
-            <a:fillRect/>
-          </a:stretch>
-        </p:blipFill>
-        <p:spPr>
-          <a:xfrm>
-            <a:off x="2231659" y="2022701"/>
-            <a:ext cx="2470269" cy="817136"/>
-          </a:xfrm>
-          <a:prstGeom prst="rect">
-            <a:avLst/>
-          </a:prstGeom>
-        </p:spPr>
-      </p:pic>
-      <p:pic>
-        <p:nvPicPr>
-          <p:cNvPr id="22" name="Object 21"/>
+          <p:cNvPr id="30" name="Object 29"/>
           <p:cNvPicPr>
             <a:picLocks noChangeAspect="1"/>
           </p:cNvPicPr>
@@ -6428,8 +5779,8 @@
         </p:blipFill>
         <p:spPr>
           <a:xfrm>
-            <a:off x="6305019" y="2145118"/>
-            <a:ext cx="10785233" cy="550938"/>
+            <a:off x="5752544" y="6841563"/>
+            <a:ext cx="2259159" cy="997892"/>
           </a:xfrm>
           <a:prstGeom prst="rect">
             <a:avLst/>
@@ -6438,7 +5789,7 @@
       </p:pic>
       <p:pic>
         <p:nvPicPr>
-          <p:cNvPr id="23" name="Object 22"/>
+          <p:cNvPr id="31" name="Object 30"/>
           <p:cNvPicPr>
             <a:picLocks noChangeAspect="1"/>
           </p:cNvPicPr>
@@ -6452,8 +5803,8 @@
         </p:blipFill>
         <p:spPr>
           <a:xfrm>
-            <a:off x="2114202" y="3810005"/>
-            <a:ext cx="2934222" cy="1313832"/>
+            <a:off x="1656144" y="6841563"/>
+            <a:ext cx="2259159" cy="997892"/>
           </a:xfrm>
           <a:prstGeom prst="rect">
             <a:avLst/>
@@ -6462,7 +5813,7 @@
       </p:pic>
       <p:pic>
         <p:nvPicPr>
-          <p:cNvPr id="24" name="Object 23"/>
+          <p:cNvPr id="32" name="Object 31"/>
           <p:cNvPicPr>
             <a:picLocks noChangeAspect="1"/>
           </p:cNvPicPr>
@@ -6476,202 +5827,439 @@
         </p:blipFill>
         <p:spPr>
           <a:xfrm>
-            <a:off x="6305019" y="3783932"/>
-            <a:ext cx="10979148" cy="1109271"/>
+            <a:off x="10057696" y="6931001"/>
+            <a:ext cx="2214835" cy="983673"/>
           </a:xfrm>
           <a:prstGeom prst="rect">
             <a:avLst/>
           </a:prstGeom>
         </p:spPr>
       </p:pic>
-      <p:grpSp>
-        <p:nvGrpSpPr>
-          <p:cNvPr id="1006" name="그룹 1006"/>
-          <p:cNvGrpSpPr/>
-          <p:nvPr/>
-        </p:nvGrpSpPr>
-        <p:grpSpPr>
-          <a:xfrm>
-            <a:off x="729776" y="9352381"/>
-            <a:ext cx="16813081" cy="247619"/>
-            <a:chOff x="729776" y="9352381"/>
-            <a:chExt cx="16813081" cy="247619"/>
-          </a:xfrm>
-        </p:grpSpPr>
-        <p:pic>
-          <p:nvPicPr>
-            <p:cNvPr id="26" name="Object 25"/>
-            <p:cNvPicPr>
-              <a:picLocks noChangeAspect="1"/>
-            </p:cNvPicPr>
-            <p:nvPr/>
-          </p:nvPicPr>
-          <p:blipFill>
-            <a:blip r:embed="rId15" cstate="print"/>
+      <p:pic>
+        <p:nvPicPr>
+          <p:cNvPr id="33" name="Object 32"/>
+          <p:cNvPicPr>
+            <a:picLocks noChangeAspect="1"/>
+          </p:cNvPicPr>
+          <p:nvPr/>
+        </p:nvPicPr>
+        <p:blipFill>
+          <a:blip r:embed="rId15" cstate="print"/>
+          <a:stretch>
+            <a:fillRect/>
+          </a:stretch>
+        </p:blipFill>
+        <p:spPr>
+          <a:xfrm>
+            <a:off x="14121982" y="6931001"/>
+            <a:ext cx="2215283" cy="975749"/>
+          </a:xfrm>
+          <a:prstGeom prst="rect">
+            <a:avLst/>
+          </a:prstGeom>
+        </p:spPr>
+      </p:pic>
+      <p:pic>
+        <p:nvPicPr>
+          <p:cNvPr id="34" name="Object 33"/>
+          <p:cNvPicPr>
+            <a:picLocks noChangeAspect="1"/>
+          </p:cNvPicPr>
+          <p:nvPr/>
+        </p:nvPicPr>
+        <p:blipFill>
+          <a:blip r:embed="rId16" cstate="print"/>
+          <a:stretch>
+            <a:fillRect/>
+          </a:stretch>
+        </p:blipFill>
+        <p:spPr>
+          <a:xfrm>
+            <a:off x="5590760" y="7673907"/>
+            <a:ext cx="2740088" cy="1258846"/>
+          </a:xfrm>
+          <a:prstGeom prst="rect">
+            <a:avLst/>
+          </a:prstGeom>
+        </p:spPr>
+      </p:pic>
+      <p:pic>
+        <p:nvPicPr>
+          <p:cNvPr id="35" name="Object 34"/>
+          <p:cNvPicPr>
+            <a:picLocks noChangeAspect="1"/>
+          </p:cNvPicPr>
+          <p:nvPr/>
+        </p:nvPicPr>
+        <p:blipFill>
+          <a:blip r:embed="rId17" cstate="print"/>
+          <a:stretch>
+            <a:fillRect/>
+          </a:stretch>
+        </p:blipFill>
+        <p:spPr>
+          <a:xfrm>
+            <a:off x="1551502" y="7714596"/>
+            <a:ext cx="2832060" cy="1177693"/>
+          </a:xfrm>
+          <a:prstGeom prst="rect">
+            <a:avLst/>
+          </a:prstGeom>
+        </p:spPr>
+      </p:pic>
+      <p:pic>
+        <p:nvPicPr>
+          <p:cNvPr id="36" name="Object 35"/>
+          <p:cNvPicPr>
+            <a:picLocks noChangeAspect="1"/>
+          </p:cNvPicPr>
+          <p:nvPr/>
+        </p:nvPicPr>
+        <p:blipFill>
+          <a:blip r:embed="rId18" cstate="print"/>
+          <a:stretch>
+            <a:fillRect/>
+          </a:stretch>
+        </p:blipFill>
+        <p:spPr>
+          <a:xfrm>
+            <a:off x="9926339" y="8083558"/>
+            <a:ext cx="2223955" cy="469484"/>
+          </a:xfrm>
+          <a:prstGeom prst="rect">
+            <a:avLst/>
+          </a:prstGeom>
+        </p:spPr>
+      </p:pic>
+      <p:pic>
+        <p:nvPicPr>
+          <p:cNvPr id="37" name="Object 36"/>
+          <p:cNvPicPr>
+            <a:picLocks noChangeAspect="1"/>
+          </p:cNvPicPr>
+          <p:nvPr/>
+        </p:nvPicPr>
+        <p:blipFill>
+          <a:blip r:embed="rId19" cstate="print"/>
+          <a:stretch>
+            <a:fillRect/>
+          </a:stretch>
+        </p:blipFill>
+        <p:spPr>
+          <a:xfrm>
+            <a:off x="14118863" y="8152939"/>
+            <a:ext cx="2599783" cy="388303"/>
+          </a:xfrm>
+          <a:prstGeom prst="rect">
+            <a:avLst/>
+          </a:prstGeom>
+        </p:spPr>
+      </p:pic>
+      <p:grpSp>
+        <p:nvGrpSpPr>
+          <p:cNvPr id="1010" name="그룹 1010"/>
+          <p:cNvGrpSpPr/>
+          <p:nvPr/>
+        </p:nvGrpSpPr>
+        <p:grpSpPr>
+          <a:xfrm>
+            <a:off x="715476" y="4163364"/>
+            <a:ext cx="16854762" cy="121855"/>
+            <a:chOff x="715476" y="4163364"/>
+            <a:chExt cx="16854762" cy="121855"/>
+          </a:xfrm>
+        </p:grpSpPr>
+        <p:pic>
+          <p:nvPicPr>
+            <p:cNvPr id="39" name="Object 38"/>
+            <p:cNvPicPr>
+              <a:picLocks noChangeAspect="1"/>
+            </p:cNvPicPr>
+            <p:nvPr/>
+          </p:nvPicPr>
+          <p:blipFill>
+            <a:blip r:embed="rId20" cstate="print"/>
+            <a:stretch>
+              <a:fillRect/>
+            </a:stretch>
+          </p:blipFill>
+          <p:spPr>
+            <a:xfrm rot="-10800000">
+              <a:off x="715476" y="4163364"/>
+              <a:ext cx="16854762" cy="121855"/>
+            </a:xfrm>
+            <a:prstGeom prst="rect">
+              <a:avLst/>
+            </a:prstGeom>
+          </p:spPr>
+        </p:pic>
+      </p:grpSp>
+      <p:grpSp>
+        <p:nvGrpSpPr>
+          <p:cNvPr id="1011" name="그룹 1011"/>
+          <p:cNvGrpSpPr/>
+          <p:nvPr/>
+        </p:nvGrpSpPr>
+        <p:grpSpPr>
+          <a:xfrm>
+            <a:off x="2253402" y="6855475"/>
+            <a:ext cx="5367196" cy="121855"/>
+            <a:chOff x="2253402" y="6855475"/>
+            <a:chExt cx="5367196" cy="121855"/>
+          </a:xfrm>
+        </p:grpSpPr>
+        <p:pic>
+          <p:nvPicPr>
+            <p:cNvPr id="42" name="Object 41"/>
+            <p:cNvPicPr>
+              <a:picLocks noChangeAspect="1"/>
+            </p:cNvPicPr>
+            <p:nvPr/>
+          </p:nvPicPr>
+          <p:blipFill>
+            <a:blip r:embed="rId21" cstate="print"/>
+            <a:stretch>
+              <a:fillRect/>
+            </a:stretch>
+          </p:blipFill>
+          <p:spPr>
+            <a:xfrm rot="-5400000">
+              <a:off x="2253402" y="6855475"/>
+              <a:ext cx="5367196" cy="121855"/>
+            </a:xfrm>
+            <a:prstGeom prst="rect">
+              <a:avLst/>
+            </a:prstGeom>
+          </p:spPr>
+        </p:pic>
+      </p:grpSp>
+      <p:grpSp>
+        <p:nvGrpSpPr>
+          <p:cNvPr id="1012" name="그룹 1012"/>
+          <p:cNvGrpSpPr/>
+          <p:nvPr/>
+        </p:nvGrpSpPr>
+        <p:grpSpPr>
+          <a:xfrm>
+            <a:off x="6448677" y="6844893"/>
+            <a:ext cx="5388360" cy="121855"/>
+            <a:chOff x="6448677" y="6844893"/>
+            <a:chExt cx="5388360" cy="121855"/>
+          </a:xfrm>
+        </p:grpSpPr>
+        <p:pic>
+          <p:nvPicPr>
+            <p:cNvPr id="45" name="Object 44"/>
+            <p:cNvPicPr>
+              <a:picLocks noChangeAspect="1"/>
+            </p:cNvPicPr>
+            <p:nvPr/>
+          </p:nvPicPr>
+          <p:blipFill>
+            <a:blip r:embed="rId22" cstate="print"/>
+            <a:stretch>
+              <a:fillRect/>
+            </a:stretch>
+          </p:blipFill>
+          <p:spPr>
+            <a:xfrm rot="-5400000">
+              <a:off x="6448677" y="6844893"/>
+              <a:ext cx="5388360" cy="121855"/>
+            </a:xfrm>
+            <a:prstGeom prst="rect">
+              <a:avLst/>
+            </a:prstGeom>
+          </p:spPr>
+        </p:pic>
+      </p:grpSp>
+      <p:grpSp>
+        <p:nvGrpSpPr>
+          <p:cNvPr id="1013" name="그룹 1013"/>
+          <p:cNvGrpSpPr/>
+          <p:nvPr/>
+        </p:nvGrpSpPr>
+        <p:grpSpPr>
+          <a:xfrm>
+            <a:off x="10659825" y="6850184"/>
+            <a:ext cx="5377778" cy="121855"/>
+            <a:chOff x="10659825" y="6850184"/>
+            <a:chExt cx="5377778" cy="121855"/>
+          </a:xfrm>
+        </p:grpSpPr>
+        <p:pic>
+          <p:nvPicPr>
+            <p:cNvPr id="48" name="Object 47"/>
+            <p:cNvPicPr>
+              <a:picLocks noChangeAspect="1"/>
+            </p:cNvPicPr>
+            <p:nvPr/>
+          </p:nvPicPr>
+          <p:blipFill>
+            <a:blip r:embed="rId23" cstate="print"/>
+            <a:stretch>
+              <a:fillRect/>
+            </a:stretch>
+          </p:blipFill>
+          <p:spPr>
+            <a:xfrm rot="-5400000">
+              <a:off x="10659825" y="6850184"/>
+              <a:ext cx="5377778" cy="121855"/>
+            </a:xfrm>
+            <a:prstGeom prst="rect">
+              <a:avLst/>
+            </a:prstGeom>
+          </p:spPr>
+        </p:pic>
+      </p:grpSp>
+      <p:grpSp>
+        <p:nvGrpSpPr>
+          <p:cNvPr id="1014" name="그룹 1014"/>
+          <p:cNvGrpSpPr/>
+          <p:nvPr/>
+        </p:nvGrpSpPr>
+        <p:grpSpPr>
+          <a:xfrm>
+            <a:off x="2614581" y="4743650"/>
+            <a:ext cx="433038" cy="346182"/>
+            <a:chOff x="2614581" y="4743650"/>
+            <a:chExt cx="433038" cy="346182"/>
+          </a:xfrm>
+        </p:grpSpPr>
+        <p:pic>
+          <p:nvPicPr>
+            <p:cNvPr id="51" name="Object 50"/>
+            <p:cNvPicPr>
+              <a:picLocks noChangeAspect="1"/>
+            </p:cNvPicPr>
+            <p:nvPr/>
+          </p:nvPicPr>
+          <p:blipFill>
+            <a:blip r:embed="rId24" cstate="print"/>
             <a:stretch>
               <a:fillRect/>
             </a:stretch>
           </p:blipFill>
           <p:spPr>
             <a:xfrm>
-              <a:off x="729776" y="9352381"/>
-              <a:ext cx="16813081" cy="247619"/>
-            </a:xfrm>
-            <a:prstGeom prst="rect">
-              <a:avLst/>
-            </a:prstGeom>
-          </p:spPr>
-        </p:pic>
-      </p:grpSp>
-      <p:grpSp>
-        <p:nvGrpSpPr>
-          <p:cNvPr id="1007" name="그룹 1007"/>
-          <p:cNvGrpSpPr/>
-          <p:nvPr/>
-        </p:nvGrpSpPr>
-        <p:grpSpPr>
-          <a:xfrm>
-            <a:off x="1854964" y="5416868"/>
-            <a:ext cx="8053932" cy="121855"/>
-            <a:chOff x="1854964" y="5416868"/>
-            <a:chExt cx="8053932" cy="121855"/>
-          </a:xfrm>
-        </p:grpSpPr>
-        <p:pic>
-          <p:nvPicPr>
-            <p:cNvPr id="29" name="Object 28"/>
-            <p:cNvPicPr>
-              <a:picLocks noChangeAspect="1"/>
-            </p:cNvPicPr>
-            <p:nvPr/>
-          </p:nvPicPr>
-          <p:blipFill>
-            <a:blip r:embed="rId16" cstate="print"/>
-            <a:stretch>
-              <a:fillRect/>
-            </a:stretch>
-          </p:blipFill>
-          <p:spPr>
-            <a:xfrm rot="-5400000">
-              <a:off x="1854964" y="5416868"/>
-              <a:ext cx="8053932" cy="121855"/>
-            </a:xfrm>
-            <a:prstGeom prst="rect">
-              <a:avLst/>
-            </a:prstGeom>
-          </p:spPr>
-        </p:pic>
-      </p:grpSp>
-      <p:grpSp>
-        <p:nvGrpSpPr>
-          <p:cNvPr id="1008" name="그룹 1008"/>
-          <p:cNvGrpSpPr/>
-          <p:nvPr/>
-        </p:nvGrpSpPr>
-        <p:grpSpPr>
-          <a:xfrm>
-            <a:off x="1589439" y="6076516"/>
-            <a:ext cx="476833" cy="525649"/>
-            <a:chOff x="1589439" y="6076516"/>
-            <a:chExt cx="476833" cy="525649"/>
-          </a:xfrm>
-        </p:grpSpPr>
-        <p:pic>
-          <p:nvPicPr>
-            <p:cNvPr id="32" name="Object 31"/>
-            <p:cNvPicPr>
-              <a:picLocks noChangeAspect="1"/>
-            </p:cNvPicPr>
-            <p:nvPr/>
-          </p:nvPicPr>
-          <p:blipFill>
-            <a:blip r:embed="rId17" cstate="print"/>
+              <a:off x="2614581" y="4743650"/>
+              <a:ext cx="433038" cy="346182"/>
+            </a:xfrm>
+            <a:prstGeom prst="rect">
+              <a:avLst/>
+            </a:prstGeom>
+          </p:spPr>
+        </p:pic>
+      </p:grpSp>
+      <p:grpSp>
+        <p:nvGrpSpPr>
+          <p:cNvPr id="1015" name="그룹 1015"/>
+          <p:cNvGrpSpPr/>
+          <p:nvPr/>
+        </p:nvGrpSpPr>
+        <p:grpSpPr>
+          <a:xfrm>
+            <a:off x="6770868" y="4743650"/>
+            <a:ext cx="433038" cy="346182"/>
+            <a:chOff x="6770868" y="4743650"/>
+            <a:chExt cx="433038" cy="346182"/>
+          </a:xfrm>
+        </p:grpSpPr>
+        <p:pic>
+          <p:nvPicPr>
+            <p:cNvPr id="54" name="Object 53"/>
+            <p:cNvPicPr>
+              <a:picLocks noChangeAspect="1"/>
+            </p:cNvPicPr>
+            <p:nvPr/>
+          </p:nvPicPr>
+          <p:blipFill>
+            <a:blip r:embed="rId25" cstate="print"/>
             <a:stretch>
               <a:fillRect/>
             </a:stretch>
           </p:blipFill>
           <p:spPr>
             <a:xfrm>
-              <a:off x="1589439" y="6076516"/>
-              <a:ext cx="476833" cy="525649"/>
-            </a:xfrm>
-            <a:prstGeom prst="rect">
-              <a:avLst/>
-            </a:prstGeom>
-          </p:spPr>
-        </p:pic>
-      </p:grpSp>
-      <p:grpSp>
-        <p:nvGrpSpPr>
-          <p:cNvPr id="1009" name="그룹 1009"/>
-          <p:cNvGrpSpPr/>
-          <p:nvPr/>
-        </p:nvGrpSpPr>
-        <p:grpSpPr>
-          <a:xfrm>
-            <a:off x="1579915" y="4061237"/>
-            <a:ext cx="476833" cy="525649"/>
-            <a:chOff x="1579915" y="4061237"/>
-            <a:chExt cx="476833" cy="525649"/>
-          </a:xfrm>
-        </p:grpSpPr>
-        <p:pic>
-          <p:nvPicPr>
-            <p:cNvPr id="35" name="Object 34"/>
-            <p:cNvPicPr>
-              <a:picLocks noChangeAspect="1"/>
-            </p:cNvPicPr>
-            <p:nvPr/>
-          </p:nvPicPr>
-          <p:blipFill>
-            <a:blip r:embed="rId18" cstate="print"/>
+              <a:off x="6770868" y="4743650"/>
+              <a:ext cx="433038" cy="346182"/>
+            </a:xfrm>
+            <a:prstGeom prst="rect">
+              <a:avLst/>
+            </a:prstGeom>
+          </p:spPr>
+        </p:pic>
+      </p:grpSp>
+      <p:grpSp>
+        <p:nvGrpSpPr>
+          <p:cNvPr id="1016" name="그룹 1016"/>
+          <p:cNvGrpSpPr/>
+          <p:nvPr/>
+        </p:nvGrpSpPr>
+        <p:grpSpPr>
+          <a:xfrm>
+            <a:off x="10984791" y="4743650"/>
+            <a:ext cx="433038" cy="346182"/>
+            <a:chOff x="10984791" y="4743650"/>
+            <a:chExt cx="433038" cy="346182"/>
+          </a:xfrm>
+        </p:grpSpPr>
+        <p:pic>
+          <p:nvPicPr>
+            <p:cNvPr id="57" name="Object 56"/>
+            <p:cNvPicPr>
+              <a:picLocks noChangeAspect="1"/>
+            </p:cNvPicPr>
+            <p:nvPr/>
+          </p:nvPicPr>
+          <p:blipFill>
+            <a:blip r:embed="rId26" cstate="print"/>
             <a:stretch>
               <a:fillRect/>
             </a:stretch>
           </p:blipFill>
           <p:spPr>
             <a:xfrm>
-              <a:off x="1579915" y="4061237"/>
-              <a:ext cx="476833" cy="525649"/>
-            </a:xfrm>
-            <a:prstGeom prst="rect">
-              <a:avLst/>
-            </a:prstGeom>
-          </p:spPr>
-        </p:pic>
-      </p:grpSp>
-      <p:grpSp>
-        <p:nvGrpSpPr>
-          <p:cNvPr id="1010" name="그룹 1010"/>
-          <p:cNvGrpSpPr/>
-          <p:nvPr/>
-        </p:nvGrpSpPr>
-        <p:grpSpPr>
-          <a:xfrm>
-            <a:off x="1589439" y="2165239"/>
-            <a:ext cx="476833" cy="525649"/>
-            <a:chOff x="1589439" y="2165239"/>
-            <a:chExt cx="476833" cy="525649"/>
-          </a:xfrm>
-        </p:grpSpPr>
-        <p:pic>
-          <p:nvPicPr>
-            <p:cNvPr id="38" name="Object 37"/>
-            <p:cNvPicPr>
-              <a:picLocks noChangeAspect="1"/>
-            </p:cNvPicPr>
-            <p:nvPr/>
-          </p:nvPicPr>
-          <p:blipFill>
-            <a:blip r:embed="rId19" cstate="print"/>
+              <a:off x="10984791" y="4743650"/>
+              <a:ext cx="433038" cy="346182"/>
+            </a:xfrm>
+            <a:prstGeom prst="rect">
+              <a:avLst/>
+            </a:prstGeom>
+          </p:spPr>
+        </p:pic>
+      </p:grpSp>
+      <p:grpSp>
+        <p:nvGrpSpPr>
+          <p:cNvPr id="1017" name="그룹 1017"/>
+          <p:cNvGrpSpPr/>
+          <p:nvPr/>
+        </p:nvGrpSpPr>
+        <p:grpSpPr>
+          <a:xfrm>
+            <a:off x="15131555" y="4743650"/>
+            <a:ext cx="433038" cy="346182"/>
+            <a:chOff x="15131555" y="4743650"/>
+            <a:chExt cx="433038" cy="346182"/>
+          </a:xfrm>
+        </p:grpSpPr>
+        <p:pic>
+          <p:nvPicPr>
+            <p:cNvPr id="60" name="Object 59"/>
+            <p:cNvPicPr>
+              <a:picLocks noChangeAspect="1"/>
+            </p:cNvPicPr>
+            <p:nvPr/>
+          </p:nvPicPr>
+          <p:blipFill>
+            <a:blip r:embed="rId27" cstate="print"/>
             <a:stretch>
               <a:fillRect/>
             </a:stretch>
           </p:blipFill>
           <p:spPr>
             <a:xfrm>
-              <a:off x="1589439" y="2165239"/>
-              <a:ext cx="476833" cy="525649"/>
+              <a:off x="15131555" y="4743650"/>
+              <a:ext cx="433038" cy="346182"/>
             </a:xfrm>
             <a:prstGeom prst="rect">
               <a:avLst/>
@@ -6751,69 +6339,69 @@
           </p:spPr>
         </p:pic>
       </p:grpSp>
-      <p:grpSp>
-        <p:nvGrpSpPr>
-          <p:cNvPr id="1002" name="그룹 1002"/>
-          <p:cNvGrpSpPr/>
-          <p:nvPr/>
-        </p:nvGrpSpPr>
-        <p:grpSpPr>
-          <a:xfrm>
-            <a:off x="12653968" y="6602960"/>
-            <a:ext cx="3817273" cy="1270849"/>
-            <a:chOff x="12653968" y="6602960"/>
-            <a:chExt cx="3817273" cy="1270849"/>
-          </a:xfrm>
-        </p:grpSpPr>
-        <p:pic>
-          <p:nvPicPr>
-            <p:cNvPr id="6" name="Object 5"/>
-            <p:cNvPicPr>
-              <a:picLocks noChangeAspect="1"/>
-            </p:cNvPicPr>
-            <p:nvPr/>
-          </p:nvPicPr>
-          <p:blipFill>
-            <a:blip r:embed="rId3" cstate="print"/>
-            <a:stretch>
-              <a:fillRect/>
-            </a:stretch>
-          </p:blipFill>
-          <p:spPr>
-            <a:xfrm>
-              <a:off x="12653968" y="6602960"/>
-              <a:ext cx="3817273" cy="1270849"/>
-            </a:xfrm>
-            <a:prstGeom prst="rect">
-              <a:avLst/>
-            </a:prstGeom>
-          </p:spPr>
-        </p:pic>
-      </p:grpSp>
       <p:pic>
         <p:nvPicPr>
-          <p:cNvPr id="8" name="Object 7"/>
+          <p:cNvPr id="5" name="Object 4"/>
           <p:cNvPicPr>
             <a:picLocks noChangeAspect="1"/>
           </p:cNvPicPr>
           <p:nvPr/>
         </p:nvPicPr>
         <p:blipFill>
-          <a:blip r:embed="rId4" cstate="print"/>
+          <a:blip r:embed="rId3" cstate="print"/>
           <a:stretch>
             <a:fillRect/>
           </a:stretch>
         </p:blipFill>
         <p:spPr>
           <a:xfrm>
-            <a:off x="1277680" y="3312161"/>
-            <a:ext cx="14504203" cy="3705993"/>
+            <a:off x="11340344" y="3002592"/>
+            <a:ext cx="6548128" cy="5982747"/>
           </a:xfrm>
           <a:prstGeom prst="rect">
             <a:avLst/>
           </a:prstGeom>
         </p:spPr>
       </p:pic>
+      <p:grpSp>
+        <p:nvGrpSpPr>
+          <p:cNvPr id="1002" name="그룹 1002"/>
+          <p:cNvGrpSpPr/>
+          <p:nvPr/>
+        </p:nvGrpSpPr>
+        <p:grpSpPr>
+          <a:xfrm>
+            <a:off x="742857" y="9352381"/>
+            <a:ext cx="16800000" cy="247619"/>
+            <a:chOff x="742857" y="9352381"/>
+            <a:chExt cx="16800000" cy="247619"/>
+          </a:xfrm>
+        </p:grpSpPr>
+        <p:pic>
+          <p:nvPicPr>
+            <p:cNvPr id="7" name="Object 6"/>
+            <p:cNvPicPr>
+              <a:picLocks noChangeAspect="1"/>
+            </p:cNvPicPr>
+            <p:nvPr/>
+          </p:nvPicPr>
+          <p:blipFill>
+            <a:blip r:embed="rId4" cstate="print"/>
+            <a:stretch>
+              <a:fillRect/>
+            </a:stretch>
+          </p:blipFill>
+          <p:spPr>
+            <a:xfrm>
+              <a:off x="742857" y="9352381"/>
+              <a:ext cx="16800000" cy="247619"/>
+            </a:xfrm>
+            <a:prstGeom prst="rect">
+              <a:avLst/>
+            </a:prstGeom>
+          </p:spPr>
+        </p:pic>
+      </p:grpSp>
       <p:pic>
         <p:nvPicPr>
           <p:cNvPr id="9" name="Object 8"/>
@@ -6830,8 +6418,260 @@
         </p:blipFill>
         <p:spPr>
           <a:xfrm>
-            <a:off x="1583195" y="2246595"/>
-            <a:ext cx="4831277" cy="2233620"/>
+            <a:off x="1790045" y="3774235"/>
+            <a:ext cx="3152155" cy="2115402"/>
+          </a:xfrm>
+          <a:prstGeom prst="rect">
+            <a:avLst/>
+          </a:prstGeom>
+        </p:spPr>
+      </p:pic>
+      <p:grpSp>
+        <p:nvGrpSpPr>
+          <p:cNvPr id="1003" name="그룹 1003"/>
+          <p:cNvGrpSpPr/>
+          <p:nvPr/>
+        </p:nvGrpSpPr>
+        <p:grpSpPr>
+          <a:xfrm>
+            <a:off x="1199271" y="4009524"/>
+            <a:ext cx="4924539" cy="1752381"/>
+            <a:chOff x="1199271" y="4009524"/>
+            <a:chExt cx="4924539" cy="1752381"/>
+          </a:xfrm>
+        </p:grpSpPr>
+        <p:pic>
+          <p:nvPicPr>
+            <p:cNvPr id="11" name="Object 10"/>
+            <p:cNvPicPr>
+              <a:picLocks noChangeAspect="1"/>
+            </p:cNvPicPr>
+            <p:nvPr/>
+          </p:nvPicPr>
+          <p:blipFill>
+            <a:blip r:embed="rId6" cstate="print"/>
+            <a:stretch>
+              <a:fillRect/>
+            </a:stretch>
+          </p:blipFill>
+          <p:spPr>
+            <a:xfrm rot="-300000">
+              <a:off x="1199271" y="4009524"/>
+              <a:ext cx="4924539" cy="1752381"/>
+            </a:xfrm>
+            <a:prstGeom prst="rect">
+              <a:avLst/>
+            </a:prstGeom>
+          </p:spPr>
+        </p:pic>
+      </p:grpSp>
+      <p:grpSp>
+        <p:nvGrpSpPr>
+          <p:cNvPr id="1004" name="그룹 1004"/>
+          <p:cNvGrpSpPr/>
+          <p:nvPr/>
+        </p:nvGrpSpPr>
+        <p:grpSpPr>
+          <a:xfrm>
+            <a:off x="15808888" y="2271402"/>
+            <a:ext cx="708876" cy="566693"/>
+            <a:chOff x="15808888" y="2271402"/>
+            <a:chExt cx="708876" cy="566693"/>
+          </a:xfrm>
+        </p:grpSpPr>
+        <p:pic>
+          <p:nvPicPr>
+            <p:cNvPr id="14" name="Object 13"/>
+            <p:cNvPicPr>
+              <a:picLocks noChangeAspect="1"/>
+            </p:cNvPicPr>
+            <p:nvPr/>
+          </p:nvPicPr>
+          <p:blipFill>
+            <a:blip r:embed="rId7" cstate="print"/>
+            <a:stretch>
+              <a:fillRect/>
+            </a:stretch>
+          </p:blipFill>
+          <p:spPr>
+            <a:xfrm rot="-10800000">
+              <a:off x="15808888" y="2271402"/>
+              <a:ext cx="708876" cy="566693"/>
+            </a:xfrm>
+            <a:prstGeom prst="rect">
+              <a:avLst/>
+            </a:prstGeom>
+          </p:spPr>
+        </p:pic>
+      </p:grpSp>
+    </p:spTree>
+  </p:cSld>
+  <p:clrMapOvr>
+    <a:masterClrMapping/>
+  </p:clrMapOvr>
+</p:sld>
+</file>
+
+<file path=ppt/slides/slide19.xml><?xml version="1.0" encoding="utf-8"?>
+<p:sld xmlns:a="http://schemas.openxmlformats.org/drawingml/2006/main" xmlns:r="http://schemas.openxmlformats.org/officeDocument/2006/relationships" xmlns:p="http://schemas.openxmlformats.org/presentationml/2006/main">
+  <p:cSld name="Slide 19">
+    <p:bg>
+      <p:bgPr>
+        <a:solidFill>
+          <a:srgbClr val="FFFFFF"/>
+        </a:solidFill>
+        <a:effectLst/>
+      </p:bgPr>
+    </p:bg>
+    <p:spTree>
+      <p:nvGrpSpPr>
+        <p:cNvPr id="1" name=""/>
+        <p:cNvGrpSpPr/>
+        <p:nvPr/>
+      </p:nvGrpSpPr>
+      <p:grpSpPr>
+        <a:xfrm>
+          <a:off x="0" y="0"/>
+          <a:ext cx="0" cy="0"/>
+          <a:chOff x="0" y="0"/>
+          <a:chExt cx="0" cy="0"/>
+        </a:xfrm>
+      </p:grpSpPr>
+      <p:grpSp>
+        <p:nvGrpSpPr>
+          <p:cNvPr id="1001" name="그룹 1001"/>
+          <p:cNvGrpSpPr/>
+          <p:nvPr/>
+        </p:nvGrpSpPr>
+        <p:grpSpPr>
+          <a:xfrm>
+            <a:off x="705274" y="686772"/>
+            <a:ext cx="16875166" cy="8912169"/>
+            <a:chOff x="705274" y="686772"/>
+            <a:chExt cx="16875166" cy="8912169"/>
+          </a:xfrm>
+        </p:grpSpPr>
+        <p:pic>
+          <p:nvPicPr>
+            <p:cNvPr id="3" name="Object 2"/>
+            <p:cNvPicPr>
+              <a:picLocks noChangeAspect="1"/>
+            </p:cNvPicPr>
+            <p:nvPr/>
+          </p:nvPicPr>
+          <p:blipFill>
+            <a:blip r:embed="rId2" cstate="print"/>
+            <a:stretch>
+              <a:fillRect/>
+            </a:stretch>
+          </p:blipFill>
+          <p:spPr>
+            <a:xfrm>
+              <a:off x="705274" y="686772"/>
+              <a:ext cx="16875166" cy="8912169"/>
+            </a:xfrm>
+            <a:prstGeom prst="rect">
+              <a:avLst/>
+            </a:prstGeom>
+          </p:spPr>
+        </p:pic>
+      </p:grpSp>
+      <p:grpSp>
+        <p:nvGrpSpPr>
+          <p:cNvPr id="1002" name="그룹 1002"/>
+          <p:cNvGrpSpPr/>
+          <p:nvPr/>
+        </p:nvGrpSpPr>
+        <p:grpSpPr>
+          <a:xfrm>
+            <a:off x="726190" y="7319250"/>
+            <a:ext cx="16854762" cy="121855"/>
+            <a:chOff x="726190" y="7319250"/>
+            <a:chExt cx="16854762" cy="121855"/>
+          </a:xfrm>
+        </p:grpSpPr>
+        <p:pic>
+          <p:nvPicPr>
+            <p:cNvPr id="6" name="Object 5"/>
+            <p:cNvPicPr>
+              <a:picLocks noChangeAspect="1"/>
+            </p:cNvPicPr>
+            <p:nvPr/>
+          </p:nvPicPr>
+          <p:blipFill>
+            <a:blip r:embed="rId3" cstate="print"/>
+            <a:stretch>
+              <a:fillRect/>
+            </a:stretch>
+          </p:blipFill>
+          <p:spPr>
+            <a:xfrm rot="-10800000">
+              <a:off x="726190" y="7319250"/>
+              <a:ext cx="16854762" cy="121855"/>
+            </a:xfrm>
+            <a:prstGeom prst="rect">
+              <a:avLst/>
+            </a:prstGeom>
+          </p:spPr>
+        </p:pic>
+      </p:grpSp>
+      <p:grpSp>
+        <p:nvGrpSpPr>
+          <p:cNvPr id="1003" name="그룹 1003"/>
+          <p:cNvGrpSpPr/>
+          <p:nvPr/>
+        </p:nvGrpSpPr>
+        <p:grpSpPr>
+          <a:xfrm>
+            <a:off x="715476" y="5350831"/>
+            <a:ext cx="16854762" cy="121855"/>
+            <a:chOff x="715476" y="5350831"/>
+            <a:chExt cx="16854762" cy="121855"/>
+          </a:xfrm>
+        </p:grpSpPr>
+        <p:pic>
+          <p:nvPicPr>
+            <p:cNvPr id="9" name="Object 8"/>
+            <p:cNvPicPr>
+              <a:picLocks noChangeAspect="1"/>
+            </p:cNvPicPr>
+            <p:nvPr/>
+          </p:nvPicPr>
+          <p:blipFill>
+            <a:blip r:embed="rId4" cstate="print"/>
+            <a:stretch>
+              <a:fillRect/>
+            </a:stretch>
+          </p:blipFill>
+          <p:spPr>
+            <a:xfrm rot="-10800000">
+              <a:off x="715476" y="5350831"/>
+              <a:ext cx="16854762" cy="121855"/>
+            </a:xfrm>
+            <a:prstGeom prst="rect">
+              <a:avLst/>
+            </a:prstGeom>
+          </p:spPr>
+        </p:pic>
+      </p:grpSp>
+      <p:pic>
+        <p:nvPicPr>
+          <p:cNvPr id="11" name="Object 10"/>
+          <p:cNvPicPr>
+            <a:picLocks noChangeAspect="1"/>
+          </p:cNvPicPr>
+          <p:nvPr/>
+        </p:nvPicPr>
+        <p:blipFill>
+          <a:blip r:embed="rId5" cstate="print"/>
+          <a:stretch>
+            <a:fillRect/>
+          </a:stretch>
+        </p:blipFill>
+        <p:spPr>
+          <a:xfrm>
+            <a:off x="2114202" y="5886487"/>
+            <a:ext cx="2940098" cy="1286974"/>
           </a:xfrm>
           <a:prstGeom prst="rect">
             <a:avLst/>
@@ -6840,7 +6680,7 @@
       </p:pic>
       <p:pic>
         <p:nvPicPr>
-          <p:cNvPr id="10" name="Object 9"/>
+          <p:cNvPr id="12" name="Object 11"/>
           <p:cNvPicPr>
             <a:picLocks noChangeAspect="1"/>
           </p:cNvPicPr>
@@ -6854,109 +6694,424 @@
         </p:blipFill>
         <p:spPr>
           <a:xfrm>
-            <a:off x="1771916" y="6907325"/>
-            <a:ext cx="2426813" cy="738118"/>
+            <a:off x="2063278" y="7905459"/>
+            <a:ext cx="2629345" cy="817145"/>
           </a:xfrm>
           <a:prstGeom prst="rect">
             <a:avLst/>
           </a:prstGeom>
         </p:spPr>
       </p:pic>
+      <p:grpSp>
+        <p:nvGrpSpPr>
+          <p:cNvPr id="1004" name="그룹 1004"/>
+          <p:cNvGrpSpPr/>
+          <p:nvPr/>
+        </p:nvGrpSpPr>
+        <p:grpSpPr>
+          <a:xfrm>
+            <a:off x="1579915" y="7962990"/>
+            <a:ext cx="476833" cy="525649"/>
+            <a:chOff x="1579915" y="7962990"/>
+            <a:chExt cx="476833" cy="525649"/>
+          </a:xfrm>
+        </p:grpSpPr>
+        <p:pic>
+          <p:nvPicPr>
+            <p:cNvPr id="14" name="Object 13"/>
+            <p:cNvPicPr>
+              <a:picLocks noChangeAspect="1"/>
+            </p:cNvPicPr>
+            <p:nvPr/>
+          </p:nvPicPr>
+          <p:blipFill>
+            <a:blip r:embed="rId7" cstate="print"/>
+            <a:stretch>
+              <a:fillRect/>
+            </a:stretch>
+          </p:blipFill>
+          <p:spPr>
+            <a:xfrm>
+              <a:off x="1579915" y="7962990"/>
+              <a:ext cx="476833" cy="525649"/>
+            </a:xfrm>
+            <a:prstGeom prst="rect">
+              <a:avLst/>
+            </a:prstGeom>
+          </p:spPr>
+        </p:pic>
+      </p:grpSp>
       <p:pic>
         <p:nvPicPr>
-          <p:cNvPr id="11" name="Object 10"/>
+          <p:cNvPr id="16" name="Object 15"/>
           <p:cNvPicPr>
             <a:picLocks noChangeAspect="1"/>
           </p:cNvPicPr>
           <p:nvPr/>
         </p:nvPicPr>
         <p:blipFill>
-          <a:blip r:embed="rId7" cstate="print"/>
+          <a:blip r:embed="rId8" cstate="print"/>
           <a:stretch>
             <a:fillRect/>
           </a:stretch>
         </p:blipFill>
         <p:spPr>
           <a:xfrm>
-            <a:off x="13087603" y="6729713"/>
-            <a:ext cx="2668598" cy="881322"/>
+            <a:off x="6305019" y="6074251"/>
+            <a:ext cx="8253119" cy="550938"/>
           </a:xfrm>
           <a:prstGeom prst="rect">
             <a:avLst/>
           </a:prstGeom>
         </p:spPr>
       </p:pic>
-      <p:grpSp>
-        <p:nvGrpSpPr>
-          <p:cNvPr id="1003" name="그룹 1003"/>
-          <p:cNvGrpSpPr/>
-          <p:nvPr/>
-        </p:nvGrpSpPr>
-        <p:grpSpPr>
-          <a:xfrm>
-            <a:off x="752389" y="8759524"/>
-            <a:ext cx="16790468" cy="840476"/>
-            <a:chOff x="752389" y="8759524"/>
-            <a:chExt cx="16790468" cy="840476"/>
-          </a:xfrm>
-        </p:grpSpPr>
-        <p:pic>
-          <p:nvPicPr>
-            <p:cNvPr id="13" name="Object 12"/>
-            <p:cNvPicPr>
-              <a:picLocks noChangeAspect="1"/>
-            </p:cNvPicPr>
-            <p:nvPr/>
-          </p:nvPicPr>
-          <p:blipFill>
-            <a:blip r:embed="rId8" cstate="print"/>
+      <p:pic>
+        <p:nvPicPr>
+          <p:cNvPr id="17" name="Object 16"/>
+          <p:cNvPicPr>
+            <a:picLocks noChangeAspect="1"/>
+          </p:cNvPicPr>
+          <p:nvPr/>
+        </p:nvPicPr>
+        <p:blipFill>
+          <a:blip r:embed="rId9" cstate="print"/>
+          <a:stretch>
+            <a:fillRect/>
+          </a:stretch>
+        </p:blipFill>
+        <p:spPr>
+          <a:xfrm>
+            <a:off x="6305019" y="7766411"/>
+            <a:ext cx="11108728" cy="1109262"/>
+          </a:xfrm>
+          <a:prstGeom prst="rect">
+            <a:avLst/>
+          </a:prstGeom>
+        </p:spPr>
+      </p:pic>
+      <p:grpSp>
+        <p:nvGrpSpPr>
+          <p:cNvPr id="1005" name="그룹 1005"/>
+          <p:cNvGrpSpPr/>
+          <p:nvPr/>
+        </p:nvGrpSpPr>
+        <p:grpSpPr>
+          <a:xfrm>
+            <a:off x="715476" y="3382412"/>
+            <a:ext cx="16854762" cy="121855"/>
+            <a:chOff x="715476" y="3382412"/>
+            <a:chExt cx="16854762" cy="121855"/>
+          </a:xfrm>
+        </p:grpSpPr>
+        <p:pic>
+          <p:nvPicPr>
+            <p:cNvPr id="19" name="Object 18"/>
+            <p:cNvPicPr>
+              <a:picLocks noChangeAspect="1"/>
+            </p:cNvPicPr>
+            <p:nvPr/>
+          </p:nvPicPr>
+          <p:blipFill>
+            <a:blip r:embed="rId10" cstate="print"/>
+            <a:stretch>
+              <a:fillRect/>
+            </a:stretch>
+          </p:blipFill>
+          <p:spPr>
+            <a:xfrm rot="-10800000">
+              <a:off x="715476" y="3382412"/>
+              <a:ext cx="16854762" cy="121855"/>
+            </a:xfrm>
+            <a:prstGeom prst="rect">
+              <a:avLst/>
+            </a:prstGeom>
+          </p:spPr>
+        </p:pic>
+      </p:grpSp>
+      <p:pic>
+        <p:nvPicPr>
+          <p:cNvPr id="21" name="Object 20"/>
+          <p:cNvPicPr>
+            <a:picLocks noChangeAspect="1"/>
+          </p:cNvPicPr>
+          <p:nvPr/>
+        </p:nvPicPr>
+        <p:blipFill>
+          <a:blip r:embed="rId11" cstate="print"/>
+          <a:stretch>
+            <a:fillRect/>
+          </a:stretch>
+        </p:blipFill>
+        <p:spPr>
+          <a:xfrm>
+            <a:off x="2231659" y="2022701"/>
+            <a:ext cx="2470269" cy="817136"/>
+          </a:xfrm>
+          <a:prstGeom prst="rect">
+            <a:avLst/>
+          </a:prstGeom>
+        </p:spPr>
+      </p:pic>
+      <p:pic>
+        <p:nvPicPr>
+          <p:cNvPr id="22" name="Object 21"/>
+          <p:cNvPicPr>
+            <a:picLocks noChangeAspect="1"/>
+          </p:cNvPicPr>
+          <p:nvPr/>
+        </p:nvPicPr>
+        <p:blipFill>
+          <a:blip r:embed="rId12" cstate="print"/>
+          <a:stretch>
+            <a:fillRect/>
+          </a:stretch>
+        </p:blipFill>
+        <p:spPr>
+          <a:xfrm>
+            <a:off x="6305019" y="2145118"/>
+            <a:ext cx="10785233" cy="550938"/>
+          </a:xfrm>
+          <a:prstGeom prst="rect">
+            <a:avLst/>
+          </a:prstGeom>
+        </p:spPr>
+      </p:pic>
+      <p:pic>
+        <p:nvPicPr>
+          <p:cNvPr id="23" name="Object 22"/>
+          <p:cNvPicPr>
+            <a:picLocks noChangeAspect="1"/>
+          </p:cNvPicPr>
+          <p:nvPr/>
+        </p:nvPicPr>
+        <p:blipFill>
+          <a:blip r:embed="rId13" cstate="print"/>
+          <a:stretch>
+            <a:fillRect/>
+          </a:stretch>
+        </p:blipFill>
+        <p:spPr>
+          <a:xfrm>
+            <a:off x="2114202" y="3810005"/>
+            <a:ext cx="2934222" cy="1313841"/>
+          </a:xfrm>
+          <a:prstGeom prst="rect">
+            <a:avLst/>
+          </a:prstGeom>
+        </p:spPr>
+      </p:pic>
+      <p:pic>
+        <p:nvPicPr>
+          <p:cNvPr id="24" name="Object 23"/>
+          <p:cNvPicPr>
+            <a:picLocks noChangeAspect="1"/>
+          </p:cNvPicPr>
+          <p:nvPr/>
+        </p:nvPicPr>
+        <p:blipFill>
+          <a:blip r:embed="rId14" cstate="print"/>
+          <a:stretch>
+            <a:fillRect/>
+          </a:stretch>
+        </p:blipFill>
+        <p:spPr>
+          <a:xfrm>
+            <a:off x="6305019" y="3783932"/>
+            <a:ext cx="10979148" cy="1109262"/>
+          </a:xfrm>
+          <a:prstGeom prst="rect">
+            <a:avLst/>
+          </a:prstGeom>
+        </p:spPr>
+      </p:pic>
+      <p:grpSp>
+        <p:nvGrpSpPr>
+          <p:cNvPr id="1006" name="그룹 1006"/>
+          <p:cNvGrpSpPr/>
+          <p:nvPr/>
+        </p:nvGrpSpPr>
+        <p:grpSpPr>
+          <a:xfrm>
+            <a:off x="729776" y="9352381"/>
+            <a:ext cx="16813081" cy="247619"/>
+            <a:chOff x="729776" y="9352381"/>
+            <a:chExt cx="16813081" cy="247619"/>
+          </a:xfrm>
+        </p:grpSpPr>
+        <p:pic>
+          <p:nvPicPr>
+            <p:cNvPr id="26" name="Object 25"/>
+            <p:cNvPicPr>
+              <a:picLocks noChangeAspect="1"/>
+            </p:cNvPicPr>
+            <p:nvPr/>
+          </p:nvPicPr>
+          <p:blipFill>
+            <a:blip r:embed="rId15" cstate="print"/>
             <a:stretch>
               <a:fillRect/>
             </a:stretch>
           </p:blipFill>
           <p:spPr>
             <a:xfrm>
-              <a:off x="752389" y="8759524"/>
-              <a:ext cx="16790468" cy="840476"/>
-            </a:xfrm>
-            <a:prstGeom prst="rect">
-              <a:avLst/>
-            </a:prstGeom>
-          </p:spPr>
-        </p:pic>
-      </p:grpSp>
-      <p:grpSp>
-        <p:nvGrpSpPr>
-          <p:cNvPr id="1004" name="그룹 1004"/>
-          <p:cNvGrpSpPr/>
-          <p:nvPr/>
-        </p:nvGrpSpPr>
-        <p:grpSpPr>
-          <a:xfrm>
-            <a:off x="15609229" y="2302785"/>
-            <a:ext cx="1022821" cy="817668"/>
-            <a:chOff x="15609229" y="2302785"/>
-            <a:chExt cx="1022821" cy="817668"/>
-          </a:xfrm>
-        </p:grpSpPr>
-        <p:pic>
-          <p:nvPicPr>
-            <p:cNvPr id="16" name="Object 15"/>
-            <p:cNvPicPr>
-              <a:picLocks noChangeAspect="1"/>
-            </p:cNvPicPr>
-            <p:nvPr/>
-          </p:nvPicPr>
-          <p:blipFill>
-            <a:blip r:embed="rId9" cstate="print"/>
-            <a:stretch>
-              <a:fillRect/>
-            </a:stretch>
-          </p:blipFill>
-          <p:spPr>
-            <a:xfrm rot="-10800000">
-              <a:off x="15609229" y="2302785"/>
-              <a:ext cx="1022821" cy="817668"/>
+              <a:off x="729776" y="9352381"/>
+              <a:ext cx="16813081" cy="247619"/>
+            </a:xfrm>
+            <a:prstGeom prst="rect">
+              <a:avLst/>
+            </a:prstGeom>
+          </p:spPr>
+        </p:pic>
+      </p:grpSp>
+      <p:grpSp>
+        <p:nvGrpSpPr>
+          <p:cNvPr id="1007" name="그룹 1007"/>
+          <p:cNvGrpSpPr/>
+          <p:nvPr/>
+        </p:nvGrpSpPr>
+        <p:grpSpPr>
+          <a:xfrm>
+            <a:off x="1854964" y="5416868"/>
+            <a:ext cx="8053932" cy="121855"/>
+            <a:chOff x="1854964" y="5416868"/>
+            <a:chExt cx="8053932" cy="121855"/>
+          </a:xfrm>
+        </p:grpSpPr>
+        <p:pic>
+          <p:nvPicPr>
+            <p:cNvPr id="29" name="Object 28"/>
+            <p:cNvPicPr>
+              <a:picLocks noChangeAspect="1"/>
+            </p:cNvPicPr>
+            <p:nvPr/>
+          </p:nvPicPr>
+          <p:blipFill>
+            <a:blip r:embed="rId16" cstate="print"/>
+            <a:stretch>
+              <a:fillRect/>
+            </a:stretch>
+          </p:blipFill>
+          <p:spPr>
+            <a:xfrm rot="-5400000">
+              <a:off x="1854964" y="5416868"/>
+              <a:ext cx="8053932" cy="121855"/>
+            </a:xfrm>
+            <a:prstGeom prst="rect">
+              <a:avLst/>
+            </a:prstGeom>
+          </p:spPr>
+        </p:pic>
+      </p:grpSp>
+      <p:grpSp>
+        <p:nvGrpSpPr>
+          <p:cNvPr id="1008" name="그룹 1008"/>
+          <p:cNvGrpSpPr/>
+          <p:nvPr/>
+        </p:nvGrpSpPr>
+        <p:grpSpPr>
+          <a:xfrm>
+            <a:off x="1589439" y="6076516"/>
+            <a:ext cx="476833" cy="525649"/>
+            <a:chOff x="1589439" y="6076516"/>
+            <a:chExt cx="476833" cy="525649"/>
+          </a:xfrm>
+        </p:grpSpPr>
+        <p:pic>
+          <p:nvPicPr>
+            <p:cNvPr id="32" name="Object 31"/>
+            <p:cNvPicPr>
+              <a:picLocks noChangeAspect="1"/>
+            </p:cNvPicPr>
+            <p:nvPr/>
+          </p:nvPicPr>
+          <p:blipFill>
+            <a:blip r:embed="rId17" cstate="print"/>
+            <a:stretch>
+              <a:fillRect/>
+            </a:stretch>
+          </p:blipFill>
+          <p:spPr>
+            <a:xfrm>
+              <a:off x="1589439" y="6076516"/>
+              <a:ext cx="476833" cy="525649"/>
+            </a:xfrm>
+            <a:prstGeom prst="rect">
+              <a:avLst/>
+            </a:prstGeom>
+          </p:spPr>
+        </p:pic>
+      </p:grpSp>
+      <p:grpSp>
+        <p:nvGrpSpPr>
+          <p:cNvPr id="1009" name="그룹 1009"/>
+          <p:cNvGrpSpPr/>
+          <p:nvPr/>
+        </p:nvGrpSpPr>
+        <p:grpSpPr>
+          <a:xfrm>
+            <a:off x="1579915" y="4061237"/>
+            <a:ext cx="476833" cy="525649"/>
+            <a:chOff x="1579915" y="4061237"/>
+            <a:chExt cx="476833" cy="525649"/>
+          </a:xfrm>
+        </p:grpSpPr>
+        <p:pic>
+          <p:nvPicPr>
+            <p:cNvPr id="35" name="Object 34"/>
+            <p:cNvPicPr>
+              <a:picLocks noChangeAspect="1"/>
+            </p:cNvPicPr>
+            <p:nvPr/>
+          </p:nvPicPr>
+          <p:blipFill>
+            <a:blip r:embed="rId18" cstate="print"/>
+            <a:stretch>
+              <a:fillRect/>
+            </a:stretch>
+          </p:blipFill>
+          <p:spPr>
+            <a:xfrm>
+              <a:off x="1579915" y="4061237"/>
+              <a:ext cx="476833" cy="525649"/>
+            </a:xfrm>
+            <a:prstGeom prst="rect">
+              <a:avLst/>
+            </a:prstGeom>
+          </p:spPr>
+        </p:pic>
+      </p:grpSp>
+      <p:grpSp>
+        <p:nvGrpSpPr>
+          <p:cNvPr id="1010" name="그룹 1010"/>
+          <p:cNvGrpSpPr/>
+          <p:nvPr/>
+        </p:nvGrpSpPr>
+        <p:grpSpPr>
+          <a:xfrm>
+            <a:off x="1589439" y="2165239"/>
+            <a:ext cx="476833" cy="525649"/>
+            <a:chOff x="1589439" y="2165239"/>
+            <a:chExt cx="476833" cy="525649"/>
+          </a:xfrm>
+        </p:grpSpPr>
+        <p:pic>
+          <p:nvPicPr>
+            <p:cNvPr id="38" name="Object 37"/>
+            <p:cNvPicPr>
+              <a:picLocks noChangeAspect="1"/>
+            </p:cNvPicPr>
+            <p:nvPr/>
+          </p:nvPicPr>
+          <p:blipFill>
+            <a:blip r:embed="rId19" cstate="print"/>
+            <a:stretch>
+              <a:fillRect/>
+            </a:stretch>
+          </p:blipFill>
+          <p:spPr>
+            <a:xfrm>
+              <a:off x="1589439" y="2165239"/>
+              <a:ext cx="476833" cy="525649"/>
             </a:xfrm>
             <a:prstGeom prst="rect">
               <a:avLst/>
@@ -7377,7 +7532,7 @@
         <p:spPr>
           <a:xfrm>
             <a:off x="1213021" y="2575283"/>
-            <a:ext cx="3623781" cy="2714372"/>
+            <a:ext cx="3623572" cy="2693476"/>
           </a:xfrm>
           <a:prstGeom prst="rect">
             <a:avLst/>
@@ -7897,6 +8052,291 @@
           </a:prstGeom>
         </p:spPr>
       </p:pic>
+    </p:spTree>
+  </p:cSld>
+  <p:clrMapOvr>
+    <a:masterClrMapping/>
+  </p:clrMapOvr>
+</p:sld>
+</file>
+
+<file path=ppt/slides/slide20.xml><?xml version="1.0" encoding="utf-8"?>
+<p:sld xmlns:a="http://schemas.openxmlformats.org/drawingml/2006/main" xmlns:r="http://schemas.openxmlformats.org/officeDocument/2006/relationships" xmlns:p="http://schemas.openxmlformats.org/presentationml/2006/main">
+  <p:cSld name="Slide 20">
+    <p:bg>
+      <p:bgPr>
+        <a:solidFill>
+          <a:srgbClr val="FFFFFF"/>
+        </a:solidFill>
+        <a:effectLst/>
+      </p:bgPr>
+    </p:bg>
+    <p:spTree>
+      <p:nvGrpSpPr>
+        <p:cNvPr id="1" name=""/>
+        <p:cNvGrpSpPr/>
+        <p:nvPr/>
+      </p:nvGrpSpPr>
+      <p:grpSpPr>
+        <a:xfrm>
+          <a:off x="0" y="0"/>
+          <a:ext cx="0" cy="0"/>
+          <a:chOff x="0" y="0"/>
+          <a:chExt cx="0" cy="0"/>
+        </a:xfrm>
+      </p:grpSpPr>
+      <p:grpSp>
+        <p:nvGrpSpPr>
+          <p:cNvPr id="1001" name="그룹 1001"/>
+          <p:cNvGrpSpPr/>
+          <p:nvPr/>
+        </p:nvGrpSpPr>
+        <p:grpSpPr>
+          <a:xfrm>
+            <a:off x="705274" y="686772"/>
+            <a:ext cx="16875166" cy="8912169"/>
+            <a:chOff x="705274" y="686772"/>
+            <a:chExt cx="16875166" cy="8912169"/>
+          </a:xfrm>
+        </p:grpSpPr>
+        <p:pic>
+          <p:nvPicPr>
+            <p:cNvPr id="3" name="Object 2"/>
+            <p:cNvPicPr>
+              <a:picLocks noChangeAspect="1"/>
+            </p:cNvPicPr>
+            <p:nvPr/>
+          </p:nvPicPr>
+          <p:blipFill>
+            <a:blip r:embed="rId2" cstate="print"/>
+            <a:stretch>
+              <a:fillRect/>
+            </a:stretch>
+          </p:blipFill>
+          <p:spPr>
+            <a:xfrm>
+              <a:off x="705274" y="686772"/>
+              <a:ext cx="16875166" cy="8912169"/>
+            </a:xfrm>
+            <a:prstGeom prst="rect">
+              <a:avLst/>
+            </a:prstGeom>
+          </p:spPr>
+        </p:pic>
+      </p:grpSp>
+      <p:grpSp>
+        <p:nvGrpSpPr>
+          <p:cNvPr id="1002" name="그룹 1002"/>
+          <p:cNvGrpSpPr/>
+          <p:nvPr/>
+        </p:nvGrpSpPr>
+        <p:grpSpPr>
+          <a:xfrm>
+            <a:off x="12653968" y="6602960"/>
+            <a:ext cx="3817273" cy="1270849"/>
+            <a:chOff x="12653968" y="6602960"/>
+            <a:chExt cx="3817273" cy="1270849"/>
+          </a:xfrm>
+        </p:grpSpPr>
+        <p:pic>
+          <p:nvPicPr>
+            <p:cNvPr id="6" name="Object 5"/>
+            <p:cNvPicPr>
+              <a:picLocks noChangeAspect="1"/>
+            </p:cNvPicPr>
+            <p:nvPr/>
+          </p:nvPicPr>
+          <p:blipFill>
+            <a:blip r:embed="rId3" cstate="print"/>
+            <a:stretch>
+              <a:fillRect/>
+            </a:stretch>
+          </p:blipFill>
+          <p:spPr>
+            <a:xfrm>
+              <a:off x="12653968" y="6602960"/>
+              <a:ext cx="3817273" cy="1270849"/>
+            </a:xfrm>
+            <a:prstGeom prst="rect">
+              <a:avLst/>
+            </a:prstGeom>
+          </p:spPr>
+        </p:pic>
+      </p:grpSp>
+      <p:pic>
+        <p:nvPicPr>
+          <p:cNvPr id="8" name="Object 7"/>
+          <p:cNvPicPr>
+            <a:picLocks noChangeAspect="1"/>
+          </p:cNvPicPr>
+          <p:nvPr/>
+        </p:nvPicPr>
+        <p:blipFill>
+          <a:blip r:embed="rId4" cstate="print"/>
+          <a:stretch>
+            <a:fillRect/>
+          </a:stretch>
+        </p:blipFill>
+        <p:spPr>
+          <a:xfrm>
+            <a:off x="1277680" y="3312161"/>
+            <a:ext cx="14503841" cy="3713860"/>
+          </a:xfrm>
+          <a:prstGeom prst="rect">
+            <a:avLst/>
+          </a:prstGeom>
+        </p:spPr>
+      </p:pic>
+      <p:pic>
+        <p:nvPicPr>
+          <p:cNvPr id="9" name="Object 8"/>
+          <p:cNvPicPr>
+            <a:picLocks noChangeAspect="1"/>
+          </p:cNvPicPr>
+          <p:nvPr/>
+        </p:nvPicPr>
+        <p:blipFill>
+          <a:blip r:embed="rId5" cstate="print"/>
+          <a:stretch>
+            <a:fillRect/>
+          </a:stretch>
+        </p:blipFill>
+        <p:spPr>
+          <a:xfrm>
+            <a:off x="1583195" y="2246595"/>
+            <a:ext cx="4830772" cy="2217743"/>
+          </a:xfrm>
+          <a:prstGeom prst="rect">
+            <a:avLst/>
+          </a:prstGeom>
+        </p:spPr>
+      </p:pic>
+      <p:pic>
+        <p:nvPicPr>
+          <p:cNvPr id="10" name="Object 9"/>
+          <p:cNvPicPr>
+            <a:picLocks noChangeAspect="1"/>
+          </p:cNvPicPr>
+          <p:nvPr/>
+        </p:nvPicPr>
+        <p:blipFill>
+          <a:blip r:embed="rId6" cstate="print"/>
+          <a:stretch>
+            <a:fillRect/>
+          </a:stretch>
+        </p:blipFill>
+        <p:spPr>
+          <a:xfrm>
+            <a:off x="1771916" y="6907325"/>
+            <a:ext cx="2427309" cy="723747"/>
+          </a:xfrm>
+          <a:prstGeom prst="rect">
+            <a:avLst/>
+          </a:prstGeom>
+        </p:spPr>
+      </p:pic>
+      <p:pic>
+        <p:nvPicPr>
+          <p:cNvPr id="11" name="Object 10"/>
+          <p:cNvPicPr>
+            <a:picLocks noChangeAspect="1"/>
+          </p:cNvPicPr>
+          <p:nvPr/>
+        </p:nvPicPr>
+        <p:blipFill>
+          <a:blip r:embed="rId7" cstate="print"/>
+          <a:stretch>
+            <a:fillRect/>
+          </a:stretch>
+        </p:blipFill>
+        <p:spPr>
+          <a:xfrm>
+            <a:off x="13087603" y="6729713"/>
+            <a:ext cx="2667883" cy="879141"/>
+          </a:xfrm>
+          <a:prstGeom prst="rect">
+            <a:avLst/>
+          </a:prstGeom>
+        </p:spPr>
+      </p:pic>
+      <p:grpSp>
+        <p:nvGrpSpPr>
+          <p:cNvPr id="1003" name="그룹 1003"/>
+          <p:cNvGrpSpPr/>
+          <p:nvPr/>
+        </p:nvGrpSpPr>
+        <p:grpSpPr>
+          <a:xfrm>
+            <a:off x="752389" y="8759524"/>
+            <a:ext cx="16790468" cy="840476"/>
+            <a:chOff x="752389" y="8759524"/>
+            <a:chExt cx="16790468" cy="840476"/>
+          </a:xfrm>
+        </p:grpSpPr>
+        <p:pic>
+          <p:nvPicPr>
+            <p:cNvPr id="13" name="Object 12"/>
+            <p:cNvPicPr>
+              <a:picLocks noChangeAspect="1"/>
+            </p:cNvPicPr>
+            <p:nvPr/>
+          </p:nvPicPr>
+          <p:blipFill>
+            <a:blip r:embed="rId8" cstate="print"/>
+            <a:stretch>
+              <a:fillRect/>
+            </a:stretch>
+          </p:blipFill>
+          <p:spPr>
+            <a:xfrm>
+              <a:off x="752389" y="8759524"/>
+              <a:ext cx="16790468" cy="840476"/>
+            </a:xfrm>
+            <a:prstGeom prst="rect">
+              <a:avLst/>
+            </a:prstGeom>
+          </p:spPr>
+        </p:pic>
+      </p:grpSp>
+      <p:grpSp>
+        <p:nvGrpSpPr>
+          <p:cNvPr id="1004" name="그룹 1004"/>
+          <p:cNvGrpSpPr/>
+          <p:nvPr/>
+        </p:nvGrpSpPr>
+        <p:grpSpPr>
+          <a:xfrm>
+            <a:off x="15609229" y="2302785"/>
+            <a:ext cx="1022821" cy="817668"/>
+            <a:chOff x="15609229" y="2302785"/>
+            <a:chExt cx="1022821" cy="817668"/>
+          </a:xfrm>
+        </p:grpSpPr>
+        <p:pic>
+          <p:nvPicPr>
+            <p:cNvPr id="16" name="Object 15"/>
+            <p:cNvPicPr>
+              <a:picLocks noChangeAspect="1"/>
+            </p:cNvPicPr>
+            <p:nvPr/>
+          </p:nvPicPr>
+          <p:blipFill>
+            <a:blip r:embed="rId9" cstate="print"/>
+            <a:stretch>
+              <a:fillRect/>
+            </a:stretch>
+          </p:blipFill>
+          <p:spPr>
+            <a:xfrm rot="-10800000">
+              <a:off x="15609229" y="2302785"/>
+              <a:ext cx="1022821" cy="817668"/>
+            </a:xfrm>
+            <a:prstGeom prst="rect">
+              <a:avLst/>
+            </a:prstGeom>
+          </p:spPr>
+        </p:pic>
+      </p:grpSp>
     </p:spTree>
   </p:cSld>
   <p:clrMapOvr>
@@ -8291,8 +8731,8 @@
         </p:blipFill>
         <p:spPr>
           <a:xfrm>
-            <a:off x="8895884" y="4871560"/>
-            <a:ext cx="1619454" cy="1018901"/>
+            <a:off x="8736416" y="4861076"/>
+            <a:ext cx="1931901" cy="1441682"/>
           </a:xfrm>
           <a:prstGeom prst="rect">
             <a:avLst/>
@@ -8643,7 +9083,7 @@
         <p:spPr>
           <a:xfrm>
             <a:off x="10464093" y="2126344"/>
-            <a:ext cx="9613944" cy="9490754"/>
+            <a:ext cx="9613878" cy="9487754"/>
           </a:xfrm>
           <a:prstGeom prst="rect">
             <a:avLst/>
@@ -8667,7 +9107,7 @@
         <p:spPr>
           <a:xfrm>
             <a:off x="1845172" y="7049610"/>
-            <a:ext cx="4408612" cy="1675226"/>
+            <a:ext cx="4414712" cy="1671721"/>
           </a:xfrm>
           <a:prstGeom prst="rect">
             <a:avLst/>
@@ -8730,7 +9170,7 @@
         <p:spPr>
           <a:xfrm>
             <a:off x="1790045" y="3774235"/>
-            <a:ext cx="5745012" cy="2114069"/>
+            <a:ext cx="5745012" cy="2115412"/>
           </a:xfrm>
           <a:prstGeom prst="rect">
             <a:avLst/>
@@ -8943,7 +9383,7 @@
         <p:spPr>
           <a:xfrm>
             <a:off x="2962569" y="2799393"/>
-            <a:ext cx="12903050" cy="2666831"/>
+            <a:ext cx="12903164" cy="2662488"/>
           </a:xfrm>
           <a:prstGeom prst="rect">
             <a:avLst/>
@@ -8967,7 +9407,7 @@
         <p:spPr>
           <a:xfrm>
             <a:off x="4011431" y="4613202"/>
-            <a:ext cx="10336563" cy="3063744"/>
+            <a:ext cx="10336782" cy="3058725"/>
           </a:xfrm>
           <a:prstGeom prst="rect">
             <a:avLst/>
@@ -8991,7 +9431,7 @@
         <p:spPr>
           <a:xfrm>
             <a:off x="4743163" y="7978973"/>
-            <a:ext cx="8059157" cy="563729"/>
+            <a:ext cx="8059319" cy="549348"/>
           </a:xfrm>
           <a:prstGeom prst="rect">
             <a:avLst/>
@@ -9204,7 +9644,7 @@
         <p:spPr>
           <a:xfrm>
             <a:off x="7549579" y="746325"/>
-            <a:ext cx="2996358" cy="713025"/>
+            <a:ext cx="2996292" cy="715330"/>
           </a:xfrm>
           <a:prstGeom prst="rect">
             <a:avLst/>
@@ -9417,7 +9857,7 @@
         <p:spPr>
           <a:xfrm>
             <a:off x="7549579" y="746325"/>
-            <a:ext cx="2561730" cy="713025"/>
+            <a:ext cx="2561377" cy="705473"/>
           </a:xfrm>
           <a:prstGeom prst="rect">
             <a:avLst/>
@@ -9504,10 +9944,10 @@
         </p:nvGrpSpPr>
         <p:grpSpPr>
           <a:xfrm>
-            <a:off x="1428914" y="3842680"/>
-            <a:ext cx="7006051" cy="2322412"/>
-            <a:chOff x="1428914" y="3842680"/>
-            <a:chExt cx="7006051" cy="2322412"/>
+            <a:off x="831929" y="3469415"/>
+            <a:ext cx="9231201" cy="3406998"/>
+            <a:chOff x="831929" y="3469415"/>
+            <a:chExt cx="9231201" cy="3406998"/>
           </a:xfrm>
         </p:grpSpPr>
         <p:pic>
@@ -9526,8 +9966,8 @@
           </p:blipFill>
           <p:spPr>
             <a:xfrm rot="300000">
-              <a:off x="1428914" y="3842680"/>
-              <a:ext cx="7006051" cy="2322412"/>
+              <a:off x="831929" y="3469415"/>
+              <a:ext cx="9231201" cy="3406998"/>
             </a:xfrm>
             <a:prstGeom prst="rect">
               <a:avLst/>
@@ -9552,7 +9992,7 @@
         <p:spPr>
           <a:xfrm>
             <a:off x="11340345" y="3002596"/>
-            <a:ext cx="6551461" cy="5985747"/>
+            <a:ext cx="6551452" cy="5982747"/>
           </a:xfrm>
           <a:prstGeom prst="rect">
             <a:avLst/>
@@ -9614,8 +10054,8 @@
         </p:blipFill>
         <p:spPr>
           <a:xfrm>
-            <a:off x="1488960" y="3473151"/>
-            <a:ext cx="6969387" cy="3607311"/>
+            <a:off x="1198229" y="3054601"/>
+            <a:ext cx="7819378" cy="5139978"/>
           </a:xfrm>
           <a:prstGeom prst="rect">
             <a:avLst/>
@@ -9677,8 +10117,8 @@
         </p:blipFill>
         <p:spPr>
           <a:xfrm>
-            <a:off x="1790045" y="5307883"/>
-            <a:ext cx="3066440" cy="2114069"/>
+            <a:off x="1472735" y="6774625"/>
+            <a:ext cx="3066440" cy="2115412"/>
           </a:xfrm>
           <a:prstGeom prst="rect">
             <a:avLst/>
@@ -9969,7 +10409,7 @@
         <p:spPr>
           <a:xfrm>
             <a:off x="1490289" y="2988041"/>
-            <a:ext cx="2869606" cy="1961473"/>
+            <a:ext cx="2869273" cy="1952606"/>
           </a:xfrm>
           <a:prstGeom prst="rect">
             <a:avLst/>
@@ -10017,7 +10457,7 @@
         <p:spPr>
           <a:xfrm>
             <a:off x="7506853" y="3586873"/>
-            <a:ext cx="3701329" cy="1341853"/>
+            <a:ext cx="3702091" cy="1330272"/>
           </a:xfrm>
           <a:prstGeom prst="rect">
             <a:avLst/>
@@ -10041,7 +10481,7 @@
         <p:spPr>
           <a:xfrm>
             <a:off x="4584201" y="2005640"/>
-            <a:ext cx="5725286" cy="1073781"/>
+            <a:ext cx="5725096" cy="1059400"/>
           </a:xfrm>
           <a:prstGeom prst="rect">
             <a:avLst/>
@@ -10065,7 +10505,7 @@
         <p:spPr>
           <a:xfrm>
             <a:off x="10193724" y="2005640"/>
-            <a:ext cx="5417267" cy="1073781"/>
+            <a:ext cx="5416924" cy="1059400"/>
           </a:xfrm>
           <a:prstGeom prst="rect">
             <a:avLst/>
@@ -10137,7 +10577,7 @@
         <p:spPr>
           <a:xfrm>
             <a:off x="12912668" y="3501163"/>
-            <a:ext cx="3628120" cy="1341853"/>
+            <a:ext cx="3629015" cy="1330263"/>
           </a:xfrm>
           <a:prstGeom prst="rect">
             <a:avLst/>
@@ -10161,7 +10601,7 @@
         <p:spPr>
           <a:xfrm>
             <a:off x="7174354" y="7638889"/>
-            <a:ext cx="3995510" cy="1341853"/>
+            <a:ext cx="3995643" cy="1330272"/>
           </a:xfrm>
           <a:prstGeom prst="rect">
             <a:avLst/>
